--- a/SASS愈行愈远.pptx
+++ b/SASS愈行愈远.pptx
@@ -4,8 +4,15 @@
   <p:sldMasterIdLst>
     <p:sldMasterId id="2147483648" r:id="rId1"/>
   </p:sldMasterIdLst>
+  <p:notesMasterIdLst>
+    <p:notesMasterId r:id="rId7"/>
+  </p:notesMasterIdLst>
   <p:sldIdLst>
     <p:sldId id="256" r:id="rId2"/>
+    <p:sldId id="258" r:id="rId3"/>
+    <p:sldId id="257" r:id="rId4"/>
+    <p:sldId id="259" r:id="rId5"/>
+    <p:sldId id="260" r:id="rId6"/>
   </p:sldIdLst>
   <p:sldSz cx="12192000" cy="6858000"/>
   <p:notesSz cx="6858000" cy="9144000"/>
@@ -104,7 +111,454 @@
       </a:defRPr>
     </a:lvl9pPr>
   </p:defaultTextStyle>
+  <p:extLst>
+    <p:ext uri="{EFAFB233-063F-42B5-8137-9DF3F51BA10A}">
+      <p15:sldGuideLst xmlns:p15="http://schemas.microsoft.com/office/powerpoint/2012/main"/>
+    </p:ext>
+  </p:extLst>
 </p:presentation>
+</file>
+
+<file path=ppt/notesMasters/notesMaster1.xml><?xml version="1.0" encoding="utf-8"?>
+<p:notesMaster xmlns:a="http://schemas.openxmlformats.org/drawingml/2006/main" xmlns:r="http://schemas.openxmlformats.org/officeDocument/2006/relationships" xmlns:p="http://schemas.openxmlformats.org/presentationml/2006/main">
+  <p:cSld>
+    <p:bg>
+      <p:bgRef idx="1001">
+        <a:schemeClr val="bg1"/>
+      </p:bgRef>
+    </p:bg>
+    <p:spTree>
+      <p:nvGrpSpPr>
+        <p:cNvPr id="1" name=""/>
+        <p:cNvGrpSpPr/>
+        <p:nvPr/>
+      </p:nvGrpSpPr>
+      <p:grpSpPr>
+        <a:xfrm>
+          <a:off x="0" y="0"/>
+          <a:ext cx="0" cy="0"/>
+          <a:chOff x="0" y="0"/>
+          <a:chExt cx="0" cy="0"/>
+        </a:xfrm>
+      </p:grpSpPr>
+      <p:sp>
+        <p:nvSpPr>
+          <p:cNvPr id="2" name="页眉占位符 1"/>
+          <p:cNvSpPr>
+            <a:spLocks noGrp="1"/>
+          </p:cNvSpPr>
+          <p:nvPr>
+            <p:ph type="hdr" sz="quarter"/>
+          </p:nvPr>
+        </p:nvSpPr>
+        <p:spPr>
+          <a:xfrm>
+            <a:off x="0" y="0"/>
+            <a:ext cx="2971800" cy="458788"/>
+          </a:xfrm>
+          <a:prstGeom prst="rect">
+            <a:avLst/>
+          </a:prstGeom>
+        </p:spPr>
+        <p:txBody>
+          <a:bodyPr vert="horz" lIns="91440" tIns="45720" rIns="91440" bIns="45720" rtlCol="0"/>
+          <a:lstStyle>
+            <a:lvl1pPr algn="l">
+              <a:defRPr sz="1200"/>
+            </a:lvl1pPr>
+          </a:lstStyle>
+          <a:p>
+            <a:endParaRPr lang="zh-CN" altLang="en-US"/>
+          </a:p>
+        </p:txBody>
+      </p:sp>
+      <p:sp>
+        <p:nvSpPr>
+          <p:cNvPr id="3" name="日期占位符 2"/>
+          <p:cNvSpPr>
+            <a:spLocks noGrp="1"/>
+          </p:cNvSpPr>
+          <p:nvPr>
+            <p:ph type="dt" idx="1"/>
+          </p:nvPr>
+        </p:nvSpPr>
+        <p:spPr>
+          <a:xfrm>
+            <a:off x="3884613" y="0"/>
+            <a:ext cx="2971800" cy="458788"/>
+          </a:xfrm>
+          <a:prstGeom prst="rect">
+            <a:avLst/>
+          </a:prstGeom>
+        </p:spPr>
+        <p:txBody>
+          <a:bodyPr vert="horz" lIns="91440" tIns="45720" rIns="91440" bIns="45720" rtlCol="0"/>
+          <a:lstStyle>
+            <a:lvl1pPr algn="r">
+              <a:defRPr sz="1200"/>
+            </a:lvl1pPr>
+          </a:lstStyle>
+          <a:p>
+            <a:fld id="{37BD2C1D-2F58-45BB-86E1-36AE59844593}" type="datetimeFigureOut">
+              <a:rPr lang="zh-CN" altLang="en-US" smtClean="0"/>
+              <a:t>2015/7/6</a:t>
+            </a:fld>
+            <a:endParaRPr lang="zh-CN" altLang="en-US"/>
+          </a:p>
+        </p:txBody>
+      </p:sp>
+      <p:sp>
+        <p:nvSpPr>
+          <p:cNvPr id="4" name="幻灯片图像占位符 3"/>
+          <p:cNvSpPr>
+            <a:spLocks noGrp="1" noRot="1" noChangeAspect="1"/>
+          </p:cNvSpPr>
+          <p:nvPr>
+            <p:ph type="sldImg" idx="2"/>
+          </p:nvPr>
+        </p:nvSpPr>
+        <p:spPr>
+          <a:xfrm>
+            <a:off x="685800" y="1143000"/>
+            <a:ext cx="5486400" cy="3086100"/>
+          </a:xfrm>
+          <a:prstGeom prst="rect">
+            <a:avLst/>
+          </a:prstGeom>
+          <a:noFill/>
+          <a:ln w="12700">
+            <a:solidFill>
+              <a:prstClr val="black"/>
+            </a:solidFill>
+          </a:ln>
+        </p:spPr>
+        <p:txBody>
+          <a:bodyPr vert="horz" lIns="91440" tIns="45720" rIns="91440" bIns="45720" rtlCol="0" anchor="ctr"/>
+          <a:lstStyle/>
+          <a:p>
+            <a:endParaRPr lang="zh-CN" altLang="en-US"/>
+          </a:p>
+        </p:txBody>
+      </p:sp>
+      <p:sp>
+        <p:nvSpPr>
+          <p:cNvPr id="5" name="备注占位符 4"/>
+          <p:cNvSpPr>
+            <a:spLocks noGrp="1"/>
+          </p:cNvSpPr>
+          <p:nvPr>
+            <p:ph type="body" sz="quarter" idx="3"/>
+          </p:nvPr>
+        </p:nvSpPr>
+        <p:spPr>
+          <a:xfrm>
+            <a:off x="685800" y="4400550"/>
+            <a:ext cx="5486400" cy="3600450"/>
+          </a:xfrm>
+          <a:prstGeom prst="rect">
+            <a:avLst/>
+          </a:prstGeom>
+        </p:spPr>
+        <p:txBody>
+          <a:bodyPr vert="horz" lIns="91440" tIns="45720" rIns="91440" bIns="45720" rtlCol="0"/>
+          <a:lstStyle/>
+          <a:p>
+            <a:pPr lvl="0"/>
+            <a:r>
+              <a:rPr lang="zh-CN" altLang="en-US" smtClean="0"/>
+              <a:t>单击此处编辑母版文本样式</a:t>
+            </a:r>
+          </a:p>
+          <a:p>
+            <a:pPr lvl="1"/>
+            <a:r>
+              <a:rPr lang="zh-CN" altLang="en-US" smtClean="0"/>
+              <a:t>第二级</a:t>
+            </a:r>
+          </a:p>
+          <a:p>
+            <a:pPr lvl="2"/>
+            <a:r>
+              <a:rPr lang="zh-CN" altLang="en-US" smtClean="0"/>
+              <a:t>第三级</a:t>
+            </a:r>
+          </a:p>
+          <a:p>
+            <a:pPr lvl="3"/>
+            <a:r>
+              <a:rPr lang="zh-CN" altLang="en-US" smtClean="0"/>
+              <a:t>第四级</a:t>
+            </a:r>
+          </a:p>
+          <a:p>
+            <a:pPr lvl="4"/>
+            <a:r>
+              <a:rPr lang="zh-CN" altLang="en-US" smtClean="0"/>
+              <a:t>第五级</a:t>
+            </a:r>
+            <a:endParaRPr lang="zh-CN" altLang="en-US"/>
+          </a:p>
+        </p:txBody>
+      </p:sp>
+      <p:sp>
+        <p:nvSpPr>
+          <p:cNvPr id="6" name="页脚占位符 5"/>
+          <p:cNvSpPr>
+            <a:spLocks noGrp="1"/>
+          </p:cNvSpPr>
+          <p:nvPr>
+            <p:ph type="ftr" sz="quarter" idx="4"/>
+          </p:nvPr>
+        </p:nvSpPr>
+        <p:spPr>
+          <a:xfrm>
+            <a:off x="0" y="8685213"/>
+            <a:ext cx="2971800" cy="458787"/>
+          </a:xfrm>
+          <a:prstGeom prst="rect">
+            <a:avLst/>
+          </a:prstGeom>
+        </p:spPr>
+        <p:txBody>
+          <a:bodyPr vert="horz" lIns="91440" tIns="45720" rIns="91440" bIns="45720" rtlCol="0" anchor="b"/>
+          <a:lstStyle>
+            <a:lvl1pPr algn="l">
+              <a:defRPr sz="1200"/>
+            </a:lvl1pPr>
+          </a:lstStyle>
+          <a:p>
+            <a:endParaRPr lang="zh-CN" altLang="en-US"/>
+          </a:p>
+        </p:txBody>
+      </p:sp>
+      <p:sp>
+        <p:nvSpPr>
+          <p:cNvPr id="7" name="灯片编号占位符 6"/>
+          <p:cNvSpPr>
+            <a:spLocks noGrp="1"/>
+          </p:cNvSpPr>
+          <p:nvPr>
+            <p:ph type="sldNum" sz="quarter" idx="5"/>
+          </p:nvPr>
+        </p:nvSpPr>
+        <p:spPr>
+          <a:xfrm>
+            <a:off x="3884613" y="8685213"/>
+            <a:ext cx="2971800" cy="458787"/>
+          </a:xfrm>
+          <a:prstGeom prst="rect">
+            <a:avLst/>
+          </a:prstGeom>
+        </p:spPr>
+        <p:txBody>
+          <a:bodyPr vert="horz" lIns="91440" tIns="45720" rIns="91440" bIns="45720" rtlCol="0" anchor="b"/>
+          <a:lstStyle>
+            <a:lvl1pPr algn="r">
+              <a:defRPr sz="1200"/>
+            </a:lvl1pPr>
+          </a:lstStyle>
+          <a:p>
+            <a:fld id="{50AB4024-DAA6-4EAE-AEB3-353C1DA2FD5F}" type="slidenum">
+              <a:rPr lang="zh-CN" altLang="en-US" smtClean="0"/>
+              <a:t>‹#›</a:t>
+            </a:fld>
+            <a:endParaRPr lang="zh-CN" altLang="en-US"/>
+          </a:p>
+        </p:txBody>
+      </p:sp>
+    </p:spTree>
+    <p:extLst>
+      <p:ext uri="{BB962C8B-B14F-4D97-AF65-F5344CB8AC3E}">
+        <p14:creationId xmlns:p14="http://schemas.microsoft.com/office/powerpoint/2010/main" val="3477340734"/>
+      </p:ext>
+    </p:extLst>
+  </p:cSld>
+  <p:clrMap bg1="lt1" tx1="dk1" bg2="lt2" tx2="dk2" accent1="accent1" accent2="accent2" accent3="accent3" accent4="accent4" accent5="accent5" accent6="accent6" hlink="hlink" folHlink="folHlink"/>
+  <p:notesStyle>
+    <a:lvl1pPr marL="0" algn="l" defTabSz="914400" rtl="0" eaLnBrk="1" latinLnBrk="0" hangingPunct="1">
+      <a:defRPr sz="1200" kern="1200">
+        <a:solidFill>
+          <a:schemeClr val="tx1"/>
+        </a:solidFill>
+        <a:latin typeface="+mn-lt"/>
+        <a:ea typeface="+mn-ea"/>
+        <a:cs typeface="+mn-cs"/>
+      </a:defRPr>
+    </a:lvl1pPr>
+    <a:lvl2pPr marL="457200" algn="l" defTabSz="914400" rtl="0" eaLnBrk="1" latinLnBrk="0" hangingPunct="1">
+      <a:defRPr sz="1200" kern="1200">
+        <a:solidFill>
+          <a:schemeClr val="tx1"/>
+        </a:solidFill>
+        <a:latin typeface="+mn-lt"/>
+        <a:ea typeface="+mn-ea"/>
+        <a:cs typeface="+mn-cs"/>
+      </a:defRPr>
+    </a:lvl2pPr>
+    <a:lvl3pPr marL="914400" algn="l" defTabSz="914400" rtl="0" eaLnBrk="1" latinLnBrk="0" hangingPunct="1">
+      <a:defRPr sz="1200" kern="1200">
+        <a:solidFill>
+          <a:schemeClr val="tx1"/>
+        </a:solidFill>
+        <a:latin typeface="+mn-lt"/>
+        <a:ea typeface="+mn-ea"/>
+        <a:cs typeface="+mn-cs"/>
+      </a:defRPr>
+    </a:lvl3pPr>
+    <a:lvl4pPr marL="1371600" algn="l" defTabSz="914400" rtl="0" eaLnBrk="1" latinLnBrk="0" hangingPunct="1">
+      <a:defRPr sz="1200" kern="1200">
+        <a:solidFill>
+          <a:schemeClr val="tx1"/>
+        </a:solidFill>
+        <a:latin typeface="+mn-lt"/>
+        <a:ea typeface="+mn-ea"/>
+        <a:cs typeface="+mn-cs"/>
+      </a:defRPr>
+    </a:lvl4pPr>
+    <a:lvl5pPr marL="1828800" algn="l" defTabSz="914400" rtl="0" eaLnBrk="1" latinLnBrk="0" hangingPunct="1">
+      <a:defRPr sz="1200" kern="1200">
+        <a:solidFill>
+          <a:schemeClr val="tx1"/>
+        </a:solidFill>
+        <a:latin typeface="+mn-lt"/>
+        <a:ea typeface="+mn-ea"/>
+        <a:cs typeface="+mn-cs"/>
+      </a:defRPr>
+    </a:lvl5pPr>
+    <a:lvl6pPr marL="2286000" algn="l" defTabSz="914400" rtl="0" eaLnBrk="1" latinLnBrk="0" hangingPunct="1">
+      <a:defRPr sz="1200" kern="1200">
+        <a:solidFill>
+          <a:schemeClr val="tx1"/>
+        </a:solidFill>
+        <a:latin typeface="+mn-lt"/>
+        <a:ea typeface="+mn-ea"/>
+        <a:cs typeface="+mn-cs"/>
+      </a:defRPr>
+    </a:lvl6pPr>
+    <a:lvl7pPr marL="2743200" algn="l" defTabSz="914400" rtl="0" eaLnBrk="1" latinLnBrk="0" hangingPunct="1">
+      <a:defRPr sz="1200" kern="1200">
+        <a:solidFill>
+          <a:schemeClr val="tx1"/>
+        </a:solidFill>
+        <a:latin typeface="+mn-lt"/>
+        <a:ea typeface="+mn-ea"/>
+        <a:cs typeface="+mn-cs"/>
+      </a:defRPr>
+    </a:lvl7pPr>
+    <a:lvl8pPr marL="3200400" algn="l" defTabSz="914400" rtl="0" eaLnBrk="1" latinLnBrk="0" hangingPunct="1">
+      <a:defRPr sz="1200" kern="1200">
+        <a:solidFill>
+          <a:schemeClr val="tx1"/>
+        </a:solidFill>
+        <a:latin typeface="+mn-lt"/>
+        <a:ea typeface="+mn-ea"/>
+        <a:cs typeface="+mn-cs"/>
+      </a:defRPr>
+    </a:lvl8pPr>
+    <a:lvl9pPr marL="3657600" algn="l" defTabSz="914400" rtl="0" eaLnBrk="1" latinLnBrk="0" hangingPunct="1">
+      <a:defRPr sz="1200" kern="1200">
+        <a:solidFill>
+          <a:schemeClr val="tx1"/>
+        </a:solidFill>
+        <a:latin typeface="+mn-lt"/>
+        <a:ea typeface="+mn-ea"/>
+        <a:cs typeface="+mn-cs"/>
+      </a:defRPr>
+    </a:lvl9pPr>
+  </p:notesStyle>
+</p:notesMaster>
+</file>
+
+<file path=ppt/notesSlides/notesSlide1.xml><?xml version="1.0" encoding="utf-8"?>
+<p:notes xmlns:a="http://schemas.openxmlformats.org/drawingml/2006/main" xmlns:r="http://schemas.openxmlformats.org/officeDocument/2006/relationships" xmlns:p="http://schemas.openxmlformats.org/presentationml/2006/main">
+  <p:cSld>
+    <p:spTree>
+      <p:nvGrpSpPr>
+        <p:cNvPr id="1" name=""/>
+        <p:cNvGrpSpPr/>
+        <p:nvPr/>
+      </p:nvGrpSpPr>
+      <p:grpSpPr>
+        <a:xfrm>
+          <a:off x="0" y="0"/>
+          <a:ext cx="0" cy="0"/>
+          <a:chOff x="0" y="0"/>
+          <a:chExt cx="0" cy="0"/>
+        </a:xfrm>
+      </p:grpSpPr>
+      <p:sp>
+        <p:nvSpPr>
+          <p:cNvPr id="2" name="幻灯片图像占位符 1"/>
+          <p:cNvSpPr>
+            <a:spLocks noGrp="1" noRot="1" noChangeAspect="1"/>
+          </p:cNvSpPr>
+          <p:nvPr>
+            <p:ph type="sldImg"/>
+          </p:nvPr>
+        </p:nvSpPr>
+        <p:spPr/>
+      </p:sp>
+      <p:sp>
+        <p:nvSpPr>
+          <p:cNvPr id="3" name="备注占位符 2"/>
+          <p:cNvSpPr>
+            <a:spLocks noGrp="1"/>
+          </p:cNvSpPr>
+          <p:nvPr>
+            <p:ph type="body" idx="1"/>
+          </p:nvPr>
+        </p:nvSpPr>
+        <p:spPr/>
+        <p:txBody>
+          <a:bodyPr/>
+          <a:lstStyle/>
+          <a:p>
+            <a:r>
+              <a:rPr lang="en-US" altLang="zh-CN" dirty="0" err="1" smtClean="0"/>
+              <a:t>Github</a:t>
+            </a:r>
+            <a:r>
+              <a:rPr lang="zh-CN" altLang="en-US" dirty="0" smtClean="0"/>
+              <a:t>上很多好的资源</a:t>
+            </a:r>
+            <a:endParaRPr lang="zh-CN" altLang="en-US" dirty="0"/>
+          </a:p>
+        </p:txBody>
+      </p:sp>
+      <p:sp>
+        <p:nvSpPr>
+          <p:cNvPr id="4" name="灯片编号占位符 3"/>
+          <p:cNvSpPr>
+            <a:spLocks noGrp="1"/>
+          </p:cNvSpPr>
+          <p:nvPr>
+            <p:ph type="sldNum" sz="quarter" idx="10"/>
+          </p:nvPr>
+        </p:nvSpPr>
+        <p:spPr/>
+        <p:txBody>
+          <a:bodyPr/>
+          <a:lstStyle/>
+          <a:p>
+            <a:fld id="{50AB4024-DAA6-4EAE-AEB3-353C1DA2FD5F}" type="slidenum">
+              <a:rPr lang="zh-CN" altLang="en-US" smtClean="0"/>
+              <a:t>5</a:t>
+            </a:fld>
+            <a:endParaRPr lang="zh-CN" altLang="en-US"/>
+          </a:p>
+        </p:txBody>
+      </p:sp>
+    </p:spTree>
+    <p:extLst>
+      <p:ext uri="{BB962C8B-B14F-4D97-AF65-F5344CB8AC3E}">
+        <p14:creationId xmlns:p14="http://schemas.microsoft.com/office/powerpoint/2010/main" val="4163174786"/>
+      </p:ext>
+    </p:extLst>
+  </p:cSld>
+  <p:clrMapOvr>
+    <a:masterClrMapping/>
+  </p:clrMapOvr>
+</p:notes>
 </file>
 
 <file path=ppt/slideLayouts/slideLayout1.xml><?xml version="1.0" encoding="utf-8"?>
@@ -296,7 +750,7 @@
             <a:fld id="{B61BEF0D-F0BB-DE4B-95CE-6DB70DBA9567}" type="datetimeFigureOut">
               <a:rPr lang="en-US" dirty="0"/>
               <a:pPr/>
-              <a:t>7/3/2015</a:t>
+              <a:t>7/6/2015</a:t>
             </a:fld>
             <a:endParaRPr lang="en-US" dirty="0"/>
           </a:p>
@@ -631,7 +1085,7 @@
             <a:fld id="{B61BEF0D-F0BB-DE4B-95CE-6DB70DBA9567}" type="datetimeFigureOut">
               <a:rPr lang="en-US" dirty="0"/>
               <a:pPr/>
-              <a:t>7/3/2015</a:t>
+              <a:t>7/6/2015</a:t>
             </a:fld>
             <a:endParaRPr lang="en-US" dirty="0"/>
           </a:p>
@@ -1029,7 +1483,7 @@
             <a:fld id="{B61BEF0D-F0BB-DE4B-95CE-6DB70DBA9567}" type="datetimeFigureOut">
               <a:rPr lang="en-US" dirty="0"/>
               <a:pPr/>
-              <a:t>7/3/2015</a:t>
+              <a:t>7/6/2015</a:t>
             </a:fld>
             <a:endParaRPr lang="en-US" dirty="0"/>
           </a:p>
@@ -1361,7 +1815,7 @@
             <a:fld id="{B61BEF0D-F0BB-DE4B-95CE-6DB70DBA9567}" type="datetimeFigureOut">
               <a:rPr lang="en-US" dirty="0"/>
               <a:pPr/>
-              <a:t>7/3/2015</a:t>
+              <a:t>7/6/2015</a:t>
             </a:fld>
             <a:endParaRPr lang="en-US" dirty="0"/>
           </a:p>
@@ -1678,7 +2132,7 @@
             <a:fld id="{B61BEF0D-F0BB-DE4B-95CE-6DB70DBA9567}" type="datetimeFigureOut">
               <a:rPr lang="en-US" dirty="0"/>
               <a:pPr/>
-              <a:t>7/3/2015</a:t>
+              <a:t>7/6/2015</a:t>
             </a:fld>
             <a:endParaRPr lang="en-US" dirty="0"/>
           </a:p>
@@ -2071,7 +2525,7 @@
             <a:fld id="{B61BEF0D-F0BB-DE4B-95CE-6DB70DBA9567}" type="datetimeFigureOut">
               <a:rPr lang="en-US" dirty="0"/>
               <a:pPr/>
-              <a:t>7/3/2015</a:t>
+              <a:t>7/6/2015</a:t>
             </a:fld>
             <a:endParaRPr lang="en-US" dirty="0"/>
           </a:p>
@@ -2325,7 +2779,7 @@
             <a:fld id="{B61BEF0D-F0BB-DE4B-95CE-6DB70DBA9567}" type="datetimeFigureOut">
               <a:rPr lang="en-US" dirty="0"/>
               <a:pPr/>
-              <a:t>7/3/2015</a:t>
+              <a:t>7/6/2015</a:t>
             </a:fld>
             <a:endParaRPr lang="en-US" dirty="0"/>
           </a:p>
@@ -2584,7 +3038,7 @@
             <a:fld id="{B61BEF0D-F0BB-DE4B-95CE-6DB70DBA9567}" type="datetimeFigureOut">
               <a:rPr lang="en-US" dirty="0"/>
               <a:pPr/>
-              <a:t>7/3/2015</a:t>
+              <a:t>7/6/2015</a:t>
             </a:fld>
             <a:endParaRPr lang="en-US" dirty="0"/>
           </a:p>
@@ -2843,7 +3297,7 @@
             <a:fld id="{B61BEF0D-F0BB-DE4B-95CE-6DB70DBA9567}" type="datetimeFigureOut">
               <a:rPr lang="en-US" dirty="0"/>
               <a:pPr/>
-              <a:t>7/3/2015</a:t>
+              <a:t>7/6/2015</a:t>
             </a:fld>
             <a:endParaRPr lang="en-US" dirty="0"/>
           </a:p>
@@ -3169,7 +3623,7 @@
             <a:fld id="{B61BEF0D-F0BB-DE4B-95CE-6DB70DBA9567}" type="datetimeFigureOut">
               <a:rPr lang="en-US" dirty="0"/>
               <a:pPr/>
-              <a:t>7/3/2015</a:t>
+              <a:t>7/6/2015</a:t>
             </a:fld>
             <a:endParaRPr lang="en-US" dirty="0"/>
           </a:p>
@@ -3489,7 +3943,7 @@
             <a:fld id="{B61BEF0D-F0BB-DE4B-95CE-6DB70DBA9567}" type="datetimeFigureOut">
               <a:rPr lang="en-US" dirty="0"/>
               <a:pPr/>
-              <a:t>7/3/2015</a:t>
+              <a:t>7/6/2015</a:t>
             </a:fld>
             <a:endParaRPr lang="en-US" dirty="0"/>
           </a:p>
@@ -3943,7 +4397,7 @@
             <a:fld id="{B61BEF0D-F0BB-DE4B-95CE-6DB70DBA9567}" type="datetimeFigureOut">
               <a:rPr lang="en-US" dirty="0"/>
               <a:pPr/>
-              <a:t>7/3/2015</a:t>
+              <a:t>7/6/2015</a:t>
             </a:fld>
             <a:endParaRPr lang="en-US" dirty="0"/>
           </a:p>
@@ -4145,7 +4599,7 @@
             <a:fld id="{B61BEF0D-F0BB-DE4B-95CE-6DB70DBA9567}" type="datetimeFigureOut">
               <a:rPr lang="en-US" dirty="0"/>
               <a:pPr/>
-              <a:t>7/3/2015</a:t>
+              <a:t>7/6/2015</a:t>
             </a:fld>
             <a:endParaRPr lang="en-US" dirty="0"/>
           </a:p>
@@ -4319,7 +4773,7 @@
             <a:fld id="{B61BEF0D-F0BB-DE4B-95CE-6DB70DBA9567}" type="datetimeFigureOut">
               <a:rPr lang="en-US" dirty="0"/>
               <a:pPr/>
-              <a:t>7/3/2015</a:t>
+              <a:t>7/6/2015</a:t>
             </a:fld>
             <a:endParaRPr lang="en-US" dirty="0"/>
           </a:p>
@@ -4649,7 +5103,7 @@
             <a:fld id="{B61BEF0D-F0BB-DE4B-95CE-6DB70DBA9567}" type="datetimeFigureOut">
               <a:rPr lang="en-US" dirty="0"/>
               <a:pPr/>
-              <a:t>7/3/2015</a:t>
+              <a:t>7/6/2015</a:t>
             </a:fld>
             <a:endParaRPr lang="en-US" dirty="0"/>
           </a:p>
@@ -4991,7 +5445,7 @@
             <a:fld id="{B61BEF0D-F0BB-DE4B-95CE-6DB70DBA9567}" type="datetimeFigureOut">
               <a:rPr lang="en-US" dirty="0"/>
               <a:pPr/>
-              <a:t>7/3/2015</a:t>
+              <a:t>7/6/2015</a:t>
             </a:fld>
             <a:endParaRPr lang="en-US" dirty="0"/>
           </a:p>
@@ -7105,7 +7559,7 @@
             <a:fld id="{B61BEF0D-F0BB-DE4B-95CE-6DB70DBA9567}" type="datetimeFigureOut">
               <a:rPr lang="en-US" dirty="0"/>
               <a:pPr/>
-              <a:t>7/3/2015</a:t>
+              <a:t>7/6/2015</a:t>
             </a:fld>
             <a:endParaRPr lang="en-US" dirty="0"/>
           </a:p>
@@ -7634,7 +8088,15 @@
           <a:bodyPr/>
           <a:lstStyle/>
           <a:p>
-            <a:endParaRPr lang="zh-CN" altLang="en-US"/>
+            <a:r>
+              <a:rPr lang="en-US" altLang="zh-CN" dirty="0" smtClean="0"/>
+              <a:t>SASS</a:t>
+            </a:r>
+            <a:r>
+              <a:rPr lang="zh-CN" altLang="en-US" dirty="0" smtClean="0"/>
+              <a:t> 愈行愈远</a:t>
+            </a:r>
+            <a:endParaRPr lang="zh-CN" altLang="en-US" dirty="0"/>
           </a:p>
         </p:txBody>
       </p:sp>
@@ -7653,7 +8115,19 @@
           <a:bodyPr/>
           <a:lstStyle/>
           <a:p>
-            <a:endParaRPr lang="zh-CN" altLang="en-US"/>
+            <a:r>
+              <a:rPr lang="zh-CN" altLang="en-US" dirty="0" smtClean="0"/>
+              <a:t>关于</a:t>
+            </a:r>
+            <a:r>
+              <a:rPr lang="en-US" altLang="zh-CN" dirty="0" smtClean="0"/>
+              <a:t>SASS</a:t>
+            </a:r>
+            <a:r>
+              <a:rPr lang="zh-CN" altLang="en-US" dirty="0" smtClean="0"/>
+              <a:t>引入项目的一些个人分享</a:t>
+            </a:r>
+            <a:endParaRPr lang="zh-CN" altLang="en-US" dirty="0"/>
           </a:p>
         </p:txBody>
       </p:sp>
@@ -7661,6 +8135,870 @@
     <p:extLst>
       <p:ext uri="{BB962C8B-B14F-4D97-AF65-F5344CB8AC3E}">
         <p14:creationId xmlns:p14="http://schemas.microsoft.com/office/powerpoint/2010/main" val="3643760083"/>
+      </p:ext>
+    </p:extLst>
+  </p:cSld>
+  <p:clrMapOvr>
+    <a:masterClrMapping/>
+  </p:clrMapOvr>
+  <p:timing>
+    <p:tnLst>
+      <p:par>
+        <p:cTn id="1" dur="indefinite" restart="never" nodeType="tmRoot"/>
+      </p:par>
+    </p:tnLst>
+  </p:timing>
+</p:sld>
+</file>
+
+<file path=ppt/slides/slide2.xml><?xml version="1.0" encoding="utf-8"?>
+<p:sld xmlns:a="http://schemas.openxmlformats.org/drawingml/2006/main" xmlns:r="http://schemas.openxmlformats.org/officeDocument/2006/relationships" xmlns:p="http://schemas.openxmlformats.org/presentationml/2006/main">
+  <p:cSld>
+    <p:spTree>
+      <p:nvGrpSpPr>
+        <p:cNvPr id="1" name=""/>
+        <p:cNvGrpSpPr/>
+        <p:nvPr/>
+      </p:nvGrpSpPr>
+      <p:grpSpPr>
+        <a:xfrm>
+          <a:off x="0" y="0"/>
+          <a:ext cx="0" cy="0"/>
+          <a:chOff x="0" y="0"/>
+          <a:chExt cx="0" cy="0"/>
+        </a:xfrm>
+      </p:grpSpPr>
+      <p:sp>
+        <p:nvSpPr>
+          <p:cNvPr id="2" name="标题 1"/>
+          <p:cNvSpPr>
+            <a:spLocks noGrp="1"/>
+          </p:cNvSpPr>
+          <p:nvPr>
+            <p:ph type="title"/>
+          </p:nvPr>
+        </p:nvSpPr>
+        <p:spPr/>
+        <p:txBody>
+          <a:bodyPr/>
+          <a:lstStyle/>
+          <a:p>
+            <a:r>
+              <a:rPr lang="zh-CN" altLang="en-US" dirty="0" smtClean="0"/>
+              <a:t>写在前面的话</a:t>
+            </a:r>
+            <a:endParaRPr lang="zh-CN" altLang="en-US" dirty="0"/>
+          </a:p>
+        </p:txBody>
+      </p:sp>
+      <p:sp>
+        <p:nvSpPr>
+          <p:cNvPr id="3" name="内容占位符 2"/>
+          <p:cNvSpPr>
+            <a:spLocks noGrp="1"/>
+          </p:cNvSpPr>
+          <p:nvPr>
+            <p:ph idx="1"/>
+          </p:nvPr>
+        </p:nvSpPr>
+        <p:spPr/>
+        <p:txBody>
+          <a:bodyPr/>
+          <a:lstStyle/>
+          <a:p>
+            <a:r>
+              <a:rPr lang="zh-CN" altLang="en-US" dirty="0"/>
+              <a:t>初</a:t>
+            </a:r>
+            <a:r>
+              <a:rPr lang="zh-CN" altLang="en-US" dirty="0" smtClean="0"/>
+              <a:t>入前端，菜鸟一枚，今之动作，实属抛砖引玉之举。希望小伙伴们少包容、多批评、多指正。</a:t>
+            </a:r>
+            <a:endParaRPr lang="zh-CN" altLang="en-US" dirty="0"/>
+          </a:p>
+        </p:txBody>
+      </p:sp>
+    </p:spTree>
+    <p:extLst>
+      <p:ext uri="{BB962C8B-B14F-4D97-AF65-F5344CB8AC3E}">
+        <p14:creationId xmlns:p14="http://schemas.microsoft.com/office/powerpoint/2010/main" val="25658596"/>
+      </p:ext>
+    </p:extLst>
+  </p:cSld>
+  <p:clrMapOvr>
+    <a:masterClrMapping/>
+  </p:clrMapOvr>
+  <p:timing>
+    <p:tnLst>
+      <p:par>
+        <p:cTn id="1" dur="indefinite" restart="never" nodeType="tmRoot"/>
+      </p:par>
+    </p:tnLst>
+  </p:timing>
+</p:sld>
+</file>
+
+<file path=ppt/slides/slide3.xml><?xml version="1.0" encoding="utf-8"?>
+<p:sld xmlns:a="http://schemas.openxmlformats.org/drawingml/2006/main" xmlns:r="http://schemas.openxmlformats.org/officeDocument/2006/relationships" xmlns:p="http://schemas.openxmlformats.org/presentationml/2006/main">
+  <p:cSld>
+    <p:spTree>
+      <p:nvGrpSpPr>
+        <p:cNvPr id="1" name=""/>
+        <p:cNvGrpSpPr/>
+        <p:nvPr/>
+      </p:nvGrpSpPr>
+      <p:grpSpPr>
+        <a:xfrm>
+          <a:off x="0" y="0"/>
+          <a:ext cx="0" cy="0"/>
+          <a:chOff x="0" y="0"/>
+          <a:chExt cx="0" cy="0"/>
+        </a:xfrm>
+      </p:grpSpPr>
+      <p:sp>
+        <p:nvSpPr>
+          <p:cNvPr id="2" name="标题 1"/>
+          <p:cNvSpPr>
+            <a:spLocks noGrp="1"/>
+          </p:cNvSpPr>
+          <p:nvPr>
+            <p:ph type="title"/>
+          </p:nvPr>
+        </p:nvSpPr>
+        <p:spPr/>
+        <p:txBody>
+          <a:bodyPr/>
+          <a:lstStyle/>
+          <a:p>
+            <a:r>
+              <a:rPr lang="zh-CN" altLang="en-US" dirty="0" smtClean="0"/>
+              <a:t>一步一个脚印地进行</a:t>
+            </a:r>
+            <a:endParaRPr lang="zh-CN" altLang="en-US" dirty="0"/>
+          </a:p>
+        </p:txBody>
+      </p:sp>
+      <p:sp>
+        <p:nvSpPr>
+          <p:cNvPr id="3" name="内容占位符 2"/>
+          <p:cNvSpPr>
+            <a:spLocks noGrp="1"/>
+          </p:cNvSpPr>
+          <p:nvPr>
+            <p:ph idx="1"/>
+          </p:nvPr>
+        </p:nvSpPr>
+        <p:spPr/>
+        <p:txBody>
+          <a:bodyPr/>
+          <a:lstStyle/>
+          <a:p>
+            <a:pPr>
+              <a:buFont typeface="Wingdings" panose="05000000000000000000" pitchFamily="2" charset="2"/>
+              <a:buChar char="Ø"/>
+            </a:pPr>
+            <a:r>
+              <a:rPr lang="zh-CN" altLang="en-US" dirty="0"/>
+              <a:t>啥子</a:t>
+            </a:r>
+            <a:r>
+              <a:rPr lang="zh-CN" altLang="en-US" dirty="0" smtClean="0"/>
+              <a:t>是</a:t>
+            </a:r>
+            <a:r>
+              <a:rPr lang="en-US" altLang="zh-CN" dirty="0" smtClean="0"/>
+              <a:t>SASS</a:t>
+            </a:r>
+          </a:p>
+          <a:p>
+            <a:pPr>
+              <a:buFont typeface="Wingdings" panose="05000000000000000000" pitchFamily="2" charset="2"/>
+              <a:buChar char="Ø"/>
+            </a:pPr>
+            <a:r>
+              <a:rPr lang="zh-CN" altLang="en-US" dirty="0" smtClean="0"/>
+              <a:t>为啥子要用</a:t>
+            </a:r>
+            <a:r>
+              <a:rPr lang="en-US" altLang="zh-CN" dirty="0" smtClean="0"/>
+              <a:t>SASS</a:t>
+            </a:r>
+          </a:p>
+          <a:p>
+            <a:pPr>
+              <a:buFont typeface="Wingdings" panose="05000000000000000000" pitchFamily="2" charset="2"/>
+              <a:buChar char="Ø"/>
+            </a:pPr>
+            <a:r>
+              <a:rPr lang="en-US" altLang="zh-CN" dirty="0" smtClean="0"/>
+              <a:t>Demo</a:t>
+            </a:r>
+            <a:r>
+              <a:rPr lang="zh-CN" altLang="en-US" dirty="0" smtClean="0"/>
+              <a:t>演示</a:t>
+            </a:r>
+            <a:endParaRPr lang="en-US" altLang="zh-CN" dirty="0" smtClean="0"/>
+          </a:p>
+          <a:p>
+            <a:pPr>
+              <a:buFont typeface="Wingdings" panose="05000000000000000000" pitchFamily="2" charset="2"/>
+              <a:buChar char="Ø"/>
+            </a:pPr>
+            <a:r>
+              <a:rPr lang="zh-CN" altLang="en-US" dirty="0"/>
+              <a:t>咋</a:t>
+            </a:r>
+            <a:r>
+              <a:rPr lang="zh-CN" altLang="en-US" dirty="0" smtClean="0"/>
+              <a:t>用来着</a:t>
+            </a:r>
+            <a:endParaRPr lang="zh-CN" altLang="en-US" dirty="0"/>
+          </a:p>
+        </p:txBody>
+      </p:sp>
+      <p:sp>
+        <p:nvSpPr>
+          <p:cNvPr id="4" name="文本框 3"/>
+          <p:cNvSpPr txBox="1"/>
+          <p:nvPr/>
+        </p:nvSpPr>
+        <p:spPr>
+          <a:xfrm>
+            <a:off x="2589212" y="1210612"/>
+            <a:ext cx="8915399" cy="707886"/>
+          </a:xfrm>
+          <a:prstGeom prst="rect">
+            <a:avLst/>
+          </a:prstGeom>
+          <a:noFill/>
+          <a:effectLst>
+            <a:reflection blurRad="6350" stA="50000" endA="300" endPos="90000" dir="5400000" sy="-100000" algn="bl" rotWithShape="0"/>
+          </a:effectLst>
+        </p:spPr>
+        <p:txBody>
+          <a:bodyPr wrap="square" rtlCol="0">
+            <a:spAutoFit/>
+          </a:bodyPr>
+          <a:lstStyle/>
+          <a:p>
+            <a:pPr algn="r"/>
+            <a:r>
+              <a:rPr lang="zh-CN" altLang="en-US" sz="2000" dirty="0">
+                <a:solidFill>
+                  <a:srgbClr val="00B050"/>
+                </a:solidFill>
+              </a:rPr>
+              <a:t>既然选择了远方</a:t>
+            </a:r>
+          </a:p>
+          <a:p>
+            <a:pPr algn="r"/>
+            <a:r>
+              <a:rPr lang="zh-CN" altLang="en-US" sz="2000" dirty="0">
+                <a:solidFill>
+                  <a:srgbClr val="00B050"/>
+                </a:solidFill>
+              </a:rPr>
+              <a:t>　　便只顾风雨</a:t>
+            </a:r>
+            <a:r>
+              <a:rPr lang="zh-CN" altLang="en-US" sz="2000" dirty="0" smtClean="0">
+                <a:solidFill>
+                  <a:srgbClr val="00B050"/>
+                </a:solidFill>
+              </a:rPr>
+              <a:t>兼程</a:t>
+            </a:r>
+            <a:endParaRPr lang="zh-CN" altLang="en-US" sz="2000" dirty="0">
+              <a:solidFill>
+                <a:srgbClr val="00B050"/>
+              </a:solidFill>
+            </a:endParaRPr>
+          </a:p>
+        </p:txBody>
+      </p:sp>
+    </p:spTree>
+    <p:extLst>
+      <p:ext uri="{BB962C8B-B14F-4D97-AF65-F5344CB8AC3E}">
+        <p14:creationId xmlns:p14="http://schemas.microsoft.com/office/powerpoint/2010/main" val="4067040880"/>
+      </p:ext>
+    </p:extLst>
+  </p:cSld>
+  <p:clrMapOvr>
+    <a:masterClrMapping/>
+  </p:clrMapOvr>
+  <p:timing>
+    <p:tnLst>
+      <p:par>
+        <p:cTn id="1" dur="indefinite" restart="never" nodeType="tmRoot"/>
+      </p:par>
+    </p:tnLst>
+  </p:timing>
+</p:sld>
+</file>
+
+<file path=ppt/slides/slide4.xml><?xml version="1.0" encoding="utf-8"?>
+<p:sld xmlns:a="http://schemas.openxmlformats.org/drawingml/2006/main" xmlns:r="http://schemas.openxmlformats.org/officeDocument/2006/relationships" xmlns:p="http://schemas.openxmlformats.org/presentationml/2006/main">
+  <p:cSld>
+    <p:spTree>
+      <p:nvGrpSpPr>
+        <p:cNvPr id="1" name=""/>
+        <p:cNvGrpSpPr/>
+        <p:nvPr/>
+      </p:nvGrpSpPr>
+      <p:grpSpPr>
+        <a:xfrm>
+          <a:off x="0" y="0"/>
+          <a:ext cx="0" cy="0"/>
+          <a:chOff x="0" y="0"/>
+          <a:chExt cx="0" cy="0"/>
+        </a:xfrm>
+      </p:grpSpPr>
+      <p:sp>
+        <p:nvSpPr>
+          <p:cNvPr id="2" name="标题 1"/>
+          <p:cNvSpPr>
+            <a:spLocks noGrp="1"/>
+          </p:cNvSpPr>
+          <p:nvPr>
+            <p:ph type="title"/>
+          </p:nvPr>
+        </p:nvSpPr>
+        <p:spPr>
+          <a:xfrm>
+            <a:off x="2592925" y="624110"/>
+            <a:ext cx="8911687" cy="741051"/>
+          </a:xfrm>
+        </p:spPr>
+        <p:txBody>
+          <a:bodyPr>
+            <a:normAutofit fontScale="90000"/>
+          </a:bodyPr>
+          <a:lstStyle/>
+          <a:p>
+            <a:r>
+              <a:rPr lang="zh-CN" altLang="en-US" dirty="0"/>
+              <a:t>初识</a:t>
+            </a:r>
+            <a:r>
+              <a:rPr lang="en-US" altLang="zh-CN" dirty="0" smtClean="0"/>
+              <a:t>SASS</a:t>
+            </a:r>
+            <a:r>
+              <a:rPr lang="en-US" altLang="zh-CN" dirty="0"/>
+              <a:t/>
+            </a:r>
+            <a:br>
+              <a:rPr lang="en-US" altLang="zh-CN" dirty="0"/>
+            </a:br>
+            <a:endParaRPr lang="zh-CN" altLang="en-US" sz="2400" dirty="0">
+              <a:solidFill>
+                <a:srgbClr val="00B050"/>
+              </a:solidFill>
+            </a:endParaRPr>
+          </a:p>
+        </p:txBody>
+      </p:sp>
+      <p:sp>
+        <p:nvSpPr>
+          <p:cNvPr id="3" name="内容占位符 2"/>
+          <p:cNvSpPr>
+            <a:spLocks noGrp="1"/>
+          </p:cNvSpPr>
+          <p:nvPr>
+            <p:ph idx="1"/>
+          </p:nvPr>
+        </p:nvSpPr>
+        <p:spPr/>
+        <p:txBody>
+          <a:bodyPr/>
+          <a:lstStyle/>
+          <a:p>
+            <a:pPr>
+              <a:buFont typeface="Wingdings" panose="05000000000000000000" pitchFamily="2" charset="2"/>
+              <a:buChar char="Ø"/>
+            </a:pPr>
+            <a:r>
+              <a:rPr lang="en-US" altLang="zh-CN" dirty="0"/>
+              <a:t> (Syntactically Awesome StyleSheets)</a:t>
+            </a:r>
+          </a:p>
+          <a:p>
+            <a:pPr marL="400050" lvl="1" indent="0">
+              <a:buNone/>
+            </a:pPr>
+            <a:r>
+              <a:rPr lang="en-US" altLang="zh-CN" dirty="0"/>
+              <a:t>Sass is an extension of CSS that adds power and elegance to the basic language. It allows you to use variables, nested rules, mixins, inline imports, and more, all with a fully CSS-compatible syntax. Sass helps keep large stylesheets well-organized, and get small stylesheets up and running quickly, particularly with the help of the Compass style library</a:t>
+            </a:r>
+            <a:r>
+              <a:rPr lang="en-US" altLang="zh-CN" dirty="0" smtClean="0"/>
+              <a:t>.</a:t>
+            </a:r>
+          </a:p>
+          <a:p>
+            <a:pPr marL="285750">
+              <a:buFont typeface="Wingdings" panose="05000000000000000000" pitchFamily="2" charset="2"/>
+              <a:buChar char="Ø"/>
+            </a:pPr>
+            <a:r>
+              <a:rPr lang="zh-CN" altLang="en-US" dirty="0" smtClean="0"/>
+              <a:t>个人理解：</a:t>
+            </a:r>
+            <a:endParaRPr lang="en-US" altLang="zh-CN" dirty="0" smtClean="0"/>
+          </a:p>
+          <a:p>
+            <a:pPr marL="400050" lvl="1" indent="0">
+              <a:buNone/>
+            </a:pPr>
+            <a:r>
+              <a:rPr lang="zh-CN" altLang="en-US" dirty="0" smtClean="0"/>
+              <a:t>可编程的有独立语法的</a:t>
+            </a:r>
+            <a:r>
+              <a:rPr lang="en-US" altLang="zh-CN" dirty="0" smtClean="0"/>
+              <a:t>CSS</a:t>
+            </a:r>
+            <a:r>
+              <a:rPr lang="zh-CN" altLang="en-US" dirty="0" smtClean="0"/>
+              <a:t>。</a:t>
+            </a:r>
+            <a:r>
+              <a:rPr lang="en-US" altLang="zh-CN" dirty="0" smtClean="0"/>
+              <a:t>.</a:t>
+            </a:r>
+            <a:r>
+              <a:rPr lang="en-US" altLang="zh-CN" dirty="0" err="1" smtClean="0"/>
+              <a:t>scss</a:t>
+            </a:r>
+            <a:r>
+              <a:rPr lang="en-US" altLang="zh-CN" dirty="0" smtClean="0"/>
+              <a:t>/.sass               .</a:t>
+            </a:r>
+            <a:r>
+              <a:rPr lang="en-US" altLang="zh-CN" dirty="0" err="1" smtClean="0"/>
+              <a:t>css</a:t>
+            </a:r>
+            <a:r>
+              <a:rPr lang="en-US" altLang="zh-CN" dirty="0" smtClean="0"/>
+              <a:t>     </a:t>
+            </a:r>
+            <a:r>
+              <a:rPr lang="zh-CN" altLang="en-US" dirty="0" smtClean="0"/>
+              <a:t>类比：</a:t>
+            </a:r>
+            <a:r>
+              <a:rPr lang="en-US" altLang="zh-CN" dirty="0" smtClean="0"/>
+              <a:t>.java              .class</a:t>
+            </a:r>
+          </a:p>
+          <a:p>
+            <a:pPr marL="400050" lvl="1" indent="0">
+              <a:buNone/>
+            </a:pPr>
+            <a:r>
+              <a:rPr lang="zh-CN" altLang="en-US" dirty="0" smtClean="0"/>
+              <a:t>因为可编程，所以可以用一些编程思想，比如面向对象、继承等。语法上有条件语句、</a:t>
+            </a:r>
+            <a:r>
+              <a:rPr lang="en-US" altLang="zh-CN" dirty="0" smtClean="0"/>
+              <a:t>for</a:t>
+            </a:r>
+            <a:r>
+              <a:rPr lang="zh-CN" altLang="en-US" dirty="0" smtClean="0"/>
+              <a:t>循环等。</a:t>
+            </a:r>
+            <a:endParaRPr lang="en-US" altLang="zh-CN" dirty="0" smtClean="0"/>
+          </a:p>
+          <a:p>
+            <a:pPr>
+              <a:buFont typeface="Wingdings" panose="05000000000000000000" pitchFamily="2" charset="2"/>
+              <a:buChar char="Ø"/>
+            </a:pPr>
+            <a:r>
+              <a:rPr lang="zh-CN" altLang="en-US" dirty="0" smtClean="0"/>
+              <a:t>后缀</a:t>
+            </a:r>
+            <a:r>
+              <a:rPr lang="en-US" altLang="zh-CN" dirty="0" smtClean="0"/>
+              <a:t>.</a:t>
+            </a:r>
+            <a:r>
+              <a:rPr lang="en-US" altLang="zh-CN" dirty="0" err="1" smtClean="0"/>
+              <a:t>scss</a:t>
+            </a:r>
+            <a:r>
+              <a:rPr lang="zh-CN" altLang="en-US" dirty="0" smtClean="0"/>
+              <a:t>和</a:t>
+            </a:r>
+            <a:r>
+              <a:rPr lang="en-US" altLang="zh-CN" dirty="0" smtClean="0"/>
+              <a:t>.sass</a:t>
+            </a:r>
+          </a:p>
+        </p:txBody>
+      </p:sp>
+      <p:sp>
+        <p:nvSpPr>
+          <p:cNvPr id="5" name="右箭头 4"/>
+          <p:cNvSpPr/>
+          <p:nvPr/>
+        </p:nvSpPr>
+        <p:spPr>
+          <a:xfrm>
+            <a:off x="9272789" y="4391695"/>
+            <a:ext cx="643943" cy="128789"/>
+          </a:xfrm>
+          <a:prstGeom prst="rightArrow">
+            <a:avLst/>
+          </a:prstGeom>
+        </p:spPr>
+        <p:style>
+          <a:lnRef idx="2">
+            <a:schemeClr val="accent1">
+              <a:shade val="50000"/>
+            </a:schemeClr>
+          </a:lnRef>
+          <a:fillRef idx="1">
+            <a:schemeClr val="accent1"/>
+          </a:fillRef>
+          <a:effectRef idx="0">
+            <a:schemeClr val="accent1"/>
+          </a:effectRef>
+          <a:fontRef idx="minor">
+            <a:schemeClr val="lt1"/>
+          </a:fontRef>
+        </p:style>
+        <p:txBody>
+          <a:bodyPr rtlCol="0" anchor="ctr"/>
+          <a:lstStyle/>
+          <a:p>
+            <a:pPr algn="ctr"/>
+            <a:r>
+              <a:rPr lang="en-US" altLang="zh-CN" dirty="0" smtClean="0"/>
+              <a:t> </a:t>
+            </a:r>
+            <a:endParaRPr lang="zh-CN" altLang="en-US" dirty="0"/>
+          </a:p>
+        </p:txBody>
+      </p:sp>
+      <p:sp>
+        <p:nvSpPr>
+          <p:cNvPr id="7" name="右箭头 6"/>
+          <p:cNvSpPr/>
+          <p:nvPr/>
+        </p:nvSpPr>
+        <p:spPr>
+          <a:xfrm>
+            <a:off x="6707748" y="4391695"/>
+            <a:ext cx="643943" cy="128789"/>
+          </a:xfrm>
+          <a:prstGeom prst="rightArrow">
+            <a:avLst/>
+          </a:prstGeom>
+        </p:spPr>
+        <p:style>
+          <a:lnRef idx="2">
+            <a:schemeClr val="accent1">
+              <a:shade val="50000"/>
+            </a:schemeClr>
+          </a:lnRef>
+          <a:fillRef idx="1">
+            <a:schemeClr val="accent1"/>
+          </a:fillRef>
+          <a:effectRef idx="0">
+            <a:schemeClr val="accent1"/>
+          </a:effectRef>
+          <a:fontRef idx="minor">
+            <a:schemeClr val="lt1"/>
+          </a:fontRef>
+        </p:style>
+        <p:txBody>
+          <a:bodyPr rtlCol="0" anchor="ctr"/>
+          <a:lstStyle/>
+          <a:p>
+            <a:pPr algn="ctr"/>
+            <a:r>
+              <a:rPr lang="en-US" altLang="zh-CN" dirty="0" smtClean="0"/>
+              <a:t> </a:t>
+            </a:r>
+            <a:endParaRPr lang="zh-CN" altLang="en-US" dirty="0"/>
+          </a:p>
+        </p:txBody>
+      </p:sp>
+      <p:sp>
+        <p:nvSpPr>
+          <p:cNvPr id="8" name="文本框 7"/>
+          <p:cNvSpPr txBox="1"/>
+          <p:nvPr/>
+        </p:nvSpPr>
+        <p:spPr>
+          <a:xfrm>
+            <a:off x="2589212" y="1133339"/>
+            <a:ext cx="8915399" cy="400110"/>
+          </a:xfrm>
+          <a:prstGeom prst="rect">
+            <a:avLst/>
+          </a:prstGeom>
+          <a:noFill/>
+          <a:ln>
+            <a:noFill/>
+          </a:ln>
+          <a:effectLst>
+            <a:reflection stA="50000" endA="300" endPos="92000" dir="5400000" sy="-100000" algn="bl" rotWithShape="0"/>
+          </a:effectLst>
+        </p:spPr>
+        <p:txBody>
+          <a:bodyPr wrap="square" rtlCol="0">
+            <a:spAutoFit/>
+          </a:bodyPr>
+          <a:lstStyle/>
+          <a:p>
+            <a:pPr algn="r"/>
+            <a:r>
+              <a:rPr lang="zh-CN" altLang="en-US" sz="2000" dirty="0">
+                <a:solidFill>
+                  <a:srgbClr val="00B050"/>
+                </a:solidFill>
+              </a:rPr>
+              <a:t>吹面不寒杨柳风</a:t>
+            </a:r>
+          </a:p>
+        </p:txBody>
+      </p:sp>
+    </p:spTree>
+    <p:extLst>
+      <p:ext uri="{BB962C8B-B14F-4D97-AF65-F5344CB8AC3E}">
+        <p14:creationId xmlns:p14="http://schemas.microsoft.com/office/powerpoint/2010/main" val="2463086205"/>
+      </p:ext>
+    </p:extLst>
+  </p:cSld>
+  <p:clrMapOvr>
+    <a:masterClrMapping/>
+  </p:clrMapOvr>
+  <p:timing>
+    <p:tnLst>
+      <p:par>
+        <p:cTn id="1" dur="indefinite" restart="never" nodeType="tmRoot"/>
+      </p:par>
+    </p:tnLst>
+  </p:timing>
+</p:sld>
+</file>
+
+<file path=ppt/slides/slide5.xml><?xml version="1.0" encoding="utf-8"?>
+<p:sld xmlns:a="http://schemas.openxmlformats.org/drawingml/2006/main" xmlns:r="http://schemas.openxmlformats.org/officeDocument/2006/relationships" xmlns:p="http://schemas.openxmlformats.org/presentationml/2006/main">
+  <p:cSld>
+    <p:spTree>
+      <p:nvGrpSpPr>
+        <p:cNvPr id="1" name=""/>
+        <p:cNvGrpSpPr/>
+        <p:nvPr/>
+      </p:nvGrpSpPr>
+      <p:grpSpPr>
+        <a:xfrm>
+          <a:off x="0" y="0"/>
+          <a:ext cx="0" cy="0"/>
+          <a:chOff x="0" y="0"/>
+          <a:chExt cx="0" cy="0"/>
+        </a:xfrm>
+      </p:grpSpPr>
+      <p:sp>
+        <p:nvSpPr>
+          <p:cNvPr id="2" name="标题 1"/>
+          <p:cNvSpPr>
+            <a:spLocks noGrp="1"/>
+          </p:cNvSpPr>
+          <p:nvPr>
+            <p:ph type="title"/>
+          </p:nvPr>
+        </p:nvSpPr>
+        <p:spPr/>
+        <p:txBody>
+          <a:bodyPr/>
+          <a:lstStyle/>
+          <a:p>
+            <a:r>
+              <a:rPr lang="zh-CN" altLang="en-US" dirty="0" smtClean="0"/>
+              <a:t>为什么要使用</a:t>
+            </a:r>
+            <a:r>
+              <a:rPr lang="en-US" altLang="zh-CN" dirty="0" smtClean="0"/>
+              <a:t>SASS</a:t>
+            </a:r>
+            <a:endParaRPr lang="zh-CN" altLang="en-US" dirty="0"/>
+          </a:p>
+        </p:txBody>
+      </p:sp>
+      <p:sp>
+        <p:nvSpPr>
+          <p:cNvPr id="3" name="内容占位符 2"/>
+          <p:cNvSpPr>
+            <a:spLocks noGrp="1"/>
+          </p:cNvSpPr>
+          <p:nvPr>
+            <p:ph idx="1"/>
+          </p:nvPr>
+        </p:nvSpPr>
+        <p:spPr/>
+        <p:txBody>
+          <a:bodyPr/>
+          <a:lstStyle/>
+          <a:p>
+            <a:pPr>
+              <a:buFont typeface="Wingdings" panose="05000000000000000000" pitchFamily="2" charset="2"/>
+              <a:buChar char="Ø"/>
+            </a:pPr>
+            <a:r>
+              <a:rPr lang="en-US" altLang="zh-CN" dirty="0" smtClean="0"/>
+              <a:t>CSS</a:t>
+            </a:r>
+            <a:r>
+              <a:rPr lang="zh-CN" altLang="en-US" dirty="0" smtClean="0"/>
+              <a:t>“模块化、组件化”</a:t>
+            </a:r>
+            <a:endParaRPr lang="en-US" altLang="zh-CN" dirty="0" smtClean="0"/>
+          </a:p>
+          <a:p>
+            <a:pPr marL="400050" lvl="1" indent="0">
+              <a:buNone/>
+            </a:pPr>
+            <a:r>
+              <a:rPr lang="zh-CN" altLang="en-US" dirty="0" smtClean="0"/>
+              <a:t>链接 </a:t>
+            </a:r>
+            <a:r>
+              <a:rPr lang="zh-CN" altLang="en-US" dirty="0" smtClean="0">
+                <a:hlinkClick r:id="rId3"/>
+              </a:rPr>
+              <a:t>关于前端开发中 “</a:t>
+            </a:r>
+            <a:r>
+              <a:rPr lang="zh-CN" altLang="en-US" dirty="0">
+                <a:hlinkClick r:id="rId3"/>
+              </a:rPr>
+              <a:t>模块</a:t>
+            </a:r>
+            <a:r>
+              <a:rPr lang="zh-CN" altLang="en-US" dirty="0" smtClean="0">
+                <a:hlinkClick r:id="rId3"/>
+              </a:rPr>
+              <a:t>”和“</a:t>
+            </a:r>
+            <a:r>
+              <a:rPr lang="zh-CN" altLang="en-US" dirty="0" smtClean="0">
+                <a:hlinkClick r:id="rId3"/>
+              </a:rPr>
+              <a:t>组件</a:t>
+            </a:r>
+            <a:r>
+              <a:rPr lang="zh-CN" altLang="en-US" dirty="0" smtClean="0">
+                <a:hlinkClick r:id="rId3"/>
+              </a:rPr>
+              <a:t>”的概念</a:t>
+            </a:r>
+            <a:endParaRPr lang="en-US" altLang="zh-CN" dirty="0"/>
+          </a:p>
+          <a:p>
+            <a:pPr marL="400050" lvl="1" indent="0">
+              <a:buNone/>
+            </a:pPr>
+            <a:r>
+              <a:rPr lang="zh-CN" altLang="en-US" dirty="0"/>
+              <a:t>“模块”指代码单元，其意义偏向静态的代码结构。而“组件”指功能单元，其意义偏向运行时的结构，并有更复杂的控制（如组件实例的生命周期管理）</a:t>
+            </a:r>
+            <a:r>
+              <a:rPr lang="zh-CN" altLang="en-US" dirty="0" smtClean="0"/>
+              <a:t>。</a:t>
+            </a:r>
+            <a:endParaRPr lang="en-US" altLang="zh-CN" dirty="0" smtClean="0"/>
+          </a:p>
+          <a:p>
+            <a:pPr>
+              <a:buFont typeface="Wingdings" panose="05000000000000000000" pitchFamily="2" charset="2"/>
+              <a:buChar char="Ø"/>
+            </a:pPr>
+            <a:r>
+              <a:rPr lang="zh-CN" altLang="en-US" dirty="0" smtClean="0"/>
+              <a:t>可移植、可复用，可编程，更好管理</a:t>
+            </a:r>
+            <a:endParaRPr lang="zh-CN" altLang="en-US" dirty="0"/>
+          </a:p>
+        </p:txBody>
+      </p:sp>
+      <p:sp>
+        <p:nvSpPr>
+          <p:cNvPr id="4" name="文本框 3"/>
+          <p:cNvSpPr txBox="1"/>
+          <p:nvPr/>
+        </p:nvSpPr>
+        <p:spPr>
+          <a:xfrm>
+            <a:off x="2589213" y="1210612"/>
+            <a:ext cx="8915400" cy="707886"/>
+          </a:xfrm>
+          <a:prstGeom prst="rect">
+            <a:avLst/>
+          </a:prstGeom>
+          <a:noFill/>
+          <a:effectLst>
+            <a:reflection blurRad="6350" stA="50000" endA="300" endPos="90000" dir="5400000" sy="-100000" algn="bl" rotWithShape="0"/>
+          </a:effectLst>
+        </p:spPr>
+        <p:txBody>
+          <a:bodyPr wrap="square" rtlCol="0">
+            <a:spAutoFit/>
+          </a:bodyPr>
+          <a:lstStyle/>
+          <a:p>
+            <a:pPr algn="r"/>
+            <a:r>
+              <a:rPr lang="zh-CN" altLang="en-US" sz="2000" dirty="0">
+                <a:solidFill>
+                  <a:srgbClr val="00B050"/>
+                </a:solidFill>
+              </a:rPr>
+              <a:t>为什么我的眼里常含泪水</a:t>
+            </a:r>
+            <a:r>
+              <a:rPr lang="zh-CN" altLang="en-US" sz="2000" dirty="0" smtClean="0">
+                <a:solidFill>
+                  <a:srgbClr val="00B050"/>
+                </a:solidFill>
+              </a:rPr>
+              <a:t>？</a:t>
+            </a:r>
+            <a:endParaRPr lang="en-US" altLang="zh-CN" sz="2000" dirty="0" smtClean="0">
+              <a:solidFill>
+                <a:srgbClr val="00B050"/>
+              </a:solidFill>
+            </a:endParaRPr>
+          </a:p>
+          <a:p>
+            <a:pPr algn="r"/>
+            <a:r>
+              <a:rPr lang="zh-CN" altLang="en-US" sz="2000" dirty="0" smtClean="0">
+                <a:solidFill>
+                  <a:srgbClr val="00B050"/>
+                </a:solidFill>
+              </a:rPr>
+              <a:t>因为</a:t>
+            </a:r>
+            <a:r>
+              <a:rPr lang="zh-CN" altLang="en-US" sz="2000" dirty="0">
+                <a:solidFill>
+                  <a:srgbClr val="00B050"/>
+                </a:solidFill>
+              </a:rPr>
+              <a:t>我对这土地爱得深沉</a:t>
+            </a:r>
+          </a:p>
+        </p:txBody>
+      </p:sp>
+    </p:spTree>
+    <p:extLst>
+      <p:ext uri="{BB962C8B-B14F-4D97-AF65-F5344CB8AC3E}">
+        <p14:creationId xmlns:p14="http://schemas.microsoft.com/office/powerpoint/2010/main" val="176774608"/>
       </p:ext>
     </p:extLst>
   </p:cSld>
@@ -7918,4 +9256,265 @@
     </a:ext>
   </a:extLst>
 </a:theme>
+</file>
+
+<file path=ppt/theme/theme2.xml><?xml version="1.0" encoding="utf-8"?>
+<a:theme xmlns:a="http://schemas.openxmlformats.org/drawingml/2006/main" name="Office 主题">
+  <a:themeElements>
+    <a:clrScheme name="Office">
+      <a:dk1>
+        <a:sysClr val="windowText" lastClr="000000"/>
+      </a:dk1>
+      <a:lt1>
+        <a:sysClr val="window" lastClr="FFFFFF"/>
+      </a:lt1>
+      <a:dk2>
+        <a:srgbClr val="44546A"/>
+      </a:dk2>
+      <a:lt2>
+        <a:srgbClr val="E7E6E6"/>
+      </a:lt2>
+      <a:accent1>
+        <a:srgbClr val="5B9BD5"/>
+      </a:accent1>
+      <a:accent2>
+        <a:srgbClr val="ED7D31"/>
+      </a:accent2>
+      <a:accent3>
+        <a:srgbClr val="A5A5A5"/>
+      </a:accent3>
+      <a:accent4>
+        <a:srgbClr val="FFC000"/>
+      </a:accent4>
+      <a:accent5>
+        <a:srgbClr val="4472C4"/>
+      </a:accent5>
+      <a:accent6>
+        <a:srgbClr val="70AD47"/>
+      </a:accent6>
+      <a:hlink>
+        <a:srgbClr val="0563C1"/>
+      </a:hlink>
+      <a:folHlink>
+        <a:srgbClr val="954F72"/>
+      </a:folHlink>
+    </a:clrScheme>
+    <a:fontScheme name="Office">
+      <a:majorFont>
+        <a:latin typeface="Calibri Light" panose="020F0302020204030204"/>
+        <a:ea typeface=""/>
+        <a:cs typeface=""/>
+        <a:font script="Jpan" typeface="ＭＳ Ｐゴシック"/>
+        <a:font script="Hang" typeface="맑은 고딕"/>
+        <a:font script="Hans" typeface="宋体"/>
+        <a:font script="Hant" typeface="新細明體"/>
+        <a:font script="Arab" typeface="Times New Roman"/>
+        <a:font script="Hebr" typeface="Times New Roman"/>
+        <a:font script="Thai" typeface="Angsana New"/>
+        <a:font script="Ethi" typeface="Nyala"/>
+        <a:font script="Beng" typeface="Vrinda"/>
+        <a:font script="Gujr" typeface="Shruti"/>
+        <a:font script="Khmr" typeface="MoolBoran"/>
+        <a:font script="Knda" typeface="Tunga"/>
+        <a:font script="Guru" typeface="Raavi"/>
+        <a:font script="Cans" typeface="Euphemia"/>
+        <a:font script="Cher" typeface="Plantagenet Cherokee"/>
+        <a:font script="Yiii" typeface="Microsoft Yi Baiti"/>
+        <a:font script="Tibt" typeface="Microsoft Himalaya"/>
+        <a:font script="Thaa" typeface="MV Boli"/>
+        <a:font script="Deva" typeface="Mangal"/>
+        <a:font script="Telu" typeface="Gautami"/>
+        <a:font script="Taml" typeface="Latha"/>
+        <a:font script="Syrc" typeface="Estrangelo Edessa"/>
+        <a:font script="Orya" typeface="Kalinga"/>
+        <a:font script="Mlym" typeface="Kartika"/>
+        <a:font script="Laoo" typeface="DokChampa"/>
+        <a:font script="Sinh" typeface="Iskoola Pota"/>
+        <a:font script="Mong" typeface="Mongolian Baiti"/>
+        <a:font script="Viet" typeface="Times New Roman"/>
+        <a:font script="Uigh" typeface="Microsoft Uighur"/>
+        <a:font script="Geor" typeface="Sylfaen"/>
+      </a:majorFont>
+      <a:minorFont>
+        <a:latin typeface="Calibri" panose="020F0502020204030204"/>
+        <a:ea typeface=""/>
+        <a:cs typeface=""/>
+        <a:font script="Jpan" typeface="ＭＳ Ｐゴシック"/>
+        <a:font script="Hang" typeface="맑은 고딕"/>
+        <a:font script="Hans" typeface="宋体"/>
+        <a:font script="Hant" typeface="新細明體"/>
+        <a:font script="Arab" typeface="Arial"/>
+        <a:font script="Hebr" typeface="Arial"/>
+        <a:font script="Thai" typeface="Cordia New"/>
+        <a:font script="Ethi" typeface="Nyala"/>
+        <a:font script="Beng" typeface="Vrinda"/>
+        <a:font script="Gujr" typeface="Shruti"/>
+        <a:font script="Khmr" typeface="DaunPenh"/>
+        <a:font script="Knda" typeface="Tunga"/>
+        <a:font script="Guru" typeface="Raavi"/>
+        <a:font script="Cans" typeface="Euphemia"/>
+        <a:font script="Cher" typeface="Plantagenet Cherokee"/>
+        <a:font script="Yiii" typeface="Microsoft Yi Baiti"/>
+        <a:font script="Tibt" typeface="Microsoft Himalaya"/>
+        <a:font script="Thaa" typeface="MV Boli"/>
+        <a:font script="Deva" typeface="Mangal"/>
+        <a:font script="Telu" typeface="Gautami"/>
+        <a:font script="Taml" typeface="Latha"/>
+        <a:font script="Syrc" typeface="Estrangelo Edessa"/>
+        <a:font script="Orya" typeface="Kalinga"/>
+        <a:font script="Mlym" typeface="Kartika"/>
+        <a:font script="Laoo" typeface="DokChampa"/>
+        <a:font script="Sinh" typeface="Iskoola Pota"/>
+        <a:font script="Mong" typeface="Mongolian Baiti"/>
+        <a:font script="Viet" typeface="Arial"/>
+        <a:font script="Uigh" typeface="Microsoft Uighur"/>
+        <a:font script="Geor" typeface="Sylfaen"/>
+      </a:minorFont>
+    </a:fontScheme>
+    <a:fmtScheme name="Office">
+      <a:fillStyleLst>
+        <a:solidFill>
+          <a:schemeClr val="phClr"/>
+        </a:solidFill>
+        <a:gradFill rotWithShape="1">
+          <a:gsLst>
+            <a:gs pos="0">
+              <a:schemeClr val="phClr">
+                <a:lumMod val="110000"/>
+                <a:satMod val="105000"/>
+                <a:tint val="67000"/>
+              </a:schemeClr>
+            </a:gs>
+            <a:gs pos="50000">
+              <a:schemeClr val="phClr">
+                <a:lumMod val="105000"/>
+                <a:satMod val="103000"/>
+                <a:tint val="73000"/>
+              </a:schemeClr>
+            </a:gs>
+            <a:gs pos="100000">
+              <a:schemeClr val="phClr">
+                <a:lumMod val="105000"/>
+                <a:satMod val="109000"/>
+                <a:tint val="81000"/>
+              </a:schemeClr>
+            </a:gs>
+          </a:gsLst>
+          <a:lin ang="5400000" scaled="0"/>
+        </a:gradFill>
+        <a:gradFill rotWithShape="1">
+          <a:gsLst>
+            <a:gs pos="0">
+              <a:schemeClr val="phClr">
+                <a:satMod val="103000"/>
+                <a:lumMod val="102000"/>
+                <a:tint val="94000"/>
+              </a:schemeClr>
+            </a:gs>
+            <a:gs pos="50000">
+              <a:schemeClr val="phClr">
+                <a:satMod val="110000"/>
+                <a:lumMod val="100000"/>
+                <a:shade val="100000"/>
+              </a:schemeClr>
+            </a:gs>
+            <a:gs pos="100000">
+              <a:schemeClr val="phClr">
+                <a:lumMod val="99000"/>
+                <a:satMod val="120000"/>
+                <a:shade val="78000"/>
+              </a:schemeClr>
+            </a:gs>
+          </a:gsLst>
+          <a:lin ang="5400000" scaled="0"/>
+        </a:gradFill>
+      </a:fillStyleLst>
+      <a:lnStyleLst>
+        <a:ln w="6350" cap="flat" cmpd="sng" algn="ctr">
+          <a:solidFill>
+            <a:schemeClr val="phClr"/>
+          </a:solidFill>
+          <a:prstDash val="solid"/>
+          <a:miter lim="800000"/>
+        </a:ln>
+        <a:ln w="12700" cap="flat" cmpd="sng" algn="ctr">
+          <a:solidFill>
+            <a:schemeClr val="phClr"/>
+          </a:solidFill>
+          <a:prstDash val="solid"/>
+          <a:miter lim="800000"/>
+        </a:ln>
+        <a:ln w="19050" cap="flat" cmpd="sng" algn="ctr">
+          <a:solidFill>
+            <a:schemeClr val="phClr"/>
+          </a:solidFill>
+          <a:prstDash val="solid"/>
+          <a:miter lim="800000"/>
+        </a:ln>
+      </a:lnStyleLst>
+      <a:effectStyleLst>
+        <a:effectStyle>
+          <a:effectLst/>
+        </a:effectStyle>
+        <a:effectStyle>
+          <a:effectLst/>
+        </a:effectStyle>
+        <a:effectStyle>
+          <a:effectLst>
+            <a:outerShdw blurRad="57150" dist="19050" dir="5400000" algn="ctr" rotWithShape="0">
+              <a:srgbClr val="000000">
+                <a:alpha val="63000"/>
+              </a:srgbClr>
+            </a:outerShdw>
+          </a:effectLst>
+        </a:effectStyle>
+      </a:effectStyleLst>
+      <a:bgFillStyleLst>
+        <a:solidFill>
+          <a:schemeClr val="phClr"/>
+        </a:solidFill>
+        <a:solidFill>
+          <a:schemeClr val="phClr">
+            <a:tint val="95000"/>
+            <a:satMod val="170000"/>
+          </a:schemeClr>
+        </a:solidFill>
+        <a:gradFill rotWithShape="1">
+          <a:gsLst>
+            <a:gs pos="0">
+              <a:schemeClr val="phClr">
+                <a:tint val="93000"/>
+                <a:satMod val="150000"/>
+                <a:shade val="98000"/>
+                <a:lumMod val="102000"/>
+              </a:schemeClr>
+            </a:gs>
+            <a:gs pos="50000">
+              <a:schemeClr val="phClr">
+                <a:tint val="98000"/>
+                <a:satMod val="130000"/>
+                <a:shade val="90000"/>
+                <a:lumMod val="103000"/>
+              </a:schemeClr>
+            </a:gs>
+            <a:gs pos="100000">
+              <a:schemeClr val="phClr">
+                <a:shade val="63000"/>
+                <a:satMod val="120000"/>
+              </a:schemeClr>
+            </a:gs>
+          </a:gsLst>
+          <a:lin ang="5400000" scaled="0"/>
+        </a:gradFill>
+      </a:bgFillStyleLst>
+    </a:fmtScheme>
+  </a:themeElements>
+  <a:objectDefaults/>
+  <a:extraClrSchemeLst/>
+  <a:extLst>
+    <a:ext uri="{05A4C25C-085E-4340-85A3-A5531E510DB2}">
+      <thm15:themeFamily xmlns:thm15="http://schemas.microsoft.com/office/thememl/2012/main" name="Office Theme" id="{62F939B6-93AF-4DB8-9C6B-D6C7DFDC589F}" vid="{4A3C46E8-61CC-4603-A589-7422A47A8E4A}"/>
+    </a:ext>
+  </a:extLst>
+</a:theme>
 </file>
--- a/SASS愈行愈远.pptx
+++ b/SASS愈行愈远.pptx
@@ -5,7 +5,7 @@
     <p:sldMasterId id="2147483648" r:id="rId1"/>
   </p:sldMasterIdLst>
   <p:notesMasterIdLst>
-    <p:notesMasterId r:id="rId7"/>
+    <p:notesMasterId r:id="rId9"/>
   </p:notesMasterIdLst>
   <p:sldIdLst>
     <p:sldId id="256" r:id="rId2"/>
@@ -13,6 +13,8 @@
     <p:sldId id="257" r:id="rId4"/>
     <p:sldId id="259" r:id="rId5"/>
     <p:sldId id="260" r:id="rId6"/>
+    <p:sldId id="261" r:id="rId7"/>
+    <p:sldId id="262" r:id="rId8"/>
   </p:sldIdLst>
   <p:sldSz cx="12192000" cy="6858000"/>
   <p:notesSz cx="6858000" cy="9144000"/>
@@ -8330,12 +8332,12 @@
               <a:buChar char="Ø"/>
             </a:pPr>
             <a:r>
-              <a:rPr lang="en-US" altLang="zh-CN" dirty="0" smtClean="0"/>
-              <a:t>Demo</a:t>
+              <a:rPr lang="zh-CN" altLang="en-US" dirty="0"/>
+              <a:t>咋</a:t>
             </a:r>
             <a:r>
               <a:rPr lang="zh-CN" altLang="en-US" dirty="0" smtClean="0"/>
-              <a:t>演示</a:t>
+              <a:t>用来着</a:t>
             </a:r>
             <a:endParaRPr lang="en-US" altLang="zh-CN" dirty="0" smtClean="0"/>
           </a:p>
@@ -8345,14 +8347,13 @@
               <a:buChar char="Ø"/>
             </a:pPr>
             <a:r>
+              <a:rPr lang="en-US" altLang="zh-CN" dirty="0" smtClean="0"/>
+              <a:t>Demo</a:t>
+            </a:r>
+            <a:r>
               <a:rPr lang="zh-CN" altLang="en-US" dirty="0"/>
-              <a:t>咋</a:t>
-            </a:r>
-            <a:r>
-              <a:rPr lang="zh-CN" altLang="en-US" dirty="0" smtClean="0"/>
-              <a:t>用来着</a:t>
-            </a:r>
-            <a:endParaRPr lang="zh-CN" altLang="en-US" dirty="0"/>
+              <a:t>演示</a:t>
+            </a:r>
           </a:p>
         </p:txBody>
       </p:sp>
@@ -8372,7 +8373,7 @@
           </a:prstGeom>
           <a:noFill/>
           <a:effectLst>
-            <a:reflection blurRad="6350" stA="50000" endA="300" endPos="90000" dir="5400000" sy="-100000" algn="bl" rotWithShape="0"/>
+            <a:reflection blurRad="6350" stA="52000" endA="300" endPos="35000" dir="5400000" sy="-100000" algn="bl" rotWithShape="0"/>
           </a:effectLst>
         </p:spPr>
         <p:txBody>
@@ -8745,7 +8746,7 @@
             <a:noFill/>
           </a:ln>
           <a:effectLst>
-            <a:reflection stA="50000" endA="300" endPos="92000" dir="5400000" sy="-100000" algn="bl" rotWithShape="0"/>
+            <a:reflection blurRad="6350" stA="50000" endA="300" endPos="55000" dir="5400000" sy="-100000" algn="bl" rotWithShape="0"/>
           </a:effectLst>
         </p:spPr>
         <p:txBody>
@@ -8840,7 +8841,11 @@
             <p:ph idx="1"/>
           </p:nvPr>
         </p:nvSpPr>
-        <p:spPr/>
+        <p:spPr>
+          <a:effectLst>
+            <a:reflection blurRad="6350" stA="52000" endA="300" endPos="35000" dir="5400000" sy="-100000" algn="bl" rotWithShape="0"/>
+          </a:effectLst>
+        </p:spPr>
         <p:txBody>
           <a:bodyPr/>
           <a:lstStyle/>
@@ -8914,7 +8919,61 @@
             <a:endParaRPr lang="en-US" altLang="zh-CN" dirty="0" smtClean="0"/>
           </a:p>
           <a:p>
-            <a:pPr>
+            <a:pPr marL="400050" lvl="1" indent="0">
+              <a:buNone/>
+            </a:pPr>
+            <a:r>
+              <a:rPr lang="en-US" altLang="zh-CN" dirty="0"/>
+              <a:t>pages/ </a:t>
+            </a:r>
+            <a:r>
+              <a:rPr lang="en-US" altLang="zh-CN" dirty="0" err="1"/>
+              <a:t>home.scss</a:t>
+            </a:r>
+            <a:r>
+              <a:rPr lang="en-US" altLang="zh-CN" dirty="0"/>
+              <a:t>        # </a:t>
+            </a:r>
+            <a:r>
+              <a:rPr lang="en-US" altLang="zh-CN" dirty="0" smtClean="0"/>
+              <a:t>home</a:t>
+            </a:r>
+            <a:r>
+              <a:rPr lang="zh-CN" altLang="en-US" dirty="0" smtClean="0"/>
+              <a:t>模块</a:t>
+            </a:r>
+            <a:endParaRPr lang="en-US" altLang="zh-CN" dirty="0" smtClean="0"/>
+          </a:p>
+          <a:p>
+            <a:pPr marL="400050" lvl="1" indent="0">
+              <a:buNone/>
+            </a:pPr>
+            <a:r>
+              <a:rPr lang="en-US" altLang="zh-CN" dirty="0"/>
+              <a:t>components/ </a:t>
+            </a:r>
+            <a:r>
+              <a:rPr lang="en-US" altLang="zh-CN" dirty="0" err="1" smtClean="0"/>
+              <a:t>panel.scss</a:t>
+            </a:r>
+            <a:r>
+              <a:rPr lang="en-US" altLang="zh-CN" dirty="0" smtClean="0"/>
+              <a:t>   #panel</a:t>
+            </a:r>
+            <a:r>
+              <a:rPr lang="zh-CN" altLang="en-US" dirty="0" smtClean="0"/>
+              <a:t>组件</a:t>
+            </a:r>
+            <a:endParaRPr lang="en-US" altLang="zh-CN" dirty="0"/>
+          </a:p>
+          <a:p>
+            <a:pPr marL="400050" lvl="1" indent="0">
+              <a:buNone/>
+            </a:pPr>
+            <a:endParaRPr lang="en-US" altLang="zh-CN" dirty="0" smtClean="0"/>
+          </a:p>
+          <a:p>
+            <a:pPr marL="285750">
               <a:buFont typeface="Wingdings" panose="05000000000000000000" pitchFamily="2" charset="2"/>
               <a:buChar char="Ø"/>
             </a:pPr>
@@ -8942,7 +9001,7 @@
           </a:prstGeom>
           <a:noFill/>
           <a:effectLst>
-            <a:reflection blurRad="6350" stA="50000" endA="300" endPos="90000" dir="5400000" sy="-100000" algn="bl" rotWithShape="0"/>
+            <a:reflection blurRad="6350" stA="52000" endA="300" endPos="35000" dir="5400000" sy="-100000" algn="bl" rotWithShape="0"/>
           </a:effectLst>
         </p:spPr>
         <p:txBody>
@@ -8999,6 +9058,443 @@
     <p:extLst>
       <p:ext uri="{BB962C8B-B14F-4D97-AF65-F5344CB8AC3E}">
         <p14:creationId xmlns:p14="http://schemas.microsoft.com/office/powerpoint/2010/main" val="176774608"/>
+      </p:ext>
+    </p:extLst>
+  </p:cSld>
+  <p:clrMapOvr>
+    <a:masterClrMapping/>
+  </p:clrMapOvr>
+  <p:timing>
+    <p:tnLst>
+      <p:par>
+        <p:cTn id="1" dur="indefinite" restart="never" nodeType="tmRoot"/>
+      </p:par>
+    </p:tnLst>
+  </p:timing>
+</p:sld>
+</file>
+
+<file path=ppt/slides/slide6.xml><?xml version="1.0" encoding="utf-8"?>
+<p:sld xmlns:a="http://schemas.openxmlformats.org/drawingml/2006/main" xmlns:r="http://schemas.openxmlformats.org/officeDocument/2006/relationships" xmlns:p="http://schemas.openxmlformats.org/presentationml/2006/main">
+  <p:cSld>
+    <p:spTree>
+      <p:nvGrpSpPr>
+        <p:cNvPr id="1" name=""/>
+        <p:cNvGrpSpPr/>
+        <p:nvPr/>
+      </p:nvGrpSpPr>
+      <p:grpSpPr>
+        <a:xfrm>
+          <a:off x="0" y="0"/>
+          <a:ext cx="0" cy="0"/>
+          <a:chOff x="0" y="0"/>
+          <a:chExt cx="0" cy="0"/>
+        </a:xfrm>
+      </p:grpSpPr>
+      <p:sp>
+        <p:nvSpPr>
+          <p:cNvPr id="2" name="标题 1"/>
+          <p:cNvSpPr>
+            <a:spLocks noGrp="1"/>
+          </p:cNvSpPr>
+          <p:nvPr>
+            <p:ph type="title"/>
+          </p:nvPr>
+        </p:nvSpPr>
+        <p:spPr>
+          <a:xfrm>
+            <a:off x="2592925" y="624110"/>
+            <a:ext cx="8911687" cy="650898"/>
+          </a:xfrm>
+        </p:spPr>
+        <p:txBody>
+          <a:bodyPr/>
+          <a:lstStyle/>
+          <a:p>
+            <a:r>
+              <a:rPr lang="zh-CN" altLang="en-US" dirty="0" smtClean="0"/>
+              <a:t>如何使用</a:t>
+            </a:r>
+            <a:r>
+              <a:rPr lang="en-US" altLang="zh-CN" dirty="0" smtClean="0"/>
+              <a:t>SASS ——</a:t>
+            </a:r>
+            <a:r>
+              <a:rPr lang="zh-CN" altLang="en-US" dirty="0" smtClean="0"/>
+              <a:t> 环境搭建</a:t>
+            </a:r>
+            <a:endParaRPr lang="zh-CN" altLang="en-US" dirty="0"/>
+          </a:p>
+        </p:txBody>
+      </p:sp>
+      <p:sp>
+        <p:nvSpPr>
+          <p:cNvPr id="3" name="内容占位符 2"/>
+          <p:cNvSpPr>
+            <a:spLocks noGrp="1"/>
+          </p:cNvSpPr>
+          <p:nvPr>
+            <p:ph idx="1"/>
+          </p:nvPr>
+        </p:nvSpPr>
+        <p:spPr/>
+        <p:txBody>
+          <a:bodyPr/>
+          <a:lstStyle/>
+          <a:p>
+            <a:pPr>
+              <a:buFont typeface="+mj-lt"/>
+              <a:buAutoNum type="arabicPeriod"/>
+            </a:pPr>
+            <a:r>
+              <a:rPr lang="zh-CN" altLang="en-US" dirty="0" smtClean="0"/>
+              <a:t>环境准备</a:t>
+            </a:r>
+            <a:endParaRPr lang="en-US" altLang="zh-CN" dirty="0" smtClean="0"/>
+          </a:p>
+          <a:p>
+            <a:pPr marL="800100" lvl="1" indent="-342900">
+              <a:buFont typeface="+mj-lt"/>
+              <a:buAutoNum type="alphaLcPeriod"/>
+            </a:pPr>
+            <a:r>
+              <a:rPr lang="zh-CN" altLang="en-US" dirty="0" smtClean="0"/>
+              <a:t>安装</a:t>
+            </a:r>
+            <a:r>
+              <a:rPr lang="en-US" altLang="zh-CN" dirty="0" smtClean="0"/>
+              <a:t>ruby </a:t>
+            </a:r>
+            <a:r>
+              <a:rPr lang="zh-CN" altLang="en-US" dirty="0" smtClean="0"/>
+              <a:t>（</a:t>
+            </a:r>
+            <a:r>
+              <a:rPr lang="en-US" altLang="zh-CN" dirty="0" smtClean="0"/>
+              <a:t>appcan IDE</a:t>
+            </a:r>
+            <a:r>
+              <a:rPr lang="zh-CN" altLang="en-US" dirty="0" smtClean="0"/>
+              <a:t>安装时默认安装</a:t>
+            </a:r>
+            <a:r>
+              <a:rPr lang="en-US" altLang="zh-CN" dirty="0" smtClean="0"/>
+              <a:t>ruby</a:t>
+            </a:r>
+            <a:r>
+              <a:rPr lang="zh-CN" altLang="en-US" dirty="0" smtClean="0"/>
+              <a:t>，</a:t>
+            </a:r>
+            <a:r>
+              <a:rPr lang="en-US" altLang="zh-CN" dirty="0"/>
+              <a:t>ruby </a:t>
+            </a:r>
+            <a:r>
+              <a:rPr lang="en-US" altLang="zh-CN" dirty="0" smtClean="0"/>
+              <a:t>–v</a:t>
+            </a:r>
+            <a:r>
+              <a:rPr lang="zh-CN" altLang="en-US" dirty="0" smtClean="0"/>
+              <a:t>查看版本，修改环境变量）</a:t>
+            </a:r>
+            <a:endParaRPr lang="en-US" altLang="zh-CN" dirty="0" smtClean="0"/>
+          </a:p>
+          <a:p>
+            <a:pPr marL="800100" lvl="1" indent="-342900">
+              <a:buFont typeface="+mj-lt"/>
+              <a:buAutoNum type="alphaLcPeriod"/>
+            </a:pPr>
+            <a:r>
+              <a:rPr lang="en-US" altLang="zh-CN" dirty="0"/>
+              <a:t>gem install </a:t>
+            </a:r>
+            <a:r>
+              <a:rPr lang="en-US" altLang="zh-CN" dirty="0" smtClean="0"/>
+              <a:t>sass </a:t>
+            </a:r>
+            <a:r>
+              <a:rPr lang="zh-CN" altLang="en-US" dirty="0" smtClean="0"/>
+              <a:t>淘宝</a:t>
+            </a:r>
+            <a:r>
+              <a:rPr lang="en-US" altLang="zh-CN" dirty="0" smtClean="0"/>
+              <a:t>RubyGems</a:t>
+            </a:r>
+            <a:r>
+              <a:rPr lang="zh-CN" altLang="en-US" dirty="0" smtClean="0"/>
+              <a:t>镜像安装</a:t>
+            </a:r>
+            <a:endParaRPr lang="en-US" altLang="zh-CN" dirty="0" smtClean="0"/>
+          </a:p>
+          <a:p>
+            <a:pPr marL="400050">
+              <a:buFont typeface="+mj-lt"/>
+              <a:buAutoNum type="arabicPeriod"/>
+            </a:pPr>
+            <a:r>
+              <a:rPr lang="en-US" altLang="zh-CN" dirty="0" smtClean="0"/>
+              <a:t>SASS</a:t>
+            </a:r>
+            <a:r>
+              <a:rPr lang="zh-CN" altLang="en-US" dirty="0" smtClean="0"/>
+              <a:t>编译</a:t>
+            </a:r>
+            <a:endParaRPr lang="en-US" altLang="zh-CN" dirty="0" smtClean="0"/>
+          </a:p>
+          <a:p>
+            <a:pPr marL="800100" lvl="1">
+              <a:buFont typeface="+mj-lt"/>
+              <a:buAutoNum type="alphaLcPeriod"/>
+            </a:pPr>
+            <a:r>
+              <a:rPr lang="en-US" altLang="zh-CN" dirty="0"/>
+              <a:t>	</a:t>
+            </a:r>
+            <a:r>
+              <a:rPr lang="zh-CN" altLang="en-US" dirty="0" smtClean="0"/>
+              <a:t>本地</a:t>
+            </a:r>
+            <a:r>
+              <a:rPr lang="en-US" altLang="zh-CN" dirty="0" smtClean="0"/>
+              <a:t>sass</a:t>
+            </a:r>
+            <a:r>
+              <a:rPr lang="zh-CN" altLang="en-US" dirty="0" smtClean="0"/>
+              <a:t>命令 </a:t>
+            </a:r>
+            <a:r>
+              <a:rPr lang="en-US" altLang="zh-CN" dirty="0"/>
+              <a:t>sass style.scss </a:t>
+            </a:r>
+            <a:r>
+              <a:rPr lang="en-US" altLang="zh-CN" dirty="0" smtClean="0"/>
+              <a:t>style.css</a:t>
+            </a:r>
+          </a:p>
+          <a:p>
+            <a:pPr marL="800100" lvl="1">
+              <a:buFont typeface="+mj-lt"/>
+              <a:buAutoNum type="alphaLcPeriod"/>
+            </a:pPr>
+            <a:r>
+              <a:rPr lang="en-US" altLang="zh-CN" dirty="0" smtClean="0"/>
+              <a:t>VS</a:t>
+            </a:r>
+            <a:r>
+              <a:rPr lang="zh-CN" altLang="en-US" dirty="0" smtClean="0"/>
+              <a:t>插件</a:t>
+            </a:r>
+            <a:r>
+              <a:rPr lang="en-US" altLang="zh-CN" dirty="0" smtClean="0"/>
+              <a:t>Mindscape Web Workbench</a:t>
+            </a:r>
+          </a:p>
+          <a:p>
+            <a:pPr marL="800100" lvl="1">
+              <a:buFont typeface="+mj-lt"/>
+              <a:buAutoNum type="alphaLcPeriod"/>
+            </a:pPr>
+            <a:r>
+              <a:rPr lang="zh-CN" altLang="en-US" dirty="0" smtClean="0"/>
+              <a:t>免费编译器</a:t>
+            </a:r>
+            <a:r>
+              <a:rPr lang="en-US" altLang="zh-CN" dirty="0" smtClean="0">
+                <a:hlinkClick r:id="rId2"/>
+              </a:rPr>
+              <a:t>koala</a:t>
+            </a:r>
+            <a:endParaRPr lang="en-US" altLang="zh-CN" dirty="0" smtClean="0"/>
+          </a:p>
+          <a:p>
+            <a:pPr marL="800100" lvl="1">
+              <a:buFont typeface="+mj-lt"/>
+              <a:buAutoNum type="alphaLcPeriod"/>
+            </a:pPr>
+            <a:r>
+              <a:rPr lang="zh-CN" altLang="en-US" dirty="0" smtClean="0"/>
+              <a:t>演示使用 </a:t>
+            </a:r>
+            <a:r>
+              <a:rPr lang="en-US" altLang="zh-CN" dirty="0" smtClean="0">
+                <a:hlinkClick r:id="rId3"/>
+              </a:rPr>
+              <a:t>sassmeister</a:t>
+            </a:r>
+            <a:endParaRPr lang="en-US" altLang="zh-CN" dirty="0" smtClean="0"/>
+          </a:p>
+          <a:p>
+            <a:pPr marL="114300" indent="0">
+              <a:buNone/>
+            </a:pPr>
+            <a:endParaRPr lang="en-US" altLang="zh-CN" dirty="0"/>
+          </a:p>
+          <a:p>
+            <a:pPr marL="114300" lvl="1" indent="0">
+              <a:buNone/>
+            </a:pPr>
+            <a:r>
+              <a:rPr lang="zh-CN" altLang="en-US" dirty="0"/>
+              <a:t>具体参考：</a:t>
+            </a:r>
+            <a:r>
+              <a:rPr lang="en-US" altLang="zh-CN" dirty="0">
+                <a:hlinkClick r:id="rId4"/>
+              </a:rPr>
+              <a:t>http://www.w3cplus.com/sassguide/install.html</a:t>
+            </a:r>
+            <a:endParaRPr lang="en-US" altLang="zh-CN" dirty="0"/>
+          </a:p>
+          <a:p>
+            <a:pPr marL="114300" indent="0">
+              <a:buNone/>
+            </a:pPr>
+            <a:endParaRPr lang="zh-CN" altLang="en-US" dirty="0"/>
+          </a:p>
+        </p:txBody>
+      </p:sp>
+      <p:sp>
+        <p:nvSpPr>
+          <p:cNvPr id="4" name="文本框 3"/>
+          <p:cNvSpPr txBox="1"/>
+          <p:nvPr/>
+        </p:nvSpPr>
+        <p:spPr>
+          <a:xfrm>
+            <a:off x="2589212" y="1201268"/>
+            <a:ext cx="8915400" cy="400110"/>
+          </a:xfrm>
+          <a:prstGeom prst="rect">
+            <a:avLst/>
+          </a:prstGeom>
+          <a:noFill/>
+          <a:effectLst>
+            <a:reflection blurRad="6350" stA="50000" endA="300" endPos="55000" dir="5400000" sy="-100000" algn="bl" rotWithShape="0"/>
+          </a:effectLst>
+        </p:spPr>
+        <p:txBody>
+          <a:bodyPr wrap="square" rtlCol="0">
+            <a:spAutoFit/>
+          </a:bodyPr>
+          <a:lstStyle/>
+          <a:p>
+            <a:pPr algn="r"/>
+            <a:r>
+              <a:rPr lang="zh-CN" altLang="en-US" sz="2000" dirty="0" smtClean="0">
+                <a:solidFill>
+                  <a:srgbClr val="00B050"/>
+                </a:solidFill>
+              </a:rPr>
+              <a:t>何以解忧，唯有杜康？</a:t>
+            </a:r>
+            <a:endParaRPr lang="zh-CN" altLang="en-US" sz="2000" dirty="0">
+              <a:solidFill>
+                <a:srgbClr val="00B050"/>
+              </a:solidFill>
+            </a:endParaRPr>
+          </a:p>
+        </p:txBody>
+      </p:sp>
+    </p:spTree>
+    <p:extLst>
+      <p:ext uri="{BB962C8B-B14F-4D97-AF65-F5344CB8AC3E}">
+        <p14:creationId xmlns:p14="http://schemas.microsoft.com/office/powerpoint/2010/main" val="1672618936"/>
+      </p:ext>
+    </p:extLst>
+  </p:cSld>
+  <p:clrMapOvr>
+    <a:masterClrMapping/>
+  </p:clrMapOvr>
+  <p:timing>
+    <p:tnLst>
+      <p:par>
+        <p:cTn id="1" dur="indefinite" restart="never" nodeType="tmRoot"/>
+      </p:par>
+    </p:tnLst>
+  </p:timing>
+</p:sld>
+</file>
+
+<file path=ppt/slides/slide7.xml><?xml version="1.0" encoding="utf-8"?>
+<p:sld xmlns:a="http://schemas.openxmlformats.org/drawingml/2006/main" xmlns:r="http://schemas.openxmlformats.org/officeDocument/2006/relationships" xmlns:p="http://schemas.openxmlformats.org/presentationml/2006/main">
+  <p:cSld>
+    <p:spTree>
+      <p:nvGrpSpPr>
+        <p:cNvPr id="1" name=""/>
+        <p:cNvGrpSpPr/>
+        <p:nvPr/>
+      </p:nvGrpSpPr>
+      <p:grpSpPr>
+        <a:xfrm>
+          <a:off x="0" y="0"/>
+          <a:ext cx="0" cy="0"/>
+          <a:chOff x="0" y="0"/>
+          <a:chExt cx="0" cy="0"/>
+        </a:xfrm>
+      </p:grpSpPr>
+      <p:sp>
+        <p:nvSpPr>
+          <p:cNvPr id="2" name="标题 1"/>
+          <p:cNvSpPr>
+            <a:spLocks noGrp="1"/>
+          </p:cNvSpPr>
+          <p:nvPr>
+            <p:ph type="title"/>
+          </p:nvPr>
+        </p:nvSpPr>
+        <p:spPr>
+          <a:xfrm>
+            <a:off x="2592925" y="624110"/>
+            <a:ext cx="8911687" cy="715293"/>
+          </a:xfrm>
+        </p:spPr>
+        <p:txBody>
+          <a:bodyPr/>
+          <a:lstStyle/>
+          <a:p>
+            <a:r>
+              <a:rPr lang="zh-CN" altLang="en-US" dirty="0"/>
+              <a:t>如何使用</a:t>
+            </a:r>
+            <a:r>
+              <a:rPr lang="en-US" altLang="zh-CN" dirty="0"/>
+              <a:t>SASS ——</a:t>
+            </a:r>
+            <a:r>
+              <a:rPr lang="zh-CN" altLang="en-US" dirty="0"/>
+              <a:t> </a:t>
+            </a:r>
+            <a:r>
+              <a:rPr lang="zh-CN" altLang="en-US" dirty="0" smtClean="0"/>
+              <a:t>基本语法</a:t>
+            </a:r>
+            <a:endParaRPr lang="zh-CN" altLang="en-US" dirty="0"/>
+          </a:p>
+        </p:txBody>
+      </p:sp>
+      <p:sp>
+        <p:nvSpPr>
+          <p:cNvPr id="3" name="内容占位符 2"/>
+          <p:cNvSpPr>
+            <a:spLocks noGrp="1"/>
+          </p:cNvSpPr>
+          <p:nvPr>
+            <p:ph idx="1"/>
+          </p:nvPr>
+        </p:nvSpPr>
+        <p:spPr/>
+        <p:txBody>
+          <a:bodyPr/>
+          <a:lstStyle/>
+          <a:p>
+            <a:endParaRPr lang="zh-CN" altLang="en-US" dirty="0"/>
+          </a:p>
+        </p:txBody>
+      </p:sp>
+    </p:spTree>
+    <p:extLst>
+      <p:ext uri="{BB962C8B-B14F-4D97-AF65-F5344CB8AC3E}">
+        <p14:creationId xmlns:p14="http://schemas.microsoft.com/office/powerpoint/2010/main" val="1254571343"/>
       </p:ext>
     </p:extLst>
   </p:cSld>

--- a/SASS愈行愈远.pptx
+++ b/SASS愈行愈远.pptx
@@ -203,7 +203,7 @@
           <a:p>
             <a:fld id="{37BD2C1D-2F58-45BB-86E1-36AE59844593}" type="datetimeFigureOut">
               <a:rPr lang="zh-CN" altLang="en-US" smtClean="0"/>
-              <a:t>2015/7/6</a:t>
+              <a:t>2015/7/7</a:t>
             </a:fld>
             <a:endParaRPr lang="zh-CN" altLang="en-US"/>
           </a:p>
@@ -752,7 +752,7 @@
             <a:fld id="{B61BEF0D-F0BB-DE4B-95CE-6DB70DBA9567}" type="datetimeFigureOut">
               <a:rPr lang="en-US" dirty="0"/>
               <a:pPr/>
-              <a:t>7/6/2015</a:t>
+              <a:t>7/7/2015</a:t>
             </a:fld>
             <a:endParaRPr lang="en-US" dirty="0"/>
           </a:p>
@@ -1087,7 +1087,7 @@
             <a:fld id="{B61BEF0D-F0BB-DE4B-95CE-6DB70DBA9567}" type="datetimeFigureOut">
               <a:rPr lang="en-US" dirty="0"/>
               <a:pPr/>
-              <a:t>7/6/2015</a:t>
+              <a:t>7/7/2015</a:t>
             </a:fld>
             <a:endParaRPr lang="en-US" dirty="0"/>
           </a:p>
@@ -1485,7 +1485,7 @@
             <a:fld id="{B61BEF0D-F0BB-DE4B-95CE-6DB70DBA9567}" type="datetimeFigureOut">
               <a:rPr lang="en-US" dirty="0"/>
               <a:pPr/>
-              <a:t>7/6/2015</a:t>
+              <a:t>7/7/2015</a:t>
             </a:fld>
             <a:endParaRPr lang="en-US" dirty="0"/>
           </a:p>
@@ -1817,7 +1817,7 @@
             <a:fld id="{B61BEF0D-F0BB-DE4B-95CE-6DB70DBA9567}" type="datetimeFigureOut">
               <a:rPr lang="en-US" dirty="0"/>
               <a:pPr/>
-              <a:t>7/6/2015</a:t>
+              <a:t>7/7/2015</a:t>
             </a:fld>
             <a:endParaRPr lang="en-US" dirty="0"/>
           </a:p>
@@ -2134,7 +2134,7 @@
             <a:fld id="{B61BEF0D-F0BB-DE4B-95CE-6DB70DBA9567}" type="datetimeFigureOut">
               <a:rPr lang="en-US" dirty="0"/>
               <a:pPr/>
-              <a:t>7/6/2015</a:t>
+              <a:t>7/7/2015</a:t>
             </a:fld>
             <a:endParaRPr lang="en-US" dirty="0"/>
           </a:p>
@@ -2527,7 +2527,7 @@
             <a:fld id="{B61BEF0D-F0BB-DE4B-95CE-6DB70DBA9567}" type="datetimeFigureOut">
               <a:rPr lang="en-US" dirty="0"/>
               <a:pPr/>
-              <a:t>7/6/2015</a:t>
+              <a:t>7/7/2015</a:t>
             </a:fld>
             <a:endParaRPr lang="en-US" dirty="0"/>
           </a:p>
@@ -2781,7 +2781,7 @@
             <a:fld id="{B61BEF0D-F0BB-DE4B-95CE-6DB70DBA9567}" type="datetimeFigureOut">
               <a:rPr lang="en-US" dirty="0"/>
               <a:pPr/>
-              <a:t>7/6/2015</a:t>
+              <a:t>7/7/2015</a:t>
             </a:fld>
             <a:endParaRPr lang="en-US" dirty="0"/>
           </a:p>
@@ -3040,7 +3040,7 @@
             <a:fld id="{B61BEF0D-F0BB-DE4B-95CE-6DB70DBA9567}" type="datetimeFigureOut">
               <a:rPr lang="en-US" dirty="0"/>
               <a:pPr/>
-              <a:t>7/6/2015</a:t>
+              <a:t>7/7/2015</a:t>
             </a:fld>
             <a:endParaRPr lang="en-US" dirty="0"/>
           </a:p>
@@ -3299,7 +3299,7 @@
             <a:fld id="{B61BEF0D-F0BB-DE4B-95CE-6DB70DBA9567}" type="datetimeFigureOut">
               <a:rPr lang="en-US" dirty="0"/>
               <a:pPr/>
-              <a:t>7/6/2015</a:t>
+              <a:t>7/7/2015</a:t>
             </a:fld>
             <a:endParaRPr lang="en-US" dirty="0"/>
           </a:p>
@@ -3625,7 +3625,7 @@
             <a:fld id="{B61BEF0D-F0BB-DE4B-95CE-6DB70DBA9567}" type="datetimeFigureOut">
               <a:rPr lang="en-US" dirty="0"/>
               <a:pPr/>
-              <a:t>7/6/2015</a:t>
+              <a:t>7/7/2015</a:t>
             </a:fld>
             <a:endParaRPr lang="en-US" dirty="0"/>
           </a:p>
@@ -3945,7 +3945,7 @@
             <a:fld id="{B61BEF0D-F0BB-DE4B-95CE-6DB70DBA9567}" type="datetimeFigureOut">
               <a:rPr lang="en-US" dirty="0"/>
               <a:pPr/>
-              <a:t>7/6/2015</a:t>
+              <a:t>7/7/2015</a:t>
             </a:fld>
             <a:endParaRPr lang="en-US" dirty="0"/>
           </a:p>
@@ -4399,7 +4399,7 @@
             <a:fld id="{B61BEF0D-F0BB-DE4B-95CE-6DB70DBA9567}" type="datetimeFigureOut">
               <a:rPr lang="en-US" dirty="0"/>
               <a:pPr/>
-              <a:t>7/6/2015</a:t>
+              <a:t>7/7/2015</a:t>
             </a:fld>
             <a:endParaRPr lang="en-US" dirty="0"/>
           </a:p>
@@ -4601,7 +4601,7 @@
             <a:fld id="{B61BEF0D-F0BB-DE4B-95CE-6DB70DBA9567}" type="datetimeFigureOut">
               <a:rPr lang="en-US" dirty="0"/>
               <a:pPr/>
-              <a:t>7/6/2015</a:t>
+              <a:t>7/7/2015</a:t>
             </a:fld>
             <a:endParaRPr lang="en-US" dirty="0"/>
           </a:p>
@@ -4775,7 +4775,7 @@
             <a:fld id="{B61BEF0D-F0BB-DE4B-95CE-6DB70DBA9567}" type="datetimeFigureOut">
               <a:rPr lang="en-US" dirty="0"/>
               <a:pPr/>
-              <a:t>7/6/2015</a:t>
+              <a:t>7/7/2015</a:t>
             </a:fld>
             <a:endParaRPr lang="en-US" dirty="0"/>
           </a:p>
@@ -5105,7 +5105,7 @@
             <a:fld id="{B61BEF0D-F0BB-DE4B-95CE-6DB70DBA9567}" type="datetimeFigureOut">
               <a:rPr lang="en-US" dirty="0"/>
               <a:pPr/>
-              <a:t>7/6/2015</a:t>
+              <a:t>7/7/2015</a:t>
             </a:fld>
             <a:endParaRPr lang="en-US" dirty="0"/>
           </a:p>
@@ -5447,7 +5447,7 @@
             <a:fld id="{B61BEF0D-F0BB-DE4B-95CE-6DB70DBA9567}" type="datetimeFigureOut">
               <a:rPr lang="en-US" dirty="0"/>
               <a:pPr/>
-              <a:t>7/6/2015</a:t>
+              <a:t>7/7/2015</a:t>
             </a:fld>
             <a:endParaRPr lang="en-US" dirty="0"/>
           </a:p>
@@ -7561,7 +7561,7 @@
             <a:fld id="{B61BEF0D-F0BB-DE4B-95CE-6DB70DBA9567}" type="datetimeFigureOut">
               <a:rPr lang="en-US" dirty="0"/>
               <a:pPr/>
-              <a:t>7/6/2015</a:t>
+              <a:t>7/7/2015</a:t>
             </a:fld>
             <a:endParaRPr lang="en-US" dirty="0"/>
           </a:p>
@@ -8203,20 +8203,109 @@
             <p:ph idx="1"/>
           </p:nvPr>
         </p:nvSpPr>
-        <p:spPr/>
-        <p:txBody>
-          <a:bodyPr/>
+        <p:spPr>
+          <a:xfrm>
+            <a:off x="2589212" y="3445564"/>
+            <a:ext cx="8915400" cy="2465657"/>
+          </a:xfrm>
+        </p:spPr>
+        <p:txBody>
+          <a:bodyPr>
+            <a:normAutofit/>
+          </a:bodyPr>
           <a:lstStyle/>
           <a:p>
             <a:r>
-              <a:rPr lang="zh-CN" altLang="en-US" dirty="0"/>
+              <a:rPr lang="zh-CN" altLang="en-US" sz="2400" dirty="0"/>
               <a:t>初</a:t>
             </a:r>
             <a:r>
-              <a:rPr lang="zh-CN" altLang="en-US" dirty="0" smtClean="0"/>
+              <a:rPr lang="zh-CN" altLang="en-US" sz="2400" dirty="0" smtClean="0"/>
               <a:t>入前端，菜鸟一枚，今之动作，实属抛砖引玉之举。希望小伙伴们少包容、多批评、多指正。</a:t>
             </a:r>
-            <a:endParaRPr lang="zh-CN" altLang="en-US" dirty="0"/>
+            <a:endParaRPr lang="zh-CN" altLang="en-US" sz="2400" dirty="0"/>
+          </a:p>
+        </p:txBody>
+      </p:sp>
+      <p:sp>
+        <p:nvSpPr>
+          <p:cNvPr id="4" name="文本框 3"/>
+          <p:cNvSpPr txBox="1"/>
+          <p:nvPr/>
+        </p:nvSpPr>
+        <p:spPr>
+          <a:xfrm>
+            <a:off x="2589213" y="1411452"/>
+            <a:ext cx="8915400" cy="400110"/>
+          </a:xfrm>
+          <a:prstGeom prst="rect">
+            <a:avLst/>
+          </a:prstGeom>
+          <a:noFill/>
+          <a:effectLst>
+            <a:reflection blurRad="6350" stA="50000" endA="300" endPos="90000" dist="50800" dir="5400000" sy="-100000" algn="bl" rotWithShape="0"/>
+          </a:effectLst>
+        </p:spPr>
+        <p:txBody>
+          <a:bodyPr wrap="square" rtlCol="0">
+            <a:spAutoFit/>
+          </a:bodyPr>
+          <a:lstStyle/>
+          <a:p>
+            <a:pPr algn="r"/>
+            <a:r>
+              <a:rPr lang="zh-CN" altLang="en-US" sz="2000" dirty="0">
+                <a:solidFill>
+                  <a:srgbClr val="00B050"/>
+                </a:solidFill>
+              </a:rPr>
+              <a:t>吾日三省吾身</a:t>
+            </a:r>
+            <a:r>
+              <a:rPr lang="zh-CN" altLang="en-US" sz="2000" dirty="0" smtClean="0">
+                <a:solidFill>
+                  <a:srgbClr val="00B050"/>
+                </a:solidFill>
+              </a:rPr>
+              <a:t>：为人</a:t>
+            </a:r>
+            <a:r>
+              <a:rPr lang="zh-CN" altLang="en-US" sz="2000" dirty="0">
+                <a:solidFill>
+                  <a:srgbClr val="00B050"/>
+                </a:solidFill>
+              </a:rPr>
+              <a:t>谋而不忠乎</a:t>
+            </a:r>
+            <a:r>
+              <a:rPr lang="zh-CN" altLang="en-US" sz="2000" dirty="0" smtClean="0">
+                <a:solidFill>
+                  <a:srgbClr val="00B050"/>
+                </a:solidFill>
+              </a:rPr>
+              <a:t>？与</a:t>
+            </a:r>
+            <a:r>
+              <a:rPr lang="zh-CN" altLang="en-US" sz="2000" dirty="0">
+                <a:solidFill>
+                  <a:srgbClr val="00B050"/>
+                </a:solidFill>
+              </a:rPr>
+              <a:t>朋友交而不信乎</a:t>
+            </a:r>
+            <a:r>
+              <a:rPr lang="zh-CN" altLang="en-US" sz="2000" dirty="0" smtClean="0">
+                <a:solidFill>
+                  <a:srgbClr val="00B050"/>
+                </a:solidFill>
+              </a:rPr>
+              <a:t>？传不习乎？</a:t>
+            </a:r>
+            <a:endParaRPr lang="zh-CN" altLang="en-US" sz="2000" dirty="0">
+              <a:solidFill>
+                <a:srgbClr val="00B050"/>
+              </a:solidFill>
+            </a:endParaRPr>
           </a:p>
         </p:txBody>
       </p:sp>
@@ -8301,7 +8390,7 @@
             </a:pPr>
             <a:r>
               <a:rPr lang="zh-CN" altLang="en-US" dirty="0"/>
-              <a:t>啥子</a:t>
+              <a:t>什么</a:t>
             </a:r>
             <a:r>
               <a:rPr lang="zh-CN" altLang="en-US" dirty="0" smtClean="0"/>
@@ -8319,7 +8408,11 @@
             </a:pPr>
             <a:r>
               <a:rPr lang="zh-CN" altLang="en-US" dirty="0" smtClean="0"/>
-              <a:t>为啥子要用</a:t>
+              <a:t>为什么要</a:t>
+            </a:r>
+            <a:r>
+              <a:rPr lang="zh-CN" altLang="en-US" dirty="0" smtClean="0"/>
+              <a:t>用</a:t>
             </a:r>
             <a:r>
               <a:rPr lang="en-US" altLang="zh-CN" dirty="0" smtClean="0"/>
@@ -8333,11 +8426,26 @@
             </a:pPr>
             <a:r>
               <a:rPr lang="zh-CN" altLang="en-US" dirty="0"/>
-              <a:t>咋</a:t>
+              <a:t>怎么</a:t>
             </a:r>
             <a:r>
               <a:rPr lang="zh-CN" altLang="en-US" dirty="0" smtClean="0"/>
               <a:t>用来着</a:t>
+            </a:r>
+            <a:endParaRPr lang="en-US" altLang="zh-CN" dirty="0" smtClean="0"/>
+          </a:p>
+          <a:p>
+            <a:pPr>
+              <a:buFont typeface="Wingdings" panose="05000000000000000000" pitchFamily="2" charset="2"/>
+              <a:buChar char="Ø"/>
+            </a:pPr>
+            <a:r>
+              <a:rPr lang="zh-CN" altLang="en-US" dirty="0"/>
+              <a:t>过程</a:t>
+            </a:r>
+            <a:r>
+              <a:rPr lang="zh-CN" altLang="en-US" dirty="0" smtClean="0"/>
+              <a:t>中的一些碎碎念</a:t>
             </a:r>
             <a:endParaRPr lang="en-US" altLang="zh-CN" dirty="0" smtClean="0"/>
           </a:p>
@@ -8762,7 +8870,15 @@
                   <a:srgbClr val="00B050"/>
                 </a:solidFill>
               </a:rPr>
-              <a:t>吹面不寒杨柳风</a:t>
+              <a:t>沾衣欲湿杏花雨，吹</a:t>
+            </a:r>
+            <a:r>
+              <a:rPr lang="zh-CN" altLang="en-US" sz="2000" dirty="0">
+                <a:solidFill>
+                  <a:srgbClr val="00B050"/>
+                </a:solidFill>
+              </a:rPr>
+              <a:t>面不寒杨柳风</a:t>
             </a:r>
           </a:p>
         </p:txBody>
@@ -8888,19 +9004,7 @@
               <a:rPr lang="zh-CN" altLang="en-US" dirty="0" smtClean="0">
                 <a:hlinkClick r:id="rId3"/>
               </a:rPr>
-              <a:t>”和“</a:t>
-            </a:r>
-            <a:r>
-              <a:rPr lang="zh-CN" altLang="en-US" dirty="0" smtClean="0">
-                <a:hlinkClick r:id="rId3"/>
-              </a:rPr>
-              <a:t>组件</a:t>
-            </a:r>
-            <a:r>
-              <a:rPr lang="zh-CN" altLang="en-US" dirty="0" smtClean="0">
-                <a:hlinkClick r:id="rId3"/>
-              </a:rPr>
-              <a:t>”的概念</a:t>
+              <a:t>”和“组件”的概念</a:t>
             </a:r>
             <a:endParaRPr lang="en-US" altLang="zh-CN" dirty="0"/>
           </a:p>
@@ -9380,12 +9484,12 @@
           <a:p>
             <a:pPr algn="r"/>
             <a:r>
-              <a:rPr lang="zh-CN" altLang="en-US" sz="2000" dirty="0" smtClean="0">
+              <a:rPr lang="zh-CN" altLang="en-US" sz="2000" dirty="0">
                 <a:solidFill>
                   <a:srgbClr val="00B050"/>
                 </a:solidFill>
               </a:rPr>
-              <a:t>何以解忧，唯有杜康？</a:t>
+              <a:t>草木有本心，何求美人折？ </a:t>
             </a:r>
             <a:endParaRPr lang="zh-CN" altLang="en-US" sz="2000" dirty="0">
               <a:solidFill>
@@ -9488,6 +9592,56 @@
           <a:lstStyle/>
           <a:p>
             <a:endParaRPr lang="zh-CN" altLang="en-US" dirty="0"/>
+          </a:p>
+        </p:txBody>
+      </p:sp>
+      <p:sp>
+        <p:nvSpPr>
+          <p:cNvPr id="4" name="文本框 3"/>
+          <p:cNvSpPr txBox="1"/>
+          <p:nvPr/>
+        </p:nvSpPr>
+        <p:spPr>
+          <a:xfrm>
+            <a:off x="2589213" y="1352279"/>
+            <a:ext cx="8915399" cy="400110"/>
+          </a:xfrm>
+          <a:prstGeom prst="rect">
+            <a:avLst/>
+          </a:prstGeom>
+          <a:noFill/>
+          <a:effectLst>
+            <a:reflection blurRad="6350" stA="50000" endA="300" endPos="90000" dist="50800" dir="5400000" sy="-100000" algn="bl" rotWithShape="0"/>
+          </a:effectLst>
+        </p:spPr>
+        <p:txBody>
+          <a:bodyPr wrap="square" rtlCol="0">
+            <a:spAutoFit/>
+          </a:bodyPr>
+          <a:lstStyle/>
+          <a:p>
+            <a:pPr algn="r"/>
+            <a:r>
+              <a:rPr lang="zh-CN" altLang="en-US" sz="2000" dirty="0">
+                <a:solidFill>
+                  <a:srgbClr val="00B050"/>
+                </a:solidFill>
+              </a:rPr>
+              <a:t>我醉君复乐，陶然共忘</a:t>
+            </a:r>
+            <a:r>
+              <a:rPr lang="zh-CN" altLang="en-US" sz="2000" dirty="0" smtClean="0">
+                <a:solidFill>
+                  <a:srgbClr val="00B050"/>
+                </a:solidFill>
+              </a:rPr>
+              <a:t>机。</a:t>
+            </a:r>
+            <a:endParaRPr lang="zh-CN" altLang="en-US" sz="2000" dirty="0">
+              <a:solidFill>
+                <a:srgbClr val="00B050"/>
+              </a:solidFill>
+            </a:endParaRPr>
           </a:p>
         </p:txBody>
       </p:sp>

--- a/SASS愈行愈远.pptx
+++ b/SASS愈行愈远.pptx
@@ -5,7 +5,7 @@
     <p:sldMasterId id="2147483648" r:id="rId1"/>
   </p:sldMasterIdLst>
   <p:notesMasterIdLst>
-    <p:notesMasterId r:id="rId9"/>
+    <p:notesMasterId r:id="rId10"/>
   </p:notesMasterIdLst>
   <p:sldIdLst>
     <p:sldId id="256" r:id="rId2"/>
@@ -15,6 +15,7 @@
     <p:sldId id="260" r:id="rId6"/>
     <p:sldId id="261" r:id="rId7"/>
     <p:sldId id="262" r:id="rId8"/>
+    <p:sldId id="263" r:id="rId9"/>
   </p:sldIdLst>
   <p:sldSz cx="12192000" cy="6858000"/>
   <p:notesSz cx="6858000" cy="9144000"/>
@@ -554,6 +555,634 @@
     <p:extLst>
       <p:ext uri="{BB962C8B-B14F-4D97-AF65-F5344CB8AC3E}">
         <p14:creationId xmlns:p14="http://schemas.microsoft.com/office/powerpoint/2010/main" val="4163174786"/>
+      </p:ext>
+    </p:extLst>
+  </p:cSld>
+  <p:clrMapOvr>
+    <a:masterClrMapping/>
+  </p:clrMapOvr>
+</p:notes>
+</file>
+
+<file path=ppt/notesSlides/notesSlide2.xml><?xml version="1.0" encoding="utf-8"?>
+<p:notes xmlns:a="http://schemas.openxmlformats.org/drawingml/2006/main" xmlns:r="http://schemas.openxmlformats.org/officeDocument/2006/relationships" xmlns:p="http://schemas.openxmlformats.org/presentationml/2006/main">
+  <p:cSld>
+    <p:spTree>
+      <p:nvGrpSpPr>
+        <p:cNvPr id="1" name=""/>
+        <p:cNvGrpSpPr/>
+        <p:nvPr/>
+      </p:nvGrpSpPr>
+      <p:grpSpPr>
+        <a:xfrm>
+          <a:off x="0" y="0"/>
+          <a:ext cx="0" cy="0"/>
+          <a:chOff x="0" y="0"/>
+          <a:chExt cx="0" cy="0"/>
+        </a:xfrm>
+      </p:grpSpPr>
+      <p:sp>
+        <p:nvSpPr>
+          <p:cNvPr id="2" name="幻灯片图像占位符 1"/>
+          <p:cNvSpPr>
+            <a:spLocks noGrp="1" noRot="1" noChangeAspect="1"/>
+          </p:cNvSpPr>
+          <p:nvPr>
+            <p:ph type="sldImg"/>
+          </p:nvPr>
+        </p:nvSpPr>
+        <p:spPr/>
+      </p:sp>
+      <p:sp>
+        <p:nvSpPr>
+          <p:cNvPr id="3" name="备注占位符 2"/>
+          <p:cNvSpPr>
+            <a:spLocks noGrp="1"/>
+          </p:cNvSpPr>
+          <p:nvPr>
+            <p:ph type="body" idx="1"/>
+          </p:nvPr>
+        </p:nvSpPr>
+        <p:spPr/>
+        <p:txBody>
+          <a:bodyPr/>
+          <a:lstStyle/>
+          <a:p>
+            <a:r>
+              <a:rPr lang="en-US" altLang="zh-CN" sz="1100" b="0" i="0" kern="1200" dirty="0" smtClean="0">
+                <a:solidFill>
+                  <a:schemeClr val="tx1"/>
+                </a:solidFill>
+                <a:effectLst/>
+                <a:latin typeface="+mn-lt"/>
+                <a:ea typeface="+mn-ea"/>
+                <a:cs typeface="+mn-cs"/>
+              </a:rPr>
+              <a:t>sass</a:t>
+            </a:r>
+            <a:r>
+              <a:rPr lang="zh-CN" altLang="en-US" sz="1100" b="0" i="0" kern="1200" dirty="0" smtClean="0">
+                <a:solidFill>
+                  <a:schemeClr val="tx1"/>
+                </a:solidFill>
+                <a:effectLst/>
+                <a:latin typeface="+mn-lt"/>
+                <a:ea typeface="+mn-ea"/>
+                <a:cs typeface="+mn-cs"/>
+              </a:rPr>
+              <a:t>有两种注释方式，一种是标准的</a:t>
+            </a:r>
+            <a:r>
+              <a:rPr lang="en-US" altLang="zh-CN" sz="1100" b="0" i="0" kern="1200" dirty="0" err="1" smtClean="0">
+                <a:solidFill>
+                  <a:schemeClr val="tx1"/>
+                </a:solidFill>
+                <a:effectLst/>
+                <a:latin typeface="+mn-lt"/>
+                <a:ea typeface="+mn-ea"/>
+                <a:cs typeface="+mn-cs"/>
+              </a:rPr>
+              <a:t>css</a:t>
+            </a:r>
+            <a:r>
+              <a:rPr lang="zh-CN" altLang="en-US" sz="1100" b="0" i="0" kern="1200" dirty="0" smtClean="0">
+                <a:solidFill>
+                  <a:schemeClr val="tx1"/>
+                </a:solidFill>
+                <a:effectLst/>
+                <a:latin typeface="+mn-lt"/>
+                <a:ea typeface="+mn-ea"/>
+                <a:cs typeface="+mn-cs"/>
+              </a:rPr>
+              <a:t>注释方式</a:t>
+            </a:r>
+            <a:r>
+              <a:rPr lang="en-US" altLang="zh-CN" sz="1100" dirty="0" smtClean="0"/>
+              <a:t>/* */</a:t>
+            </a:r>
+            <a:r>
+              <a:rPr lang="zh-CN" altLang="en-US" sz="1100" b="0" i="0" kern="1200" dirty="0" smtClean="0">
+                <a:solidFill>
+                  <a:schemeClr val="tx1"/>
+                </a:solidFill>
+                <a:effectLst/>
+                <a:latin typeface="+mn-lt"/>
+                <a:ea typeface="+mn-ea"/>
+                <a:cs typeface="+mn-cs"/>
+              </a:rPr>
+              <a:t>，另一种则是</a:t>
+            </a:r>
+            <a:r>
+              <a:rPr lang="en-US" altLang="zh-CN" sz="1100" dirty="0" smtClean="0"/>
+              <a:t>//</a:t>
+            </a:r>
+            <a:r>
+              <a:rPr lang="zh-CN" altLang="en-US" sz="1100" b="0" i="0" kern="1200" dirty="0" smtClean="0">
+                <a:solidFill>
+                  <a:schemeClr val="tx1"/>
+                </a:solidFill>
+                <a:effectLst/>
+                <a:latin typeface="+mn-lt"/>
+                <a:ea typeface="+mn-ea"/>
+                <a:cs typeface="+mn-cs"/>
+              </a:rPr>
+              <a:t>双斜杆形式的单行注释，不过这种单行注释不会被转译出来。</a:t>
+            </a:r>
+            <a:endParaRPr lang="en-US" altLang="zh-CN" sz="1100" b="0" i="0" kern="1200" dirty="0" smtClean="0">
+              <a:solidFill>
+                <a:schemeClr val="tx1"/>
+              </a:solidFill>
+              <a:effectLst/>
+              <a:latin typeface="+mn-lt"/>
+              <a:ea typeface="+mn-ea"/>
+              <a:cs typeface="+mn-cs"/>
+            </a:endParaRPr>
+          </a:p>
+          <a:p>
+            <a:r>
+              <a:rPr lang="en-US" altLang="zh-CN" sz="1100" dirty="0" smtClean="0"/>
+              <a:t>@import</a:t>
+            </a:r>
+            <a:r>
+              <a:rPr lang="zh-CN" altLang="en-US" sz="1100" b="0" i="0" kern="1200" dirty="0" smtClean="0">
+                <a:solidFill>
+                  <a:schemeClr val="tx1"/>
+                </a:solidFill>
+                <a:effectLst/>
+                <a:latin typeface="+mn-lt"/>
+                <a:ea typeface="+mn-ea"/>
+                <a:cs typeface="+mn-cs"/>
+              </a:rPr>
+              <a:t>的</a:t>
+            </a:r>
+            <a:r>
+              <a:rPr lang="en-US" altLang="zh-CN" sz="1100" b="0" i="0" kern="1200" dirty="0" err="1" smtClean="0">
+                <a:solidFill>
+                  <a:schemeClr val="tx1"/>
+                </a:solidFill>
+                <a:effectLst/>
+                <a:latin typeface="+mn-lt"/>
+                <a:ea typeface="+mn-ea"/>
+                <a:cs typeface="+mn-cs"/>
+              </a:rPr>
+              <a:t>scss</a:t>
+            </a:r>
+            <a:r>
+              <a:rPr lang="zh-CN" altLang="en-US" sz="1100" b="0" i="0" kern="1200" dirty="0" smtClean="0">
+                <a:solidFill>
+                  <a:schemeClr val="tx1"/>
+                </a:solidFill>
+                <a:effectLst/>
+                <a:latin typeface="+mn-lt"/>
+                <a:ea typeface="+mn-ea"/>
+                <a:cs typeface="+mn-cs"/>
+              </a:rPr>
+              <a:t>文件合并进来只生成一个</a:t>
+            </a:r>
+            <a:r>
+              <a:rPr lang="en-US" altLang="zh-CN" sz="1100" b="0" i="0" kern="1200" dirty="0" smtClean="0">
+                <a:solidFill>
+                  <a:schemeClr val="tx1"/>
+                </a:solidFill>
+                <a:effectLst/>
+                <a:latin typeface="+mn-lt"/>
+                <a:ea typeface="+mn-ea"/>
+                <a:cs typeface="+mn-cs"/>
+              </a:rPr>
+              <a:t>CSS</a:t>
+            </a:r>
+            <a:r>
+              <a:rPr lang="zh-CN" altLang="en-US" sz="1100" b="0" i="0" kern="1200" dirty="0" smtClean="0">
+                <a:solidFill>
+                  <a:schemeClr val="tx1"/>
+                </a:solidFill>
+                <a:effectLst/>
+                <a:latin typeface="+mn-lt"/>
+                <a:ea typeface="+mn-ea"/>
+                <a:cs typeface="+mn-cs"/>
+              </a:rPr>
+              <a:t>文件，导入</a:t>
+            </a:r>
+            <a:r>
+              <a:rPr lang="en-US" altLang="zh-CN" sz="1100" b="0" i="0" kern="1200" dirty="0" err="1" smtClean="0">
+                <a:solidFill>
+                  <a:schemeClr val="tx1"/>
+                </a:solidFill>
+                <a:effectLst/>
+                <a:latin typeface="+mn-lt"/>
+                <a:ea typeface="+mn-ea"/>
+                <a:cs typeface="+mn-cs"/>
+              </a:rPr>
+              <a:t>css</a:t>
+            </a:r>
+            <a:r>
+              <a:rPr lang="zh-CN" altLang="en-US" sz="1100" b="0" i="0" kern="1200" dirty="0" smtClean="0">
+                <a:solidFill>
+                  <a:schemeClr val="tx1"/>
+                </a:solidFill>
+                <a:effectLst/>
+                <a:latin typeface="+mn-lt"/>
+                <a:ea typeface="+mn-ea"/>
+                <a:cs typeface="+mn-cs"/>
+              </a:rPr>
+              <a:t>文件如</a:t>
+            </a:r>
+            <a:r>
+              <a:rPr lang="en-US" altLang="zh-CN" sz="1100" dirty="0" smtClean="0"/>
+              <a:t>@import ‘reset.css’</a:t>
+            </a:r>
+            <a:r>
+              <a:rPr lang="zh-CN" altLang="en-US" sz="1100" b="0" i="0" kern="1200" dirty="0" smtClean="0">
+                <a:solidFill>
+                  <a:schemeClr val="tx1"/>
+                </a:solidFill>
+                <a:effectLst/>
+                <a:latin typeface="+mn-lt"/>
+                <a:ea typeface="+mn-ea"/>
+                <a:cs typeface="+mn-cs"/>
+              </a:rPr>
+              <a:t>，那效果跟普通</a:t>
+            </a:r>
+            <a:r>
+              <a:rPr lang="en-US" altLang="zh-CN" sz="1100" b="0" i="0" kern="1200" dirty="0" smtClean="0">
+                <a:solidFill>
+                  <a:schemeClr val="tx1"/>
+                </a:solidFill>
+                <a:effectLst/>
+                <a:latin typeface="+mn-lt"/>
+                <a:ea typeface="+mn-ea"/>
+                <a:cs typeface="+mn-cs"/>
+              </a:rPr>
+              <a:t>CSS</a:t>
+            </a:r>
+            <a:r>
+              <a:rPr lang="zh-CN" altLang="en-US" sz="1100" b="0" i="0" kern="1200" dirty="0" smtClean="0">
+                <a:solidFill>
+                  <a:schemeClr val="tx1"/>
+                </a:solidFill>
+                <a:effectLst/>
+                <a:latin typeface="+mn-lt"/>
+                <a:ea typeface="+mn-ea"/>
+                <a:cs typeface="+mn-cs"/>
+              </a:rPr>
+              <a:t>导入样式文件一样，导入的</a:t>
+            </a:r>
+            <a:r>
+              <a:rPr lang="en-US" altLang="zh-CN" sz="1100" b="0" i="0" kern="1200" dirty="0" err="1" smtClean="0">
+                <a:solidFill>
+                  <a:schemeClr val="tx1"/>
+                </a:solidFill>
+                <a:effectLst/>
+                <a:latin typeface="+mn-lt"/>
+                <a:ea typeface="+mn-ea"/>
+                <a:cs typeface="+mn-cs"/>
+              </a:rPr>
+              <a:t>css</a:t>
+            </a:r>
+            <a:r>
+              <a:rPr lang="zh-CN" altLang="en-US" sz="1100" b="0" i="0" kern="1200" dirty="0" smtClean="0">
+                <a:solidFill>
+                  <a:schemeClr val="tx1"/>
+                </a:solidFill>
+                <a:effectLst/>
+                <a:latin typeface="+mn-lt"/>
+                <a:ea typeface="+mn-ea"/>
+                <a:cs typeface="+mn-cs"/>
+              </a:rPr>
+              <a:t>文件不会合并到编译后的文件中，而是以</a:t>
+            </a:r>
+            <a:r>
+              <a:rPr lang="en-US" altLang="zh-CN" sz="1100" dirty="0" smtClean="0"/>
+              <a:t>@import</a:t>
+            </a:r>
+            <a:r>
+              <a:rPr lang="zh-CN" altLang="en-US" sz="1100" b="0" i="0" kern="1200" dirty="0" smtClean="0">
+                <a:solidFill>
+                  <a:schemeClr val="tx1"/>
+                </a:solidFill>
+                <a:effectLst/>
+                <a:latin typeface="+mn-lt"/>
+                <a:ea typeface="+mn-ea"/>
+                <a:cs typeface="+mn-cs"/>
+              </a:rPr>
+              <a:t>方式存在。</a:t>
+            </a:r>
+            <a:endParaRPr lang="en-US" altLang="zh-CN" sz="1100" b="0" i="0" kern="1200" dirty="0" smtClean="0">
+              <a:solidFill>
+                <a:schemeClr val="tx1"/>
+              </a:solidFill>
+              <a:effectLst/>
+              <a:latin typeface="+mn-lt"/>
+              <a:ea typeface="+mn-ea"/>
+              <a:cs typeface="+mn-cs"/>
+            </a:endParaRPr>
+          </a:p>
+          <a:p>
+            <a:r>
+              <a:rPr lang="en-US" altLang="zh-CN" sz="1200" b="0" i="0" kern="1200" dirty="0" smtClean="0">
+                <a:solidFill>
+                  <a:schemeClr val="tx1"/>
+                </a:solidFill>
+                <a:effectLst/>
+                <a:latin typeface="+mn-lt"/>
+                <a:ea typeface="+mn-ea"/>
+                <a:cs typeface="+mn-cs"/>
+              </a:rPr>
+              <a:t>for</a:t>
+            </a:r>
+            <a:r>
+              <a:rPr lang="zh-CN" altLang="en-US" sz="1200" b="0" i="0" kern="1200" dirty="0" smtClean="0">
+                <a:solidFill>
+                  <a:schemeClr val="tx1"/>
+                </a:solidFill>
+                <a:effectLst/>
+                <a:latin typeface="+mn-lt"/>
+                <a:ea typeface="+mn-ea"/>
+                <a:cs typeface="+mn-cs"/>
+              </a:rPr>
+              <a:t>循环有两种形式，分别为：</a:t>
+            </a:r>
+            <a:r>
+              <a:rPr lang="en-US" altLang="zh-CN" sz="1100" dirty="0" smtClean="0"/>
+              <a:t>@for $</a:t>
+            </a:r>
+            <a:r>
+              <a:rPr lang="en-US" altLang="zh-CN" sz="1100" dirty="0" err="1" smtClean="0"/>
+              <a:t>var</a:t>
+            </a:r>
+            <a:r>
+              <a:rPr lang="en-US" altLang="zh-CN" sz="1100" dirty="0" smtClean="0"/>
+              <a:t> from &lt;start&gt; through &lt;end&gt;</a:t>
+            </a:r>
+            <a:r>
+              <a:rPr lang="zh-CN" altLang="en-US" sz="1200" b="0" i="0" kern="1200" dirty="0" smtClean="0">
+                <a:solidFill>
+                  <a:schemeClr val="tx1"/>
+                </a:solidFill>
+                <a:effectLst/>
+                <a:latin typeface="+mn-lt"/>
+                <a:ea typeface="+mn-ea"/>
+                <a:cs typeface="+mn-cs"/>
+              </a:rPr>
+              <a:t>和</a:t>
+            </a:r>
+            <a:r>
+              <a:rPr lang="en-US" altLang="zh-CN" sz="1100" dirty="0" smtClean="0"/>
+              <a:t>@for $</a:t>
+            </a:r>
+            <a:r>
+              <a:rPr lang="en-US" altLang="zh-CN" sz="1100" dirty="0" err="1" smtClean="0"/>
+              <a:t>var</a:t>
+            </a:r>
+            <a:r>
+              <a:rPr lang="en-US" altLang="zh-CN" sz="1100" dirty="0" smtClean="0"/>
+              <a:t> from &lt;start&gt; to &lt;end&gt;</a:t>
+            </a:r>
+            <a:r>
+              <a:rPr lang="zh-CN" altLang="en-US" sz="1200" b="0" i="0" kern="1200" dirty="0" smtClean="0">
+                <a:solidFill>
+                  <a:schemeClr val="tx1"/>
+                </a:solidFill>
+                <a:effectLst/>
+                <a:latin typeface="+mn-lt"/>
+                <a:ea typeface="+mn-ea"/>
+                <a:cs typeface="+mn-cs"/>
+              </a:rPr>
+              <a:t>。</a:t>
+            </a:r>
+            <a:r>
+              <a:rPr lang="en-US" altLang="zh-CN" sz="1200" b="0" i="0" kern="1200" dirty="0" smtClean="0">
+                <a:solidFill>
+                  <a:schemeClr val="tx1"/>
+                </a:solidFill>
+                <a:effectLst/>
+                <a:latin typeface="+mn-lt"/>
+                <a:ea typeface="+mn-ea"/>
+                <a:cs typeface="+mn-cs"/>
+              </a:rPr>
+              <a:t>$</a:t>
+            </a:r>
+            <a:r>
+              <a:rPr lang="en-US" altLang="zh-CN" sz="1200" b="0" i="0" kern="1200" dirty="0" err="1" smtClean="0">
+                <a:solidFill>
+                  <a:schemeClr val="tx1"/>
+                </a:solidFill>
+                <a:effectLst/>
+                <a:latin typeface="+mn-lt"/>
+                <a:ea typeface="+mn-ea"/>
+                <a:cs typeface="+mn-cs"/>
+              </a:rPr>
+              <a:t>i</a:t>
+            </a:r>
+            <a:r>
+              <a:rPr lang="zh-CN" altLang="en-US" sz="1200" b="0" i="0" kern="1200" dirty="0" smtClean="0">
+                <a:solidFill>
+                  <a:schemeClr val="tx1"/>
+                </a:solidFill>
+                <a:effectLst/>
+                <a:latin typeface="+mn-lt"/>
+                <a:ea typeface="+mn-ea"/>
+                <a:cs typeface="+mn-cs"/>
+              </a:rPr>
+              <a:t>表示变量，</a:t>
+            </a:r>
+            <a:r>
+              <a:rPr lang="en-US" altLang="zh-CN" sz="1200" b="0" i="0" kern="1200" dirty="0" smtClean="0">
+                <a:solidFill>
+                  <a:schemeClr val="tx1"/>
+                </a:solidFill>
+                <a:effectLst/>
+                <a:latin typeface="+mn-lt"/>
+                <a:ea typeface="+mn-ea"/>
+                <a:cs typeface="+mn-cs"/>
+              </a:rPr>
+              <a:t>start</a:t>
+            </a:r>
+            <a:r>
+              <a:rPr lang="zh-CN" altLang="en-US" sz="1200" b="0" i="0" kern="1200" dirty="0" smtClean="0">
+                <a:solidFill>
+                  <a:schemeClr val="tx1"/>
+                </a:solidFill>
+                <a:effectLst/>
+                <a:latin typeface="+mn-lt"/>
+                <a:ea typeface="+mn-ea"/>
+                <a:cs typeface="+mn-cs"/>
+              </a:rPr>
+              <a:t>表示起始值，</a:t>
+            </a:r>
+            <a:r>
+              <a:rPr lang="en-US" altLang="zh-CN" sz="1200" b="0" i="0" kern="1200" dirty="0" smtClean="0">
+                <a:solidFill>
+                  <a:schemeClr val="tx1"/>
+                </a:solidFill>
+                <a:effectLst/>
+                <a:latin typeface="+mn-lt"/>
+                <a:ea typeface="+mn-ea"/>
+                <a:cs typeface="+mn-cs"/>
+              </a:rPr>
+              <a:t>end</a:t>
+            </a:r>
+            <a:r>
+              <a:rPr lang="zh-CN" altLang="en-US" sz="1200" b="0" i="0" kern="1200" dirty="0" smtClean="0">
+                <a:solidFill>
+                  <a:schemeClr val="tx1"/>
+                </a:solidFill>
+                <a:effectLst/>
+                <a:latin typeface="+mn-lt"/>
+                <a:ea typeface="+mn-ea"/>
+                <a:cs typeface="+mn-cs"/>
+              </a:rPr>
+              <a:t>表示结束值，这两个的区别是关键字</a:t>
+            </a:r>
+            <a:r>
+              <a:rPr lang="en-US" altLang="zh-CN" sz="1200" b="0" i="0" kern="1200" dirty="0" smtClean="0">
+                <a:solidFill>
+                  <a:schemeClr val="tx1"/>
+                </a:solidFill>
+                <a:effectLst/>
+                <a:latin typeface="+mn-lt"/>
+                <a:ea typeface="+mn-ea"/>
+                <a:cs typeface="+mn-cs"/>
+              </a:rPr>
+              <a:t>through</a:t>
+            </a:r>
+            <a:r>
+              <a:rPr lang="zh-CN" altLang="en-US" sz="1200" b="0" i="0" kern="1200" dirty="0" smtClean="0">
+                <a:solidFill>
+                  <a:schemeClr val="tx1"/>
+                </a:solidFill>
+                <a:effectLst/>
+                <a:latin typeface="+mn-lt"/>
+                <a:ea typeface="+mn-ea"/>
+                <a:cs typeface="+mn-cs"/>
+              </a:rPr>
+              <a:t>表示包括</a:t>
+            </a:r>
+            <a:r>
+              <a:rPr lang="en-US" altLang="zh-CN" sz="1200" b="0" i="0" kern="1200" dirty="0" smtClean="0">
+                <a:solidFill>
+                  <a:schemeClr val="tx1"/>
+                </a:solidFill>
+                <a:effectLst/>
+                <a:latin typeface="+mn-lt"/>
+                <a:ea typeface="+mn-ea"/>
+                <a:cs typeface="+mn-cs"/>
+              </a:rPr>
+              <a:t>end</a:t>
+            </a:r>
+            <a:r>
+              <a:rPr lang="zh-CN" altLang="en-US" sz="1200" b="0" i="0" kern="1200" dirty="0" smtClean="0">
+                <a:solidFill>
+                  <a:schemeClr val="tx1"/>
+                </a:solidFill>
+                <a:effectLst/>
+                <a:latin typeface="+mn-lt"/>
+                <a:ea typeface="+mn-ea"/>
+                <a:cs typeface="+mn-cs"/>
+              </a:rPr>
+              <a:t>这个数，而</a:t>
+            </a:r>
+            <a:r>
+              <a:rPr lang="en-US" altLang="zh-CN" sz="1200" b="0" i="0" kern="1200" dirty="0" smtClean="0">
+                <a:solidFill>
+                  <a:schemeClr val="tx1"/>
+                </a:solidFill>
+                <a:effectLst/>
+                <a:latin typeface="+mn-lt"/>
+                <a:ea typeface="+mn-ea"/>
+                <a:cs typeface="+mn-cs"/>
+              </a:rPr>
+              <a:t>to</a:t>
+            </a:r>
+            <a:r>
+              <a:rPr lang="zh-CN" altLang="en-US" sz="1200" b="0" i="0" kern="1200" dirty="0" smtClean="0">
+                <a:solidFill>
+                  <a:schemeClr val="tx1"/>
+                </a:solidFill>
+                <a:effectLst/>
+                <a:latin typeface="+mn-lt"/>
+                <a:ea typeface="+mn-ea"/>
+                <a:cs typeface="+mn-cs"/>
+              </a:rPr>
+              <a:t>则不包括</a:t>
+            </a:r>
+            <a:r>
+              <a:rPr lang="en-US" altLang="zh-CN" sz="1200" b="0" i="0" kern="1200" dirty="0" smtClean="0">
+                <a:solidFill>
+                  <a:schemeClr val="tx1"/>
+                </a:solidFill>
+                <a:effectLst/>
+                <a:latin typeface="+mn-lt"/>
+                <a:ea typeface="+mn-ea"/>
+                <a:cs typeface="+mn-cs"/>
+              </a:rPr>
+              <a:t>end</a:t>
+            </a:r>
+            <a:r>
+              <a:rPr lang="zh-CN" altLang="en-US" sz="1200" b="0" i="0" kern="1200" dirty="0" smtClean="0">
+                <a:solidFill>
+                  <a:schemeClr val="tx1"/>
+                </a:solidFill>
+                <a:effectLst/>
+                <a:latin typeface="+mn-lt"/>
+                <a:ea typeface="+mn-ea"/>
+                <a:cs typeface="+mn-cs"/>
+              </a:rPr>
+              <a:t>这个数。</a:t>
+            </a:r>
+            <a:endParaRPr lang="en-US" altLang="zh-CN" sz="1100" b="0" i="0" kern="1200" dirty="0" smtClean="0">
+              <a:solidFill>
+                <a:schemeClr val="tx1"/>
+              </a:solidFill>
+              <a:effectLst/>
+              <a:latin typeface="+mn-lt"/>
+              <a:ea typeface="+mn-ea"/>
+              <a:cs typeface="+mn-cs"/>
+            </a:endParaRPr>
+          </a:p>
+          <a:p>
+            <a:endParaRPr lang="en-US" altLang="zh-CN" sz="1200" b="0" i="0" kern="1200" dirty="0" smtClean="0">
+              <a:solidFill>
+                <a:schemeClr val="tx1"/>
+              </a:solidFill>
+              <a:effectLst/>
+              <a:latin typeface="+mn-lt"/>
+              <a:ea typeface="+mn-ea"/>
+              <a:cs typeface="+mn-cs"/>
+            </a:endParaRPr>
+          </a:p>
+          <a:p>
+            <a:endParaRPr lang="zh-CN" altLang="en-US" dirty="0"/>
+          </a:p>
+        </p:txBody>
+      </p:sp>
+      <p:sp>
+        <p:nvSpPr>
+          <p:cNvPr id="4" name="灯片编号占位符 3"/>
+          <p:cNvSpPr>
+            <a:spLocks noGrp="1"/>
+          </p:cNvSpPr>
+          <p:nvPr>
+            <p:ph type="sldNum" sz="quarter" idx="10"/>
+          </p:nvPr>
+        </p:nvSpPr>
+        <p:spPr/>
+        <p:txBody>
+          <a:bodyPr/>
+          <a:lstStyle/>
+          <a:p>
+            <a:fld id="{50AB4024-DAA6-4EAE-AEB3-353C1DA2FD5F}" type="slidenum">
+              <a:rPr lang="zh-CN" altLang="en-US" smtClean="0"/>
+              <a:t>7</a:t>
+            </a:fld>
+            <a:endParaRPr lang="zh-CN" altLang="en-US"/>
+          </a:p>
+        </p:txBody>
+      </p:sp>
+    </p:spTree>
+    <p:extLst>
+      <p:ext uri="{BB962C8B-B14F-4D97-AF65-F5344CB8AC3E}">
+        <p14:creationId xmlns:p14="http://schemas.microsoft.com/office/powerpoint/2010/main" val="623078549"/>
       </p:ext>
     </p:extLst>
   </p:cSld>
@@ -8092,11 +8721,15 @@
           <a:p>
             <a:r>
               <a:rPr lang="en-US" altLang="zh-CN" dirty="0" smtClean="0"/>
-              <a:t>SASS</a:t>
+              <a:t>Sass</a:t>
             </a:r>
             <a:r>
               <a:rPr lang="zh-CN" altLang="en-US" dirty="0" smtClean="0"/>
-              <a:t> 愈行愈远</a:t>
+              <a:t> </a:t>
+            </a:r>
+            <a:r>
+              <a:rPr lang="zh-CN" altLang="en-US" dirty="0" smtClean="0"/>
+              <a:t>愈行愈远</a:t>
             </a:r>
             <a:endParaRPr lang="zh-CN" altLang="en-US" dirty="0"/>
           </a:p>
@@ -8123,11 +8756,15 @@
             </a:r>
             <a:r>
               <a:rPr lang="en-US" altLang="zh-CN" dirty="0" smtClean="0"/>
-              <a:t>SASS</a:t>
+              <a:t>Sass</a:t>
             </a:r>
             <a:r>
               <a:rPr lang="zh-CN" altLang="en-US" dirty="0" smtClean="0"/>
-              <a:t>引入项目的一些个人分享</a:t>
+              <a:t>引入</a:t>
+            </a:r>
+            <a:r>
+              <a:rPr lang="zh-CN" altLang="en-US" dirty="0" smtClean="0"/>
+              <a:t>项目的一些个人分享</a:t>
             </a:r>
             <a:endParaRPr lang="zh-CN" altLang="en-US" dirty="0"/>
           </a:p>
@@ -8398,8 +9035,9 @@
             </a:r>
             <a:r>
               <a:rPr lang="en-US" altLang="zh-CN" dirty="0" smtClean="0"/>
-              <a:t>SASS</a:t>
-            </a:r>
+              <a:t>Sass</a:t>
+            </a:r>
+            <a:endParaRPr lang="en-US" altLang="zh-CN" dirty="0" smtClean="0"/>
           </a:p>
           <a:p>
             <a:pPr>
@@ -8416,8 +9054,9 @@
             </a:r>
             <a:r>
               <a:rPr lang="en-US" altLang="zh-CN" dirty="0" smtClean="0"/>
-              <a:t>SASS</a:t>
-            </a:r>
+              <a:t>Sass</a:t>
+            </a:r>
+            <a:endParaRPr lang="en-US" altLang="zh-CN" dirty="0" smtClean="0"/>
           </a:p>
           <a:p>
             <a:pPr>
@@ -8591,7 +9230,7 @@
             </a:r>
             <a:r>
               <a:rPr lang="en-US" altLang="zh-CN" dirty="0" smtClean="0"/>
-              <a:t>SASS</a:t>
+              <a:t>Sass</a:t>
             </a:r>
             <a:r>
               <a:rPr lang="en-US" altLang="zh-CN" dirty="0"/>
@@ -8662,7 +9301,7 @@
             </a:pPr>
             <a:r>
               <a:rPr lang="zh-CN" altLang="en-US" dirty="0" smtClean="0"/>
-              <a:t>可编程的有独立语法的</a:t>
+              <a:t>扩展</a:t>
             </a:r>
             <a:r>
               <a:rPr lang="en-US" altLang="zh-CN" dirty="0" smtClean="0"/>
@@ -8670,7 +9309,11 @@
             </a:r>
             <a:r>
               <a:rPr lang="zh-CN" altLang="en-US" dirty="0" smtClean="0"/>
-              <a:t>。</a:t>
+              <a:t>的，</a:t>
+            </a:r>
+            <a:r>
+              <a:rPr lang="zh-CN" altLang="en-US" dirty="0" smtClean="0"/>
+              <a:t>可编程的预处理语言。</a:t>
             </a:r>
             <a:r>
               <a:rPr lang="en-US" altLang="zh-CN" dirty="0" smtClean="0"/>
@@ -8706,8 +9349,12 @@
               <a:buNone/>
             </a:pPr>
             <a:r>
+              <a:rPr lang="zh-CN" altLang="en-US" smtClean="0"/>
+              <a:t>可编程，可以</a:t>
+            </a:r>
+            <a:r>
               <a:rPr lang="zh-CN" altLang="en-US" dirty="0" smtClean="0"/>
-              <a:t>因为可编程，所以可以用一些编程思想，比如面向对象、继承等。语法上有条件语句、</a:t>
+              <a:t>用一些编程思想，比如面向对象、继承等。语法上有条件语句、</a:t>
             </a:r>
             <a:r>
               <a:rPr lang="en-US" altLang="zh-CN" dirty="0" smtClean="0"/>
@@ -8755,7 +9402,7 @@
         </p:nvSpPr>
         <p:spPr>
           <a:xfrm>
-            <a:off x="9272789" y="4391695"/>
+            <a:off x="9865218" y="4391695"/>
             <a:ext cx="643943" cy="128789"/>
           </a:xfrm>
           <a:prstGeom prst="rightArrow">
@@ -8799,7 +9446,7 @@
         </p:nvSpPr>
         <p:spPr>
           <a:xfrm>
-            <a:off x="6707748" y="4391695"/>
+            <a:off x="7338817" y="4391695"/>
             <a:ext cx="643943" cy="128789"/>
           </a:xfrm>
           <a:prstGeom prst="rightArrow">
@@ -8941,7 +9588,7 @@
             </a:r>
             <a:r>
               <a:rPr lang="en-US" altLang="zh-CN" dirty="0" smtClean="0"/>
-              <a:t>SASS</a:t>
+              <a:t>Sass</a:t>
             </a:r>
             <a:endParaRPr lang="zh-CN" altLang="en-US" dirty="0"/>
           </a:p>
@@ -9028,15 +9675,7 @@
             </a:pPr>
             <a:r>
               <a:rPr lang="en-US" altLang="zh-CN" dirty="0"/>
-              <a:t>pages/ </a:t>
-            </a:r>
-            <a:r>
-              <a:rPr lang="en-US" altLang="zh-CN" dirty="0" err="1"/>
-              <a:t>home.scss</a:t>
-            </a:r>
-            <a:r>
-              <a:rPr lang="en-US" altLang="zh-CN" dirty="0"/>
-              <a:t>        # </a:t>
+              <a:t>pages/ home.scss        # </a:t>
             </a:r>
             <a:r>
               <a:rPr lang="en-US" altLang="zh-CN" dirty="0" smtClean="0"/>
@@ -9057,12 +9696,8 @@
               <a:t>components/ </a:t>
             </a:r>
             <a:r>
-              <a:rPr lang="en-US" altLang="zh-CN" dirty="0" err="1" smtClean="0"/>
-              <a:t>panel.scss</a:t>
-            </a:r>
-            <a:r>
               <a:rPr lang="en-US" altLang="zh-CN" dirty="0" smtClean="0"/>
-              <a:t>   #panel</a:t>
+              <a:t>panel.scss   #panel</a:t>
             </a:r>
             <a:r>
               <a:rPr lang="zh-CN" altLang="en-US" dirty="0" smtClean="0"/>
@@ -9217,11 +9852,15 @@
           <a:p>
             <a:r>
               <a:rPr lang="zh-CN" altLang="en-US" dirty="0" smtClean="0"/>
-              <a:t>如何使用</a:t>
+              <a:t>使用</a:t>
             </a:r>
             <a:r>
               <a:rPr lang="en-US" altLang="zh-CN" dirty="0" smtClean="0"/>
-              <a:t>SASS ——</a:t>
+              <a:t>Sass </a:t>
+            </a:r>
+            <a:r>
+              <a:rPr lang="en-US" altLang="zh-CN" dirty="0" smtClean="0"/>
+              <a:t>——</a:t>
             </a:r>
             <a:r>
               <a:rPr lang="zh-CN" altLang="en-US" dirty="0" smtClean="0"/>
@@ -9243,7 +9882,9 @@
         </p:nvSpPr>
         <p:spPr/>
         <p:txBody>
-          <a:bodyPr/>
+          <a:bodyPr>
+            <a:normAutofit fontScale="92500" lnSpcReduction="10000"/>
+          </a:bodyPr>
           <a:lstStyle/>
           <a:p>
             <a:pPr>
@@ -9317,8 +9958,34 @@
               <a:t>sass </a:t>
             </a:r>
             <a:r>
+              <a:rPr lang="en-US" altLang="zh-CN" dirty="0">
+                <a:solidFill>
+                  <a:srgbClr val="7030A0"/>
+                </a:solidFill>
+              </a:rPr>
+              <a:t>gem install </a:t>
+            </a:r>
+            <a:r>
+              <a:rPr lang="en-US" altLang="zh-CN" dirty="0" smtClean="0">
+                <a:solidFill>
+                  <a:srgbClr val="7030A0"/>
+                </a:solidFill>
+              </a:rPr>
+              <a:t>sass </a:t>
+            </a:r>
+          </a:p>
+          <a:p>
+            <a:pPr marL="800100" lvl="1" indent="-342900">
+              <a:buFont typeface="+mj-lt"/>
+              <a:buAutoNum type="alphaLcPeriod"/>
+            </a:pPr>
+            <a:r>
               <a:rPr lang="zh-CN" altLang="en-US" dirty="0" smtClean="0"/>
-              <a:t>淘宝</a:t>
+              <a:t>淘</a:t>
+            </a:r>
+            <a:r>
+              <a:rPr lang="zh-CN" altLang="en-US" dirty="0" smtClean="0"/>
+              <a:t>宝</a:t>
             </a:r>
             <a:r>
               <a:rPr lang="en-US" altLang="zh-CN" dirty="0" smtClean="0"/>
@@ -9495,6 +10162,233 @@
               <a:solidFill>
                 <a:srgbClr val="00B050"/>
               </a:solidFill>
+            </a:endParaRPr>
+          </a:p>
+        </p:txBody>
+      </p:sp>
+      <p:sp>
+        <p:nvSpPr>
+          <p:cNvPr id="6" name="文本框 5"/>
+          <p:cNvSpPr txBox="1"/>
+          <p:nvPr/>
+        </p:nvSpPr>
+        <p:spPr>
+          <a:xfrm>
+            <a:off x="7006107" y="2871988"/>
+            <a:ext cx="4307398" cy="1600438"/>
+          </a:xfrm>
+          <a:prstGeom prst="rect">
+            <a:avLst/>
+          </a:prstGeom>
+          <a:solidFill>
+            <a:schemeClr val="accent3">
+              <a:lumMod val="20000"/>
+              <a:lumOff val="80000"/>
+            </a:schemeClr>
+          </a:solidFill>
+        </p:spPr>
+        <p:txBody>
+          <a:bodyPr wrap="none" rtlCol="0">
+            <a:spAutoFit/>
+          </a:bodyPr>
+          <a:lstStyle/>
+          <a:p>
+            <a:r>
+              <a:rPr lang="en-US" altLang="zh-CN" sz="1400" dirty="0">
+                <a:solidFill>
+                  <a:srgbClr val="7030A0"/>
+                </a:solidFill>
+                <a:latin typeface="Microsoft YaHei UI" panose="020B0503020204020204" pitchFamily="34" charset="-122"/>
+                <a:ea typeface="Microsoft YaHei UI" panose="020B0503020204020204" pitchFamily="34" charset="-122"/>
+              </a:rPr>
+              <a:t>$ gem sources --remove https://rubygems.org/ </a:t>
+            </a:r>
+            <a:endParaRPr lang="en-US" altLang="zh-CN" sz="1400" dirty="0" smtClean="0">
+              <a:solidFill>
+                <a:srgbClr val="7030A0"/>
+              </a:solidFill>
+              <a:latin typeface="Microsoft YaHei UI" panose="020B0503020204020204" pitchFamily="34" charset="-122"/>
+              <a:ea typeface="Microsoft YaHei UI" panose="020B0503020204020204" pitchFamily="34" charset="-122"/>
+            </a:endParaRPr>
+          </a:p>
+          <a:p>
+            <a:r>
+              <a:rPr lang="en-US" altLang="zh-CN" sz="1400" dirty="0" smtClean="0">
+                <a:solidFill>
+                  <a:srgbClr val="7030A0"/>
+                </a:solidFill>
+                <a:latin typeface="Microsoft YaHei UI" panose="020B0503020204020204" pitchFamily="34" charset="-122"/>
+                <a:ea typeface="Microsoft YaHei UI" panose="020B0503020204020204" pitchFamily="34" charset="-122"/>
+              </a:rPr>
+              <a:t>$ </a:t>
+            </a:r>
+            <a:r>
+              <a:rPr lang="en-US" altLang="zh-CN" sz="1400" dirty="0">
+                <a:solidFill>
+                  <a:srgbClr val="7030A0"/>
+                </a:solidFill>
+                <a:latin typeface="Microsoft YaHei UI" panose="020B0503020204020204" pitchFamily="34" charset="-122"/>
+                <a:ea typeface="Microsoft YaHei UI" panose="020B0503020204020204" pitchFamily="34" charset="-122"/>
+              </a:rPr>
+              <a:t>gem sources -a https://ruby.taobao.org/ </a:t>
+            </a:r>
+            <a:endParaRPr lang="en-US" altLang="zh-CN" sz="1400" dirty="0" smtClean="0">
+              <a:solidFill>
+                <a:srgbClr val="7030A0"/>
+              </a:solidFill>
+              <a:latin typeface="Microsoft YaHei UI" panose="020B0503020204020204" pitchFamily="34" charset="-122"/>
+              <a:ea typeface="Microsoft YaHei UI" panose="020B0503020204020204" pitchFamily="34" charset="-122"/>
+            </a:endParaRPr>
+          </a:p>
+          <a:p>
+            <a:r>
+              <a:rPr lang="en-US" altLang="zh-CN" sz="1400" dirty="0" smtClean="0">
+                <a:solidFill>
+                  <a:srgbClr val="7030A0"/>
+                </a:solidFill>
+                <a:latin typeface="Microsoft YaHei UI" panose="020B0503020204020204" pitchFamily="34" charset="-122"/>
+                <a:ea typeface="Microsoft YaHei UI" panose="020B0503020204020204" pitchFamily="34" charset="-122"/>
+              </a:rPr>
+              <a:t>$ </a:t>
+            </a:r>
+            <a:r>
+              <a:rPr lang="en-US" altLang="zh-CN" sz="1400" dirty="0">
+                <a:solidFill>
+                  <a:srgbClr val="7030A0"/>
+                </a:solidFill>
+                <a:latin typeface="Microsoft YaHei UI" panose="020B0503020204020204" pitchFamily="34" charset="-122"/>
+                <a:ea typeface="Microsoft YaHei UI" panose="020B0503020204020204" pitchFamily="34" charset="-122"/>
+              </a:rPr>
+              <a:t>gem sources -l </a:t>
+            </a:r>
+            <a:endParaRPr lang="en-US" altLang="zh-CN" sz="1400" dirty="0" smtClean="0">
+              <a:solidFill>
+                <a:srgbClr val="7030A0"/>
+              </a:solidFill>
+              <a:latin typeface="Microsoft YaHei UI" panose="020B0503020204020204" pitchFamily="34" charset="-122"/>
+              <a:ea typeface="Microsoft YaHei UI" panose="020B0503020204020204" pitchFamily="34" charset="-122"/>
+            </a:endParaRPr>
+          </a:p>
+          <a:p>
+            <a:r>
+              <a:rPr lang="en-US" altLang="zh-CN" sz="1400" dirty="0" smtClean="0">
+                <a:solidFill>
+                  <a:srgbClr val="7030A0"/>
+                </a:solidFill>
+                <a:latin typeface="Microsoft YaHei UI" panose="020B0503020204020204" pitchFamily="34" charset="-122"/>
+                <a:ea typeface="Microsoft YaHei UI" panose="020B0503020204020204" pitchFamily="34" charset="-122"/>
+              </a:rPr>
+              <a:t>*** </a:t>
+            </a:r>
+            <a:r>
+              <a:rPr lang="en-US" altLang="zh-CN" sz="1400" dirty="0">
+                <a:solidFill>
+                  <a:srgbClr val="7030A0"/>
+                </a:solidFill>
+                <a:latin typeface="Microsoft YaHei UI" panose="020B0503020204020204" pitchFamily="34" charset="-122"/>
+                <a:ea typeface="Microsoft YaHei UI" panose="020B0503020204020204" pitchFamily="34" charset="-122"/>
+              </a:rPr>
+              <a:t>CURRENT SOURCES </a:t>
+            </a:r>
+            <a:r>
+              <a:rPr lang="en-US" altLang="zh-CN" sz="1400" dirty="0" smtClean="0">
+                <a:solidFill>
+                  <a:srgbClr val="7030A0"/>
+                </a:solidFill>
+                <a:latin typeface="Microsoft YaHei UI" panose="020B0503020204020204" pitchFamily="34" charset="-122"/>
+                <a:ea typeface="Microsoft YaHei UI" panose="020B0503020204020204" pitchFamily="34" charset="-122"/>
+              </a:rPr>
+              <a:t>***</a:t>
+            </a:r>
+          </a:p>
+          <a:p>
+            <a:r>
+              <a:rPr lang="en-US" altLang="zh-CN" sz="1400" dirty="0" smtClean="0">
+                <a:solidFill>
+                  <a:srgbClr val="7030A0"/>
+                </a:solidFill>
+                <a:latin typeface="Microsoft YaHei UI" panose="020B0503020204020204" pitchFamily="34" charset="-122"/>
+                <a:ea typeface="Microsoft YaHei UI" panose="020B0503020204020204" pitchFamily="34" charset="-122"/>
+              </a:rPr>
+              <a:t> </a:t>
+            </a:r>
+            <a:r>
+              <a:rPr lang="en-US" altLang="zh-CN" sz="1400" dirty="0">
+                <a:solidFill>
+                  <a:srgbClr val="7030A0"/>
+                </a:solidFill>
+                <a:latin typeface="Microsoft YaHei UI" panose="020B0503020204020204" pitchFamily="34" charset="-122"/>
+                <a:ea typeface="Microsoft YaHei UI" panose="020B0503020204020204" pitchFamily="34" charset="-122"/>
+              </a:rPr>
+              <a:t>https://ruby.taobao.org </a:t>
+            </a:r>
+            <a:endParaRPr lang="en-US" altLang="zh-CN" sz="1400" dirty="0" smtClean="0">
+              <a:solidFill>
+                <a:srgbClr val="7030A0"/>
+              </a:solidFill>
+              <a:latin typeface="Microsoft YaHei UI" panose="020B0503020204020204" pitchFamily="34" charset="-122"/>
+              <a:ea typeface="Microsoft YaHei UI" panose="020B0503020204020204" pitchFamily="34" charset="-122"/>
+            </a:endParaRPr>
+          </a:p>
+          <a:p>
+            <a:r>
+              <a:rPr lang="en-US" altLang="zh-CN" sz="1400" dirty="0" smtClean="0">
+                <a:solidFill>
+                  <a:srgbClr val="7030A0"/>
+                </a:solidFill>
+                <a:latin typeface="Microsoft YaHei UI" panose="020B0503020204020204" pitchFamily="34" charset="-122"/>
+                <a:ea typeface="Microsoft YaHei UI" panose="020B0503020204020204" pitchFamily="34" charset="-122"/>
+              </a:rPr>
+              <a:t># </a:t>
+            </a:r>
+            <a:r>
+              <a:rPr lang="zh-CN" altLang="en-US" sz="1400" dirty="0">
+                <a:solidFill>
+                  <a:srgbClr val="7030A0"/>
+                </a:solidFill>
+                <a:latin typeface="Microsoft YaHei UI" panose="020B0503020204020204" pitchFamily="34" charset="-122"/>
+                <a:ea typeface="Microsoft YaHei UI" panose="020B0503020204020204" pitchFamily="34" charset="-122"/>
+              </a:rPr>
+              <a:t>请确保只有 </a:t>
+            </a:r>
+            <a:r>
+              <a:rPr lang="en-US" altLang="zh-CN" sz="1400" dirty="0" smtClean="0">
+                <a:solidFill>
+                  <a:srgbClr val="7030A0"/>
+                </a:solidFill>
+                <a:latin typeface="Microsoft YaHei UI" panose="020B0503020204020204" pitchFamily="34" charset="-122"/>
+                <a:ea typeface="Microsoft YaHei UI" panose="020B0503020204020204" pitchFamily="34" charset="-122"/>
+              </a:rPr>
+              <a:t>ruby.taobao.org </a:t>
+            </a:r>
+          </a:p>
+          <a:p>
+            <a:r>
+              <a:rPr lang="en-US" altLang="zh-CN" sz="1400" dirty="0" smtClean="0">
+                <a:solidFill>
+                  <a:srgbClr val="7030A0"/>
+                </a:solidFill>
+                <a:latin typeface="Microsoft YaHei UI" panose="020B0503020204020204" pitchFamily="34" charset="-122"/>
+                <a:ea typeface="Microsoft YaHei UI" panose="020B0503020204020204" pitchFamily="34" charset="-122"/>
+              </a:rPr>
+              <a:t>$ </a:t>
+            </a:r>
+            <a:r>
+              <a:rPr lang="en-US" altLang="zh-CN" sz="1400" dirty="0">
+                <a:solidFill>
+                  <a:srgbClr val="7030A0"/>
+                </a:solidFill>
+                <a:latin typeface="Microsoft YaHei UI" panose="020B0503020204020204" pitchFamily="34" charset="-122"/>
+                <a:ea typeface="Microsoft YaHei UI" panose="020B0503020204020204" pitchFamily="34" charset="-122"/>
+              </a:rPr>
+              <a:t>gem install sass</a:t>
+            </a:r>
+            <a:endParaRPr lang="zh-CN" altLang="en-US" sz="1400" dirty="0">
+              <a:solidFill>
+                <a:srgbClr val="7030A0"/>
+              </a:solidFill>
+              <a:latin typeface="Microsoft YaHei UI" panose="020B0503020204020204" pitchFamily="34" charset="-122"/>
+              <a:ea typeface="Microsoft YaHei UI" panose="020B0503020204020204" pitchFamily="34" charset="-122"/>
             </a:endParaRPr>
           </a:p>
         </p:txBody>
@@ -9557,12 +10451,16 @@
           <a:lstStyle/>
           <a:p>
             <a:r>
-              <a:rPr lang="zh-CN" altLang="en-US" dirty="0"/>
-              <a:t>如何使用</a:t>
+              <a:rPr lang="zh-CN" altLang="en-US" dirty="0" smtClean="0"/>
+              <a:t>使用</a:t>
+            </a:r>
+            <a:r>
+              <a:rPr lang="en-US" altLang="zh-CN" dirty="0" smtClean="0"/>
+              <a:t>Sass </a:t>
             </a:r>
             <a:r>
               <a:rPr lang="en-US" altLang="zh-CN" dirty="0"/>
-              <a:t>SASS ——</a:t>
+              <a:t>——</a:t>
             </a:r>
             <a:r>
               <a:rPr lang="zh-CN" altLang="en-US" dirty="0"/>
@@ -9591,6 +10489,327 @@
           <a:bodyPr/>
           <a:lstStyle/>
           <a:p>
+            <a:pPr>
+              <a:buFont typeface="Wingdings" panose="05000000000000000000" pitchFamily="2" charset="2"/>
+              <a:buChar char="Ø"/>
+            </a:pPr>
+            <a:r>
+              <a:rPr lang="zh-CN" altLang="en-US" dirty="0" smtClean="0"/>
+              <a:t>基本语法 </a:t>
+            </a:r>
+            <a:endParaRPr lang="en-US" altLang="zh-CN" dirty="0" smtClean="0"/>
+          </a:p>
+          <a:p>
+            <a:pPr marL="800100" lvl="1" indent="-342900">
+              <a:buFont typeface="+mj-lt"/>
+              <a:buAutoNum type="alphaLcPeriod"/>
+            </a:pPr>
+            <a:r>
+              <a:rPr lang="zh-CN" altLang="en-US" dirty="0" smtClean="0"/>
+              <a:t>注释 </a:t>
+            </a:r>
+            <a:r>
+              <a:rPr lang="en-US" altLang="zh-CN" dirty="0" smtClean="0"/>
+              <a:t>//</a:t>
+            </a:r>
+            <a:r>
+              <a:rPr lang="zh-CN" altLang="en-US" dirty="0" smtClean="0"/>
+              <a:t>和</a:t>
+            </a:r>
+            <a:r>
+              <a:rPr lang="en-US" altLang="zh-CN" dirty="0" smtClean="0"/>
+              <a:t> </a:t>
+            </a:r>
+            <a:r>
+              <a:rPr lang="en-US" altLang="zh-CN" dirty="0" smtClean="0"/>
+              <a:t>/**/ </a:t>
+            </a:r>
+            <a:r>
+              <a:rPr lang="zh-CN" altLang="en-US" dirty="0" smtClean="0"/>
+              <a:t>，导入</a:t>
+            </a:r>
+            <a:r>
+              <a:rPr lang="en-US" altLang="zh-CN" dirty="0" smtClean="0"/>
+              <a:t>@import</a:t>
+            </a:r>
+          </a:p>
+          <a:p>
+            <a:pPr marL="800100" lvl="1" indent="-342900">
+              <a:buFont typeface="+mj-lt"/>
+              <a:buAutoNum type="alphaLcPeriod"/>
+            </a:pPr>
+            <a:r>
+              <a:rPr lang="zh-CN" altLang="en-US" dirty="0" smtClean="0"/>
+              <a:t>变量 </a:t>
+            </a:r>
+            <a:r>
+              <a:rPr lang="en-US" altLang="zh-CN" dirty="0" smtClean="0"/>
+              <a:t>$</a:t>
+            </a:r>
+            <a:r>
+              <a:rPr lang="zh-CN" altLang="en-US" dirty="0" smtClean="0"/>
+              <a:t>，关键字</a:t>
+            </a:r>
+            <a:r>
+              <a:rPr lang="en-US" altLang="zh-CN" dirty="0"/>
+              <a:t>!</a:t>
+            </a:r>
+            <a:r>
+              <a:rPr lang="en-US" altLang="zh-CN" dirty="0" smtClean="0"/>
+              <a:t>default </a:t>
+            </a:r>
+            <a:r>
+              <a:rPr lang="zh-CN" altLang="en-US" dirty="0" smtClean="0"/>
+              <a:t>和</a:t>
+            </a:r>
+            <a:r>
+              <a:rPr lang="en-US" altLang="zh-CN" dirty="0"/>
+              <a:t>!</a:t>
+            </a:r>
+            <a:r>
+              <a:rPr lang="en-US" altLang="zh-CN" dirty="0" smtClean="0"/>
+              <a:t>global</a:t>
+            </a:r>
+            <a:r>
+              <a:rPr lang="zh-CN" altLang="en-US" dirty="0" smtClean="0"/>
+              <a:t>（未启用）</a:t>
+            </a:r>
+            <a:endParaRPr lang="en-US" altLang="zh-CN" dirty="0" smtClean="0"/>
+          </a:p>
+          <a:p>
+            <a:pPr marL="1257300" lvl="2" indent="-400050">
+              <a:buFont typeface="+mj-lt"/>
+              <a:buAutoNum type="romanUcPeriod"/>
+            </a:pPr>
+            <a:r>
+              <a:rPr lang="zh-CN" altLang="en-US" dirty="0" smtClean="0"/>
+              <a:t>基本类型变量，</a:t>
+            </a:r>
+            <a:r>
+              <a:rPr lang="en-US" altLang="zh-CN" dirty="0" smtClean="0"/>
+              <a:t>string</a:t>
+            </a:r>
+            <a:r>
+              <a:rPr lang="zh-CN" altLang="en-US" dirty="0" smtClean="0"/>
+              <a:t>，</a:t>
+            </a:r>
+            <a:r>
+              <a:rPr lang="en-US" altLang="zh-CN" dirty="0" err="1" smtClean="0"/>
+              <a:t>uint</a:t>
+            </a:r>
+            <a:r>
+              <a:rPr lang="zh-CN" altLang="en-US" dirty="0" smtClean="0"/>
+              <a:t>类型等</a:t>
+            </a:r>
+            <a:endParaRPr lang="en-US" altLang="zh-CN" dirty="0" smtClean="0"/>
+          </a:p>
+          <a:p>
+            <a:pPr marL="1257300" lvl="2" indent="-400050">
+              <a:buFont typeface="+mj-lt"/>
+              <a:buAutoNum type="romanUcPeriod"/>
+            </a:pPr>
+            <a:r>
+              <a:rPr lang="zh-CN" altLang="en-US" dirty="0" smtClean="0"/>
+              <a:t>复合数据类型，</a:t>
+            </a:r>
+            <a:r>
+              <a:rPr lang="en-US" altLang="zh-CN" dirty="0" smtClean="0"/>
+              <a:t>map</a:t>
+            </a:r>
+            <a:r>
+              <a:rPr lang="zh-CN" altLang="en-US" dirty="0" smtClean="0"/>
+              <a:t>，</a:t>
+            </a:r>
+            <a:r>
+              <a:rPr lang="en-US" altLang="zh-CN" dirty="0" smtClean="0"/>
+              <a:t>list</a:t>
+            </a:r>
+            <a:r>
+              <a:rPr lang="zh-CN" altLang="en-US" dirty="0" smtClean="0"/>
+              <a:t>（遍历时候用到</a:t>
+            </a:r>
+            <a:r>
+              <a:rPr lang="en-US" altLang="zh-CN" dirty="0" smtClean="0"/>
+              <a:t>@each</a:t>
+            </a:r>
+            <a:r>
+              <a:rPr lang="zh-CN" altLang="en-US" dirty="0" smtClean="0"/>
+              <a:t>、</a:t>
+            </a:r>
+            <a:r>
+              <a:rPr lang="en-US" altLang="zh-CN" dirty="0" smtClean="0"/>
+              <a:t>@for</a:t>
+            </a:r>
+            <a:r>
+              <a:rPr lang="zh-CN" altLang="en-US" dirty="0" smtClean="0"/>
+              <a:t>、</a:t>
+            </a:r>
+            <a:r>
+              <a:rPr lang="en-US" altLang="zh-CN" dirty="0" smtClean="0"/>
+              <a:t>@if @else</a:t>
+            </a:r>
+            <a:r>
+              <a:rPr lang="zh-CN" altLang="en-US" dirty="0" smtClean="0"/>
+              <a:t>），</a:t>
+            </a:r>
+            <a:r>
+              <a:rPr lang="en-US" altLang="zh-CN" dirty="0" smtClean="0"/>
+              <a:t>list</a:t>
+            </a:r>
+            <a:r>
+              <a:rPr lang="zh-CN" altLang="en-US" dirty="0" smtClean="0"/>
+              <a:t>、</a:t>
+            </a:r>
+            <a:r>
+              <a:rPr lang="en-US" altLang="zh-CN" dirty="0" smtClean="0"/>
+              <a:t>map</a:t>
+            </a:r>
+            <a:r>
+              <a:rPr lang="zh-CN" altLang="en-US" dirty="0" smtClean="0"/>
+              <a:t>自带</a:t>
+            </a:r>
+            <a:r>
+              <a:rPr lang="en-US" altLang="zh-CN" dirty="0" smtClean="0"/>
+              <a:t>function</a:t>
+            </a:r>
+            <a:r>
+              <a:rPr lang="zh-CN" altLang="en-US" dirty="0" smtClean="0"/>
+              <a:t>可用，比如</a:t>
+            </a:r>
+            <a:r>
+              <a:rPr lang="en-US" altLang="zh-CN" dirty="0"/>
+              <a:t>length($list</a:t>
+            </a:r>
+            <a:r>
+              <a:rPr lang="en-US" altLang="zh-CN" dirty="0" smtClean="0"/>
+              <a:t>)</a:t>
+            </a:r>
+            <a:r>
+              <a:rPr lang="zh-CN" altLang="en-US" dirty="0" smtClean="0"/>
+              <a:t>，</a:t>
+            </a:r>
+            <a:r>
+              <a:rPr lang="en-US" altLang="zh-CN" dirty="0"/>
+              <a:t>join($list1,$list2,[$separator</a:t>
+            </a:r>
+            <a:r>
+              <a:rPr lang="en-US" altLang="zh-CN" dirty="0" smtClean="0"/>
+              <a:t>])</a:t>
+            </a:r>
+            <a:r>
+              <a:rPr lang="zh-CN" altLang="en-US" dirty="0" smtClean="0"/>
+              <a:t>等</a:t>
+            </a:r>
+            <a:endParaRPr lang="en-US" altLang="zh-CN" dirty="0" smtClean="0"/>
+          </a:p>
+          <a:p>
+            <a:pPr marL="1257300" lvl="2" indent="-400050">
+              <a:buFont typeface="+mj-lt"/>
+              <a:buAutoNum type="romanUcPeriod"/>
+            </a:pPr>
+            <a:r>
+              <a:rPr lang="zh-CN" altLang="en-US" dirty="0" smtClean="0"/>
+              <a:t>变量作为属性使用 </a:t>
+            </a:r>
+            <a:r>
+              <a:rPr lang="en-US" altLang="zh-CN" dirty="0"/>
+              <a:t>#{$variables</a:t>
+            </a:r>
+            <a:r>
+              <a:rPr lang="en-US" altLang="zh-CN" dirty="0" smtClean="0"/>
+              <a:t>}</a:t>
+            </a:r>
+          </a:p>
+          <a:p>
+            <a:pPr marL="857250" lvl="1" indent="-400050">
+              <a:buFont typeface="+mj-lt"/>
+              <a:buAutoNum type="alphaLcPeriod"/>
+            </a:pPr>
+            <a:r>
+              <a:rPr lang="zh-CN" altLang="en-US" dirty="0" smtClean="0"/>
+              <a:t>关键字 </a:t>
+            </a:r>
+            <a:endParaRPr lang="en-US" altLang="zh-CN" dirty="0" smtClean="0"/>
+          </a:p>
+          <a:p>
+            <a:pPr marL="1257300" lvl="2" indent="-400050">
+              <a:buFont typeface="+mj-lt"/>
+              <a:buAutoNum type="romanUcPeriod"/>
+            </a:pPr>
+            <a:r>
+              <a:rPr lang="en-US" altLang="zh-CN" dirty="0" smtClean="0"/>
+              <a:t>&amp;</a:t>
+            </a:r>
+            <a:r>
+              <a:rPr lang="zh-CN" altLang="en-US" dirty="0" smtClean="0"/>
+              <a:t>选择器嵌套时候，表示父元素选择器</a:t>
+            </a:r>
+            <a:endParaRPr lang="en-US" altLang="zh-CN" dirty="0" smtClean="0"/>
+          </a:p>
+          <a:p>
+            <a:pPr marL="1257300" lvl="2" indent="-400050">
+              <a:buFont typeface="+mj-lt"/>
+              <a:buAutoNum type="romanUcPeriod"/>
+            </a:pPr>
+            <a:r>
+              <a:rPr lang="zh-CN" altLang="en-US" dirty="0" smtClean="0"/>
+              <a:t> </a:t>
+            </a:r>
+            <a:r>
+              <a:rPr lang="en-US" altLang="zh-CN" dirty="0" smtClean="0"/>
+              <a:t>@at-root(without:…)</a:t>
+            </a:r>
+            <a:r>
+              <a:rPr lang="zh-CN" altLang="en-US" dirty="0" smtClean="0"/>
+              <a:t>，默认跳出选择器嵌套，</a:t>
+            </a:r>
+            <a:r>
+              <a:rPr lang="en-US" altLang="zh-CN" dirty="0" smtClean="0"/>
+              <a:t>without</a:t>
+            </a:r>
+            <a:r>
+              <a:rPr lang="zh-CN" altLang="en-US" dirty="0" smtClean="0"/>
+              <a:t>支持</a:t>
+            </a:r>
+            <a:r>
+              <a:rPr lang="en-US" altLang="zh-CN" dirty="0" smtClean="0"/>
+              <a:t>all</a:t>
+            </a:r>
+            <a:r>
+              <a:rPr lang="zh-CN" altLang="en-US" dirty="0" smtClean="0"/>
+              <a:t>、</a:t>
+            </a:r>
+            <a:r>
+              <a:rPr lang="en-US" altLang="zh-CN" dirty="0" smtClean="0"/>
+              <a:t>rule</a:t>
+            </a:r>
+            <a:r>
+              <a:rPr lang="zh-CN" altLang="en-US" dirty="0" smtClean="0"/>
+              <a:t>、</a:t>
+            </a:r>
+            <a:r>
+              <a:rPr lang="en-US" altLang="zh-CN" dirty="0" smtClean="0"/>
+              <a:t>media</a:t>
+            </a:r>
+            <a:r>
+              <a:rPr lang="zh-CN" altLang="en-US" dirty="0" smtClean="0"/>
+              <a:t>、</a:t>
+            </a:r>
+            <a:r>
+              <a:rPr lang="en-US" altLang="zh-CN" dirty="0" smtClean="0"/>
+              <a:t>support</a:t>
+            </a:r>
+            <a:r>
+              <a:rPr lang="zh-CN" altLang="en-US" dirty="0" smtClean="0"/>
+              <a:t>（未广泛使用）跳出</a:t>
+            </a:r>
+            <a:endParaRPr lang="en-US" altLang="zh-CN" dirty="0" smtClean="0"/>
+          </a:p>
+          <a:p>
+            <a:pPr marL="857250" lvl="1" indent="-400050">
+              <a:buFont typeface="+mj-lt"/>
+              <a:buAutoNum type="alphaLcPeriod"/>
+            </a:pPr>
             <a:endParaRPr lang="zh-CN" altLang="en-US" dirty="0"/>
           </a:p>
         </p:txBody>
@@ -9627,7 +10846,7 @@
                   <a:srgbClr val="00B050"/>
                 </a:solidFill>
               </a:rPr>
-              <a:t>我醉君复乐，陶然共忘</a:t>
+              <a:t>与君歌一曲，请君为我侧耳听</a:t>
             </a:r>
             <a:r>
               <a:rPr lang="zh-CN" altLang="en-US" sz="2000" dirty="0" smtClean="0">
@@ -9635,7 +10854,7 @@
                   <a:srgbClr val="00B050"/>
                 </a:solidFill>
               </a:rPr>
-              <a:t>机。</a:t>
+              <a:t>。</a:t>
             </a:r>
             <a:endParaRPr lang="zh-CN" altLang="en-US" sz="2000" dirty="0">
               <a:solidFill>
@@ -9649,6 +10868,151 @@
     <p:extLst>
       <p:ext uri="{BB962C8B-B14F-4D97-AF65-F5344CB8AC3E}">
         <p14:creationId xmlns:p14="http://schemas.microsoft.com/office/powerpoint/2010/main" val="1254571343"/>
+      </p:ext>
+    </p:extLst>
+  </p:cSld>
+  <p:clrMapOvr>
+    <a:masterClrMapping/>
+  </p:clrMapOvr>
+  <p:timing>
+    <p:tnLst>
+      <p:par>
+        <p:cTn id="1" dur="indefinite" restart="never" nodeType="tmRoot"/>
+      </p:par>
+    </p:tnLst>
+  </p:timing>
+</p:sld>
+</file>
+
+<file path=ppt/slides/slide8.xml><?xml version="1.0" encoding="utf-8"?>
+<p:sld xmlns:a="http://schemas.openxmlformats.org/drawingml/2006/main" xmlns:r="http://schemas.openxmlformats.org/officeDocument/2006/relationships" xmlns:p="http://schemas.openxmlformats.org/presentationml/2006/main">
+  <p:cSld>
+    <p:spTree>
+      <p:nvGrpSpPr>
+        <p:cNvPr id="1" name=""/>
+        <p:cNvGrpSpPr/>
+        <p:nvPr/>
+      </p:nvGrpSpPr>
+      <p:grpSpPr>
+        <a:xfrm>
+          <a:off x="0" y="0"/>
+          <a:ext cx="0" cy="0"/>
+          <a:chOff x="0" y="0"/>
+          <a:chExt cx="0" cy="0"/>
+        </a:xfrm>
+      </p:grpSpPr>
+      <p:sp>
+        <p:nvSpPr>
+          <p:cNvPr id="2" name="标题 1"/>
+          <p:cNvSpPr>
+            <a:spLocks noGrp="1"/>
+          </p:cNvSpPr>
+          <p:nvPr>
+            <p:ph type="title"/>
+          </p:nvPr>
+        </p:nvSpPr>
+        <p:spPr>
+          <a:xfrm>
+            <a:off x="2592925" y="624110"/>
+            <a:ext cx="8911687" cy="676656"/>
+          </a:xfrm>
+        </p:spPr>
+        <p:txBody>
+          <a:bodyPr/>
+          <a:lstStyle/>
+          <a:p>
+            <a:r>
+              <a:rPr lang="zh-CN" altLang="en-US" dirty="0" smtClean="0"/>
+              <a:t>使用</a:t>
+            </a:r>
+            <a:r>
+              <a:rPr lang="en-US" altLang="zh-CN" dirty="0" smtClean="0"/>
+              <a:t>Sass </a:t>
+            </a:r>
+            <a:r>
+              <a:rPr lang="en-US" altLang="zh-CN" dirty="0"/>
+              <a:t>——</a:t>
+            </a:r>
+            <a:r>
+              <a:rPr lang="zh-CN" altLang="en-US" dirty="0"/>
+              <a:t> 基本语法</a:t>
+            </a:r>
+          </a:p>
+        </p:txBody>
+      </p:sp>
+      <p:sp>
+        <p:nvSpPr>
+          <p:cNvPr id="3" name="内容占位符 2"/>
+          <p:cNvSpPr>
+            <a:spLocks noGrp="1"/>
+          </p:cNvSpPr>
+          <p:nvPr>
+            <p:ph idx="1"/>
+          </p:nvPr>
+        </p:nvSpPr>
+        <p:spPr/>
+        <p:txBody>
+          <a:bodyPr/>
+          <a:lstStyle/>
+          <a:p>
+            <a:endParaRPr lang="zh-CN" altLang="en-US" dirty="0"/>
+          </a:p>
+        </p:txBody>
+      </p:sp>
+      <p:sp>
+        <p:nvSpPr>
+          <p:cNvPr id="4" name="文本框 3"/>
+          <p:cNvSpPr txBox="1"/>
+          <p:nvPr/>
+        </p:nvSpPr>
+        <p:spPr>
+          <a:xfrm>
+            <a:off x="2589212" y="1213711"/>
+            <a:ext cx="8915400" cy="400110"/>
+          </a:xfrm>
+          <a:prstGeom prst="rect">
+            <a:avLst/>
+          </a:prstGeom>
+          <a:noFill/>
+          <a:effectLst>
+            <a:reflection blurRad="6350" stA="50000" endA="300" endPos="90000" dist="50800" dir="5400000" sy="-100000" algn="bl" rotWithShape="0"/>
+          </a:effectLst>
+        </p:spPr>
+        <p:txBody>
+          <a:bodyPr wrap="square" rtlCol="0">
+            <a:spAutoFit/>
+          </a:bodyPr>
+          <a:lstStyle/>
+          <a:p>
+            <a:pPr algn="r"/>
+            <a:r>
+              <a:rPr lang="zh-CN" altLang="en-US" sz="2000" dirty="0">
+                <a:solidFill>
+                  <a:srgbClr val="00B050"/>
+                </a:solidFill>
+              </a:rPr>
+              <a:t>我醉君复乐，陶然共忘机</a:t>
+            </a:r>
+            <a:r>
+              <a:rPr lang="zh-CN" altLang="en-US" sz="2000" dirty="0" smtClean="0">
+                <a:solidFill>
+                  <a:srgbClr val="00B050"/>
+                </a:solidFill>
+              </a:rPr>
+              <a:t>。</a:t>
+            </a:r>
+            <a:endParaRPr lang="zh-CN" altLang="en-US" sz="2000" dirty="0">
+              <a:solidFill>
+                <a:srgbClr val="00B050"/>
+              </a:solidFill>
+            </a:endParaRPr>
+          </a:p>
+        </p:txBody>
+      </p:sp>
+    </p:spTree>
+    <p:extLst>
+      <p:ext uri="{BB962C8B-B14F-4D97-AF65-F5344CB8AC3E}">
+        <p14:creationId xmlns:p14="http://schemas.microsoft.com/office/powerpoint/2010/main" val="274558942"/>
       </p:ext>
     </p:extLst>
   </p:cSld>

--- a/SASS愈行愈远.pptx
+++ b/SASS愈行愈远.pptx
@@ -9225,11 +9225,11 @@
           <a:lstStyle/>
           <a:p>
             <a:r>
-              <a:rPr lang="zh-CN" altLang="en-US" dirty="0"/>
+              <a:rPr lang="zh-CN" altLang="en-US" sz="4000" dirty="0"/>
               <a:t>初识</a:t>
             </a:r>
             <a:r>
-              <a:rPr lang="en-US" altLang="zh-CN" dirty="0" smtClean="0"/>
+              <a:rPr lang="en-US" altLang="zh-CN" sz="4000" dirty="0" smtClean="0"/>
               <a:t>Sass</a:t>
             </a:r>
             <a:r>
@@ -9349,7 +9349,7 @@
               <a:buNone/>
             </a:pPr>
             <a:r>
-              <a:rPr lang="zh-CN" altLang="en-US" smtClean="0"/>
+              <a:rPr lang="zh-CN" altLang="en-US" dirty="0" smtClean="0"/>
               <a:t>可编程，可以</a:t>
             </a:r>
             <a:r>
@@ -10486,26 +10486,17 @@
         </p:nvSpPr>
         <p:spPr/>
         <p:txBody>
-          <a:bodyPr/>
+          <a:bodyPr>
+            <a:normAutofit fontScale="92500" lnSpcReduction="10000"/>
+          </a:bodyPr>
           <a:lstStyle/>
           <a:p>
-            <a:pPr>
+            <a:pPr marL="400050">
               <a:buFont typeface="Wingdings" panose="05000000000000000000" pitchFamily="2" charset="2"/>
               <a:buChar char="Ø"/>
             </a:pPr>
             <a:r>
               <a:rPr lang="zh-CN" altLang="en-US" dirty="0" smtClean="0"/>
-              <a:t>基本语法 </a:t>
-            </a:r>
-            <a:endParaRPr lang="en-US" altLang="zh-CN" dirty="0" smtClean="0"/>
-          </a:p>
-          <a:p>
-            <a:pPr marL="800100" lvl="1" indent="-342900">
-              <a:buFont typeface="+mj-lt"/>
-              <a:buAutoNum type="alphaLcPeriod"/>
-            </a:pPr>
-            <a:r>
-              <a:rPr lang="zh-CN" altLang="en-US" dirty="0" smtClean="0"/>
               <a:t>注释 </a:t>
             </a:r>
             <a:r>
@@ -10534,9 +10525,9 @@
             </a:r>
           </a:p>
           <a:p>
-            <a:pPr marL="800100" lvl="1" indent="-342900">
-              <a:buFont typeface="+mj-lt"/>
-              <a:buAutoNum type="alphaLcPeriod"/>
+            <a:pPr marL="400050">
+              <a:buFont typeface="Wingdings" panose="05000000000000000000" pitchFamily="2" charset="2"/>
+              <a:buChar char="Ø"/>
             </a:pPr>
             <a:r>
               <a:rPr lang="zh-CN" altLang="en-US" dirty="0" smtClean="0"/>
@@ -10575,150 +10566,6 @@
               <a:t>（未启用）</a:t>
             </a:r>
             <a:endParaRPr lang="en-US" altLang="zh-CN" dirty="0" smtClean="0"/>
-          </a:p>
-          <a:p>
-            <a:pPr marL="1257300" lvl="2" indent="-400050">
-              <a:buFont typeface="+mj-lt"/>
-              <a:buAutoNum type="romanUcPeriod"/>
-            </a:pPr>
-            <a:r>
-              <a:rPr lang="zh-CN" altLang="en-US" dirty="0" smtClean="0"/>
-              <a:t>基本类型变量，</a:t>
-            </a:r>
-            <a:r>
-              <a:rPr lang="en-US" altLang="zh-CN" dirty="0" smtClean="0"/>
-              <a:t>string</a:t>
-            </a:r>
-            <a:r>
-              <a:rPr lang="zh-CN" altLang="en-US" dirty="0" smtClean="0"/>
-              <a:t>，</a:t>
-            </a:r>
-            <a:r>
-              <a:rPr lang="en-US" altLang="zh-CN" dirty="0" err="1" smtClean="0"/>
-              <a:t>uint</a:t>
-            </a:r>
-            <a:r>
-              <a:rPr lang="zh-CN" altLang="en-US" dirty="0" smtClean="0"/>
-              <a:t>类型等</a:t>
-            </a:r>
-            <a:endParaRPr lang="en-US" altLang="zh-CN" dirty="0" smtClean="0"/>
-          </a:p>
-          <a:p>
-            <a:pPr marL="1257300" lvl="2" indent="-400050">
-              <a:buFont typeface="+mj-lt"/>
-              <a:buAutoNum type="romanUcPeriod"/>
-            </a:pPr>
-            <a:r>
-              <a:rPr lang="zh-CN" altLang="en-US" dirty="0" smtClean="0"/>
-              <a:t>复合数据类型，</a:t>
-            </a:r>
-            <a:r>
-              <a:rPr lang="en-US" altLang="zh-CN" dirty="0" smtClean="0"/>
-              <a:t>map</a:t>
-            </a:r>
-            <a:r>
-              <a:rPr lang="zh-CN" altLang="en-US" dirty="0" smtClean="0"/>
-              <a:t>，</a:t>
-            </a:r>
-            <a:r>
-              <a:rPr lang="en-US" altLang="zh-CN" dirty="0" smtClean="0"/>
-              <a:t>list</a:t>
-            </a:r>
-            <a:r>
-              <a:rPr lang="zh-CN" altLang="en-US" dirty="0" smtClean="0"/>
-              <a:t>（遍历时候用到</a:t>
-            </a:r>
-            <a:r>
-              <a:rPr lang="en-US" altLang="zh-CN" dirty="0" smtClean="0"/>
-              <a:t>@each</a:t>
-            </a:r>
-            <a:r>
-              <a:rPr lang="zh-CN" altLang="en-US" dirty="0" smtClean="0"/>
-              <a:t>、</a:t>
-            </a:r>
-            <a:r>
-              <a:rPr lang="en-US" altLang="zh-CN" dirty="0" smtClean="0"/>
-              <a:t>@for</a:t>
-            </a:r>
-            <a:r>
-              <a:rPr lang="zh-CN" altLang="en-US" dirty="0" smtClean="0"/>
-              <a:t>、</a:t>
-            </a:r>
-            <a:r>
-              <a:rPr lang="en-US" altLang="zh-CN" dirty="0" smtClean="0"/>
-              <a:t>@if @else</a:t>
-            </a:r>
-            <a:r>
-              <a:rPr lang="zh-CN" altLang="en-US" dirty="0" smtClean="0"/>
-              <a:t>），</a:t>
-            </a:r>
-            <a:r>
-              <a:rPr lang="en-US" altLang="zh-CN" dirty="0" smtClean="0"/>
-              <a:t>list</a:t>
-            </a:r>
-            <a:r>
-              <a:rPr lang="zh-CN" altLang="en-US" dirty="0" smtClean="0"/>
-              <a:t>、</a:t>
-            </a:r>
-            <a:r>
-              <a:rPr lang="en-US" altLang="zh-CN" dirty="0" smtClean="0"/>
-              <a:t>map</a:t>
-            </a:r>
-            <a:r>
-              <a:rPr lang="zh-CN" altLang="en-US" dirty="0" smtClean="0"/>
-              <a:t>自带</a:t>
-            </a:r>
-            <a:r>
-              <a:rPr lang="en-US" altLang="zh-CN" dirty="0" smtClean="0"/>
-              <a:t>function</a:t>
-            </a:r>
-            <a:r>
-              <a:rPr lang="zh-CN" altLang="en-US" dirty="0" smtClean="0"/>
-              <a:t>可用，比如</a:t>
-            </a:r>
-            <a:r>
-              <a:rPr lang="en-US" altLang="zh-CN" dirty="0"/>
-              <a:t>length($list</a:t>
-            </a:r>
-            <a:r>
-              <a:rPr lang="en-US" altLang="zh-CN" dirty="0" smtClean="0"/>
-              <a:t>)</a:t>
-            </a:r>
-            <a:r>
-              <a:rPr lang="zh-CN" altLang="en-US" dirty="0" smtClean="0"/>
-              <a:t>，</a:t>
-            </a:r>
-            <a:r>
-              <a:rPr lang="en-US" altLang="zh-CN" dirty="0"/>
-              <a:t>join($list1,$list2,[$separator</a:t>
-            </a:r>
-            <a:r>
-              <a:rPr lang="en-US" altLang="zh-CN" dirty="0" smtClean="0"/>
-              <a:t>])</a:t>
-            </a:r>
-            <a:r>
-              <a:rPr lang="zh-CN" altLang="en-US" dirty="0" smtClean="0"/>
-              <a:t>等</a:t>
-            </a:r>
-            <a:endParaRPr lang="en-US" altLang="zh-CN" dirty="0" smtClean="0"/>
-          </a:p>
-          <a:p>
-            <a:pPr marL="1257300" lvl="2" indent="-400050">
-              <a:buFont typeface="+mj-lt"/>
-              <a:buAutoNum type="romanUcPeriod"/>
-            </a:pPr>
-            <a:r>
-              <a:rPr lang="zh-CN" altLang="en-US" dirty="0" smtClean="0"/>
-              <a:t>变量作为属性使用 </a:t>
-            </a:r>
-            <a:r>
-              <a:rPr lang="en-US" altLang="zh-CN" dirty="0"/>
-              <a:t>#{$variables</a:t>
-            </a:r>
-            <a:r>
-              <a:rPr lang="en-US" altLang="zh-CN" dirty="0" smtClean="0"/>
-              <a:t>}</a:t>
-            </a:r>
           </a:p>
           <a:p>
             <a:pPr marL="857250" lvl="1" indent="-400050">
@@ -10727,14 +10574,177 @@
             </a:pPr>
             <a:r>
               <a:rPr lang="zh-CN" altLang="en-US" dirty="0" smtClean="0"/>
+              <a:t>基本类型变量，</a:t>
+            </a:r>
+            <a:r>
+              <a:rPr lang="en-US" altLang="zh-CN" dirty="0" smtClean="0"/>
+              <a:t>string</a:t>
+            </a:r>
+            <a:r>
+              <a:rPr lang="zh-CN" altLang="en-US" dirty="0" smtClean="0"/>
+              <a:t>（多值一起声明用</a:t>
+            </a:r>
+            <a:r>
+              <a:rPr lang="en-US" altLang="zh-CN" dirty="0"/>
+              <a:t>nth($var,index</a:t>
+            </a:r>
+            <a:r>
+              <a:rPr lang="en-US" altLang="zh-CN" dirty="0" smtClean="0"/>
+              <a:t>)</a:t>
+            </a:r>
+            <a:r>
+              <a:rPr lang="zh-CN" altLang="en-US" dirty="0" smtClean="0"/>
+              <a:t>遍历</a:t>
+            </a:r>
+            <a:r>
+              <a:rPr lang="zh-CN" altLang="en-US" dirty="0" smtClean="0"/>
+              <a:t>），</a:t>
+            </a:r>
+            <a:r>
+              <a:rPr lang="en-US" altLang="zh-CN" dirty="0" smtClean="0"/>
+              <a:t>uint</a:t>
+            </a:r>
+            <a:r>
+              <a:rPr lang="zh-CN" altLang="en-US" dirty="0" smtClean="0"/>
+              <a:t>类型等</a:t>
+            </a:r>
+            <a:endParaRPr lang="en-US" altLang="zh-CN" dirty="0" smtClean="0"/>
+          </a:p>
+          <a:p>
+            <a:pPr marL="857250" lvl="1" indent="-400050">
+              <a:lnSpc>
+                <a:spcPct val="140000"/>
+              </a:lnSpc>
+              <a:buFont typeface="+mj-lt"/>
+              <a:buAutoNum type="alphaLcPeriod"/>
+            </a:pPr>
+            <a:r>
+              <a:rPr lang="zh-CN" altLang="en-US" dirty="0" smtClean="0"/>
+              <a:t>复合数据类型，</a:t>
+            </a:r>
+            <a:r>
+              <a:rPr lang="en-US" altLang="zh-CN" dirty="0" smtClean="0"/>
+              <a:t>map</a:t>
+            </a:r>
+            <a:r>
+              <a:rPr lang="zh-CN" altLang="en-US" dirty="0" smtClean="0"/>
+              <a:t>，</a:t>
+            </a:r>
+            <a:r>
+              <a:rPr lang="en-US" altLang="zh-CN" dirty="0" smtClean="0"/>
+              <a:t>list</a:t>
+            </a:r>
+            <a:r>
+              <a:rPr lang="zh-CN" altLang="en-US" dirty="0" smtClean="0"/>
+              <a:t>（遍历时候用到</a:t>
+            </a:r>
+            <a:r>
+              <a:rPr lang="en-US" altLang="zh-CN" dirty="0" smtClean="0"/>
+              <a:t>@each</a:t>
+            </a:r>
+            <a:r>
+              <a:rPr lang="zh-CN" altLang="en-US" dirty="0" smtClean="0"/>
+              <a:t>、</a:t>
+            </a:r>
+            <a:r>
+              <a:rPr lang="en-US" altLang="zh-CN" dirty="0" smtClean="0"/>
+              <a:t>@for</a:t>
+            </a:r>
+            <a:r>
+              <a:rPr lang="zh-CN" altLang="en-US" dirty="0" smtClean="0"/>
+              <a:t>、</a:t>
+            </a:r>
+            <a:r>
+              <a:rPr lang="en-US" altLang="zh-CN" dirty="0" smtClean="0"/>
+              <a:t>@if @else</a:t>
+            </a:r>
+            <a:r>
+              <a:rPr lang="zh-CN" altLang="en-US" dirty="0" smtClean="0"/>
+              <a:t>），</a:t>
+            </a:r>
+            <a:r>
+              <a:rPr lang="en-US" altLang="zh-CN" dirty="0" smtClean="0"/>
+              <a:t>list</a:t>
+            </a:r>
+            <a:r>
+              <a:rPr lang="zh-CN" altLang="en-US" dirty="0" smtClean="0"/>
+              <a:t>、</a:t>
+            </a:r>
+            <a:r>
+              <a:rPr lang="en-US" altLang="zh-CN" dirty="0" smtClean="0"/>
+              <a:t>map</a:t>
+            </a:r>
+            <a:r>
+              <a:rPr lang="zh-CN" altLang="en-US" dirty="0" smtClean="0"/>
+              <a:t>自带</a:t>
+            </a:r>
+            <a:r>
+              <a:rPr lang="en-US" altLang="zh-CN" dirty="0" smtClean="0"/>
+              <a:t>function</a:t>
+            </a:r>
+            <a:r>
+              <a:rPr lang="zh-CN" altLang="en-US" dirty="0" smtClean="0"/>
+              <a:t>可用，比如</a:t>
+            </a:r>
+            <a:r>
+              <a:rPr lang="en-US" altLang="zh-CN" dirty="0"/>
+              <a:t>length($list</a:t>
+            </a:r>
+            <a:r>
+              <a:rPr lang="en-US" altLang="zh-CN" dirty="0" smtClean="0"/>
+              <a:t>)</a:t>
+            </a:r>
+            <a:r>
+              <a:rPr lang="zh-CN" altLang="en-US" dirty="0" smtClean="0"/>
+              <a:t>，</a:t>
+            </a:r>
+            <a:r>
+              <a:rPr lang="en-US" altLang="zh-CN" dirty="0"/>
+              <a:t>join($list1,$list2,[$separator</a:t>
+            </a:r>
+            <a:r>
+              <a:rPr lang="en-US" altLang="zh-CN" dirty="0" smtClean="0"/>
+              <a:t>])</a:t>
+            </a:r>
+            <a:r>
+              <a:rPr lang="zh-CN" altLang="en-US" dirty="0" smtClean="0"/>
+              <a:t>等</a:t>
+            </a:r>
+            <a:endParaRPr lang="en-US" altLang="zh-CN" dirty="0" smtClean="0"/>
+          </a:p>
+          <a:p>
+            <a:pPr marL="857250" lvl="1" indent="-400050">
+              <a:buFont typeface="+mj-lt"/>
+              <a:buAutoNum type="alphaLcPeriod"/>
+            </a:pPr>
+            <a:r>
+              <a:rPr lang="zh-CN" altLang="en-US" dirty="0" smtClean="0"/>
+              <a:t>变量作为属性使用 </a:t>
+            </a:r>
+            <a:r>
+              <a:rPr lang="en-US" altLang="zh-CN" dirty="0"/>
+              <a:t>#{$variables</a:t>
+            </a:r>
+            <a:r>
+              <a:rPr lang="en-US" altLang="zh-CN" dirty="0" smtClean="0"/>
+              <a:t>}</a:t>
+            </a:r>
+          </a:p>
+          <a:p>
+            <a:pPr marL="457200" indent="-400050">
+              <a:buFont typeface="Wingdings" panose="05000000000000000000" pitchFamily="2" charset="2"/>
+              <a:buChar char="Ø"/>
+            </a:pPr>
+            <a:r>
+              <a:rPr lang="zh-CN" altLang="en-US" dirty="0" smtClean="0"/>
               <a:t>关键字 </a:t>
             </a:r>
             <a:endParaRPr lang="en-US" altLang="zh-CN" dirty="0" smtClean="0"/>
           </a:p>
           <a:p>
-            <a:pPr marL="1257300" lvl="2" indent="-400050">
+            <a:pPr marL="857250" lvl="1" indent="-400050">
               <a:buFont typeface="+mj-lt"/>
-              <a:buAutoNum type="romanUcPeriod"/>
+              <a:buAutoNum type="alphaLcPeriod"/>
             </a:pPr>
             <a:r>
               <a:rPr lang="en-US" altLang="zh-CN" dirty="0" smtClean="0"/>
@@ -10747,9 +10757,40 @@
             <a:endParaRPr lang="en-US" altLang="zh-CN" dirty="0" smtClean="0"/>
           </a:p>
           <a:p>
-            <a:pPr marL="1257300" lvl="2" indent="-400050">
+            <a:pPr marL="857250" lvl="1" indent="-400050">
               <a:buFont typeface="+mj-lt"/>
-              <a:buAutoNum type="romanUcPeriod"/>
+              <a:buAutoNum type="alphaLcPeriod"/>
+            </a:pPr>
+            <a:r>
+              <a:rPr lang="en-US" altLang="zh-CN" dirty="0" smtClean="0"/>
+              <a:t>@extend</a:t>
+            </a:r>
+            <a:r>
+              <a:rPr lang="zh-CN" altLang="en-US" dirty="0" smtClean="0"/>
+              <a:t>，选择器继承；</a:t>
+            </a:r>
+            <a:r>
+              <a:rPr lang="en-US" altLang="zh-CN" dirty="0" smtClean="0"/>
+              <a:t>%</a:t>
+            </a:r>
+            <a:r>
+              <a:rPr lang="zh-CN" altLang="en-US" dirty="0" smtClean="0"/>
+              <a:t>占位选择符，通过</a:t>
+            </a:r>
+            <a:r>
+              <a:rPr lang="en-US" altLang="zh-CN" dirty="0" smtClean="0"/>
+              <a:t>@extend</a:t>
+            </a:r>
+            <a:r>
+              <a:rPr lang="zh-CN" altLang="en-US" dirty="0" smtClean="0"/>
+              <a:t>调用。</a:t>
+            </a:r>
+            <a:endParaRPr lang="en-US" altLang="zh-CN" dirty="0" smtClean="0"/>
+          </a:p>
+          <a:p>
+            <a:pPr marL="857250" lvl="1" indent="-400050">
+              <a:buFont typeface="+mj-lt"/>
+              <a:buAutoNum type="alphaLcPeriod"/>
             </a:pPr>
             <a:r>
               <a:rPr lang="zh-CN" altLang="en-US" dirty="0" smtClean="0"/>
@@ -10822,7 +10863,7 @@
         </p:nvSpPr>
         <p:spPr>
           <a:xfrm>
-            <a:off x="2589213" y="1352279"/>
+            <a:off x="2589213" y="1197731"/>
             <a:ext cx="8915399" cy="400110"/>
           </a:xfrm>
           <a:prstGeom prst="rect">
@@ -10955,6 +10996,36 @@
           <a:bodyPr/>
           <a:lstStyle/>
           <a:p>
+            <a:pPr>
+              <a:buFont typeface="Wingdings" panose="05000000000000000000" pitchFamily="2" charset="2"/>
+              <a:buChar char="Ø"/>
+            </a:pPr>
+            <a:r>
+              <a:rPr lang="zh-CN" altLang="en-US" dirty="0" smtClean="0"/>
+              <a:t>函数</a:t>
+            </a:r>
+            <a:endParaRPr lang="en-US" altLang="zh-CN" dirty="0" smtClean="0"/>
+          </a:p>
+          <a:p>
+            <a:pPr marL="800100" lvl="1" indent="-342900">
+              <a:buFont typeface="+mj-lt"/>
+              <a:buAutoNum type="alphaLcPeriod"/>
+            </a:pPr>
+            <a:r>
+              <a:rPr lang="zh-CN" altLang="en-US" dirty="0" smtClean="0"/>
+              <a:t> </a:t>
+            </a:r>
+            <a:r>
+              <a:rPr lang="en-US" altLang="zh-CN" dirty="0" smtClean="0"/>
+              <a:t>@function</a:t>
+            </a:r>
+            <a:endParaRPr lang="en-US" altLang="zh-CN" dirty="0"/>
+          </a:p>
+          <a:p>
+            <a:pPr marL="800100" lvl="1" indent="-342900">
+              <a:buFont typeface="+mj-lt"/>
+              <a:buAutoNum type="alphaLcPeriod"/>
+            </a:pPr>
             <a:endParaRPr lang="zh-CN" altLang="en-US" dirty="0"/>
           </a:p>
         </p:txBody>

--- a/SASS愈行愈远.pptx
+++ b/SASS愈行愈远.pptx
@@ -5,7 +5,7 @@
     <p:sldMasterId id="2147483648" r:id="rId1"/>
   </p:sldMasterIdLst>
   <p:notesMasterIdLst>
-    <p:notesMasterId r:id="rId10"/>
+    <p:notesMasterId r:id="rId12"/>
   </p:notesMasterIdLst>
   <p:sldIdLst>
     <p:sldId id="256" r:id="rId2"/>
@@ -16,6 +16,8 @@
     <p:sldId id="261" r:id="rId7"/>
     <p:sldId id="262" r:id="rId8"/>
     <p:sldId id="263" r:id="rId9"/>
+    <p:sldId id="265" r:id="rId10"/>
+    <p:sldId id="264" r:id="rId11"/>
   </p:sldIdLst>
   <p:sldSz cx="12192000" cy="6858000"/>
   <p:notesSz cx="6858000" cy="9144000"/>
@@ -633,7 +635,7 @@
               <a:t>有两种注释方式，一种是标准的</a:t>
             </a:r>
             <a:r>
-              <a:rPr lang="en-US" altLang="zh-CN" sz="1100" b="0" i="0" kern="1200" dirty="0" err="1" smtClean="0">
+              <a:rPr lang="en-US" altLang="zh-CN" sz="1100" b="0" i="0" kern="1200" dirty="0" smtClean="0">
                 <a:solidFill>
                   <a:schemeClr val="tx1"/>
                 </a:solidFill>
@@ -764,7 +766,7 @@
               <a:t>文件，导入</a:t>
             </a:r>
             <a:r>
-              <a:rPr lang="en-US" altLang="zh-CN" sz="1100" b="0" i="0" kern="1200" dirty="0" err="1" smtClean="0">
+              <a:rPr lang="en-US" altLang="zh-CN" sz="1100" b="0" i="0" kern="1200" dirty="0" smtClean="0">
                 <a:solidFill>
                   <a:schemeClr val="tx1"/>
                 </a:solidFill>
@@ -828,7 +830,7 @@
               <a:t>导入样式文件一样，导入的</a:t>
             </a:r>
             <a:r>
-              <a:rPr lang="en-US" altLang="zh-CN" sz="1100" b="0" i="0" kern="1200" dirty="0" err="1" smtClean="0">
+              <a:rPr lang="en-US" altLang="zh-CN" sz="1100" b="0" i="0" kern="1200" dirty="0" smtClean="0">
                 <a:solidFill>
                   <a:schemeClr val="tx1"/>
                 </a:solidFill>
@@ -8790,6 +8792,92 @@
 </p:sld>
 </file>
 
+<file path=ppt/slides/slide10.xml><?xml version="1.0" encoding="utf-8"?>
+<p:sld xmlns:a="http://schemas.openxmlformats.org/drawingml/2006/main" xmlns:r="http://schemas.openxmlformats.org/officeDocument/2006/relationships" xmlns:p="http://schemas.openxmlformats.org/presentationml/2006/main">
+  <p:cSld>
+    <p:spTree>
+      <p:nvGrpSpPr>
+        <p:cNvPr id="1" name=""/>
+        <p:cNvGrpSpPr/>
+        <p:nvPr/>
+      </p:nvGrpSpPr>
+      <p:grpSpPr>
+        <a:xfrm>
+          <a:off x="0" y="0"/>
+          <a:ext cx="0" cy="0"/>
+          <a:chOff x="0" y="0"/>
+          <a:chExt cx="0" cy="0"/>
+        </a:xfrm>
+      </p:grpSpPr>
+      <p:sp>
+        <p:nvSpPr>
+          <p:cNvPr id="2" name="标题 1"/>
+          <p:cNvSpPr>
+            <a:spLocks noGrp="1"/>
+          </p:cNvSpPr>
+          <p:nvPr>
+            <p:ph type="title"/>
+          </p:nvPr>
+        </p:nvSpPr>
+        <p:spPr>
+          <a:xfrm>
+            <a:off x="2592925" y="624111"/>
+            <a:ext cx="8911687" cy="741050"/>
+          </a:xfrm>
+        </p:spPr>
+        <p:txBody>
+          <a:bodyPr>
+            <a:normAutofit/>
+          </a:bodyPr>
+          <a:lstStyle/>
+          <a:p>
+            <a:r>
+              <a:rPr lang="en-US" altLang="zh-CN" dirty="0" smtClean="0"/>
+              <a:t>demo</a:t>
+            </a:r>
+            <a:endParaRPr lang="zh-CN" altLang="en-US" dirty="0"/>
+          </a:p>
+        </p:txBody>
+      </p:sp>
+      <p:sp>
+        <p:nvSpPr>
+          <p:cNvPr id="3" name="内容占位符 2"/>
+          <p:cNvSpPr>
+            <a:spLocks noGrp="1"/>
+          </p:cNvSpPr>
+          <p:nvPr>
+            <p:ph idx="1"/>
+          </p:nvPr>
+        </p:nvSpPr>
+        <p:spPr/>
+        <p:txBody>
+          <a:bodyPr/>
+          <a:lstStyle/>
+          <a:p>
+            <a:endParaRPr lang="zh-CN" altLang="en-US" dirty="0"/>
+          </a:p>
+        </p:txBody>
+      </p:sp>
+    </p:spTree>
+    <p:extLst>
+      <p:ext uri="{BB962C8B-B14F-4D97-AF65-F5344CB8AC3E}">
+        <p14:creationId xmlns:p14="http://schemas.microsoft.com/office/powerpoint/2010/main" val="181254618"/>
+      </p:ext>
+    </p:extLst>
+  </p:cSld>
+  <p:clrMapOvr>
+    <a:masterClrMapping/>
+  </p:clrMapOvr>
+  <p:timing>
+    <p:tnLst>
+      <p:par>
+        <p:cTn id="1" dur="indefinite" restart="never" nodeType="tmRoot"/>
+      </p:par>
+    </p:tnLst>
+  </p:timing>
+</p:sld>
+</file>
+
 <file path=ppt/slides/slide2.xml><?xml version="1.0" encoding="utf-8"?>
 <p:sld xmlns:a="http://schemas.openxmlformats.org/drawingml/2006/main" xmlns:r="http://schemas.openxmlformats.org/officeDocument/2006/relationships" xmlns:p="http://schemas.openxmlformats.org/presentationml/2006/main">
   <p:cSld>
@@ -9079,14 +9167,14 @@
               <a:buChar char="Ø"/>
             </a:pPr>
             <a:r>
-              <a:rPr lang="zh-CN" altLang="en-US" dirty="0"/>
-              <a:t>过程</a:t>
+              <a:rPr lang="en-US" altLang="zh-CN" dirty="0" smtClean="0"/>
+              <a:t>Demo</a:t>
             </a:r>
             <a:r>
               <a:rPr lang="zh-CN" altLang="en-US" dirty="0" smtClean="0"/>
-              <a:t>中的一些碎碎念</a:t>
-            </a:r>
-            <a:endParaRPr lang="en-US" altLang="zh-CN" dirty="0" smtClean="0"/>
+              <a:t>演示</a:t>
+            </a:r>
+            <a:endParaRPr lang="en-US" altLang="zh-CN" dirty="0"/>
           </a:p>
           <a:p>
             <a:pPr>
@@ -9094,13 +9182,16 @@
               <a:buChar char="Ø"/>
             </a:pPr>
             <a:r>
-              <a:rPr lang="en-US" altLang="zh-CN" dirty="0" smtClean="0"/>
-              <a:t>Demo</a:t>
-            </a:r>
-            <a:r>
               <a:rPr lang="zh-CN" altLang="en-US" dirty="0"/>
-              <a:t>演示</a:t>
-            </a:r>
+              <a:t>过程中的一些碎碎念</a:t>
+            </a:r>
+            <a:endParaRPr lang="en-US" altLang="zh-CN" dirty="0"/>
+          </a:p>
+          <a:p>
+            <a:pPr marL="0" indent="0">
+              <a:buNone/>
+            </a:pPr>
+            <a:endParaRPr lang="zh-CN" altLang="en-US" dirty="0"/>
           </a:p>
         </p:txBody>
       </p:sp>
@@ -9883,7 +9974,7 @@
         <p:spPr/>
         <p:txBody>
           <a:bodyPr>
-            <a:normAutofit fontScale="92500" lnSpcReduction="10000"/>
+            <a:normAutofit fontScale="92500" lnSpcReduction="20000"/>
           </a:bodyPr>
           <a:lstStyle/>
           <a:p>
@@ -9892,10 +9983,10 @@
               <a:buAutoNum type="arabicPeriod"/>
             </a:pPr>
             <a:r>
-              <a:rPr lang="zh-CN" altLang="en-US" dirty="0" smtClean="0"/>
+              <a:rPr lang="zh-CN" altLang="en-US" sz="1900" dirty="0" smtClean="0"/>
               <a:t>环境准备</a:t>
             </a:r>
-            <a:endParaRPr lang="en-US" altLang="zh-CN" dirty="0" smtClean="0"/>
+            <a:endParaRPr lang="en-US" altLang="zh-CN" sz="1900" dirty="0" smtClean="0"/>
           </a:p>
           <a:p>
             <a:pPr marL="800100" lvl="1" indent="-342900">
@@ -9903,46 +9994,46 @@
               <a:buAutoNum type="alphaLcPeriod"/>
             </a:pPr>
             <a:r>
-              <a:rPr lang="zh-CN" altLang="en-US" dirty="0" smtClean="0"/>
+              <a:rPr lang="zh-CN" altLang="en-US" sz="1700" dirty="0" smtClean="0"/>
               <a:t>安装</a:t>
             </a:r>
             <a:r>
-              <a:rPr lang="en-US" altLang="zh-CN" dirty="0" smtClean="0"/>
+              <a:rPr lang="en-US" altLang="zh-CN" sz="1700" dirty="0" smtClean="0"/>
               <a:t>ruby </a:t>
             </a:r>
             <a:r>
-              <a:rPr lang="zh-CN" altLang="en-US" dirty="0" smtClean="0"/>
+              <a:rPr lang="zh-CN" altLang="en-US" sz="1700" dirty="0" smtClean="0"/>
               <a:t>（</a:t>
             </a:r>
             <a:r>
-              <a:rPr lang="en-US" altLang="zh-CN" dirty="0" smtClean="0"/>
+              <a:rPr lang="en-US" altLang="zh-CN" sz="1700" dirty="0" smtClean="0"/>
               <a:t>appcan IDE</a:t>
             </a:r>
             <a:r>
-              <a:rPr lang="zh-CN" altLang="en-US" dirty="0" smtClean="0"/>
+              <a:rPr lang="zh-CN" altLang="en-US" sz="1700" dirty="0" smtClean="0"/>
               <a:t>安装时默认安装</a:t>
             </a:r>
             <a:r>
-              <a:rPr lang="en-US" altLang="zh-CN" dirty="0" smtClean="0"/>
+              <a:rPr lang="en-US" altLang="zh-CN" sz="1700" dirty="0" smtClean="0"/>
               <a:t>ruby</a:t>
             </a:r>
             <a:r>
-              <a:rPr lang="zh-CN" altLang="en-US" dirty="0" smtClean="0"/>
+              <a:rPr lang="zh-CN" altLang="en-US" sz="1700" dirty="0" smtClean="0"/>
               <a:t>，</a:t>
             </a:r>
             <a:r>
-              <a:rPr lang="en-US" altLang="zh-CN" dirty="0"/>
+              <a:rPr lang="en-US" altLang="zh-CN" sz="1700" dirty="0"/>
               <a:t>ruby </a:t>
             </a:r>
             <a:r>
-              <a:rPr lang="en-US" altLang="zh-CN" dirty="0" smtClean="0"/>
+              <a:rPr lang="en-US" altLang="zh-CN" sz="1700" dirty="0" smtClean="0"/>
               <a:t>–v</a:t>
             </a:r>
             <a:r>
-              <a:rPr lang="zh-CN" altLang="en-US" dirty="0" smtClean="0"/>
+              <a:rPr lang="zh-CN" altLang="en-US" sz="1700" dirty="0" smtClean="0"/>
               <a:t>查看版本，修改环境变量）</a:t>
             </a:r>
-            <a:endParaRPr lang="en-US" altLang="zh-CN" dirty="0" smtClean="0"/>
+            <a:endParaRPr lang="en-US" altLang="zh-CN" sz="1700" dirty="0" smtClean="0"/>
           </a:p>
           <a:p>
             <a:pPr marL="800100" lvl="1" indent="-342900">
@@ -9950,15 +10041,15 @@
               <a:buAutoNum type="alphaLcPeriod"/>
             </a:pPr>
             <a:r>
-              <a:rPr lang="en-US" altLang="zh-CN" dirty="0"/>
+              <a:rPr lang="en-US" altLang="zh-CN" sz="1700" dirty="0"/>
               <a:t>gem install </a:t>
             </a:r>
             <a:r>
-              <a:rPr lang="en-US" altLang="zh-CN" dirty="0" smtClean="0"/>
+              <a:rPr lang="en-US" altLang="zh-CN" sz="1700" dirty="0" smtClean="0"/>
               <a:t>sass </a:t>
             </a:r>
             <a:r>
-              <a:rPr lang="en-US" altLang="zh-CN" dirty="0">
+              <a:rPr lang="en-US" altLang="zh-CN" sz="1700" dirty="0">
                 <a:solidFill>
                   <a:srgbClr val="7030A0"/>
                 </a:solidFill>
@@ -9966,7 +10057,7 @@
               <a:t>gem install </a:t>
             </a:r>
             <a:r>
-              <a:rPr lang="en-US" altLang="zh-CN" dirty="0" smtClean="0">
+              <a:rPr lang="en-US" altLang="zh-CN" sz="1700" dirty="0" smtClean="0">
                 <a:solidFill>
                   <a:srgbClr val="7030A0"/>
                 </a:solidFill>
@@ -9980,22 +10071,22 @@
               <a:buAutoNum type="alphaLcPeriod"/>
             </a:pPr>
             <a:r>
-              <a:rPr lang="zh-CN" altLang="en-US" dirty="0" smtClean="0"/>
+              <a:rPr lang="zh-CN" altLang="en-US" sz="1700" dirty="0" smtClean="0"/>
               <a:t>淘</a:t>
             </a:r>
             <a:r>
-              <a:rPr lang="zh-CN" altLang="en-US" dirty="0" smtClean="0"/>
+              <a:rPr lang="zh-CN" altLang="en-US" sz="1700" dirty="0" smtClean="0"/>
               <a:t>宝</a:t>
             </a:r>
             <a:r>
-              <a:rPr lang="en-US" altLang="zh-CN" dirty="0" smtClean="0"/>
+              <a:rPr lang="en-US" altLang="zh-CN" sz="1700" dirty="0" smtClean="0"/>
               <a:t>RubyGems</a:t>
             </a:r>
             <a:r>
-              <a:rPr lang="zh-CN" altLang="en-US" dirty="0" smtClean="0"/>
+              <a:rPr lang="zh-CN" altLang="en-US" sz="1700" dirty="0" smtClean="0"/>
               <a:t>镜像安装</a:t>
             </a:r>
-            <a:endParaRPr lang="en-US" altLang="zh-CN" dirty="0" smtClean="0"/>
+            <a:endParaRPr lang="en-US" altLang="zh-CN" sz="1700" dirty="0" smtClean="0"/>
           </a:p>
           <a:p>
             <a:pPr marL="400050">
@@ -10003,14 +10094,14 @@
               <a:buAutoNum type="arabicPeriod"/>
             </a:pPr>
             <a:r>
-              <a:rPr lang="en-US" altLang="zh-CN" dirty="0" smtClean="0"/>
+              <a:rPr lang="en-US" altLang="zh-CN" sz="1900" dirty="0" smtClean="0"/>
               <a:t>SASS</a:t>
             </a:r>
             <a:r>
-              <a:rPr lang="zh-CN" altLang="en-US" dirty="0" smtClean="0"/>
+              <a:rPr lang="zh-CN" altLang="en-US" sz="1900" dirty="0" smtClean="0"/>
               <a:t>编译</a:t>
             </a:r>
-            <a:endParaRPr lang="en-US" altLang="zh-CN" dirty="0" smtClean="0"/>
+            <a:endParaRPr lang="en-US" altLang="zh-CN" sz="1900" dirty="0" smtClean="0"/>
           </a:p>
           <a:p>
             <a:pPr marL="800100" lvl="1">
@@ -10018,27 +10109,23 @@
               <a:buAutoNum type="alphaLcPeriod"/>
             </a:pPr>
             <a:r>
-              <a:rPr lang="en-US" altLang="zh-CN" dirty="0"/>
-              <a:t>	</a:t>
-            </a:r>
-            <a:r>
-              <a:rPr lang="zh-CN" altLang="en-US" dirty="0" smtClean="0"/>
+              <a:rPr lang="zh-CN" altLang="en-US" sz="1700" dirty="0" smtClean="0"/>
               <a:t>本地</a:t>
             </a:r>
             <a:r>
-              <a:rPr lang="en-US" altLang="zh-CN" dirty="0" smtClean="0"/>
+              <a:rPr lang="en-US" altLang="zh-CN" sz="1700" dirty="0" smtClean="0"/>
               <a:t>sass</a:t>
             </a:r>
             <a:r>
-              <a:rPr lang="zh-CN" altLang="en-US" dirty="0" smtClean="0"/>
+              <a:rPr lang="zh-CN" altLang="en-US" sz="1700" dirty="0" smtClean="0"/>
               <a:t>命令 </a:t>
             </a:r>
             <a:r>
-              <a:rPr lang="en-US" altLang="zh-CN" dirty="0"/>
+              <a:rPr lang="en-US" altLang="zh-CN" sz="1700" dirty="0"/>
               <a:t>sass style.scss </a:t>
             </a:r>
             <a:r>
-              <a:rPr lang="en-US" altLang="zh-CN" dirty="0" smtClean="0"/>
+              <a:rPr lang="en-US" altLang="zh-CN" sz="1700" dirty="0" smtClean="0"/>
               <a:t>style.css</a:t>
             </a:r>
           </a:p>
@@ -10048,15 +10135,15 @@
               <a:buAutoNum type="alphaLcPeriod"/>
             </a:pPr>
             <a:r>
-              <a:rPr lang="en-US" altLang="zh-CN" dirty="0" smtClean="0"/>
+              <a:rPr lang="en-US" altLang="zh-CN" sz="1700" dirty="0" smtClean="0"/>
               <a:t>VS</a:t>
             </a:r>
             <a:r>
-              <a:rPr lang="zh-CN" altLang="en-US" dirty="0" smtClean="0"/>
+              <a:rPr lang="zh-CN" altLang="en-US" sz="1700" dirty="0" smtClean="0"/>
               <a:t>插件</a:t>
             </a:r>
             <a:r>
-              <a:rPr lang="en-US" altLang="zh-CN" dirty="0" smtClean="0"/>
+              <a:rPr lang="en-US" altLang="zh-CN" sz="1700" dirty="0" smtClean="0"/>
               <a:t>Mindscape Web Workbench</a:t>
             </a:r>
           </a:p>
@@ -10066,16 +10153,16 @@
               <a:buAutoNum type="alphaLcPeriod"/>
             </a:pPr>
             <a:r>
-              <a:rPr lang="zh-CN" altLang="en-US" dirty="0" smtClean="0"/>
+              <a:rPr lang="zh-CN" altLang="en-US" sz="1700" dirty="0" smtClean="0"/>
               <a:t>免费编译器</a:t>
             </a:r>
             <a:r>
-              <a:rPr lang="en-US" altLang="zh-CN" dirty="0" smtClean="0">
+              <a:rPr lang="en-US" altLang="zh-CN" sz="1700" dirty="0" smtClean="0">
                 <a:hlinkClick r:id="rId2"/>
               </a:rPr>
               <a:t>koala</a:t>
             </a:r>
-            <a:endParaRPr lang="en-US" altLang="zh-CN" dirty="0" smtClean="0"/>
+            <a:endParaRPr lang="en-US" altLang="zh-CN" sz="1700" dirty="0" smtClean="0"/>
           </a:p>
           <a:p>
             <a:pPr marL="800100" lvl="1">
@@ -10083,16 +10170,16 @@
               <a:buAutoNum type="alphaLcPeriod"/>
             </a:pPr>
             <a:r>
-              <a:rPr lang="zh-CN" altLang="en-US" dirty="0" smtClean="0"/>
+              <a:rPr lang="zh-CN" altLang="en-US" sz="1700" dirty="0" smtClean="0"/>
               <a:t>演示使用 </a:t>
             </a:r>
             <a:r>
-              <a:rPr lang="en-US" altLang="zh-CN" dirty="0" smtClean="0">
+              <a:rPr lang="en-US" altLang="zh-CN" sz="1700" dirty="0" smtClean="0">
                 <a:hlinkClick r:id="rId3"/>
               </a:rPr>
               <a:t>sassmeister</a:t>
             </a:r>
-            <a:endParaRPr lang="en-US" altLang="zh-CN" dirty="0" smtClean="0"/>
+            <a:endParaRPr lang="en-US" altLang="zh-CN" sz="1700" dirty="0" smtClean="0"/>
           </a:p>
           <a:p>
             <a:pPr marL="114300" indent="0">
@@ -10174,8 +10261,8 @@
         </p:nvSpPr>
         <p:spPr>
           <a:xfrm>
-            <a:off x="7006107" y="2871988"/>
-            <a:ext cx="4307398" cy="1600438"/>
+            <a:off x="7006106" y="2871988"/>
+            <a:ext cx="4498505" cy="1600438"/>
           </a:xfrm>
           <a:prstGeom prst="rect">
             <a:avLst/>
@@ -10188,7 +10275,7 @@
           </a:solidFill>
         </p:spPr>
         <p:txBody>
-          <a:bodyPr wrap="none" rtlCol="0">
+          <a:bodyPr wrap="square" rtlCol="0">
             <a:spAutoFit/>
           </a:bodyPr>
           <a:lstStyle/>
@@ -10487,7 +10574,7 @@
         <p:spPr/>
         <p:txBody>
           <a:bodyPr>
-            <a:normAutofit fontScale="92500" lnSpcReduction="10000"/>
+            <a:normAutofit fontScale="92500" lnSpcReduction="20000"/>
           </a:bodyPr>
           <a:lstStyle/>
           <a:p>
@@ -10496,31 +10583,31 @@
               <a:buChar char="Ø"/>
             </a:pPr>
             <a:r>
-              <a:rPr lang="zh-CN" altLang="en-US" dirty="0" smtClean="0"/>
+              <a:rPr lang="zh-CN" altLang="en-US" sz="1900" dirty="0" smtClean="0"/>
               <a:t>注释 </a:t>
             </a:r>
             <a:r>
-              <a:rPr lang="en-US" altLang="zh-CN" dirty="0" smtClean="0"/>
+              <a:rPr lang="en-US" altLang="zh-CN" sz="1900" dirty="0" smtClean="0"/>
               <a:t>//</a:t>
             </a:r>
             <a:r>
-              <a:rPr lang="zh-CN" altLang="en-US" dirty="0" smtClean="0"/>
+              <a:rPr lang="zh-CN" altLang="en-US" sz="1900" dirty="0" smtClean="0"/>
               <a:t>和</a:t>
             </a:r>
             <a:r>
-              <a:rPr lang="en-US" altLang="zh-CN" dirty="0" smtClean="0"/>
+              <a:rPr lang="en-US" altLang="zh-CN" sz="1900" dirty="0" smtClean="0"/>
               <a:t> </a:t>
             </a:r>
             <a:r>
-              <a:rPr lang="en-US" altLang="zh-CN" dirty="0" smtClean="0"/>
+              <a:rPr lang="en-US" altLang="zh-CN" sz="1900" dirty="0" smtClean="0"/>
               <a:t>/**/ </a:t>
             </a:r>
             <a:r>
-              <a:rPr lang="zh-CN" altLang="en-US" dirty="0" smtClean="0"/>
+              <a:rPr lang="zh-CN" altLang="en-US" sz="1900" dirty="0" smtClean="0"/>
               <a:t>，导入</a:t>
             </a:r>
             <a:r>
-              <a:rPr lang="en-US" altLang="zh-CN" dirty="0" smtClean="0"/>
+              <a:rPr lang="en-US" altLang="zh-CN" sz="1900" dirty="0" smtClean="0"/>
               <a:t>@import</a:t>
             </a:r>
           </a:p>
@@ -10530,42 +10617,42 @@
               <a:buChar char="Ø"/>
             </a:pPr>
             <a:r>
-              <a:rPr lang="zh-CN" altLang="en-US" dirty="0" smtClean="0"/>
+              <a:rPr lang="zh-CN" altLang="en-US" sz="1900" dirty="0" smtClean="0"/>
               <a:t>变量 </a:t>
             </a:r>
             <a:r>
-              <a:rPr lang="en-US" altLang="zh-CN" dirty="0" smtClean="0"/>
+              <a:rPr lang="en-US" altLang="zh-CN" sz="1900" dirty="0" smtClean="0"/>
               <a:t>$</a:t>
             </a:r>
             <a:r>
-              <a:rPr lang="zh-CN" altLang="en-US" dirty="0" smtClean="0"/>
+              <a:rPr lang="zh-CN" altLang="en-US" sz="1900" dirty="0" smtClean="0"/>
               <a:t>，关键字</a:t>
             </a:r>
             <a:r>
-              <a:rPr lang="en-US" altLang="zh-CN" dirty="0"/>
+              <a:rPr lang="en-US" altLang="zh-CN" sz="1900" dirty="0"/>
               <a:t>!</a:t>
             </a:r>
             <a:r>
-              <a:rPr lang="en-US" altLang="zh-CN" dirty="0" smtClean="0"/>
+              <a:rPr lang="en-US" altLang="zh-CN" sz="1900" dirty="0" smtClean="0"/>
               <a:t>default </a:t>
             </a:r>
             <a:r>
-              <a:rPr lang="zh-CN" altLang="en-US" dirty="0" smtClean="0"/>
+              <a:rPr lang="zh-CN" altLang="en-US" sz="1900" dirty="0" smtClean="0"/>
               <a:t>和</a:t>
             </a:r>
             <a:r>
-              <a:rPr lang="en-US" altLang="zh-CN" dirty="0"/>
+              <a:rPr lang="en-US" altLang="zh-CN" sz="1900" dirty="0"/>
               <a:t>!</a:t>
             </a:r>
             <a:r>
-              <a:rPr lang="en-US" altLang="zh-CN" dirty="0" smtClean="0"/>
+              <a:rPr lang="en-US" altLang="zh-CN" sz="1900" dirty="0" smtClean="0"/>
               <a:t>global</a:t>
             </a:r>
             <a:r>
-              <a:rPr lang="zh-CN" altLang="en-US" dirty="0" smtClean="0"/>
+              <a:rPr lang="zh-CN" altLang="en-US" sz="1900" dirty="0" smtClean="0"/>
               <a:t>（未启用）</a:t>
             </a:r>
-            <a:endParaRPr lang="en-US" altLang="zh-CN" dirty="0" smtClean="0"/>
+            <a:endParaRPr lang="en-US" altLang="zh-CN" sz="1900" dirty="0" smtClean="0"/>
           </a:p>
           <a:p>
             <a:pPr marL="857250" lvl="1" indent="-400050">
@@ -10573,42 +10660,42 @@
               <a:buAutoNum type="alphaLcPeriod"/>
             </a:pPr>
             <a:r>
-              <a:rPr lang="zh-CN" altLang="en-US" dirty="0" smtClean="0"/>
-              <a:t>基本类型变量，</a:t>
-            </a:r>
-            <a:r>
-              <a:rPr lang="en-US" altLang="zh-CN" dirty="0" smtClean="0"/>
+              <a:rPr lang="zh-CN" altLang="en-US" sz="1700" dirty="0" smtClean="0"/>
+              <a:t>基本类型，</a:t>
+            </a:r>
+            <a:r>
+              <a:rPr lang="en-US" altLang="zh-CN" sz="1700" dirty="0" smtClean="0"/>
               <a:t>string</a:t>
             </a:r>
             <a:r>
-              <a:rPr lang="zh-CN" altLang="en-US" dirty="0" smtClean="0"/>
+              <a:rPr lang="zh-CN" altLang="en-US" sz="1700" dirty="0" smtClean="0"/>
               <a:t>（多值一起声明用</a:t>
             </a:r>
             <a:r>
-              <a:rPr lang="en-US" altLang="zh-CN" dirty="0"/>
+              <a:rPr lang="en-US" altLang="zh-CN" sz="1700" dirty="0"/>
               <a:t>nth($var,index</a:t>
             </a:r>
             <a:r>
-              <a:rPr lang="en-US" altLang="zh-CN" dirty="0" smtClean="0"/>
+              <a:rPr lang="en-US" altLang="zh-CN" sz="1700" dirty="0" smtClean="0"/>
               <a:t>)</a:t>
             </a:r>
             <a:r>
-              <a:rPr lang="zh-CN" altLang="en-US" dirty="0" smtClean="0"/>
+              <a:rPr lang="zh-CN" altLang="en-US" sz="1700" dirty="0" smtClean="0"/>
               <a:t>遍历</a:t>
             </a:r>
             <a:r>
-              <a:rPr lang="zh-CN" altLang="en-US" dirty="0" smtClean="0"/>
+              <a:rPr lang="zh-CN" altLang="en-US" sz="1700" dirty="0" smtClean="0"/>
               <a:t>），</a:t>
             </a:r>
             <a:r>
-              <a:rPr lang="en-US" altLang="zh-CN" dirty="0" smtClean="0"/>
+              <a:rPr lang="en-US" altLang="zh-CN" sz="1700" dirty="0" smtClean="0"/>
               <a:t>uint</a:t>
             </a:r>
             <a:r>
-              <a:rPr lang="zh-CN" altLang="en-US" dirty="0" smtClean="0"/>
+              <a:rPr lang="zh-CN" altLang="en-US" sz="1700" dirty="0" smtClean="0"/>
               <a:t>类型等</a:t>
             </a:r>
-            <a:endParaRPr lang="en-US" altLang="zh-CN" dirty="0" smtClean="0"/>
+            <a:endParaRPr lang="en-US" altLang="zh-CN" sz="1700" dirty="0" smtClean="0"/>
           </a:p>
           <a:p>
             <a:pPr marL="857250" lvl="1" indent="-400050">
@@ -10619,98 +10706,98 @@
               <a:buAutoNum type="alphaLcPeriod"/>
             </a:pPr>
             <a:r>
-              <a:rPr lang="zh-CN" altLang="en-US" dirty="0" smtClean="0"/>
-              <a:t>复合数据类型，</a:t>
-            </a:r>
-            <a:r>
-              <a:rPr lang="en-US" altLang="zh-CN" dirty="0" smtClean="0"/>
+              <a:rPr lang="zh-CN" altLang="en-US" sz="1700" dirty="0" smtClean="0"/>
+              <a:t>复合类型，</a:t>
+            </a:r>
+            <a:r>
+              <a:rPr lang="en-US" altLang="zh-CN" sz="1700" dirty="0" smtClean="0"/>
               <a:t>map</a:t>
             </a:r>
             <a:r>
-              <a:rPr lang="zh-CN" altLang="en-US" dirty="0" smtClean="0"/>
+              <a:rPr lang="zh-CN" altLang="en-US" sz="1700" dirty="0" smtClean="0"/>
               <a:t>，</a:t>
             </a:r>
             <a:r>
-              <a:rPr lang="en-US" altLang="zh-CN" dirty="0" smtClean="0"/>
+              <a:rPr lang="en-US" altLang="zh-CN" sz="1700" dirty="0" smtClean="0"/>
               <a:t>list</a:t>
             </a:r>
             <a:r>
-              <a:rPr lang="zh-CN" altLang="en-US" dirty="0" smtClean="0"/>
+              <a:rPr lang="zh-CN" altLang="en-US" sz="1700" dirty="0" smtClean="0"/>
               <a:t>（遍历时候用到</a:t>
             </a:r>
             <a:r>
-              <a:rPr lang="en-US" altLang="zh-CN" dirty="0" smtClean="0"/>
+              <a:rPr lang="en-US" altLang="zh-CN" sz="1700" dirty="0" smtClean="0"/>
               <a:t>@each</a:t>
             </a:r>
             <a:r>
-              <a:rPr lang="zh-CN" altLang="en-US" dirty="0" smtClean="0"/>
+              <a:rPr lang="zh-CN" altLang="en-US" sz="1700" dirty="0" smtClean="0"/>
               <a:t>、</a:t>
             </a:r>
             <a:r>
-              <a:rPr lang="en-US" altLang="zh-CN" dirty="0" smtClean="0"/>
+              <a:rPr lang="en-US" altLang="zh-CN" sz="1700" dirty="0" smtClean="0"/>
               <a:t>@for</a:t>
             </a:r>
             <a:r>
-              <a:rPr lang="zh-CN" altLang="en-US" dirty="0" smtClean="0"/>
+              <a:rPr lang="zh-CN" altLang="en-US" sz="1700" dirty="0" smtClean="0"/>
               <a:t>、</a:t>
             </a:r>
             <a:r>
-              <a:rPr lang="en-US" altLang="zh-CN" dirty="0" smtClean="0"/>
+              <a:rPr lang="en-US" altLang="zh-CN" sz="1700" dirty="0" smtClean="0"/>
               <a:t>@if @else</a:t>
             </a:r>
             <a:r>
-              <a:rPr lang="zh-CN" altLang="en-US" dirty="0" smtClean="0"/>
+              <a:rPr lang="zh-CN" altLang="en-US" sz="1700" dirty="0" smtClean="0"/>
               <a:t>），</a:t>
             </a:r>
             <a:r>
-              <a:rPr lang="en-US" altLang="zh-CN" dirty="0" smtClean="0"/>
+              <a:rPr lang="en-US" altLang="zh-CN" sz="1700" dirty="0" smtClean="0"/>
               <a:t>list</a:t>
             </a:r>
             <a:r>
-              <a:rPr lang="zh-CN" altLang="en-US" dirty="0" smtClean="0"/>
+              <a:rPr lang="zh-CN" altLang="en-US" sz="1700" dirty="0" smtClean="0"/>
               <a:t>、</a:t>
             </a:r>
             <a:r>
-              <a:rPr lang="en-US" altLang="zh-CN" dirty="0" smtClean="0"/>
+              <a:rPr lang="en-US" altLang="zh-CN" sz="1700" dirty="0" smtClean="0"/>
               <a:t>map</a:t>
             </a:r>
             <a:r>
-              <a:rPr lang="zh-CN" altLang="en-US" dirty="0" smtClean="0"/>
+              <a:rPr lang="zh-CN" altLang="en-US" sz="1700" dirty="0" smtClean="0"/>
               <a:t>自带</a:t>
             </a:r>
             <a:r>
-              <a:rPr lang="en-US" altLang="zh-CN" dirty="0" smtClean="0"/>
+              <a:rPr lang="en-US" altLang="zh-CN" sz="1700" dirty="0" smtClean="0"/>
               <a:t>function</a:t>
             </a:r>
             <a:r>
-              <a:rPr lang="zh-CN" altLang="en-US" dirty="0" smtClean="0"/>
+              <a:rPr lang="zh-CN" altLang="en-US" sz="1700" dirty="0" smtClean="0"/>
               <a:t>可用，比如</a:t>
             </a:r>
             <a:r>
-              <a:rPr lang="en-US" altLang="zh-CN" dirty="0"/>
+              <a:rPr lang="en-US" altLang="zh-CN" sz="1700" dirty="0"/>
               <a:t>length($list</a:t>
             </a:r>
             <a:r>
-              <a:rPr lang="en-US" altLang="zh-CN" dirty="0" smtClean="0"/>
+              <a:rPr lang="en-US" altLang="zh-CN" sz="1700" dirty="0" smtClean="0"/>
               <a:t>)</a:t>
             </a:r>
             <a:r>
-              <a:rPr lang="zh-CN" altLang="en-US" dirty="0" smtClean="0"/>
+              <a:rPr lang="zh-CN" altLang="en-US" sz="1700" dirty="0" smtClean="0"/>
               <a:t>，</a:t>
             </a:r>
             <a:r>
-              <a:rPr lang="en-US" altLang="zh-CN" dirty="0"/>
+              <a:rPr lang="en-US" altLang="zh-CN" sz="1700" dirty="0"/>
               <a:t>join($list1,$list2,[$separator</a:t>
             </a:r>
             <a:r>
-              <a:rPr lang="en-US" altLang="zh-CN" dirty="0" smtClean="0"/>
+              <a:rPr lang="en-US" altLang="zh-CN" sz="1700" dirty="0" smtClean="0"/>
               <a:t>])</a:t>
             </a:r>
             <a:r>
-              <a:rPr lang="zh-CN" altLang="en-US" dirty="0" smtClean="0"/>
+              <a:rPr lang="zh-CN" altLang="en-US" sz="1700" dirty="0" smtClean="0"/>
               <a:t>等</a:t>
             </a:r>
-            <a:endParaRPr lang="en-US" altLang="zh-CN" dirty="0" smtClean="0"/>
+            <a:endParaRPr lang="en-US" altLang="zh-CN" sz="1700" dirty="0" smtClean="0"/>
           </a:p>
           <a:p>
             <a:pPr marL="857250" lvl="1" indent="-400050">
@@ -10718,15 +10805,15 @@
               <a:buAutoNum type="alphaLcPeriod"/>
             </a:pPr>
             <a:r>
-              <a:rPr lang="zh-CN" altLang="en-US" dirty="0" smtClean="0"/>
+              <a:rPr lang="zh-CN" altLang="en-US" sz="1700" dirty="0" smtClean="0"/>
               <a:t>变量作为属性使用 </a:t>
             </a:r>
             <a:r>
-              <a:rPr lang="en-US" altLang="zh-CN" dirty="0"/>
+              <a:rPr lang="en-US" altLang="zh-CN" sz="1700" dirty="0"/>
               <a:t>#{$variables</a:t>
             </a:r>
             <a:r>
-              <a:rPr lang="en-US" altLang="zh-CN" dirty="0" smtClean="0"/>
+              <a:rPr lang="en-US" altLang="zh-CN" sz="1700" dirty="0" smtClean="0"/>
               <a:t>}</a:t>
             </a:r>
           </a:p>
@@ -10736,10 +10823,10 @@
               <a:buChar char="Ø"/>
             </a:pPr>
             <a:r>
-              <a:rPr lang="zh-CN" altLang="en-US" dirty="0" smtClean="0"/>
+              <a:rPr lang="zh-CN" altLang="en-US" sz="1900" dirty="0" smtClean="0"/>
               <a:t>关键字 </a:t>
             </a:r>
-            <a:endParaRPr lang="en-US" altLang="zh-CN" dirty="0" smtClean="0"/>
+            <a:endParaRPr lang="en-US" altLang="zh-CN" sz="1900" dirty="0" smtClean="0"/>
           </a:p>
           <a:p>
             <a:pPr marL="857250" lvl="1" indent="-400050">
@@ -10747,14 +10834,14 @@
               <a:buAutoNum type="alphaLcPeriod"/>
             </a:pPr>
             <a:r>
-              <a:rPr lang="en-US" altLang="zh-CN" dirty="0" smtClean="0"/>
+              <a:rPr lang="en-US" altLang="zh-CN" sz="1700" dirty="0" smtClean="0"/>
               <a:t>&amp;</a:t>
             </a:r>
             <a:r>
-              <a:rPr lang="zh-CN" altLang="en-US" dirty="0" smtClean="0"/>
+              <a:rPr lang="zh-CN" altLang="en-US" sz="1700" dirty="0" smtClean="0"/>
               <a:t>选择器嵌套时候，表示父元素选择器</a:t>
             </a:r>
-            <a:endParaRPr lang="en-US" altLang="zh-CN" dirty="0" smtClean="0"/>
+            <a:endParaRPr lang="en-US" altLang="zh-CN" sz="1700" dirty="0" smtClean="0"/>
           </a:p>
           <a:p>
             <a:pPr marL="857250" lvl="1" indent="-400050">
@@ -10762,30 +10849,30 @@
               <a:buAutoNum type="alphaLcPeriod"/>
             </a:pPr>
             <a:r>
-              <a:rPr lang="en-US" altLang="zh-CN" dirty="0" smtClean="0"/>
+              <a:rPr lang="en-US" altLang="zh-CN" sz="1700" dirty="0" smtClean="0"/>
               <a:t>@extend</a:t>
             </a:r>
             <a:r>
-              <a:rPr lang="zh-CN" altLang="en-US" dirty="0" smtClean="0"/>
+              <a:rPr lang="zh-CN" altLang="en-US" sz="1700" dirty="0" smtClean="0"/>
               <a:t>，选择器继承；</a:t>
             </a:r>
             <a:r>
-              <a:rPr lang="en-US" altLang="zh-CN" dirty="0" smtClean="0"/>
+              <a:rPr lang="en-US" altLang="zh-CN" sz="1700" dirty="0" smtClean="0"/>
               <a:t>%</a:t>
             </a:r>
             <a:r>
-              <a:rPr lang="zh-CN" altLang="en-US" dirty="0" smtClean="0"/>
+              <a:rPr lang="zh-CN" altLang="en-US" sz="1700" dirty="0" smtClean="0"/>
               <a:t>占位选择符，通过</a:t>
             </a:r>
             <a:r>
-              <a:rPr lang="en-US" altLang="zh-CN" dirty="0" smtClean="0"/>
+              <a:rPr lang="en-US" altLang="zh-CN" sz="1700" dirty="0" smtClean="0"/>
               <a:t>@extend</a:t>
             </a:r>
             <a:r>
-              <a:rPr lang="zh-CN" altLang="en-US" dirty="0" smtClean="0"/>
+              <a:rPr lang="zh-CN" altLang="en-US" sz="1700" dirty="0" smtClean="0"/>
               <a:t>调用。</a:t>
             </a:r>
-            <a:endParaRPr lang="en-US" altLang="zh-CN" dirty="0" smtClean="0"/>
+            <a:endParaRPr lang="en-US" altLang="zh-CN" sz="1700" dirty="0" smtClean="0"/>
           </a:p>
           <a:p>
             <a:pPr marL="857250" lvl="1" indent="-400050">
@@ -10793,58 +10880,58 @@
               <a:buAutoNum type="alphaLcPeriod"/>
             </a:pPr>
             <a:r>
-              <a:rPr lang="zh-CN" altLang="en-US" dirty="0" smtClean="0"/>
+              <a:rPr lang="zh-CN" altLang="en-US" sz="1700" dirty="0" smtClean="0"/>
               <a:t> </a:t>
             </a:r>
             <a:r>
-              <a:rPr lang="en-US" altLang="zh-CN" dirty="0" smtClean="0"/>
+              <a:rPr lang="en-US" altLang="zh-CN" sz="1700" dirty="0" smtClean="0"/>
               <a:t>@at-root(without:…)</a:t>
             </a:r>
             <a:r>
-              <a:rPr lang="zh-CN" altLang="en-US" dirty="0" smtClean="0"/>
+              <a:rPr lang="zh-CN" altLang="en-US" sz="1700" dirty="0" smtClean="0"/>
               <a:t>，默认跳出选择器嵌套，</a:t>
             </a:r>
             <a:r>
-              <a:rPr lang="en-US" altLang="zh-CN" dirty="0" smtClean="0"/>
+              <a:rPr lang="en-US" altLang="zh-CN" sz="1700" dirty="0" smtClean="0"/>
               <a:t>without</a:t>
             </a:r>
             <a:r>
-              <a:rPr lang="zh-CN" altLang="en-US" dirty="0" smtClean="0"/>
+              <a:rPr lang="zh-CN" altLang="en-US" sz="1700" dirty="0" smtClean="0"/>
               <a:t>支持</a:t>
             </a:r>
             <a:r>
-              <a:rPr lang="en-US" altLang="zh-CN" dirty="0" smtClean="0"/>
+              <a:rPr lang="en-US" altLang="zh-CN" sz="1700" dirty="0" smtClean="0"/>
               <a:t>all</a:t>
             </a:r>
             <a:r>
-              <a:rPr lang="zh-CN" altLang="en-US" dirty="0" smtClean="0"/>
+              <a:rPr lang="zh-CN" altLang="en-US" sz="1700" dirty="0" smtClean="0"/>
               <a:t>、</a:t>
             </a:r>
             <a:r>
-              <a:rPr lang="en-US" altLang="zh-CN" dirty="0" smtClean="0"/>
+              <a:rPr lang="en-US" altLang="zh-CN" sz="1700" dirty="0" smtClean="0"/>
               <a:t>rule</a:t>
             </a:r>
             <a:r>
-              <a:rPr lang="zh-CN" altLang="en-US" dirty="0" smtClean="0"/>
+              <a:rPr lang="zh-CN" altLang="en-US" sz="1700" dirty="0" smtClean="0"/>
               <a:t>、</a:t>
             </a:r>
             <a:r>
-              <a:rPr lang="en-US" altLang="zh-CN" dirty="0" smtClean="0"/>
+              <a:rPr lang="en-US" altLang="zh-CN" sz="1700" dirty="0" smtClean="0"/>
               <a:t>media</a:t>
             </a:r>
             <a:r>
-              <a:rPr lang="zh-CN" altLang="en-US" dirty="0" smtClean="0"/>
+              <a:rPr lang="zh-CN" altLang="en-US" sz="1700" dirty="0" smtClean="0"/>
               <a:t>、</a:t>
             </a:r>
             <a:r>
-              <a:rPr lang="en-US" altLang="zh-CN" dirty="0" smtClean="0"/>
+              <a:rPr lang="en-US" altLang="zh-CN" sz="1700" dirty="0" smtClean="0"/>
               <a:t>support</a:t>
             </a:r>
             <a:r>
-              <a:rPr lang="zh-CN" altLang="en-US" dirty="0" smtClean="0"/>
+              <a:rPr lang="zh-CN" altLang="en-US" sz="1700" dirty="0" smtClean="0"/>
               <a:t>（未广泛使用）跳出</a:t>
             </a:r>
-            <a:endParaRPr lang="en-US" altLang="zh-CN" dirty="0" smtClean="0"/>
+            <a:endParaRPr lang="en-US" altLang="zh-CN" sz="1700" dirty="0" smtClean="0"/>
           </a:p>
           <a:p>
             <a:pPr marL="857250" lvl="1" indent="-400050">
@@ -10991,20 +11078,30 @@
             <p:ph idx="1"/>
           </p:nvPr>
         </p:nvSpPr>
-        <p:spPr/>
-        <p:txBody>
-          <a:bodyPr/>
+        <p:spPr>
+          <a:xfrm>
+            <a:off x="2589212" y="2133600"/>
+            <a:ext cx="8915400" cy="4267200"/>
+          </a:xfrm>
+        </p:spPr>
+        <p:txBody>
+          <a:bodyPr>
+            <a:normAutofit/>
+          </a:bodyPr>
           <a:lstStyle/>
           <a:p>
-            <a:pPr>
+            <a:pPr marL="342900" lvl="1" indent="-342900">
               <a:buFont typeface="Wingdings" panose="05000000000000000000" pitchFamily="2" charset="2"/>
               <a:buChar char="Ø"/>
             </a:pPr>
             <a:r>
-              <a:rPr lang="zh-CN" altLang="en-US" dirty="0" smtClean="0"/>
-              <a:t>函数</a:t>
-            </a:r>
-            <a:endParaRPr lang="en-US" altLang="zh-CN" dirty="0" smtClean="0"/>
+              <a:rPr lang="en-US" altLang="zh-CN" sz="1800" dirty="0"/>
+              <a:t>@</a:t>
+            </a:r>
+            <a:r>
+              <a:rPr lang="en-US" altLang="zh-CN" sz="1800" dirty="0" smtClean="0"/>
+              <a:t>mixin</a:t>
+            </a:r>
           </a:p>
           <a:p>
             <a:pPr marL="800100" lvl="1" indent="-342900">
@@ -11012,17 +11109,186 @@
               <a:buAutoNum type="alphaLcPeriod"/>
             </a:pPr>
             <a:r>
+              <a:rPr lang="en-US" altLang="zh-CN" dirty="0" smtClean="0"/>
+              <a:t>@include</a:t>
+            </a:r>
+            <a:r>
               <a:rPr lang="zh-CN" altLang="en-US" dirty="0" smtClean="0"/>
-              <a:t> </a:t>
+              <a:t>调用，最后产生的样式是以复制拷贝的方式存在。</a:t>
+            </a:r>
+            <a:endParaRPr lang="en-US" altLang="zh-CN" dirty="0" smtClean="0"/>
+          </a:p>
+          <a:p>
+            <a:pPr marL="800100" lvl="1" indent="-342900">
+              <a:buFont typeface="+mj-lt"/>
+              <a:buAutoNum type="alphaLcPeriod"/>
+            </a:pPr>
+            <a:r>
+              <a:rPr lang="zh-CN" altLang="en-US" dirty="0" smtClean="0"/>
+              <a:t>可以传参数。不确定或者多值参数用</a:t>
             </a:r>
             <a:r>
               <a:rPr lang="en-US" altLang="zh-CN" dirty="0" smtClean="0"/>
-              <a:t>@function</a:t>
-            </a:r>
-            <a:endParaRPr lang="en-US" altLang="zh-CN" dirty="0"/>
+              <a:t>…</a:t>
+            </a:r>
+            <a:r>
+              <a:rPr lang="zh-CN" altLang="en-US" dirty="0" smtClean="0"/>
+              <a:t>，比如：</a:t>
+            </a:r>
+            <a:endParaRPr lang="en-US" altLang="zh-CN" dirty="0" smtClean="0"/>
           </a:p>
           <a:p>
             <a:pPr marL="800100" lvl="1" indent="-342900">
+              <a:buFont typeface="+mj-lt"/>
+              <a:buAutoNum type="alphaLcPeriod"/>
+            </a:pPr>
+            <a:r>
+              <a:rPr lang="zh-CN" altLang="en-US" dirty="0" smtClean="0"/>
+              <a:t>应用场景</a:t>
+            </a:r>
+            <a:endParaRPr lang="en-US" altLang="zh-CN" dirty="0" smtClean="0"/>
+          </a:p>
+          <a:p>
+            <a:pPr marL="1257300" lvl="2" indent="-400050">
+              <a:buFont typeface="+mj-lt"/>
+              <a:buAutoNum type="romanUcPeriod"/>
+            </a:pPr>
+            <a:r>
+              <a:rPr lang="zh-CN" altLang="en-US" sz="1600" dirty="0" smtClean="0"/>
+              <a:t>设置</a:t>
+            </a:r>
+            <a:r>
+              <a:rPr lang="zh-CN" altLang="en-US" sz="1600" dirty="0"/>
+              <a:t>参数默认</a:t>
+            </a:r>
+            <a:r>
+              <a:rPr lang="zh-CN" altLang="en-US" sz="1600" dirty="0" smtClean="0"/>
+              <a:t>值，否则可用</a:t>
+            </a:r>
+            <a:r>
+              <a:rPr lang="en-US" altLang="zh-CN" sz="1600" dirty="0" smtClean="0"/>
+              <a:t>%</a:t>
+            </a:r>
+            <a:r>
+              <a:rPr lang="zh-CN" altLang="en-US" sz="1600" dirty="0" smtClean="0"/>
+              <a:t>替代。</a:t>
+            </a:r>
+            <a:endParaRPr lang="en-US" altLang="zh-CN" sz="1600" dirty="0" smtClean="0"/>
+          </a:p>
+          <a:p>
+            <a:pPr marL="1257300" lvl="2" indent="-400050">
+              <a:buFont typeface="+mj-lt"/>
+              <a:buAutoNum type="romanUcPeriod"/>
+            </a:pPr>
+            <a:r>
+              <a:rPr lang="zh-CN" altLang="en-US" sz="1600" dirty="0" smtClean="0"/>
+              <a:t>对需要前缀的</a:t>
+            </a:r>
+            <a:r>
+              <a:rPr lang="en-US" altLang="zh-CN" sz="1600" dirty="0" smtClean="0"/>
+              <a:t>CSS</a:t>
+            </a:r>
+            <a:r>
+              <a:rPr lang="zh-CN" altLang="en-US" sz="1600" dirty="0" smtClean="0"/>
+              <a:t>属性。</a:t>
+            </a:r>
+            <a:endParaRPr lang="en-US" altLang="zh-CN" sz="1600" dirty="0" smtClean="0"/>
+          </a:p>
+          <a:p>
+            <a:pPr marL="1257300" lvl="2" indent="-400050">
+              <a:buFont typeface="+mj-lt"/>
+              <a:buAutoNum type="romanUcPeriod"/>
+            </a:pPr>
+            <a:r>
+              <a:rPr lang="en-US" altLang="zh-CN" sz="1600" dirty="0"/>
+              <a:t>@</a:t>
+            </a:r>
+            <a:r>
+              <a:rPr lang="en-US" altLang="zh-CN" sz="1600" dirty="0" smtClean="0"/>
+              <a:t>content</a:t>
+            </a:r>
+            <a:r>
+              <a:rPr lang="zh-CN" altLang="en-US" sz="1600" dirty="0" smtClean="0"/>
+              <a:t>和</a:t>
+            </a:r>
+            <a:r>
+              <a:rPr lang="en-US" altLang="zh-CN" sz="1600" dirty="0" smtClean="0"/>
+              <a:t>@mixin</a:t>
+            </a:r>
+            <a:r>
+              <a:rPr lang="zh-CN" altLang="en-US" sz="1600" dirty="0" smtClean="0"/>
+              <a:t>组合使用于媒体查询。</a:t>
+            </a:r>
+            <a:endParaRPr lang="en-US" altLang="zh-CN" sz="1600" dirty="0" smtClean="0"/>
+          </a:p>
+          <a:p>
+            <a:pPr marL="400050">
+              <a:buFont typeface="Wingdings" panose="05000000000000000000" pitchFamily="2" charset="2"/>
+              <a:buChar char="Ø"/>
+            </a:pPr>
+            <a:r>
+              <a:rPr lang="en-US" altLang="zh-CN" dirty="0" smtClean="0"/>
+              <a:t>%</a:t>
+            </a:r>
+            <a:r>
+              <a:rPr lang="zh-CN" altLang="en-US" dirty="0" smtClean="0"/>
+              <a:t>占位符，组合声明代码块</a:t>
+            </a:r>
+            <a:endParaRPr lang="en-US" altLang="zh-CN" dirty="0" smtClean="0"/>
+          </a:p>
+          <a:p>
+            <a:pPr marL="914400" lvl="1" indent="-400050">
+              <a:buFont typeface="+mj-lt"/>
+              <a:buAutoNum type="alphaLcPeriod"/>
+            </a:pPr>
+            <a:r>
+              <a:rPr lang="zh-CN" altLang="en-US" dirty="0" smtClean="0"/>
+              <a:t>不调用不产生</a:t>
+            </a:r>
+            <a:r>
+              <a:rPr lang="en-US" altLang="zh-CN" dirty="0" smtClean="0"/>
+              <a:t>css</a:t>
+            </a:r>
+          </a:p>
+          <a:p>
+            <a:pPr marL="914400" lvl="1" indent="-400050">
+              <a:buFont typeface="+mj-lt"/>
+              <a:buAutoNum type="alphaLcPeriod"/>
+            </a:pPr>
+            <a:r>
+              <a:rPr lang="en-US" altLang="zh-CN" dirty="0"/>
+              <a:t>@extend</a:t>
+            </a:r>
+            <a:r>
+              <a:rPr lang="zh-CN" altLang="en-US" dirty="0"/>
+              <a:t>调用</a:t>
+            </a:r>
+            <a:r>
+              <a:rPr lang="en-US" altLang="zh-CN" dirty="0" smtClean="0"/>
+              <a:t>%</a:t>
+            </a:r>
+            <a:r>
+              <a:rPr lang="zh-CN" altLang="en-US" dirty="0" smtClean="0"/>
+              <a:t>是必须带上</a:t>
+            </a:r>
+            <a:r>
+              <a:rPr lang="en-US" altLang="zh-CN" dirty="0" smtClean="0"/>
+              <a:t>%</a:t>
+            </a:r>
+          </a:p>
+          <a:p>
+            <a:pPr marL="914400" lvl="1" indent="-400050">
+              <a:buFont typeface="+mj-lt"/>
+              <a:buAutoNum type="alphaLcPeriod"/>
+            </a:pPr>
+            <a:r>
+              <a:rPr lang="zh-CN" altLang="en-US" dirty="0" smtClean="0"/>
+              <a:t>不能传递参数</a:t>
+            </a:r>
+            <a:endParaRPr lang="en-US" altLang="zh-CN" dirty="0" smtClean="0"/>
+          </a:p>
+          <a:p>
+            <a:pPr marL="914400" lvl="1" indent="-400050">
               <a:buFont typeface="+mj-lt"/>
               <a:buAutoNum type="alphaLcPeriod"/>
             </a:pPr>
@@ -11080,10 +11346,322 @@
           </a:p>
         </p:txBody>
       </p:sp>
+      <p:sp>
+        <p:nvSpPr>
+          <p:cNvPr id="5" name="文本框 4"/>
+          <p:cNvSpPr txBox="1"/>
+          <p:nvPr/>
+        </p:nvSpPr>
+        <p:spPr>
+          <a:xfrm>
+            <a:off x="7861300" y="3073400"/>
+            <a:ext cx="3643312" cy="1169551"/>
+          </a:xfrm>
+          <a:prstGeom prst="rect">
+            <a:avLst/>
+          </a:prstGeom>
+          <a:solidFill>
+            <a:schemeClr val="accent3">
+              <a:lumMod val="20000"/>
+              <a:lumOff val="80000"/>
+            </a:schemeClr>
+          </a:solidFill>
+        </p:spPr>
+        <p:txBody>
+          <a:bodyPr wrap="square" rtlCol="0">
+            <a:spAutoFit/>
+          </a:bodyPr>
+          <a:lstStyle/>
+          <a:p>
+            <a:r>
+              <a:rPr lang="en-US" altLang="zh-CN" sz="1400" dirty="0">
+                <a:solidFill>
+                  <a:srgbClr val="7030A0"/>
+                </a:solidFill>
+                <a:latin typeface="Microsoft YaHei UI" panose="020B0503020204020204" pitchFamily="34" charset="-122"/>
+                <a:ea typeface="Microsoft YaHei UI" panose="020B0503020204020204" pitchFamily="34" charset="-122"/>
+              </a:rPr>
+              <a:t>@mixin box-shadow($shadow</a:t>
+            </a:r>
+            <a:r>
+              <a:rPr lang="en-US" altLang="zh-CN" sz="1400" dirty="0">
+                <a:solidFill>
+                  <a:srgbClr val="7030A0"/>
+                </a:solidFill>
+                <a:latin typeface="Microsoft YaHei UI" panose="020B0503020204020204" pitchFamily="34" charset="-122"/>
+                <a:ea typeface="Microsoft YaHei UI" panose="020B0503020204020204" pitchFamily="34" charset="-122"/>
+              </a:rPr>
+              <a:t>...){ </a:t>
+            </a:r>
+          </a:p>
+          <a:p>
+            <a:pPr lvl="1"/>
+            <a:r>
+              <a:rPr lang="en-US" altLang="zh-CN" sz="1400" dirty="0">
+                <a:solidFill>
+                  <a:srgbClr val="7030A0"/>
+                </a:solidFill>
+                <a:latin typeface="Microsoft YaHei UI" panose="020B0503020204020204" pitchFamily="34" charset="-122"/>
+                <a:ea typeface="Microsoft YaHei UI" panose="020B0503020204020204" pitchFamily="34" charset="-122"/>
+              </a:rPr>
+              <a:t>-</a:t>
+            </a:r>
+            <a:r>
+              <a:rPr lang="en-US" altLang="zh-CN" sz="1400" dirty="0">
+                <a:solidFill>
+                  <a:srgbClr val="7030A0"/>
+                </a:solidFill>
+                <a:latin typeface="Microsoft YaHei UI" panose="020B0503020204020204" pitchFamily="34" charset="-122"/>
+                <a:ea typeface="Microsoft YaHei UI" panose="020B0503020204020204" pitchFamily="34" charset="-122"/>
+              </a:rPr>
+              <a:t>webkit-box-shadow:$shadow</a:t>
+            </a:r>
+            <a:r>
+              <a:rPr lang="en-US" altLang="zh-CN" sz="1400" dirty="0">
+                <a:solidFill>
+                  <a:srgbClr val="7030A0"/>
+                </a:solidFill>
+                <a:latin typeface="Microsoft YaHei UI" panose="020B0503020204020204" pitchFamily="34" charset="-122"/>
+                <a:ea typeface="Microsoft YaHei UI" panose="020B0503020204020204" pitchFamily="34" charset="-122"/>
+              </a:rPr>
+              <a:t>;</a:t>
+            </a:r>
+          </a:p>
+          <a:p>
+            <a:pPr lvl="1"/>
+            <a:r>
+              <a:rPr lang="en-US" altLang="zh-CN" sz="1400" dirty="0">
+                <a:solidFill>
+                  <a:srgbClr val="7030A0"/>
+                </a:solidFill>
+                <a:latin typeface="Microsoft YaHei UI" panose="020B0503020204020204" pitchFamily="34" charset="-122"/>
+                <a:ea typeface="Microsoft YaHei UI" panose="020B0503020204020204" pitchFamily="34" charset="-122"/>
+              </a:rPr>
+              <a:t> </a:t>
+            </a:r>
+            <a:r>
+              <a:rPr lang="en-US" altLang="zh-CN" sz="1400" dirty="0">
+                <a:solidFill>
+                  <a:srgbClr val="7030A0"/>
+                </a:solidFill>
+                <a:latin typeface="Microsoft YaHei UI" panose="020B0503020204020204" pitchFamily="34" charset="-122"/>
+                <a:ea typeface="Microsoft YaHei UI" panose="020B0503020204020204" pitchFamily="34" charset="-122"/>
+              </a:rPr>
+              <a:t>-moz-box-shadow:$shadow; </a:t>
+            </a:r>
+            <a:endParaRPr lang="en-US" altLang="zh-CN" sz="1400" dirty="0">
+              <a:solidFill>
+                <a:srgbClr val="7030A0"/>
+              </a:solidFill>
+              <a:latin typeface="Microsoft YaHei UI" panose="020B0503020204020204" pitchFamily="34" charset="-122"/>
+              <a:ea typeface="Microsoft YaHei UI" panose="020B0503020204020204" pitchFamily="34" charset="-122"/>
+            </a:endParaRPr>
+          </a:p>
+          <a:p>
+            <a:pPr lvl="1"/>
+            <a:r>
+              <a:rPr lang="en-US" altLang="zh-CN" sz="1400" dirty="0">
+                <a:solidFill>
+                  <a:srgbClr val="7030A0"/>
+                </a:solidFill>
+                <a:latin typeface="Microsoft YaHei UI" panose="020B0503020204020204" pitchFamily="34" charset="-122"/>
+                <a:ea typeface="Microsoft YaHei UI" panose="020B0503020204020204" pitchFamily="34" charset="-122"/>
+              </a:rPr>
+              <a:t>box-shadow</a:t>
+            </a:r>
+            <a:r>
+              <a:rPr lang="en-US" altLang="zh-CN" sz="1400" dirty="0">
+                <a:solidFill>
+                  <a:srgbClr val="7030A0"/>
+                </a:solidFill>
+                <a:latin typeface="Microsoft YaHei UI" panose="020B0503020204020204" pitchFamily="34" charset="-122"/>
+                <a:ea typeface="Microsoft YaHei UI" panose="020B0503020204020204" pitchFamily="34" charset="-122"/>
+              </a:rPr>
+              <a:t>:$shadow</a:t>
+            </a:r>
+            <a:r>
+              <a:rPr lang="en-US" altLang="zh-CN" sz="1400" dirty="0">
+                <a:solidFill>
+                  <a:srgbClr val="7030A0"/>
+                </a:solidFill>
+                <a:latin typeface="Microsoft YaHei UI" panose="020B0503020204020204" pitchFamily="34" charset="-122"/>
+                <a:ea typeface="Microsoft YaHei UI" panose="020B0503020204020204" pitchFamily="34" charset="-122"/>
+              </a:rPr>
+              <a:t>;</a:t>
+            </a:r>
+          </a:p>
+          <a:p>
+            <a:r>
+              <a:rPr lang="en-US" altLang="zh-CN" sz="1400" dirty="0">
+                <a:solidFill>
+                  <a:srgbClr val="7030A0"/>
+                </a:solidFill>
+                <a:latin typeface="Microsoft YaHei UI" panose="020B0503020204020204" pitchFamily="34" charset="-122"/>
+                <a:ea typeface="Microsoft YaHei UI" panose="020B0503020204020204" pitchFamily="34" charset="-122"/>
+              </a:rPr>
+              <a:t> </a:t>
+            </a:r>
+            <a:r>
+              <a:rPr lang="en-US" altLang="zh-CN" sz="1400" dirty="0">
+                <a:solidFill>
+                  <a:srgbClr val="7030A0"/>
+                </a:solidFill>
+                <a:latin typeface="Microsoft YaHei UI" panose="020B0503020204020204" pitchFamily="34" charset="-122"/>
+                <a:ea typeface="Microsoft YaHei UI" panose="020B0503020204020204" pitchFamily="34" charset="-122"/>
+              </a:rPr>
+              <a:t>}</a:t>
+            </a:r>
+            <a:endParaRPr lang="zh-CN" altLang="en-US" sz="1400" dirty="0">
+              <a:solidFill>
+                <a:srgbClr val="7030A0"/>
+              </a:solidFill>
+              <a:latin typeface="Microsoft YaHei UI" panose="020B0503020204020204" pitchFamily="34" charset="-122"/>
+              <a:ea typeface="Microsoft YaHei UI" panose="020B0503020204020204" pitchFamily="34" charset="-122"/>
+            </a:endParaRPr>
+          </a:p>
+        </p:txBody>
+      </p:sp>
     </p:spTree>
     <p:extLst>
       <p:ext uri="{BB962C8B-B14F-4D97-AF65-F5344CB8AC3E}">
         <p14:creationId xmlns:p14="http://schemas.microsoft.com/office/powerpoint/2010/main" val="274558942"/>
+      </p:ext>
+    </p:extLst>
+  </p:cSld>
+  <p:clrMapOvr>
+    <a:masterClrMapping/>
+  </p:clrMapOvr>
+  <p:timing>
+    <p:tnLst>
+      <p:par>
+        <p:cTn id="1" dur="indefinite" restart="never" nodeType="tmRoot"/>
+      </p:par>
+    </p:tnLst>
+  </p:timing>
+</p:sld>
+</file>
+
+<file path=ppt/slides/slide9.xml><?xml version="1.0" encoding="utf-8"?>
+<p:sld xmlns:a="http://schemas.openxmlformats.org/drawingml/2006/main" xmlns:r="http://schemas.openxmlformats.org/officeDocument/2006/relationships" xmlns:p="http://schemas.openxmlformats.org/presentationml/2006/main">
+  <p:cSld>
+    <p:spTree>
+      <p:nvGrpSpPr>
+        <p:cNvPr id="1" name=""/>
+        <p:cNvGrpSpPr/>
+        <p:nvPr/>
+      </p:nvGrpSpPr>
+      <p:grpSpPr>
+        <a:xfrm>
+          <a:off x="0" y="0"/>
+          <a:ext cx="0" cy="0"/>
+          <a:chOff x="0" y="0"/>
+          <a:chExt cx="0" cy="0"/>
+        </a:xfrm>
+      </p:grpSpPr>
+      <p:sp>
+        <p:nvSpPr>
+          <p:cNvPr id="2" name="标题 1"/>
+          <p:cNvSpPr>
+            <a:spLocks noGrp="1"/>
+          </p:cNvSpPr>
+          <p:nvPr>
+            <p:ph type="title"/>
+          </p:nvPr>
+        </p:nvSpPr>
+        <p:spPr>
+          <a:xfrm>
+            <a:off x="2592925" y="624110"/>
+            <a:ext cx="8911687" cy="663777"/>
+          </a:xfrm>
+        </p:spPr>
+        <p:txBody>
+          <a:bodyPr/>
+          <a:lstStyle/>
+          <a:p>
+            <a:r>
+              <a:rPr lang="zh-CN" altLang="en-US" dirty="0"/>
+              <a:t>使用</a:t>
+            </a:r>
+            <a:r>
+              <a:rPr lang="en-US" altLang="zh-CN" dirty="0"/>
+              <a:t>Sass ——</a:t>
+            </a:r>
+            <a:r>
+              <a:rPr lang="zh-CN" altLang="en-US" dirty="0"/>
+              <a:t> 基本语法</a:t>
+            </a:r>
+          </a:p>
+        </p:txBody>
+      </p:sp>
+      <p:sp>
+        <p:nvSpPr>
+          <p:cNvPr id="3" name="内容占位符 2"/>
+          <p:cNvSpPr>
+            <a:spLocks noGrp="1"/>
+          </p:cNvSpPr>
+          <p:nvPr>
+            <p:ph idx="1"/>
+          </p:nvPr>
+        </p:nvSpPr>
+        <p:spPr/>
+        <p:txBody>
+          <a:bodyPr/>
+          <a:lstStyle/>
+          <a:p>
+            <a:pPr>
+              <a:buFont typeface="Wingdings" panose="05000000000000000000" pitchFamily="2" charset="2"/>
+              <a:buChar char="Ø"/>
+            </a:pPr>
+            <a:endParaRPr lang="zh-CN" altLang="en-US" dirty="0"/>
+          </a:p>
+        </p:txBody>
+      </p:sp>
+      <p:sp>
+        <p:nvSpPr>
+          <p:cNvPr id="4" name="文本框 3"/>
+          <p:cNvSpPr txBox="1"/>
+          <p:nvPr/>
+        </p:nvSpPr>
+        <p:spPr>
+          <a:xfrm>
+            <a:off x="2589213" y="1197732"/>
+            <a:ext cx="8915400" cy="400110"/>
+          </a:xfrm>
+          <a:prstGeom prst="rect">
+            <a:avLst/>
+          </a:prstGeom>
+          <a:noFill/>
+          <a:effectLst>
+            <a:reflection blurRad="6350" stA="50000" endA="300" endPos="55000" dir="5400000" sy="-100000" algn="bl" rotWithShape="0"/>
+          </a:effectLst>
+        </p:spPr>
+        <p:txBody>
+          <a:bodyPr wrap="square" rtlCol="0">
+            <a:spAutoFit/>
+          </a:bodyPr>
+          <a:lstStyle/>
+          <a:p>
+            <a:pPr algn="r"/>
+            <a:r>
+              <a:rPr lang="zh-CN" altLang="en-US" sz="2000" dirty="0">
+                <a:solidFill>
+                  <a:srgbClr val="00B050"/>
+                </a:solidFill>
+              </a:rPr>
+              <a:t>桃花尽日随流水，洞在清溪何处边。</a:t>
+            </a:r>
+            <a:endParaRPr lang="zh-CN" altLang="en-US" sz="2000" dirty="0">
+              <a:solidFill>
+                <a:srgbClr val="00B050"/>
+              </a:solidFill>
+            </a:endParaRPr>
+          </a:p>
+        </p:txBody>
+      </p:sp>
+    </p:spTree>
+    <p:extLst>
+      <p:ext uri="{BB962C8B-B14F-4D97-AF65-F5344CB8AC3E}">
+        <p14:creationId xmlns:p14="http://schemas.microsoft.com/office/powerpoint/2010/main" val="57692048"/>
       </p:ext>
     </p:extLst>
   </p:cSld>

--- a/SASS愈行愈远.pptx
+++ b/SASS愈行愈远.pptx
@@ -718,7 +718,7 @@
               <a:t>的</a:t>
             </a:r>
             <a:r>
-              <a:rPr lang="en-US" altLang="zh-CN" sz="1100" b="0" i="0" kern="1200" dirty="0" err="1" smtClean="0">
+              <a:rPr lang="en-US" altLang="zh-CN" sz="1100" b="0" i="0" kern="1200" dirty="0" smtClean="0">
                 <a:solidFill>
                   <a:schemeClr val="tx1"/>
                 </a:solidFill>
@@ -8832,10 +8832,9 @@
           <a:lstStyle/>
           <a:p>
             <a:r>
-              <a:rPr lang="en-US" altLang="zh-CN" dirty="0" smtClean="0"/>
-              <a:t>demo</a:t>
-            </a:r>
-            <a:endParaRPr lang="zh-CN" altLang="en-US" dirty="0"/>
+              <a:rPr lang="zh-CN" altLang="en-US" dirty="0"/>
+              <a:t>相关</a:t>
+            </a:r>
           </a:p>
         </p:txBody>
       </p:sp>
@@ -8854,7 +8853,75 @@
           <a:bodyPr/>
           <a:lstStyle/>
           <a:p>
+            <a:pPr>
+              <a:buFont typeface="Wingdings" panose="05000000000000000000" pitchFamily="2" charset="2"/>
+              <a:buChar char="Ø"/>
+            </a:pPr>
+            <a:r>
+              <a:rPr lang="en-US" altLang="zh-CN" dirty="0"/>
+              <a:t>s</a:t>
+            </a:r>
+            <a:r>
+              <a:rPr lang="en-US" altLang="zh-CN" dirty="0" smtClean="0"/>
+              <a:t>assdoc</a:t>
+            </a:r>
+          </a:p>
+          <a:p>
+            <a:pPr marL="800100" lvl="1" indent="-342900">
+              <a:buFont typeface="+mj-lt"/>
+              <a:buAutoNum type="alphaLcPeriod"/>
+            </a:pPr>
+            <a:r>
+              <a:rPr lang="en-US" altLang="zh-CN" dirty="0" smtClean="0"/>
+              <a:t>.scss</a:t>
+            </a:r>
+            <a:r>
+              <a:rPr lang="zh-CN" altLang="en-US" dirty="0" smtClean="0"/>
+              <a:t>文件生成文档</a:t>
+            </a:r>
             <a:endParaRPr lang="zh-CN" altLang="en-US" dirty="0"/>
+          </a:p>
+        </p:txBody>
+      </p:sp>
+      <p:sp>
+        <p:nvSpPr>
+          <p:cNvPr id="4" name="文本框 3"/>
+          <p:cNvSpPr txBox="1"/>
+          <p:nvPr/>
+        </p:nvSpPr>
+        <p:spPr>
+          <a:xfrm>
+            <a:off x="2589213" y="1210614"/>
+            <a:ext cx="8915400" cy="400110"/>
+          </a:xfrm>
+          <a:prstGeom prst="rect">
+            <a:avLst/>
+          </a:prstGeom>
+          <a:noFill/>
+          <a:effectLst>
+            <a:reflection blurRad="6350" stA="50000" endA="300" endPos="55500" dist="50800" dir="5400000" sy="-100000" algn="bl" rotWithShape="0"/>
+          </a:effectLst>
+        </p:spPr>
+        <p:txBody>
+          <a:bodyPr wrap="square" rtlCol="0">
+            <a:spAutoFit/>
+          </a:bodyPr>
+          <a:lstStyle/>
+          <a:p>
+            <a:pPr algn="r"/>
+            <a:r>
+              <a:rPr lang="zh-CN" altLang="en-US" sz="2000" dirty="0">
+                <a:solidFill>
+                  <a:srgbClr val="00B050"/>
+                </a:solidFill>
+              </a:rPr>
+              <a:t>霓为衣兮风为马，云之君兮纷纷而来下。</a:t>
+            </a:r>
+            <a:endParaRPr lang="zh-CN" altLang="en-US" sz="2000" dirty="0">
+              <a:solidFill>
+                <a:srgbClr val="00B050"/>
+              </a:solidFill>
+            </a:endParaRPr>
           </a:p>
         </p:txBody>
       </p:sp>
@@ -9408,23 +9475,7 @@
             </a:r>
             <a:r>
               <a:rPr lang="en-US" altLang="zh-CN" dirty="0" smtClean="0"/>
-              <a:t>.</a:t>
-            </a:r>
-            <a:r>
-              <a:rPr lang="en-US" altLang="zh-CN" dirty="0" err="1" smtClean="0"/>
-              <a:t>scss</a:t>
-            </a:r>
-            <a:r>
-              <a:rPr lang="en-US" altLang="zh-CN" dirty="0" smtClean="0"/>
-              <a:t>/.sass               .</a:t>
-            </a:r>
-            <a:r>
-              <a:rPr lang="en-US" altLang="zh-CN" dirty="0" err="1" smtClean="0"/>
-              <a:t>css</a:t>
-            </a:r>
-            <a:r>
-              <a:rPr lang="en-US" altLang="zh-CN" dirty="0" smtClean="0"/>
-              <a:t>     </a:t>
+              <a:t>.scss/.sass               .css     </a:t>
             </a:r>
             <a:r>
               <a:rPr lang="zh-CN" altLang="en-US" dirty="0" smtClean="0"/>
@@ -9468,11 +9519,7 @@
             </a:r>
             <a:r>
               <a:rPr lang="en-US" altLang="zh-CN" dirty="0" smtClean="0"/>
-              <a:t>.</a:t>
-            </a:r>
-            <a:r>
-              <a:rPr lang="en-US" altLang="zh-CN" dirty="0" err="1" smtClean="0"/>
-              <a:t>scss</a:t>
+              <a:t>.scss</a:t>
             </a:r>
             <a:r>
               <a:rPr lang="zh-CN" altLang="en-US" dirty="0" smtClean="0"/>
@@ -10122,7 +10169,15 @@
             </a:r>
             <a:r>
               <a:rPr lang="en-US" altLang="zh-CN" sz="1700" dirty="0"/>
-              <a:t>sass style.scss </a:t>
+              <a:t>sass </a:t>
+            </a:r>
+            <a:r>
+              <a:rPr lang="en-US" altLang="zh-CN" sz="1700" dirty="0" err="1"/>
+              <a:t>style.scss</a:t>
+            </a:r>
+            <a:r>
+              <a:rPr lang="en-US" altLang="zh-CN" sz="1700" dirty="0"/>
+              <a:t> </a:t>
             </a:r>
             <a:r>
               <a:rPr lang="en-US" altLang="zh-CN" sz="1700" dirty="0" smtClean="0"/>
@@ -11612,6 +11667,125 @@
               <a:buFont typeface="Wingdings" panose="05000000000000000000" pitchFamily="2" charset="2"/>
               <a:buChar char="Ø"/>
             </a:pPr>
+            <a:r>
+              <a:rPr lang="en-US" altLang="zh-CN" dirty="0" smtClean="0"/>
+              <a:t>@function</a:t>
+            </a:r>
+          </a:p>
+          <a:p>
+            <a:pPr marL="800100" lvl="1" indent="-342900">
+              <a:buFont typeface="+mj-lt"/>
+              <a:buAutoNum type="alphaLcPeriod"/>
+            </a:pPr>
+            <a:r>
+              <a:rPr lang="en-US" altLang="zh-CN" dirty="0" smtClean="0"/>
+              <a:t>@function</a:t>
+            </a:r>
+            <a:r>
+              <a:rPr lang="zh-CN" altLang="en-US" dirty="0" smtClean="0"/>
+              <a:t>声明，</a:t>
+            </a:r>
+            <a:r>
+              <a:rPr lang="en-US" altLang="zh-CN" dirty="0" smtClean="0"/>
+              <a:t>@return</a:t>
+            </a:r>
+            <a:r>
+              <a:rPr lang="zh-CN" altLang="en-US" dirty="0" smtClean="0"/>
+              <a:t>返回值</a:t>
+            </a:r>
+            <a:endParaRPr lang="en-US" altLang="zh-CN" dirty="0" smtClean="0"/>
+          </a:p>
+          <a:p>
+            <a:pPr marL="800100" lvl="1" indent="-342900">
+              <a:buFont typeface="+mj-lt"/>
+              <a:buAutoNum type="alphaLcPeriod"/>
+            </a:pPr>
+            <a:r>
+              <a:rPr lang="en-US" altLang="zh-CN" dirty="0" smtClean="0"/>
+              <a:t>Sass</a:t>
+            </a:r>
+            <a:r>
+              <a:rPr lang="zh-CN" altLang="en-US" dirty="0" smtClean="0"/>
+              <a:t>自带很多函数</a:t>
+            </a:r>
+            <a:endParaRPr lang="en-US" altLang="zh-CN" dirty="0" smtClean="0"/>
+          </a:p>
+          <a:p>
+            <a:pPr marL="857250" lvl="2" indent="0">
+              <a:buNone/>
+            </a:pPr>
+            <a:r>
+              <a:rPr lang="zh-CN" altLang="en-US" dirty="0" smtClean="0"/>
+              <a:t>函数列表参考 </a:t>
+            </a:r>
+            <a:r>
+              <a:rPr lang="en-US" altLang="zh-CN" dirty="0">
+                <a:hlinkClick r:id="rId2"/>
+              </a:rPr>
+              <a:t>http://</a:t>
+            </a:r>
+            <a:r>
+              <a:rPr lang="en-US" altLang="zh-CN" dirty="0" smtClean="0">
+                <a:hlinkClick r:id="rId2"/>
+              </a:rPr>
+              <a:t>sass-lang.com/documentation/Sass/Script/Functions.html</a:t>
+            </a:r>
+            <a:endParaRPr lang="en-US" altLang="zh-CN" dirty="0" smtClean="0"/>
+          </a:p>
+          <a:p>
+            <a:pPr indent="-285750">
+              <a:buFont typeface="Wingdings" panose="05000000000000000000" pitchFamily="2" charset="2"/>
+              <a:buChar char="Ø"/>
+            </a:pPr>
+            <a:r>
+              <a:rPr lang="zh-CN" altLang="en-US" dirty="0" smtClean="0"/>
+              <a:t>归纳</a:t>
+            </a:r>
+            <a:endParaRPr lang="en-US" altLang="zh-CN" dirty="0" smtClean="0"/>
+          </a:p>
+          <a:p>
+            <a:pPr marL="800100" lvl="1" indent="-342900">
+              <a:buFont typeface="+mj-lt"/>
+              <a:buAutoNum type="alphaLcPeriod"/>
+            </a:pPr>
+            <a:r>
+              <a:rPr lang="zh-CN" altLang="en-US" dirty="0" smtClean="0"/>
+              <a:t>样式</a:t>
+            </a:r>
+            <a:r>
+              <a:rPr lang="zh-CN" altLang="en-US" dirty="0"/>
+              <a:t>可以组合</a:t>
+            </a:r>
+            <a:r>
+              <a:rPr lang="zh-CN" altLang="en-US" dirty="0" smtClean="0"/>
+              <a:t>申明</a:t>
+            </a:r>
+            <a:endParaRPr lang="en-US" altLang="zh-CN" dirty="0" smtClean="0"/>
+          </a:p>
+          <a:p>
+            <a:pPr marL="800100" lvl="1" indent="-342900">
+              <a:buFont typeface="+mj-lt"/>
+              <a:buAutoNum type="alphaLcPeriod"/>
+            </a:pPr>
+            <a:r>
+              <a:rPr lang="zh-CN" altLang="en-US" dirty="0"/>
+              <a:t>浏览器兼容样式</a:t>
+            </a:r>
+            <a:r>
+              <a:rPr lang="zh-CN" altLang="en-US" dirty="0" smtClean="0"/>
+              <a:t>判断</a:t>
+            </a:r>
+            <a:endParaRPr lang="en-US" altLang="zh-CN" dirty="0" smtClean="0"/>
+          </a:p>
+          <a:p>
+            <a:pPr marL="400050">
+              <a:buFont typeface="Wingdings" panose="05000000000000000000" pitchFamily="2" charset="2"/>
+              <a:buChar char="Ø"/>
+            </a:pPr>
+            <a:r>
+              <a:rPr lang="en-US" altLang="zh-CN" dirty="0" smtClean="0"/>
+              <a:t>sassdemo</a:t>
+            </a:r>
             <a:endParaRPr lang="zh-CN" altLang="en-US" dirty="0"/>
           </a:p>
         </p:txBody>
@@ -11648,13 +11822,8 @@
                   <a:srgbClr val="00B050"/>
                 </a:solidFill>
               </a:rPr>
-              <a:t>桃花尽日随流水，洞在清溪何处边。</a:t>
-            </a:r>
-            <a:endParaRPr lang="zh-CN" altLang="en-US" sz="2000" dirty="0">
-              <a:solidFill>
-                <a:srgbClr val="00B050"/>
-              </a:solidFill>
-            </a:endParaRPr>
+              <a:t>长风万里送秋雁，对此可以酣高楼。</a:t>
+            </a:r>
           </a:p>
         </p:txBody>
       </p:sp>

--- a/SASS愈行愈远.pptx
+++ b/SASS愈行愈远.pptx
@@ -5,7 +5,7 @@
     <p:sldMasterId id="2147483648" r:id="rId1"/>
   </p:sldMasterIdLst>
   <p:notesMasterIdLst>
-    <p:notesMasterId r:id="rId12"/>
+    <p:notesMasterId r:id="rId13"/>
   </p:notesMasterIdLst>
   <p:sldIdLst>
     <p:sldId id="256" r:id="rId2"/>
@@ -18,6 +18,7 @@
     <p:sldId id="263" r:id="rId9"/>
     <p:sldId id="265" r:id="rId10"/>
     <p:sldId id="264" r:id="rId11"/>
+    <p:sldId id="266" r:id="rId12"/>
   </p:sldIdLst>
   <p:sldSz cx="12192000" cy="6858000"/>
   <p:notesSz cx="6858000" cy="9144000"/>
@@ -8772,6 +8773,37 @@
           </a:p>
         </p:txBody>
       </p:sp>
+      <p:sp>
+        <p:nvSpPr>
+          <p:cNvPr id="4" name="文本框 3"/>
+          <p:cNvSpPr txBox="1"/>
+          <p:nvPr/>
+        </p:nvSpPr>
+        <p:spPr>
+          <a:xfrm>
+            <a:off x="9028090" y="6272011"/>
+            <a:ext cx="2476522" cy="369332"/>
+          </a:xfrm>
+          <a:prstGeom prst="rect">
+            <a:avLst/>
+          </a:prstGeom>
+          <a:noFill/>
+        </p:spPr>
+        <p:txBody>
+          <a:bodyPr wrap="square" rtlCol="0">
+            <a:spAutoFit/>
+          </a:bodyPr>
+          <a:lstStyle/>
+          <a:p>
+            <a:pPr algn="r"/>
+            <a:r>
+              <a:rPr lang="zh-CN" altLang="en-US" dirty="0" smtClean="0"/>
+              <a:t>技术部 王卫慧</a:t>
+            </a:r>
+            <a:endParaRPr lang="zh-CN" altLang="en-US" dirty="0"/>
+          </a:p>
+        </p:txBody>
+      </p:sp>
     </p:spTree>
     <p:extLst>
       <p:ext uri="{BB962C8B-B14F-4D97-AF65-F5344CB8AC3E}">
@@ -8867,9 +8899,8 @@
             </a:r>
           </a:p>
           <a:p>
-            <a:pPr marL="800100" lvl="1" indent="-342900">
-              <a:buFont typeface="+mj-lt"/>
-              <a:buAutoNum type="alphaLcPeriod"/>
+            <a:pPr marL="457200" lvl="1" indent="0">
+              <a:buNone/>
             </a:pPr>
             <a:r>
               <a:rPr lang="en-US" altLang="zh-CN" dirty="0" smtClean="0"/>
@@ -8878,6 +8909,81 @@
             <a:r>
               <a:rPr lang="zh-CN" altLang="en-US" dirty="0" smtClean="0"/>
               <a:t>文件生成文档</a:t>
+            </a:r>
+            <a:endParaRPr lang="en-US" altLang="zh-CN" dirty="0" smtClean="0"/>
+          </a:p>
+          <a:p>
+            <a:pPr indent="-285750">
+              <a:buFont typeface="Wingdings" panose="05000000000000000000" pitchFamily="2" charset="2"/>
+              <a:buChar char="Ø"/>
+            </a:pPr>
+            <a:r>
+              <a:rPr lang="en-US" altLang="zh-CN" dirty="0"/>
+              <a:t>G</a:t>
+            </a:r>
+            <a:r>
+              <a:rPr lang="en-US" altLang="zh-CN" dirty="0" smtClean="0"/>
+              <a:t>it </a:t>
+            </a:r>
+            <a:r>
+              <a:rPr lang="zh-CN" altLang="en-US" dirty="0" smtClean="0"/>
+              <a:t>和 </a:t>
+            </a:r>
+            <a:r>
+              <a:rPr lang="en-US" altLang="zh-CN" dirty="0" smtClean="0"/>
+              <a:t>SourceTree</a:t>
+            </a:r>
+          </a:p>
+          <a:p>
+            <a:pPr marL="457200" lvl="1" indent="0">
+              <a:buNone/>
+            </a:pPr>
+            <a:r>
+              <a:rPr lang="en-US" altLang="zh-CN" dirty="0" smtClean="0"/>
+              <a:t>Git</a:t>
+            </a:r>
+            <a:r>
+              <a:rPr lang="zh-CN" altLang="en-US" dirty="0" smtClean="0"/>
+              <a:t>安装，</a:t>
+            </a:r>
+            <a:r>
+              <a:rPr lang="en-US" altLang="zh-CN" dirty="0" smtClean="0"/>
+              <a:t>SourceTree SSH</a:t>
+            </a:r>
+            <a:r>
+              <a:rPr lang="zh-CN" altLang="en-US" dirty="0" smtClean="0"/>
+              <a:t>配置，</a:t>
+            </a:r>
+            <a:r>
+              <a:rPr lang="en-US" altLang="zh-CN" dirty="0" smtClean="0"/>
+              <a:t>Git</a:t>
+            </a:r>
+            <a:r>
+              <a:rPr lang="zh-CN" altLang="en-US" dirty="0" smtClean="0"/>
+              <a:t>介绍 </a:t>
+            </a:r>
+            <a:r>
+              <a:rPr lang="en-US" altLang="zh-CN" dirty="0">
+                <a:hlinkClick r:id="rId2"/>
+              </a:rPr>
+              <a:t>http://</a:t>
+            </a:r>
+            <a:r>
+              <a:rPr lang="en-US" altLang="zh-CN" dirty="0" smtClean="0">
+                <a:hlinkClick r:id="rId2"/>
+              </a:rPr>
+              <a:t>www.jianshu.com/p/8a985c622e61</a:t>
+            </a:r>
+            <a:endParaRPr lang="en-US" altLang="zh-CN" dirty="0" smtClean="0"/>
+          </a:p>
+          <a:p>
+            <a:pPr>
+              <a:buFont typeface="Wingdings" panose="05000000000000000000" pitchFamily="2" charset="2"/>
+              <a:buChar char="Ø"/>
+            </a:pPr>
+            <a:r>
+              <a:rPr lang="zh-CN" altLang="en-US" dirty="0" smtClean="0"/>
+              <a:t>其他</a:t>
             </a:r>
             <a:endParaRPr lang="zh-CN" altLang="en-US" dirty="0"/>
           </a:p>
@@ -8929,6 +9035,148 @@
     <p:extLst>
       <p:ext uri="{BB962C8B-B14F-4D97-AF65-F5344CB8AC3E}">
         <p14:creationId xmlns:p14="http://schemas.microsoft.com/office/powerpoint/2010/main" val="181254618"/>
+      </p:ext>
+    </p:extLst>
+  </p:cSld>
+  <p:clrMapOvr>
+    <a:masterClrMapping/>
+  </p:clrMapOvr>
+  <p:timing>
+    <p:tnLst>
+      <p:par>
+        <p:cTn id="1" dur="indefinite" restart="never" nodeType="tmRoot"/>
+      </p:par>
+    </p:tnLst>
+  </p:timing>
+</p:sld>
+</file>
+
+<file path=ppt/slides/slide11.xml><?xml version="1.0" encoding="utf-8"?>
+<p:sld xmlns:a="http://schemas.openxmlformats.org/drawingml/2006/main" xmlns:r="http://schemas.openxmlformats.org/officeDocument/2006/relationships" xmlns:p="http://schemas.openxmlformats.org/presentationml/2006/main">
+  <p:cSld>
+    <p:spTree>
+      <p:nvGrpSpPr>
+        <p:cNvPr id="1" name=""/>
+        <p:cNvGrpSpPr/>
+        <p:nvPr/>
+      </p:nvGrpSpPr>
+      <p:grpSpPr>
+        <a:xfrm>
+          <a:off x="0" y="0"/>
+          <a:ext cx="0" cy="0"/>
+          <a:chOff x="0" y="0"/>
+          <a:chExt cx="0" cy="0"/>
+        </a:xfrm>
+      </p:grpSpPr>
+      <p:sp>
+        <p:nvSpPr>
+          <p:cNvPr id="2" name="标题 1"/>
+          <p:cNvSpPr>
+            <a:spLocks noGrp="1"/>
+          </p:cNvSpPr>
+          <p:nvPr>
+            <p:ph type="title"/>
+          </p:nvPr>
+        </p:nvSpPr>
+        <p:spPr/>
+        <p:txBody>
+          <a:bodyPr>
+            <a:normAutofit/>
+          </a:bodyPr>
+          <a:lstStyle/>
+          <a:p>
+            <a:r>
+              <a:rPr lang="en-US" altLang="zh-CN" sz="5400" dirty="0" smtClean="0"/>
+              <a:t>Q&amp;A</a:t>
+            </a:r>
+            <a:r>
+              <a:rPr lang="zh-CN" altLang="en-US" sz="5400" dirty="0" smtClean="0"/>
+              <a:t>？</a:t>
+            </a:r>
+            <a:endParaRPr lang="zh-CN" altLang="en-US" sz="5400" dirty="0"/>
+          </a:p>
+        </p:txBody>
+      </p:sp>
+      <p:sp>
+        <p:nvSpPr>
+          <p:cNvPr id="3" name="内容占位符 2"/>
+          <p:cNvSpPr>
+            <a:spLocks noGrp="1"/>
+          </p:cNvSpPr>
+          <p:nvPr>
+            <p:ph idx="1"/>
+          </p:nvPr>
+        </p:nvSpPr>
+        <p:spPr/>
+        <p:txBody>
+          <a:bodyPr>
+            <a:normAutofit lnSpcReduction="10000"/>
+          </a:bodyPr>
+          <a:lstStyle/>
+          <a:p>
+            <a:pPr marL="0" indent="0">
+              <a:buNone/>
+            </a:pPr>
+            <a:endParaRPr lang="en-US" altLang="zh-CN" dirty="0" smtClean="0"/>
+          </a:p>
+          <a:p>
+            <a:pPr marL="0" indent="0">
+              <a:buNone/>
+            </a:pPr>
+            <a:endParaRPr lang="en-US" altLang="zh-CN" dirty="0"/>
+          </a:p>
+          <a:p>
+            <a:pPr marL="0" indent="0">
+              <a:buNone/>
+            </a:pPr>
+            <a:endParaRPr lang="en-US" altLang="zh-CN" dirty="0" smtClean="0"/>
+          </a:p>
+          <a:p>
+            <a:pPr marL="0" indent="0">
+              <a:buNone/>
+            </a:pPr>
+            <a:endParaRPr lang="en-US" altLang="zh-CN" dirty="0"/>
+          </a:p>
+          <a:p>
+            <a:pPr marL="0" indent="0">
+              <a:buNone/>
+            </a:pPr>
+            <a:endParaRPr lang="en-US" altLang="zh-CN" dirty="0" smtClean="0"/>
+          </a:p>
+          <a:p>
+            <a:pPr marL="0" indent="0">
+              <a:buNone/>
+            </a:pPr>
+            <a:endParaRPr lang="en-US" altLang="zh-CN" dirty="0"/>
+          </a:p>
+          <a:p>
+            <a:pPr marL="0" indent="0">
+              <a:buNone/>
+            </a:pPr>
+            <a:endParaRPr lang="en-US" altLang="zh-CN" dirty="0" smtClean="0"/>
+          </a:p>
+          <a:p>
+            <a:pPr marL="0" indent="0">
+              <a:buNone/>
+            </a:pPr>
+            <a:endParaRPr lang="en-US" altLang="zh-CN" dirty="0"/>
+          </a:p>
+          <a:p>
+            <a:pPr marL="0" indent="0" algn="ctr">
+              <a:buNone/>
+            </a:pPr>
+            <a:r>
+              <a:rPr lang="zh-CN" altLang="en-US" sz="3200" dirty="0" smtClean="0"/>
+              <a:t>谢谢！</a:t>
+            </a:r>
+            <a:endParaRPr lang="zh-CN" altLang="en-US" sz="3200" dirty="0"/>
+          </a:p>
+        </p:txBody>
+      </p:sp>
+    </p:spTree>
+    <p:extLst>
+      <p:ext uri="{BB962C8B-B14F-4D97-AF65-F5344CB8AC3E}">
+        <p14:creationId xmlns:p14="http://schemas.microsoft.com/office/powerpoint/2010/main" val="32693226"/>
       </p:ext>
     </p:extLst>
   </p:cSld>
@@ -9035,7 +9283,7 @@
           </a:prstGeom>
           <a:noFill/>
           <a:effectLst>
-            <a:reflection blurRad="6350" stA="50000" endA="300" endPos="90000" dist="50800" dir="5400000" sy="-100000" algn="bl" rotWithShape="0"/>
+            <a:reflection blurRad="6350" stA="50000" endA="300" endPos="55000" dir="5400000" sy="-100000" algn="bl" rotWithShape="0"/>
           </a:effectLst>
         </p:spPr>
         <p:txBody>
@@ -11013,7 +11261,7 @@
           </a:prstGeom>
           <a:noFill/>
           <a:effectLst>
-            <a:reflection blurRad="6350" stA="50000" endA="300" endPos="90000" dist="50800" dir="5400000" sy="-100000" algn="bl" rotWithShape="0"/>
+            <a:reflection blurRad="6350" stA="50000" endA="300" endPos="55500" dist="50800" dir="5400000" sy="-100000" algn="bl" rotWithShape="0"/>
           </a:effectLst>
         </p:spPr>
         <p:txBody>
@@ -11367,7 +11615,7 @@
           </a:prstGeom>
           <a:noFill/>
           <a:effectLst>
-            <a:reflection blurRad="6350" stA="50000" endA="300" endPos="90000" dist="50800" dir="5400000" sy="-100000" algn="bl" rotWithShape="0"/>
+            <a:reflection blurRad="6350" stA="50000" endA="300" endPos="55500" dist="50800" dir="5400000" sy="-100000" algn="bl" rotWithShape="0"/>
           </a:effectLst>
         </p:spPr>
         <p:txBody>

--- a/SASS愈行愈远.pptx
+++ b/SASS愈行愈远.pptx
@@ -8814,6 +8814,9 @@
   <p:clrMapOvr>
     <a:masterClrMapping/>
   </p:clrMapOvr>
+  <p:transition spd="slow">
+    <p:randomBar dir="vert"/>
+  </p:transition>
   <p:timing>
     <p:tnLst>
       <p:par>
@@ -9041,6 +9044,9 @@
   <p:clrMapOvr>
     <a:masterClrMapping/>
   </p:clrMapOvr>
+  <p:transition spd="slow">
+    <p:randomBar dir="vert"/>
+  </p:transition>
   <p:timing>
     <p:tnLst>
       <p:par>
@@ -9183,6 +9189,9 @@
   <p:clrMapOvr>
     <a:masterClrMapping/>
   </p:clrMapOvr>
+  <p:transition spd="slow">
+    <p:randomBar dir="vert"/>
+  </p:transition>
   <p:timing>
     <p:tnLst>
       <p:par>
@@ -9359,6 +9368,9 @@
   <p:clrMapOvr>
     <a:masterClrMapping/>
   </p:clrMapOvr>
+  <p:transition spd="slow">
+    <p:randomBar dir="vert"/>
+  </p:transition>
   <p:timing>
     <p:tnLst>
       <p:par>
@@ -9581,6 +9593,9 @@
   <p:clrMapOvr>
     <a:masterClrMapping/>
   </p:clrMapOvr>
+  <p:transition spd="slow">
+    <p:randomBar dir="vert"/>
+  </p:transition>
   <p:timing>
     <p:tnLst>
       <p:par>
@@ -9926,6 +9941,9 @@
   <p:clrMapOvr>
     <a:masterClrMapping/>
   </p:clrMapOvr>
+  <p:transition spd="slow">
+    <p:randomBar dir="vert"/>
+  </p:transition>
   <p:timing>
     <p:tnLst>
       <p:par>
@@ -10189,6 +10207,9 @@
   <p:clrMapOvr>
     <a:masterClrMapping/>
   </p:clrMapOvr>
+  <p:transition spd="slow">
+    <p:randomBar dir="vert"/>
+  </p:transition>
   <p:timing>
     <p:tnLst>
       <p:par>
@@ -10793,6 +10814,9 @@
   <p:clrMapOvr>
     <a:masterClrMapping/>
   </p:clrMapOvr>
+  <p:transition spd="slow">
+    <p:randomBar dir="vert"/>
+  </p:transition>
   <p:timing>
     <p:tnLst>
       <p:par>
@@ -10913,6 +10937,27 @@
               <a:rPr lang="en-US" altLang="zh-CN" sz="1900" dirty="0" smtClean="0"/>
               <a:t>@import</a:t>
             </a:r>
+            <a:r>
+              <a:rPr lang="zh-CN" altLang="en-US" sz="1900" dirty="0" smtClean="0"/>
+              <a:t>（</a:t>
+            </a:r>
+            <a:r>
+              <a:rPr lang="en-US" altLang="zh-CN" sz="1900" dirty="0" smtClean="0"/>
+              <a:t>@import css</a:t>
+            </a:r>
+            <a:r>
+              <a:rPr lang="zh-CN" altLang="en-US" sz="1900" dirty="0" smtClean="0"/>
+              <a:t>和</a:t>
+            </a:r>
+            <a:r>
+              <a:rPr lang="en-US" altLang="zh-CN" sz="1900" dirty="0" smtClean="0"/>
+              <a:t>scss</a:t>
+            </a:r>
+            <a:r>
+              <a:rPr lang="zh-CN" altLang="en-US" sz="1900" dirty="0" smtClean="0"/>
+              <a:t>的区别）</a:t>
+            </a:r>
+            <a:endParaRPr lang="en-US" altLang="zh-CN" sz="1900" dirty="0" smtClean="0"/>
           </a:p>
           <a:p>
             <a:pPr marL="400050">
@@ -11305,6 +11350,9 @@
   <p:clrMapOvr>
     <a:masterClrMapping/>
   </p:clrMapOvr>
+  <p:transition spd="slow">
+    <p:randomBar dir="vert"/>
+  </p:transition>
   <p:timing>
     <p:tnLst>
       <p:par>
@@ -11834,6 +11882,9 @@
   <p:clrMapOvr>
     <a:masterClrMapping/>
   </p:clrMapOvr>
+  <p:transition spd="slow">
+    <p:randomBar dir="vert"/>
+  </p:transition>
   <p:timing>
     <p:tnLst>
       <p:par>
@@ -12085,6 +12136,9 @@
   <p:clrMapOvr>
     <a:masterClrMapping/>
   </p:clrMapOvr>
+  <p:transition spd="slow">
+    <p:randomBar dir="vert"/>
+  </p:transition>
   <p:timing>
     <p:tnLst>
       <p:par>

--- a/SASS愈行愈远.pptx
+++ b/SASS愈行愈远.pptx
@@ -8911,7 +8911,13 @@
             </a:r>
             <a:r>
               <a:rPr lang="zh-CN" altLang="en-US" dirty="0" smtClean="0"/>
-              <a:t>文件生成文档</a:t>
+              <a:t>文件生成文档 </a:t>
+            </a:r>
+            <a:r>
+              <a:rPr lang="en-US" altLang="zh-CN" dirty="0">
+                <a:hlinkClick r:id="rId2"/>
+              </a:rPr>
+              <a:t>http://sassdoc.com/</a:t>
             </a:r>
             <a:endParaRPr lang="en-US" altLang="zh-CN" dirty="0" smtClean="0"/>
           </a:p>
@@ -8967,13 +8973,13 @@
             </a:r>
             <a:r>
               <a:rPr lang="en-US" altLang="zh-CN" dirty="0">
-                <a:hlinkClick r:id="rId2"/>
+                <a:hlinkClick r:id="rId3"/>
               </a:rPr>
               <a:t>http://</a:t>
             </a:r>
             <a:r>
               <a:rPr lang="en-US" altLang="zh-CN" dirty="0" smtClean="0">
-                <a:hlinkClick r:id="rId2"/>
+                <a:hlinkClick r:id="rId3"/>
               </a:rPr>
               <a:t>www.jianshu.com/p/8a985c622e61</a:t>
             </a:r>
@@ -9091,6 +9097,7 @@
           </a:bodyPr>
           <a:lstStyle/>
           <a:p>
+            <a:pPr algn="ctr"/>
             <a:r>
               <a:rPr lang="en-US" altLang="zh-CN" sz="5400" dirty="0" smtClean="0"/>
               <a:t>Q&amp;A</a:t>

--- a/SASS愈行愈远.pptx
+++ b/SASS愈行愈远.pptx
@@ -9090,7 +9090,12 @@
             <p:ph type="title"/>
           </p:nvPr>
         </p:nvSpPr>
-        <p:spPr/>
+        <p:spPr>
+          <a:xfrm>
+            <a:off x="643945" y="624110"/>
+            <a:ext cx="10860668" cy="1280890"/>
+          </a:xfrm>
+        </p:spPr>
         <p:txBody>
           <a:bodyPr>
             <a:normAutofit/>
@@ -9183,6 +9188,48 @@
               <a:t>谢谢！</a:t>
             </a:r>
             <a:endParaRPr lang="zh-CN" altLang="en-US" sz="3200" dirty="0"/>
+          </a:p>
+        </p:txBody>
+      </p:sp>
+      <p:sp>
+        <p:nvSpPr>
+          <p:cNvPr id="4" name="文本框 3"/>
+          <p:cNvSpPr txBox="1"/>
+          <p:nvPr/>
+        </p:nvSpPr>
+        <p:spPr>
+          <a:xfrm>
+            <a:off x="5100034" y="1504890"/>
+            <a:ext cx="6404578" cy="400110"/>
+          </a:xfrm>
+          <a:prstGeom prst="rect">
+            <a:avLst/>
+          </a:prstGeom>
+          <a:noFill/>
+          <a:effectLst>
+            <a:reflection blurRad="6350" stA="50000" endA="300" endPos="55500" dist="50800" dir="5400000" sy="-100000" algn="bl" rotWithShape="0"/>
+          </a:effectLst>
+        </p:spPr>
+        <p:txBody>
+          <a:bodyPr wrap="square" rtlCol="0">
+            <a:spAutoFit/>
+          </a:bodyPr>
+          <a:lstStyle/>
+          <a:p>
+            <a:pPr algn="r"/>
+            <a:r>
+              <a:rPr lang="zh-CN" altLang="en-US" sz="2000" dirty="0">
+                <a:solidFill>
+                  <a:srgbClr val="00B050"/>
+                </a:solidFill>
+              </a:rPr>
+              <a:t>人生若只如初见，何事秋风悲画扇？</a:t>
+            </a:r>
+            <a:endParaRPr lang="zh-CN" altLang="en-US" sz="2000" dirty="0">
+              <a:solidFill>
+                <a:srgbClr val="00B050"/>
+              </a:solidFill>
+            </a:endParaRPr>
           </a:p>
         </p:txBody>
       </p:sp>

--- a/SASS愈行愈远.pptx
+++ b/SASS愈行愈远.pptx
@@ -8906,6 +8906,48 @@
               <a:buNone/>
             </a:pPr>
             <a:r>
+              <a:rPr lang="zh-CN" altLang="en-US" dirty="0" smtClean="0">
+                <a:solidFill>
+                  <a:schemeClr val="tx1"/>
+                </a:solidFill>
+              </a:rPr>
+              <a:t>安装</a:t>
+            </a:r>
+            <a:r>
+              <a:rPr lang="zh-CN" altLang="en-US" dirty="0" smtClean="0">
+                <a:solidFill>
+                  <a:srgbClr val="7030A0"/>
+                </a:solidFill>
+              </a:rPr>
+              <a:t> </a:t>
+            </a:r>
+            <a:r>
+              <a:rPr lang="en-US" altLang="zh-CN" dirty="0" smtClean="0">
+                <a:solidFill>
+                  <a:srgbClr val="7030A0"/>
+                </a:solidFill>
+              </a:rPr>
+              <a:t>npm </a:t>
+            </a:r>
+            <a:r>
+              <a:rPr lang="en-US" altLang="zh-CN" dirty="0">
+                <a:solidFill>
+                  <a:srgbClr val="7030A0"/>
+                </a:solidFill>
+              </a:rPr>
+              <a:t>install sassdoc -g</a:t>
+            </a:r>
+            <a:endParaRPr lang="en-US" altLang="zh-CN" dirty="0" smtClean="0">
+              <a:solidFill>
+                <a:srgbClr val="7030A0"/>
+              </a:solidFill>
+            </a:endParaRPr>
+          </a:p>
+          <a:p>
+            <a:pPr marL="457200" lvl="1" indent="0">
+              <a:buNone/>
+            </a:pPr>
+            <a:r>
               <a:rPr lang="en-US" altLang="zh-CN" dirty="0" smtClean="0"/>
               <a:t>.scss</a:t>
             </a:r>
@@ -8917,7 +8959,76 @@
               <a:rPr lang="en-US" altLang="zh-CN" dirty="0">
                 <a:hlinkClick r:id="rId2"/>
               </a:rPr>
-              <a:t>http://sassdoc.com/</a:t>
+              <a:t>http://sassdoc.com</a:t>
+            </a:r>
+            <a:r>
+              <a:rPr lang="en-US" altLang="zh-CN" dirty="0" smtClean="0">
+                <a:hlinkClick r:id="rId2"/>
+              </a:rPr>
+              <a:t>/</a:t>
+            </a:r>
+            <a:endParaRPr lang="en-US" altLang="zh-CN" dirty="0" smtClean="0"/>
+          </a:p>
+          <a:p>
+            <a:pPr marL="457200" lvl="1" indent="0">
+              <a:buNone/>
+            </a:pPr>
+            <a:r>
+              <a:rPr lang="zh-CN" altLang="en-US" dirty="0" smtClean="0"/>
+              <a:t>安装</a:t>
+            </a:r>
+            <a:r>
+              <a:rPr lang="en-US" altLang="zh-CN" dirty="0" smtClean="0"/>
+              <a:t>NodeJS</a:t>
+            </a:r>
+            <a:r>
+              <a:rPr lang="zh-CN" altLang="en-US" dirty="0" smtClean="0"/>
+              <a:t>，</a:t>
+            </a:r>
+            <a:r>
+              <a:rPr lang="en-US" altLang="zh-CN" dirty="0" smtClean="0"/>
+              <a:t>npm </a:t>
+            </a:r>
+            <a:r>
+              <a:rPr lang="en-US" altLang="zh-CN" dirty="0" smtClean="0">
+                <a:hlinkClick r:id="rId3"/>
+              </a:rPr>
+              <a:t>Infoq</a:t>
+            </a:r>
+            <a:r>
+              <a:rPr lang="zh-CN" altLang="en-US" dirty="0" smtClean="0">
+                <a:hlinkClick r:id="rId3"/>
+              </a:rPr>
+              <a:t>教程</a:t>
+            </a:r>
+            <a:r>
+              <a:rPr lang="zh-CN" altLang="en-US" dirty="0" smtClean="0"/>
+              <a:t>。工具</a:t>
+            </a:r>
+            <a:r>
+              <a:rPr lang="en-US" altLang="zh-CN" dirty="0" smtClean="0"/>
+              <a:t>bower</a:t>
+            </a:r>
+          </a:p>
+          <a:p>
+            <a:pPr marL="457200" lvl="1" indent="0">
+              <a:buNone/>
+            </a:pPr>
+            <a:r>
+              <a:rPr lang="en-US" altLang="zh-CN" dirty="0" smtClean="0"/>
+              <a:t>Mac</a:t>
+            </a:r>
+            <a:r>
+              <a:rPr lang="zh-CN" altLang="en-US" dirty="0" smtClean="0"/>
+              <a:t>下</a:t>
+            </a:r>
+            <a:r>
+              <a:rPr lang="en-US" altLang="zh-CN" dirty="0" smtClean="0"/>
+              <a:t>sudo</a:t>
+            </a:r>
+            <a:r>
+              <a:rPr lang="zh-CN" altLang="en-US" dirty="0" smtClean="0"/>
+              <a:t>，管理员权限</a:t>
             </a:r>
             <a:endParaRPr lang="en-US" altLang="zh-CN" dirty="0" smtClean="0"/>
           </a:p>
@@ -8973,13 +9084,13 @@
             </a:r>
             <a:r>
               <a:rPr lang="en-US" altLang="zh-CN" dirty="0">
-                <a:hlinkClick r:id="rId3"/>
+                <a:hlinkClick r:id="rId4"/>
               </a:rPr>
               <a:t>http://</a:t>
             </a:r>
             <a:r>
               <a:rPr lang="en-US" altLang="zh-CN" dirty="0" smtClean="0">
-                <a:hlinkClick r:id="rId3"/>
+                <a:hlinkClick r:id="rId4"/>
               </a:rPr>
               <a:t>www.jianshu.com/p/8a985c622e61</a:t>
             </a:r>

--- a/SASS愈行愈远.pptx
+++ b/SASS愈行愈远.pptx
@@ -207,7 +207,7 @@
           <a:p>
             <a:fld id="{37BD2C1D-2F58-45BB-86E1-36AE59844593}" type="datetimeFigureOut">
               <a:rPr lang="zh-CN" altLang="en-US" smtClean="0"/>
-              <a:t>2015/7/7</a:t>
+              <a:t>2015/7/8</a:t>
             </a:fld>
             <a:endParaRPr lang="zh-CN" altLang="en-US"/>
           </a:p>
@@ -520,6 +520,138 @@
           <a:lstStyle/>
           <a:p>
             <a:r>
+              <a:rPr lang="en-US" altLang="zh-CN" dirty="0" smtClean="0"/>
+              <a:t>Sass</a:t>
+            </a:r>
+            <a:r>
+              <a:rPr lang="zh-CN" altLang="en-US" dirty="0" smtClean="0"/>
+              <a:t>有两种后缀名文件，一种是</a:t>
+            </a:r>
+            <a:r>
+              <a:rPr lang="en-US" altLang="zh-CN" dirty="0" smtClean="0"/>
+              <a:t>sass</a:t>
+            </a:r>
+            <a:r>
+              <a:rPr lang="zh-CN" altLang="en-US" dirty="0" smtClean="0"/>
+              <a:t>，不使用大括号和分号；另外一种是</a:t>
+            </a:r>
+            <a:r>
+              <a:rPr lang="en-US" altLang="zh-CN" dirty="0" err="1" smtClean="0"/>
+              <a:t>scss</a:t>
+            </a:r>
+            <a:r>
+              <a:rPr lang="zh-CN" altLang="en-US" dirty="0" smtClean="0"/>
+              <a:t>，和</a:t>
+            </a:r>
+            <a:r>
+              <a:rPr lang="en-US" altLang="zh-CN" dirty="0" err="1" smtClean="0"/>
+              <a:t>css</a:t>
+            </a:r>
+            <a:r>
+              <a:rPr lang="zh-CN" altLang="en-US" dirty="0" smtClean="0"/>
+              <a:t>格式差不多，使用大括号和分号。建议使用</a:t>
+            </a:r>
+            <a:r>
+              <a:rPr lang="en-US" altLang="zh-CN" dirty="0" err="1" smtClean="0"/>
+              <a:t>scss</a:t>
+            </a:r>
+            <a:r>
+              <a:rPr lang="zh-CN" altLang="en-US" dirty="0" smtClean="0"/>
+              <a:t>，避免</a:t>
+            </a:r>
+            <a:r>
+              <a:rPr lang="en-US" altLang="zh-CN" dirty="0" smtClean="0"/>
+              <a:t>sass</a:t>
+            </a:r>
+            <a:r>
+              <a:rPr lang="zh-CN" altLang="en-US" dirty="0" smtClean="0"/>
+              <a:t>后缀名的严格格式要求报错。</a:t>
+            </a:r>
+            <a:endParaRPr lang="zh-CN" altLang="en-US" dirty="0"/>
+          </a:p>
+        </p:txBody>
+      </p:sp>
+      <p:sp>
+        <p:nvSpPr>
+          <p:cNvPr id="4" name="灯片编号占位符 3"/>
+          <p:cNvSpPr>
+            <a:spLocks noGrp="1"/>
+          </p:cNvSpPr>
+          <p:nvPr>
+            <p:ph type="sldNum" sz="quarter" idx="10"/>
+          </p:nvPr>
+        </p:nvSpPr>
+        <p:spPr/>
+        <p:txBody>
+          <a:bodyPr/>
+          <a:lstStyle/>
+          <a:p>
+            <a:fld id="{50AB4024-DAA6-4EAE-AEB3-353C1DA2FD5F}" type="slidenum">
+              <a:rPr lang="zh-CN" altLang="en-US" smtClean="0"/>
+              <a:t>4</a:t>
+            </a:fld>
+            <a:endParaRPr lang="zh-CN" altLang="en-US"/>
+          </a:p>
+        </p:txBody>
+      </p:sp>
+    </p:spTree>
+    <p:extLst>
+      <p:ext uri="{BB962C8B-B14F-4D97-AF65-F5344CB8AC3E}">
+        <p14:creationId xmlns:p14="http://schemas.microsoft.com/office/powerpoint/2010/main" val="2758062791"/>
+      </p:ext>
+    </p:extLst>
+  </p:cSld>
+  <p:clrMapOvr>
+    <a:masterClrMapping/>
+  </p:clrMapOvr>
+</p:notes>
+</file>
+
+<file path=ppt/notesSlides/notesSlide2.xml><?xml version="1.0" encoding="utf-8"?>
+<p:notes xmlns:a="http://schemas.openxmlformats.org/drawingml/2006/main" xmlns:r="http://schemas.openxmlformats.org/officeDocument/2006/relationships" xmlns:p="http://schemas.openxmlformats.org/presentationml/2006/main">
+  <p:cSld>
+    <p:spTree>
+      <p:nvGrpSpPr>
+        <p:cNvPr id="1" name=""/>
+        <p:cNvGrpSpPr/>
+        <p:nvPr/>
+      </p:nvGrpSpPr>
+      <p:grpSpPr>
+        <a:xfrm>
+          <a:off x="0" y="0"/>
+          <a:ext cx="0" cy="0"/>
+          <a:chOff x="0" y="0"/>
+          <a:chExt cx="0" cy="0"/>
+        </a:xfrm>
+      </p:grpSpPr>
+      <p:sp>
+        <p:nvSpPr>
+          <p:cNvPr id="2" name="幻灯片图像占位符 1"/>
+          <p:cNvSpPr>
+            <a:spLocks noGrp="1" noRot="1" noChangeAspect="1"/>
+          </p:cNvSpPr>
+          <p:nvPr>
+            <p:ph type="sldImg"/>
+          </p:nvPr>
+        </p:nvSpPr>
+        <p:spPr/>
+      </p:sp>
+      <p:sp>
+        <p:nvSpPr>
+          <p:cNvPr id="3" name="备注占位符 2"/>
+          <p:cNvSpPr>
+            <a:spLocks noGrp="1"/>
+          </p:cNvSpPr>
+          <p:nvPr>
+            <p:ph type="body" idx="1"/>
+          </p:nvPr>
+        </p:nvSpPr>
+        <p:spPr/>
+        <p:txBody>
+          <a:bodyPr/>
+          <a:lstStyle/>
+          <a:p>
+            <a:r>
               <a:rPr lang="en-US" altLang="zh-CN" dirty="0" err="1" smtClean="0"/>
               <a:t>Github</a:t>
             </a:r>
@@ -567,7 +699,7 @@
 </p:notes>
 </file>
 
-<file path=ppt/notesSlides/notesSlide2.xml><?xml version="1.0" encoding="utf-8"?>
+<file path=ppt/notesSlides/notesSlide3.xml><?xml version="1.0" encoding="utf-8"?>
 <p:notes xmlns:a="http://schemas.openxmlformats.org/drawingml/2006/main" xmlns:r="http://schemas.openxmlformats.org/officeDocument/2006/relationships" xmlns:p="http://schemas.openxmlformats.org/presentationml/2006/main">
   <p:cSld>
     <p:spTree>
@@ -1384,7 +1516,7 @@
             <a:fld id="{B61BEF0D-F0BB-DE4B-95CE-6DB70DBA9567}" type="datetimeFigureOut">
               <a:rPr lang="en-US" dirty="0"/>
               <a:pPr/>
-              <a:t>7/7/2015</a:t>
+              <a:t>7/8/2015</a:t>
             </a:fld>
             <a:endParaRPr lang="en-US" dirty="0"/>
           </a:p>
@@ -1719,7 +1851,7 @@
             <a:fld id="{B61BEF0D-F0BB-DE4B-95CE-6DB70DBA9567}" type="datetimeFigureOut">
               <a:rPr lang="en-US" dirty="0"/>
               <a:pPr/>
-              <a:t>7/7/2015</a:t>
+              <a:t>7/8/2015</a:t>
             </a:fld>
             <a:endParaRPr lang="en-US" dirty="0"/>
           </a:p>
@@ -2117,7 +2249,7 @@
             <a:fld id="{B61BEF0D-F0BB-DE4B-95CE-6DB70DBA9567}" type="datetimeFigureOut">
               <a:rPr lang="en-US" dirty="0"/>
               <a:pPr/>
-              <a:t>7/7/2015</a:t>
+              <a:t>7/8/2015</a:t>
             </a:fld>
             <a:endParaRPr lang="en-US" dirty="0"/>
           </a:p>
@@ -2449,7 +2581,7 @@
             <a:fld id="{B61BEF0D-F0BB-DE4B-95CE-6DB70DBA9567}" type="datetimeFigureOut">
               <a:rPr lang="en-US" dirty="0"/>
               <a:pPr/>
-              <a:t>7/7/2015</a:t>
+              <a:t>7/8/2015</a:t>
             </a:fld>
             <a:endParaRPr lang="en-US" dirty="0"/>
           </a:p>
@@ -2766,7 +2898,7 @@
             <a:fld id="{B61BEF0D-F0BB-DE4B-95CE-6DB70DBA9567}" type="datetimeFigureOut">
               <a:rPr lang="en-US" dirty="0"/>
               <a:pPr/>
-              <a:t>7/7/2015</a:t>
+              <a:t>7/8/2015</a:t>
             </a:fld>
             <a:endParaRPr lang="en-US" dirty="0"/>
           </a:p>
@@ -3159,7 +3291,7 @@
             <a:fld id="{B61BEF0D-F0BB-DE4B-95CE-6DB70DBA9567}" type="datetimeFigureOut">
               <a:rPr lang="en-US" dirty="0"/>
               <a:pPr/>
-              <a:t>7/7/2015</a:t>
+              <a:t>7/8/2015</a:t>
             </a:fld>
             <a:endParaRPr lang="en-US" dirty="0"/>
           </a:p>
@@ -3413,7 +3545,7 @@
             <a:fld id="{B61BEF0D-F0BB-DE4B-95CE-6DB70DBA9567}" type="datetimeFigureOut">
               <a:rPr lang="en-US" dirty="0"/>
               <a:pPr/>
-              <a:t>7/7/2015</a:t>
+              <a:t>7/8/2015</a:t>
             </a:fld>
             <a:endParaRPr lang="en-US" dirty="0"/>
           </a:p>
@@ -3672,7 +3804,7 @@
             <a:fld id="{B61BEF0D-F0BB-DE4B-95CE-6DB70DBA9567}" type="datetimeFigureOut">
               <a:rPr lang="en-US" dirty="0"/>
               <a:pPr/>
-              <a:t>7/7/2015</a:t>
+              <a:t>7/8/2015</a:t>
             </a:fld>
             <a:endParaRPr lang="en-US" dirty="0"/>
           </a:p>
@@ -3931,7 +4063,7 @@
             <a:fld id="{B61BEF0D-F0BB-DE4B-95CE-6DB70DBA9567}" type="datetimeFigureOut">
               <a:rPr lang="en-US" dirty="0"/>
               <a:pPr/>
-              <a:t>7/7/2015</a:t>
+              <a:t>7/8/2015</a:t>
             </a:fld>
             <a:endParaRPr lang="en-US" dirty="0"/>
           </a:p>
@@ -4257,7 +4389,7 @@
             <a:fld id="{B61BEF0D-F0BB-DE4B-95CE-6DB70DBA9567}" type="datetimeFigureOut">
               <a:rPr lang="en-US" dirty="0"/>
               <a:pPr/>
-              <a:t>7/7/2015</a:t>
+              <a:t>7/8/2015</a:t>
             </a:fld>
             <a:endParaRPr lang="en-US" dirty="0"/>
           </a:p>
@@ -4577,7 +4709,7 @@
             <a:fld id="{B61BEF0D-F0BB-DE4B-95CE-6DB70DBA9567}" type="datetimeFigureOut">
               <a:rPr lang="en-US" dirty="0"/>
               <a:pPr/>
-              <a:t>7/7/2015</a:t>
+              <a:t>7/8/2015</a:t>
             </a:fld>
             <a:endParaRPr lang="en-US" dirty="0"/>
           </a:p>
@@ -5031,7 +5163,7 @@
             <a:fld id="{B61BEF0D-F0BB-DE4B-95CE-6DB70DBA9567}" type="datetimeFigureOut">
               <a:rPr lang="en-US" dirty="0"/>
               <a:pPr/>
-              <a:t>7/7/2015</a:t>
+              <a:t>7/8/2015</a:t>
             </a:fld>
             <a:endParaRPr lang="en-US" dirty="0"/>
           </a:p>
@@ -5233,7 +5365,7 @@
             <a:fld id="{B61BEF0D-F0BB-DE4B-95CE-6DB70DBA9567}" type="datetimeFigureOut">
               <a:rPr lang="en-US" dirty="0"/>
               <a:pPr/>
-              <a:t>7/7/2015</a:t>
+              <a:t>7/8/2015</a:t>
             </a:fld>
             <a:endParaRPr lang="en-US" dirty="0"/>
           </a:p>
@@ -5407,7 +5539,7 @@
             <a:fld id="{B61BEF0D-F0BB-DE4B-95CE-6DB70DBA9567}" type="datetimeFigureOut">
               <a:rPr lang="en-US" dirty="0"/>
               <a:pPr/>
-              <a:t>7/7/2015</a:t>
+              <a:t>7/8/2015</a:t>
             </a:fld>
             <a:endParaRPr lang="en-US" dirty="0"/>
           </a:p>
@@ -5737,7 +5869,7 @@
             <a:fld id="{B61BEF0D-F0BB-DE4B-95CE-6DB70DBA9567}" type="datetimeFigureOut">
               <a:rPr lang="en-US" dirty="0"/>
               <a:pPr/>
-              <a:t>7/7/2015</a:t>
+              <a:t>7/8/2015</a:t>
             </a:fld>
             <a:endParaRPr lang="en-US" dirty="0"/>
           </a:p>
@@ -6079,7 +6211,7 @@
             <a:fld id="{B61BEF0D-F0BB-DE4B-95CE-6DB70DBA9567}" type="datetimeFigureOut">
               <a:rPr lang="en-US" dirty="0"/>
               <a:pPr/>
-              <a:t>7/7/2015</a:t>
+              <a:t>7/8/2015</a:t>
             </a:fld>
             <a:endParaRPr lang="en-US" dirty="0"/>
           </a:p>
@@ -8193,7 +8325,7 @@
             <a:fld id="{B61BEF0D-F0BB-DE4B-95CE-6DB70DBA9567}" type="datetimeFigureOut">
               <a:rPr lang="en-US" dirty="0"/>
               <a:pPr/>
-              <a:t>7/7/2015</a:t>
+              <a:t>7/8/2015</a:t>
             </a:fld>
             <a:endParaRPr lang="en-US" dirty="0"/>
           </a:p>
@@ -8728,11 +8860,7 @@
             </a:r>
             <a:r>
               <a:rPr lang="zh-CN" altLang="en-US" dirty="0" smtClean="0"/>
-              <a:t> </a:t>
-            </a:r>
-            <a:r>
-              <a:rPr lang="zh-CN" altLang="en-US" dirty="0" smtClean="0"/>
-              <a:t>愈行愈远</a:t>
+              <a:t> 愈行愈远</a:t>
             </a:r>
             <a:endParaRPr lang="zh-CN" altLang="en-US" dirty="0"/>
           </a:p>
@@ -8763,11 +8891,7 @@
             </a:r>
             <a:r>
               <a:rPr lang="zh-CN" altLang="en-US" dirty="0" smtClean="0"/>
-              <a:t>引入</a:t>
-            </a:r>
-            <a:r>
-              <a:rPr lang="zh-CN" altLang="en-US" dirty="0" smtClean="0"/>
-              <a:t>项目的一些个人分享</a:t>
+              <a:t>引入项目的一些个人分享</a:t>
             </a:r>
             <a:endParaRPr lang="zh-CN" altLang="en-US" dirty="0"/>
           </a:p>
@@ -8967,6 +9091,22 @@
               </a:rPr>
               <a:t>/</a:t>
             </a:r>
+            <a:r>
+              <a:rPr lang="en-US" altLang="zh-CN" dirty="0" smtClean="0"/>
+              <a:t> </a:t>
+            </a:r>
+            <a:r>
+              <a:rPr lang="en-US" altLang="zh-CN" dirty="0" err="1" smtClean="0"/>
+              <a:t>scss</a:t>
+            </a:r>
+            <a:r>
+              <a:rPr lang="zh-CN" altLang="en-US" dirty="0" smtClean="0"/>
+              <a:t>不可加前缀</a:t>
+            </a:r>
+            <a:r>
+              <a:rPr lang="en-US" altLang="zh-CN" dirty="0" smtClean="0"/>
+              <a:t>_</a:t>
+            </a:r>
             <a:endParaRPr lang="en-US" altLang="zh-CN" dirty="0" smtClean="0"/>
           </a:p>
           <a:p>
@@ -9075,12 +9215,20 @@
               <a:t>配置，</a:t>
             </a:r>
             <a:r>
-              <a:rPr lang="en-US" altLang="zh-CN" dirty="0" smtClean="0"/>
+              <a:rPr lang="en-US" altLang="zh-CN" dirty="0" err="1" smtClean="0"/>
               <a:t>Git</a:t>
             </a:r>
             <a:r>
               <a:rPr lang="zh-CN" altLang="en-US" dirty="0" smtClean="0"/>
-              <a:t>介绍 </a:t>
+              <a:t>介绍</a:t>
+            </a:r>
+            <a:r>
+              <a:rPr lang="zh-CN" altLang="en-US" dirty="0"/>
+              <a:t>参考</a:t>
+            </a:r>
+            <a:r>
+              <a:rPr lang="zh-CN" altLang="en-US" dirty="0" smtClean="0"/>
+              <a:t> </a:t>
             </a:r>
             <a:r>
               <a:rPr lang="en-US" altLang="zh-CN" dirty="0">
@@ -9102,8 +9250,12 @@
               <a:buChar char="Ø"/>
             </a:pPr>
             <a:r>
-              <a:rPr lang="zh-CN" altLang="en-US" dirty="0" smtClean="0"/>
-              <a:t>其他</a:t>
+              <a:rPr lang="en-US" altLang="zh-CN" dirty="0"/>
+              <a:t>c</a:t>
+            </a:r>
+            <a:r>
+              <a:rPr lang="en-US" altLang="zh-CN" dirty="0" smtClean="0"/>
+              <a:t>oding.net</a:t>
             </a:r>
             <a:endParaRPr lang="zh-CN" altLang="en-US" dirty="0"/>
           </a:p>
@@ -9143,11 +9295,6 @@
               </a:rPr>
               <a:t>霓为衣兮风为马，云之君兮纷纷而来下。</a:t>
             </a:r>
-            <a:endParaRPr lang="zh-CN" altLang="en-US" sz="2000" dirty="0">
-              <a:solidFill>
-                <a:srgbClr val="00B050"/>
-              </a:solidFill>
-            </a:endParaRPr>
           </a:p>
         </p:txBody>
       </p:sp>
@@ -9336,11 +9483,6 @@
               </a:rPr>
               <a:t>人生若只如初见，何事秋风悲画扇？</a:t>
             </a:r>
-            <a:endParaRPr lang="zh-CN" altLang="en-US" sz="2000" dirty="0">
-              <a:solidFill>
-                <a:srgbClr val="00B050"/>
-              </a:solidFill>
-            </a:endParaRPr>
           </a:p>
         </p:txBody>
       </p:sp>
@@ -9429,6 +9571,10 @@
           </a:bodyPr>
           <a:lstStyle/>
           <a:p>
+            <a:pPr>
+              <a:buFont typeface="Wingdings" panose="05000000000000000000" pitchFamily="2" charset="2"/>
+              <a:buChar char="Ø"/>
+            </a:pPr>
             <a:r>
               <a:rPr lang="zh-CN" altLang="en-US" sz="2400" dirty="0"/>
               <a:t>初</a:t>
@@ -9617,7 +9763,6 @@
               <a:rPr lang="en-US" altLang="zh-CN" dirty="0" smtClean="0"/>
               <a:t>Sass</a:t>
             </a:r>
-            <a:endParaRPr lang="en-US" altLang="zh-CN" dirty="0" smtClean="0"/>
           </a:p>
           <a:p>
             <a:pPr>
@@ -9626,17 +9771,12 @@
             </a:pPr>
             <a:r>
               <a:rPr lang="zh-CN" altLang="en-US" dirty="0" smtClean="0"/>
-              <a:t>为什么要</a:t>
-            </a:r>
-            <a:r>
-              <a:rPr lang="zh-CN" altLang="en-US" dirty="0" smtClean="0"/>
-              <a:t>用</a:t>
+              <a:t>为什么要用</a:t>
             </a:r>
             <a:r>
               <a:rPr lang="en-US" altLang="zh-CN" dirty="0" smtClean="0"/>
               <a:t>Sass</a:t>
             </a:r>
-            <a:endParaRPr lang="en-US" altLang="zh-CN" dirty="0" smtClean="0"/>
           </a:p>
           <a:p>
             <a:pPr>
@@ -9895,11 +10035,7 @@
             </a:r>
             <a:r>
               <a:rPr lang="zh-CN" altLang="en-US" dirty="0" smtClean="0"/>
-              <a:t>的，</a:t>
-            </a:r>
-            <a:r>
-              <a:rPr lang="zh-CN" altLang="en-US" dirty="0" smtClean="0"/>
-              <a:t>可编程的预处理语言。</a:t>
+              <a:t>的，可编程的预处理语言。</a:t>
             </a:r>
             <a:r>
               <a:rPr lang="en-US" altLang="zh-CN" dirty="0" smtClean="0"/>
@@ -9920,11 +10056,7 @@
             </a:pPr>
             <a:r>
               <a:rPr lang="zh-CN" altLang="en-US" dirty="0" smtClean="0"/>
-              <a:t>可编程，可以</a:t>
-            </a:r>
-            <a:r>
-              <a:rPr lang="zh-CN" altLang="en-US" dirty="0" smtClean="0"/>
-              <a:t>用一些编程思想，比如面向对象、继承等。语法上有条件语句、</a:t>
+              <a:t>可编程，可以用一些编程思想，比如面向对象、继承等。语法上有条件语句、</a:t>
             </a:r>
             <a:r>
               <a:rPr lang="en-US" altLang="zh-CN" dirty="0" smtClean="0"/>
@@ -10083,15 +10215,7 @@
                   <a:srgbClr val="00B050"/>
                 </a:solidFill>
               </a:rPr>
-              <a:t>沾衣欲湿杏花雨，吹</a:t>
-            </a:r>
-            <a:r>
-              <a:rPr lang="zh-CN" altLang="en-US" sz="2000" dirty="0">
-                <a:solidFill>
-                  <a:srgbClr val="00B050"/>
-                </a:solidFill>
-              </a:rPr>
-              <a:t>面不寒杨柳风</a:t>
+              <a:t>沾衣欲湿杏花雨，吹面不寒杨柳风</a:t>
             </a:r>
           </a:p>
         </p:txBody>
@@ -10287,7 +10411,19 @@
             </a:pPr>
             <a:r>
               <a:rPr lang="zh-CN" altLang="en-US" dirty="0" smtClean="0"/>
-              <a:t>可移植、可复用，可编程，更好管理</a:t>
+              <a:t>可移植、可复用，可编程，更好</a:t>
+            </a:r>
+            <a:r>
+              <a:rPr lang="zh-CN" altLang="en-US" dirty="0" smtClean="0"/>
+              <a:t>管理  </a:t>
+            </a:r>
+            <a:r>
+              <a:rPr lang="en-US" altLang="zh-CN" dirty="0" err="1" smtClean="0"/>
+              <a:t>sass</a:t>
+            </a:r>
+            <a:r>
+              <a:rPr lang="en-US" altLang="zh-CN" dirty="0" err="1" smtClean="0"/>
+              <a:t>demo</a:t>
             </a:r>
             <a:endParaRPr lang="zh-CN" altLang="en-US" dirty="0"/>
           </a:p>
@@ -10428,11 +10564,7 @@
             </a:r>
             <a:r>
               <a:rPr lang="en-US" altLang="zh-CN" dirty="0" smtClean="0"/>
-              <a:t>Sass </a:t>
-            </a:r>
-            <a:r>
-              <a:rPr lang="en-US" altLang="zh-CN" dirty="0" smtClean="0"/>
-              <a:t>——</a:t>
+              <a:t>Sass ——</a:t>
             </a:r>
             <a:r>
               <a:rPr lang="zh-CN" altLang="en-US" dirty="0" smtClean="0"/>
@@ -10553,11 +10685,7 @@
             </a:pPr>
             <a:r>
               <a:rPr lang="zh-CN" altLang="en-US" sz="1700" dirty="0" smtClean="0"/>
-              <a:t>淘</a:t>
-            </a:r>
-            <a:r>
-              <a:rPr lang="zh-CN" altLang="en-US" sz="1700" dirty="0" smtClean="0"/>
-              <a:t>宝</a:t>
+              <a:t>淘宝</a:t>
             </a:r>
             <a:r>
               <a:rPr lang="en-US" altLang="zh-CN" sz="1700" dirty="0" smtClean="0"/>
@@ -10734,11 +10862,6 @@
               </a:rPr>
               <a:t>草木有本心，何求美人折？ </a:t>
             </a:r>
-            <a:endParaRPr lang="zh-CN" altLang="en-US" sz="2000" dirty="0">
-              <a:solidFill>
-                <a:srgbClr val="00B050"/>
-              </a:solidFill>
-            </a:endParaRPr>
           </a:p>
         </p:txBody>
       </p:sp>
@@ -11088,11 +11211,7 @@
             </a:r>
             <a:r>
               <a:rPr lang="en-US" altLang="zh-CN" sz="1900" dirty="0" smtClean="0"/>
-              <a:t> </a:t>
-            </a:r>
-            <a:r>
-              <a:rPr lang="en-US" altLang="zh-CN" sz="1900" dirty="0" smtClean="0"/>
-              <a:t>/**/ </a:t>
+              <a:t> /**/ </a:t>
             </a:r>
             <a:r>
               <a:rPr lang="zh-CN" altLang="en-US" sz="1900" dirty="0" smtClean="0"/>
@@ -11194,11 +11313,7 @@
             </a:r>
             <a:r>
               <a:rPr lang="zh-CN" altLang="en-US" sz="1700" dirty="0" smtClean="0"/>
-              <a:t>遍历</a:t>
-            </a:r>
-            <a:r>
-              <a:rPr lang="zh-CN" altLang="en-US" sz="1700" dirty="0" smtClean="0"/>
-              <a:t>），</a:t>
+              <a:t>遍历），</a:t>
             </a:r>
             <a:r>
               <a:rPr lang="en-US" altLang="zh-CN" sz="1700" dirty="0" smtClean="0"/>
@@ -11897,8 +12012,11 @@
                 <a:latin typeface="Microsoft YaHei UI" panose="020B0503020204020204" pitchFamily="34" charset="-122"/>
                 <a:ea typeface="Microsoft YaHei UI" panose="020B0503020204020204" pitchFamily="34" charset="-122"/>
               </a:rPr>
-              <a:t>@mixin box-shadow($shadow</a:t>
-            </a:r>
+              <a:t>@mixin box-shadow($shadow...){ </a:t>
+            </a:r>
+          </a:p>
+          <a:p>
+            <a:pPr lvl="1"/>
             <a:r>
               <a:rPr lang="en-US" altLang="zh-CN" sz="1400" dirty="0">
                 <a:solidFill>
@@ -11907,7 +12025,7 @@
                 <a:latin typeface="Microsoft YaHei UI" panose="020B0503020204020204" pitchFamily="34" charset="-122"/>
                 <a:ea typeface="Microsoft YaHei UI" panose="020B0503020204020204" pitchFamily="34" charset="-122"/>
               </a:rPr>
-              <a:t>...){ </a:t>
+              <a:t>-webkit-box-shadow:$shadow;</a:t>
             </a:r>
           </a:p>
           <a:p>
@@ -11920,8 +12038,11 @@
                 <a:latin typeface="Microsoft YaHei UI" panose="020B0503020204020204" pitchFamily="34" charset="-122"/>
                 <a:ea typeface="Microsoft YaHei UI" panose="020B0503020204020204" pitchFamily="34" charset="-122"/>
               </a:rPr>
-              <a:t>-</a:t>
-            </a:r>
+              <a:t> -moz-box-shadow:$shadow; </a:t>
+            </a:r>
+          </a:p>
+          <a:p>
+            <a:pPr lvl="1"/>
             <a:r>
               <a:rPr lang="en-US" altLang="zh-CN" sz="1400" dirty="0">
                 <a:solidFill>
@@ -11930,8 +12051,10 @@
                 <a:latin typeface="Microsoft YaHei UI" panose="020B0503020204020204" pitchFamily="34" charset="-122"/>
                 <a:ea typeface="Microsoft YaHei UI" panose="020B0503020204020204" pitchFamily="34" charset="-122"/>
               </a:rPr>
-              <a:t>webkit-box-shadow:$shadow</a:t>
-            </a:r>
+              <a:t>box-shadow:$shadow;</a:t>
+            </a:r>
+          </a:p>
+          <a:p>
             <a:r>
               <a:rPr lang="en-US" altLang="zh-CN" sz="1400" dirty="0">
                 <a:solidFill>
@@ -11940,92 +12063,7 @@
                 <a:latin typeface="Microsoft YaHei UI" panose="020B0503020204020204" pitchFamily="34" charset="-122"/>
                 <a:ea typeface="Microsoft YaHei UI" panose="020B0503020204020204" pitchFamily="34" charset="-122"/>
               </a:rPr>
-              <a:t>;</a:t>
-            </a:r>
-          </a:p>
-          <a:p>
-            <a:pPr lvl="1"/>
-            <a:r>
-              <a:rPr lang="en-US" altLang="zh-CN" sz="1400" dirty="0">
-                <a:solidFill>
-                  <a:srgbClr val="7030A0"/>
-                </a:solidFill>
-                <a:latin typeface="Microsoft YaHei UI" panose="020B0503020204020204" pitchFamily="34" charset="-122"/>
-                <a:ea typeface="Microsoft YaHei UI" panose="020B0503020204020204" pitchFamily="34" charset="-122"/>
-              </a:rPr>
-              <a:t> </a:t>
-            </a:r>
-            <a:r>
-              <a:rPr lang="en-US" altLang="zh-CN" sz="1400" dirty="0">
-                <a:solidFill>
-                  <a:srgbClr val="7030A0"/>
-                </a:solidFill>
-                <a:latin typeface="Microsoft YaHei UI" panose="020B0503020204020204" pitchFamily="34" charset="-122"/>
-                <a:ea typeface="Microsoft YaHei UI" panose="020B0503020204020204" pitchFamily="34" charset="-122"/>
-              </a:rPr>
-              <a:t>-moz-box-shadow:$shadow; </a:t>
-            </a:r>
-            <a:endParaRPr lang="en-US" altLang="zh-CN" sz="1400" dirty="0">
-              <a:solidFill>
-                <a:srgbClr val="7030A0"/>
-              </a:solidFill>
-              <a:latin typeface="Microsoft YaHei UI" panose="020B0503020204020204" pitchFamily="34" charset="-122"/>
-              <a:ea typeface="Microsoft YaHei UI" panose="020B0503020204020204" pitchFamily="34" charset="-122"/>
-            </a:endParaRPr>
-          </a:p>
-          <a:p>
-            <a:pPr lvl="1"/>
-            <a:r>
-              <a:rPr lang="en-US" altLang="zh-CN" sz="1400" dirty="0">
-                <a:solidFill>
-                  <a:srgbClr val="7030A0"/>
-                </a:solidFill>
-                <a:latin typeface="Microsoft YaHei UI" panose="020B0503020204020204" pitchFamily="34" charset="-122"/>
-                <a:ea typeface="Microsoft YaHei UI" panose="020B0503020204020204" pitchFamily="34" charset="-122"/>
-              </a:rPr>
-              <a:t>box-shadow</a:t>
-            </a:r>
-            <a:r>
-              <a:rPr lang="en-US" altLang="zh-CN" sz="1400" dirty="0">
-                <a:solidFill>
-                  <a:srgbClr val="7030A0"/>
-                </a:solidFill>
-                <a:latin typeface="Microsoft YaHei UI" panose="020B0503020204020204" pitchFamily="34" charset="-122"/>
-                <a:ea typeface="Microsoft YaHei UI" panose="020B0503020204020204" pitchFamily="34" charset="-122"/>
-              </a:rPr>
-              <a:t>:$shadow</a:t>
-            </a:r>
-            <a:r>
-              <a:rPr lang="en-US" altLang="zh-CN" sz="1400" dirty="0">
-                <a:solidFill>
-                  <a:srgbClr val="7030A0"/>
-                </a:solidFill>
-                <a:latin typeface="Microsoft YaHei UI" panose="020B0503020204020204" pitchFamily="34" charset="-122"/>
-                <a:ea typeface="Microsoft YaHei UI" panose="020B0503020204020204" pitchFamily="34" charset="-122"/>
-              </a:rPr>
-              <a:t>;</a:t>
-            </a:r>
-          </a:p>
-          <a:p>
-            <a:r>
-              <a:rPr lang="en-US" altLang="zh-CN" sz="1400" dirty="0">
-                <a:solidFill>
-                  <a:srgbClr val="7030A0"/>
-                </a:solidFill>
-                <a:latin typeface="Microsoft YaHei UI" panose="020B0503020204020204" pitchFamily="34" charset="-122"/>
-                <a:ea typeface="Microsoft YaHei UI" panose="020B0503020204020204" pitchFamily="34" charset="-122"/>
-              </a:rPr>
-              <a:t> </a:t>
-            </a:r>
-            <a:r>
-              <a:rPr lang="en-US" altLang="zh-CN" sz="1400" dirty="0">
-                <a:solidFill>
-                  <a:srgbClr val="7030A0"/>
-                </a:solidFill>
-                <a:latin typeface="Microsoft YaHei UI" panose="020B0503020204020204" pitchFamily="34" charset="-122"/>
-                <a:ea typeface="Microsoft YaHei UI" panose="020B0503020204020204" pitchFamily="34" charset="-122"/>
-              </a:rPr>
-              <a:t>}</a:t>
+              <a:t> }</a:t>
             </a:r>
             <a:endParaRPr lang="zh-CN" altLang="en-US" sz="1400" dirty="0">
               <a:solidFill>

--- a/SASS愈行愈远.pptx
+++ b/SASS愈行愈远.pptx
@@ -536,7 +536,7 @@
               <a:t>，不使用大括号和分号；另外一种是</a:t>
             </a:r>
             <a:r>
-              <a:rPr lang="en-US" altLang="zh-CN" dirty="0" err="1" smtClean="0"/>
+              <a:rPr lang="en-US" altLang="zh-CN" dirty="0" smtClean="0"/>
               <a:t>scss</a:t>
             </a:r>
             <a:r>
@@ -552,7 +552,7 @@
               <a:t>格式差不多，使用大括号和分号。建议使用</a:t>
             </a:r>
             <a:r>
-              <a:rPr lang="en-US" altLang="zh-CN" dirty="0" err="1" smtClean="0"/>
+              <a:rPr lang="en-US" altLang="zh-CN" dirty="0" smtClean="0"/>
               <a:t>scss</a:t>
             </a:r>
             <a:r>
@@ -1095,19 +1095,7 @@
                 <a:ea typeface="+mn-ea"/>
                 <a:cs typeface="+mn-cs"/>
               </a:rPr>
-              <a:t>$</a:t>
-            </a:r>
-            <a:r>
-              <a:rPr lang="en-US" altLang="zh-CN" sz="1200" b="0" i="0" kern="1200" dirty="0" err="1" smtClean="0">
-                <a:solidFill>
-                  <a:schemeClr val="tx1"/>
-                </a:solidFill>
-                <a:effectLst/>
-                <a:latin typeface="+mn-lt"/>
-                <a:ea typeface="+mn-ea"/>
-                <a:cs typeface="+mn-cs"/>
-              </a:rPr>
-              <a:t>i</a:t>
+              <a:t>$i</a:t>
             </a:r>
             <a:r>
               <a:rPr lang="zh-CN" altLang="en-US" sz="1200" b="0" i="0" kern="1200" dirty="0" smtClean="0">
@@ -9093,15 +9081,11 @@
             </a:r>
             <a:r>
               <a:rPr lang="en-US" altLang="zh-CN" dirty="0" smtClean="0"/>
-              <a:t> </a:t>
-            </a:r>
-            <a:r>
-              <a:rPr lang="en-US" altLang="zh-CN" dirty="0" err="1" smtClean="0"/>
-              <a:t>scss</a:t>
+              <a:t> scss</a:t>
             </a:r>
             <a:r>
               <a:rPr lang="zh-CN" altLang="en-US" dirty="0" smtClean="0"/>
-              <a:t>不可加前缀</a:t>
+              <a:t>私有，不可加前缀</a:t>
             </a:r>
             <a:r>
               <a:rPr lang="en-US" altLang="zh-CN" dirty="0" smtClean="0"/>
@@ -9168,7 +9152,7 @@
             </a:r>
             <a:r>
               <a:rPr lang="zh-CN" altLang="en-US" dirty="0" smtClean="0"/>
-              <a:t>，管理员权限</a:t>
+              <a:t>，权限</a:t>
             </a:r>
             <a:endParaRPr lang="en-US" altLang="zh-CN" dirty="0" smtClean="0"/>
           </a:p>
@@ -9179,11 +9163,34 @@
             </a:pPr>
             <a:r>
               <a:rPr lang="en-US" altLang="zh-CN" dirty="0"/>
-              <a:t>G</a:t>
+              <a:t>npm i -g </a:t>
             </a:r>
             <a:r>
               <a:rPr lang="en-US" altLang="zh-CN" dirty="0" smtClean="0"/>
-              <a:t>it </a:t>
+              <a:t>serve;</a:t>
+            </a:r>
+            <a:r>
+              <a:rPr lang="zh-CN" altLang="en-US" dirty="0" smtClean="0"/>
+              <a:t>本地</a:t>
+            </a:r>
+            <a:r>
+              <a:rPr lang="en-US" altLang="zh-CN" dirty="0" smtClean="0"/>
+              <a:t>file</a:t>
+            </a:r>
+            <a:r>
+              <a:rPr lang="zh-CN" altLang="en-US" dirty="0" smtClean="0"/>
+              <a:t>跨域</a:t>
+            </a:r>
+            <a:endParaRPr lang="en-US" altLang="zh-CN" dirty="0" smtClean="0"/>
+          </a:p>
+          <a:p>
+            <a:pPr indent="-285750">
+              <a:buFont typeface="Wingdings" panose="05000000000000000000" pitchFamily="2" charset="2"/>
+              <a:buChar char="Ø"/>
+            </a:pPr>
+            <a:r>
+              <a:rPr lang="en-US" altLang="zh-CN" dirty="0" smtClean="0"/>
+              <a:t>Git </a:t>
             </a:r>
             <a:r>
               <a:rPr lang="zh-CN" altLang="en-US" dirty="0" smtClean="0"/>
@@ -9215,7 +9222,7 @@
               <a:t>配置，</a:t>
             </a:r>
             <a:r>
-              <a:rPr lang="en-US" altLang="zh-CN" dirty="0" err="1" smtClean="0"/>
+              <a:rPr lang="en-US" altLang="zh-CN" dirty="0" smtClean="0"/>
               <a:t>Git</a:t>
             </a:r>
             <a:r>
@@ -10368,7 +10375,15 @@
             </a:pPr>
             <a:r>
               <a:rPr lang="en-US" altLang="zh-CN" dirty="0"/>
-              <a:t>pages/ home.scss        # </a:t>
+              <a:t>pages/ </a:t>
+            </a:r>
+            <a:r>
+              <a:rPr lang="en-US" altLang="zh-CN" dirty="0" err="1"/>
+              <a:t>home.scss</a:t>
+            </a:r>
+            <a:r>
+              <a:rPr lang="en-US" altLang="zh-CN" dirty="0"/>
+              <a:t>        # </a:t>
             </a:r>
             <a:r>
               <a:rPr lang="en-US" altLang="zh-CN" dirty="0" smtClean="0"/>
@@ -10389,8 +10404,12 @@
               <a:t>components/ </a:t>
             </a:r>
             <a:r>
+              <a:rPr lang="en-US" altLang="zh-CN" dirty="0" err="1" smtClean="0"/>
+              <a:t>panel.scss</a:t>
+            </a:r>
+            <a:r>
               <a:rPr lang="en-US" altLang="zh-CN" dirty="0" smtClean="0"/>
-              <a:t>panel.scss   #panel</a:t>
+              <a:t>   #panel</a:t>
             </a:r>
             <a:r>
               <a:rPr lang="zh-CN" altLang="en-US" dirty="0" smtClean="0"/>

--- a/SASS愈行愈远.pptx
+++ b/SASS愈行愈远.pptx
@@ -10606,7 +10606,7 @@
         <p:spPr/>
         <p:txBody>
           <a:bodyPr>
-            <a:normAutofit fontScale="92500" lnSpcReduction="20000"/>
+            <a:normAutofit fontScale="85000" lnSpcReduction="20000"/>
           </a:bodyPr>
           <a:lstStyle/>
           <a:p>
@@ -10663,9 +10663,25 @@
             </a:r>
             <a:r>
               <a:rPr lang="zh-CN" altLang="en-US" sz="1700" dirty="0" smtClean="0"/>
-              <a:t>查看版本，修改环境变量）</a:t>
+              <a:t>查看版本，修改环境变量</a:t>
+            </a:r>
+            <a:r>
+              <a:rPr lang="zh-CN" altLang="en-US" sz="1700" dirty="0" smtClean="0"/>
+              <a:t>）</a:t>
             </a:r>
             <a:endParaRPr lang="en-US" altLang="zh-CN" sz="1700" dirty="0" smtClean="0"/>
+          </a:p>
+          <a:p>
+            <a:pPr marL="857250" lvl="2" indent="0">
+              <a:buNone/>
+            </a:pPr>
+            <a:r>
+              <a:rPr lang="en-US" altLang="zh-CN" sz="1500" dirty="0">
+                <a:hlinkClick r:id="rId2"/>
+              </a:rPr>
+              <a:t>http://rubyinstaller.org/downloads</a:t>
+            </a:r>
+            <a:endParaRPr lang="en-US" altLang="zh-CN" sz="1500" dirty="0" smtClean="0"/>
           </a:p>
           <a:p>
             <a:pPr marL="800100" lvl="1" indent="-342900">
@@ -10794,7 +10810,7 @@
             </a:r>
             <a:r>
               <a:rPr lang="en-US" altLang="zh-CN" sz="1700" dirty="0" smtClean="0">
-                <a:hlinkClick r:id="rId2"/>
+                <a:hlinkClick r:id="rId3"/>
               </a:rPr>
               <a:t>koala</a:t>
             </a:r>
@@ -10811,7 +10827,7 @@
             </a:r>
             <a:r>
               <a:rPr lang="en-US" altLang="zh-CN" sz="1700" dirty="0" smtClean="0">
-                <a:hlinkClick r:id="rId3"/>
+                <a:hlinkClick r:id="rId4"/>
               </a:rPr>
               <a:t>sassmeister</a:t>
             </a:r>
@@ -10833,7 +10849,7 @@
             </a:r>
             <a:r>
               <a:rPr lang="en-US" altLang="zh-CN" dirty="0">
-                <a:hlinkClick r:id="rId4"/>
+                <a:hlinkClick r:id="rId5"/>
               </a:rPr>
               <a:t>http://www.w3cplus.com/sassguide/install.html</a:t>
             </a:r>
@@ -10879,8 +10895,21 @@
                   <a:srgbClr val="00B050"/>
                 </a:solidFill>
               </a:rPr>
-              <a:t>草木有本心，何求美人折？ </a:t>
-            </a:r>
+              <a:t>纸上得来终觉浅，绝知此事要</a:t>
+            </a:r>
+            <a:r>
+              <a:rPr lang="zh-CN" altLang="en-US" sz="2000" dirty="0" smtClean="0">
+                <a:solidFill>
+                  <a:srgbClr val="00B050"/>
+                </a:solidFill>
+              </a:rPr>
+              <a:t>躬行。</a:t>
+            </a:r>
+            <a:endParaRPr lang="zh-CN" altLang="en-US" sz="2000" dirty="0">
+              <a:solidFill>
+                <a:srgbClr val="00B050"/>
+              </a:solidFill>
+            </a:endParaRPr>
           </a:p>
         </p:txBody>
       </p:sp>

--- a/SASS愈行愈远.pptx
+++ b/SASS愈行愈远.pptx
@@ -9588,7 +9588,23 @@
             </a:r>
             <a:r>
               <a:rPr lang="zh-CN" altLang="en-US" sz="2400" dirty="0" smtClean="0"/>
-              <a:t>入前端，菜鸟一枚，今之动作，实属抛砖引玉之举。希望小伙伴们少包容、多批评、多指正。</a:t>
+              <a:t>入前端，菜鸟一枚，今</a:t>
+            </a:r>
+            <a:r>
+              <a:rPr lang="zh-CN" altLang="en-US" sz="2400" dirty="0" smtClean="0"/>
+              <a:t>之</a:t>
+            </a:r>
+            <a:r>
+              <a:rPr lang="zh-CN" altLang="en-US" sz="2400" dirty="0"/>
+              <a:t>为</a:t>
+            </a:r>
+            <a:r>
+              <a:rPr lang="zh-CN" altLang="en-US" sz="2400" dirty="0" smtClean="0"/>
+              <a:t>，</a:t>
+            </a:r>
+            <a:r>
+              <a:rPr lang="zh-CN" altLang="en-US" sz="2400" dirty="0" smtClean="0"/>
+              <a:t>实属抛砖引玉之举。希望小伙伴们少包容、多批评、多指正。</a:t>
             </a:r>
             <a:endParaRPr lang="zh-CN" altLang="en-US" sz="2400" dirty="0"/>
           </a:p>
@@ -10437,11 +10453,11 @@
               <a:t>管理  </a:t>
             </a:r>
             <a:r>
-              <a:rPr lang="en-US" altLang="zh-CN" dirty="0" err="1" smtClean="0"/>
+              <a:rPr lang="en-US" altLang="zh-CN" dirty="0" smtClean="0"/>
               <a:t>sass</a:t>
             </a:r>
             <a:r>
-              <a:rPr lang="en-US" altLang="zh-CN" dirty="0" err="1" smtClean="0"/>
+              <a:rPr lang="en-US" altLang="zh-CN" dirty="0" smtClean="0"/>
               <a:t>demo</a:t>
             </a:r>
             <a:endParaRPr lang="zh-CN" altLang="en-US" dirty="0"/>

--- a/SASS愈行愈远.pptx
+++ b/SASS愈行愈远.pptx
@@ -207,7 +207,7 @@
           <a:p>
             <a:fld id="{37BD2C1D-2F58-45BB-86E1-36AE59844593}" type="datetimeFigureOut">
               <a:rPr lang="zh-CN" altLang="en-US" smtClean="0"/>
-              <a:t>2015/7/8</a:t>
+              <a:t>2015/7/9</a:t>
             </a:fld>
             <a:endParaRPr lang="zh-CN" altLang="en-US"/>
           </a:p>
@@ -1504,7 +1504,7 @@
             <a:fld id="{B61BEF0D-F0BB-DE4B-95CE-6DB70DBA9567}" type="datetimeFigureOut">
               <a:rPr lang="en-US" dirty="0"/>
               <a:pPr/>
-              <a:t>7/8/2015</a:t>
+              <a:t>7/9/2015</a:t>
             </a:fld>
             <a:endParaRPr lang="en-US" dirty="0"/>
           </a:p>
@@ -1839,7 +1839,7 @@
             <a:fld id="{B61BEF0D-F0BB-DE4B-95CE-6DB70DBA9567}" type="datetimeFigureOut">
               <a:rPr lang="en-US" dirty="0"/>
               <a:pPr/>
-              <a:t>7/8/2015</a:t>
+              <a:t>7/9/2015</a:t>
             </a:fld>
             <a:endParaRPr lang="en-US" dirty="0"/>
           </a:p>
@@ -2237,7 +2237,7 @@
             <a:fld id="{B61BEF0D-F0BB-DE4B-95CE-6DB70DBA9567}" type="datetimeFigureOut">
               <a:rPr lang="en-US" dirty="0"/>
               <a:pPr/>
-              <a:t>7/8/2015</a:t>
+              <a:t>7/9/2015</a:t>
             </a:fld>
             <a:endParaRPr lang="en-US" dirty="0"/>
           </a:p>
@@ -2569,7 +2569,7 @@
             <a:fld id="{B61BEF0D-F0BB-DE4B-95CE-6DB70DBA9567}" type="datetimeFigureOut">
               <a:rPr lang="en-US" dirty="0"/>
               <a:pPr/>
-              <a:t>7/8/2015</a:t>
+              <a:t>7/9/2015</a:t>
             </a:fld>
             <a:endParaRPr lang="en-US" dirty="0"/>
           </a:p>
@@ -2886,7 +2886,7 @@
             <a:fld id="{B61BEF0D-F0BB-DE4B-95CE-6DB70DBA9567}" type="datetimeFigureOut">
               <a:rPr lang="en-US" dirty="0"/>
               <a:pPr/>
-              <a:t>7/8/2015</a:t>
+              <a:t>7/9/2015</a:t>
             </a:fld>
             <a:endParaRPr lang="en-US" dirty="0"/>
           </a:p>
@@ -3279,7 +3279,7 @@
             <a:fld id="{B61BEF0D-F0BB-DE4B-95CE-6DB70DBA9567}" type="datetimeFigureOut">
               <a:rPr lang="en-US" dirty="0"/>
               <a:pPr/>
-              <a:t>7/8/2015</a:t>
+              <a:t>7/9/2015</a:t>
             </a:fld>
             <a:endParaRPr lang="en-US" dirty="0"/>
           </a:p>
@@ -3533,7 +3533,7 @@
             <a:fld id="{B61BEF0D-F0BB-DE4B-95CE-6DB70DBA9567}" type="datetimeFigureOut">
               <a:rPr lang="en-US" dirty="0"/>
               <a:pPr/>
-              <a:t>7/8/2015</a:t>
+              <a:t>7/9/2015</a:t>
             </a:fld>
             <a:endParaRPr lang="en-US" dirty="0"/>
           </a:p>
@@ -3792,7 +3792,7 @@
             <a:fld id="{B61BEF0D-F0BB-DE4B-95CE-6DB70DBA9567}" type="datetimeFigureOut">
               <a:rPr lang="en-US" dirty="0"/>
               <a:pPr/>
-              <a:t>7/8/2015</a:t>
+              <a:t>7/9/2015</a:t>
             </a:fld>
             <a:endParaRPr lang="en-US" dirty="0"/>
           </a:p>
@@ -4051,7 +4051,7 @@
             <a:fld id="{B61BEF0D-F0BB-DE4B-95CE-6DB70DBA9567}" type="datetimeFigureOut">
               <a:rPr lang="en-US" dirty="0"/>
               <a:pPr/>
-              <a:t>7/8/2015</a:t>
+              <a:t>7/9/2015</a:t>
             </a:fld>
             <a:endParaRPr lang="en-US" dirty="0"/>
           </a:p>
@@ -4377,7 +4377,7 @@
             <a:fld id="{B61BEF0D-F0BB-DE4B-95CE-6DB70DBA9567}" type="datetimeFigureOut">
               <a:rPr lang="en-US" dirty="0"/>
               <a:pPr/>
-              <a:t>7/8/2015</a:t>
+              <a:t>7/9/2015</a:t>
             </a:fld>
             <a:endParaRPr lang="en-US" dirty="0"/>
           </a:p>
@@ -4697,7 +4697,7 @@
             <a:fld id="{B61BEF0D-F0BB-DE4B-95CE-6DB70DBA9567}" type="datetimeFigureOut">
               <a:rPr lang="en-US" dirty="0"/>
               <a:pPr/>
-              <a:t>7/8/2015</a:t>
+              <a:t>7/9/2015</a:t>
             </a:fld>
             <a:endParaRPr lang="en-US" dirty="0"/>
           </a:p>
@@ -5151,7 +5151,7 @@
             <a:fld id="{B61BEF0D-F0BB-DE4B-95CE-6DB70DBA9567}" type="datetimeFigureOut">
               <a:rPr lang="en-US" dirty="0"/>
               <a:pPr/>
-              <a:t>7/8/2015</a:t>
+              <a:t>7/9/2015</a:t>
             </a:fld>
             <a:endParaRPr lang="en-US" dirty="0"/>
           </a:p>
@@ -5353,7 +5353,7 @@
             <a:fld id="{B61BEF0D-F0BB-DE4B-95CE-6DB70DBA9567}" type="datetimeFigureOut">
               <a:rPr lang="en-US" dirty="0"/>
               <a:pPr/>
-              <a:t>7/8/2015</a:t>
+              <a:t>7/9/2015</a:t>
             </a:fld>
             <a:endParaRPr lang="en-US" dirty="0"/>
           </a:p>
@@ -5527,7 +5527,7 @@
             <a:fld id="{B61BEF0D-F0BB-DE4B-95CE-6DB70DBA9567}" type="datetimeFigureOut">
               <a:rPr lang="en-US" dirty="0"/>
               <a:pPr/>
-              <a:t>7/8/2015</a:t>
+              <a:t>7/9/2015</a:t>
             </a:fld>
             <a:endParaRPr lang="en-US" dirty="0"/>
           </a:p>
@@ -5857,7 +5857,7 @@
             <a:fld id="{B61BEF0D-F0BB-DE4B-95CE-6DB70DBA9567}" type="datetimeFigureOut">
               <a:rPr lang="en-US" dirty="0"/>
               <a:pPr/>
-              <a:t>7/8/2015</a:t>
+              <a:t>7/9/2015</a:t>
             </a:fld>
             <a:endParaRPr lang="en-US" dirty="0"/>
           </a:p>
@@ -6199,7 +6199,7 @@
             <a:fld id="{B61BEF0D-F0BB-DE4B-95CE-6DB70DBA9567}" type="datetimeFigureOut">
               <a:rPr lang="en-US" dirty="0"/>
               <a:pPr/>
-              <a:t>7/8/2015</a:t>
+              <a:t>7/9/2015</a:t>
             </a:fld>
             <a:endParaRPr lang="en-US" dirty="0"/>
           </a:p>
@@ -8313,7 +8313,7 @@
             <a:fld id="{B61BEF0D-F0BB-DE4B-95CE-6DB70DBA9567}" type="datetimeFigureOut">
               <a:rPr lang="en-US" dirty="0"/>
               <a:pPr/>
-              <a:t>7/8/2015</a:t>
+              <a:t>7/9/2015</a:t>
             </a:fld>
             <a:endParaRPr lang="en-US" dirty="0"/>
           </a:p>
@@ -9091,7 +9091,6 @@
               <a:rPr lang="en-US" altLang="zh-CN" dirty="0" smtClean="0"/>
               <a:t>_</a:t>
             </a:r>
-            <a:endParaRPr lang="en-US" altLang="zh-CN" dirty="0" smtClean="0"/>
           </a:p>
           <a:p>
             <a:pPr marL="457200" lvl="1" indent="0">
@@ -9588,23 +9587,19 @@
             </a:r>
             <a:r>
               <a:rPr lang="zh-CN" altLang="en-US" sz="2400" dirty="0" smtClean="0"/>
-              <a:t>入前端，菜鸟一枚，今</a:t>
+              <a:t>入前端，菜鸟一</a:t>
+            </a:r>
+            <a:r>
+              <a:rPr lang="zh-CN" altLang="en-US" sz="2400" smtClean="0"/>
+              <a:t>枚</a:t>
+            </a:r>
+            <a:r>
+              <a:rPr lang="zh-CN" altLang="en-US" sz="2400" smtClean="0"/>
+              <a:t>，抛砖引玉</a:t>
             </a:r>
             <a:r>
               <a:rPr lang="zh-CN" altLang="en-US" sz="2400" dirty="0" smtClean="0"/>
-              <a:t>之</a:t>
-            </a:r>
-            <a:r>
-              <a:rPr lang="zh-CN" altLang="en-US" sz="2400" dirty="0"/>
-              <a:t>为</a:t>
-            </a:r>
-            <a:r>
-              <a:rPr lang="zh-CN" altLang="en-US" sz="2400" dirty="0" smtClean="0"/>
-              <a:t>，</a:t>
-            </a:r>
-            <a:r>
-              <a:rPr lang="zh-CN" altLang="en-US" sz="2400" dirty="0" smtClean="0"/>
-              <a:t>实属抛砖引玉之举。希望小伙伴们少包容、多批评、多指正。</a:t>
+              <a:t>之举。希望小伙伴们少包容、多批评、多指正。</a:t>
             </a:r>
             <a:endParaRPr lang="zh-CN" altLang="en-US" sz="2400" dirty="0"/>
           </a:p>
@@ -10446,19 +10441,11 @@
             </a:pPr>
             <a:r>
               <a:rPr lang="zh-CN" altLang="en-US" dirty="0" smtClean="0"/>
-              <a:t>可移植、可复用，可编程，更好</a:t>
-            </a:r>
-            <a:r>
-              <a:rPr lang="zh-CN" altLang="en-US" dirty="0" smtClean="0"/>
-              <a:t>管理  </a:t>
+              <a:t>可移植、可复用，可编程，更好管理  </a:t>
             </a:r>
             <a:r>
               <a:rPr lang="en-US" altLang="zh-CN" dirty="0" smtClean="0"/>
-              <a:t>sass</a:t>
-            </a:r>
-            <a:r>
-              <a:rPr lang="en-US" altLang="zh-CN" dirty="0" smtClean="0"/>
-              <a:t>demo</a:t>
+              <a:t>sassdemo</a:t>
             </a:r>
             <a:endParaRPr lang="zh-CN" altLang="en-US" dirty="0"/>
           </a:p>
@@ -10679,11 +10666,7 @@
             </a:r>
             <a:r>
               <a:rPr lang="zh-CN" altLang="en-US" sz="1700" dirty="0" smtClean="0"/>
-              <a:t>查看版本，修改环境变量</a:t>
-            </a:r>
-            <a:r>
-              <a:rPr lang="zh-CN" altLang="en-US" sz="1700" dirty="0" smtClean="0"/>
-              <a:t>）</a:t>
+              <a:t>查看版本，修改环境变量）</a:t>
             </a:r>
             <a:endParaRPr lang="en-US" altLang="zh-CN" sz="1700" dirty="0" smtClean="0"/>
           </a:p>

--- a/SASS愈行愈远.pptx
+++ b/SASS愈行愈远.pptx
@@ -5,7 +5,7 @@
     <p:sldMasterId id="2147483648" r:id="rId1"/>
   </p:sldMasterIdLst>
   <p:notesMasterIdLst>
-    <p:notesMasterId r:id="rId13"/>
+    <p:notesMasterId r:id="rId14"/>
   </p:notesMasterIdLst>
   <p:sldIdLst>
     <p:sldId id="256" r:id="rId2"/>
@@ -13,12 +13,13 @@
     <p:sldId id="257" r:id="rId4"/>
     <p:sldId id="259" r:id="rId5"/>
     <p:sldId id="260" r:id="rId6"/>
-    <p:sldId id="261" r:id="rId7"/>
-    <p:sldId id="262" r:id="rId8"/>
-    <p:sldId id="263" r:id="rId9"/>
-    <p:sldId id="265" r:id="rId10"/>
-    <p:sldId id="264" r:id="rId11"/>
-    <p:sldId id="266" r:id="rId12"/>
+    <p:sldId id="267" r:id="rId7"/>
+    <p:sldId id="261" r:id="rId8"/>
+    <p:sldId id="262" r:id="rId9"/>
+    <p:sldId id="263" r:id="rId10"/>
+    <p:sldId id="265" r:id="rId11"/>
+    <p:sldId id="264" r:id="rId12"/>
+    <p:sldId id="266" r:id="rId13"/>
   </p:sldIdLst>
   <p:sldSz cx="12192000" cy="6858000"/>
   <p:notesSz cx="6858000" cy="9144000"/>
@@ -1296,7 +1297,7 @@
           <a:p>
             <a:fld id="{50AB4024-DAA6-4EAE-AEB3-353C1DA2FD5F}" type="slidenum">
               <a:rPr lang="zh-CN" altLang="en-US" smtClean="0"/>
-              <a:t>7</a:t>
+              <a:t>8</a:t>
             </a:fld>
             <a:endParaRPr lang="zh-CN" altLang="en-US"/>
           </a:p>
@@ -8968,6 +8969,260 @@
         </p:nvSpPr>
         <p:spPr>
           <a:xfrm>
+            <a:off x="2592925" y="624110"/>
+            <a:ext cx="8911687" cy="663777"/>
+          </a:xfrm>
+        </p:spPr>
+        <p:txBody>
+          <a:bodyPr/>
+          <a:lstStyle/>
+          <a:p>
+            <a:r>
+              <a:rPr lang="zh-CN" altLang="en-US" dirty="0"/>
+              <a:t>使用</a:t>
+            </a:r>
+            <a:r>
+              <a:rPr lang="en-US" altLang="zh-CN" dirty="0"/>
+              <a:t>Sass ——</a:t>
+            </a:r>
+            <a:r>
+              <a:rPr lang="zh-CN" altLang="en-US" dirty="0"/>
+              <a:t> 基本语法</a:t>
+            </a:r>
+          </a:p>
+        </p:txBody>
+      </p:sp>
+      <p:sp>
+        <p:nvSpPr>
+          <p:cNvPr id="3" name="内容占位符 2"/>
+          <p:cNvSpPr>
+            <a:spLocks noGrp="1"/>
+          </p:cNvSpPr>
+          <p:nvPr>
+            <p:ph idx="1"/>
+          </p:nvPr>
+        </p:nvSpPr>
+        <p:spPr/>
+        <p:txBody>
+          <a:bodyPr/>
+          <a:lstStyle/>
+          <a:p>
+            <a:pPr>
+              <a:buFont typeface="Wingdings" panose="05000000000000000000" pitchFamily="2" charset="2"/>
+              <a:buChar char="Ø"/>
+            </a:pPr>
+            <a:r>
+              <a:rPr lang="en-US" altLang="zh-CN" dirty="0" smtClean="0"/>
+              <a:t>@function</a:t>
+            </a:r>
+          </a:p>
+          <a:p>
+            <a:pPr marL="800100" lvl="1" indent="-342900">
+              <a:buFont typeface="+mj-lt"/>
+              <a:buAutoNum type="alphaLcPeriod"/>
+            </a:pPr>
+            <a:r>
+              <a:rPr lang="en-US" altLang="zh-CN" dirty="0" smtClean="0"/>
+              <a:t>@function</a:t>
+            </a:r>
+            <a:r>
+              <a:rPr lang="zh-CN" altLang="en-US" dirty="0" smtClean="0"/>
+              <a:t>声明，</a:t>
+            </a:r>
+            <a:r>
+              <a:rPr lang="en-US" altLang="zh-CN" dirty="0" smtClean="0"/>
+              <a:t>@return</a:t>
+            </a:r>
+            <a:r>
+              <a:rPr lang="zh-CN" altLang="en-US" dirty="0" smtClean="0"/>
+              <a:t>返回值</a:t>
+            </a:r>
+            <a:endParaRPr lang="en-US" altLang="zh-CN" dirty="0" smtClean="0"/>
+          </a:p>
+          <a:p>
+            <a:pPr marL="800100" lvl="1" indent="-342900">
+              <a:buFont typeface="+mj-lt"/>
+              <a:buAutoNum type="alphaLcPeriod"/>
+            </a:pPr>
+            <a:r>
+              <a:rPr lang="en-US" altLang="zh-CN" dirty="0" smtClean="0"/>
+              <a:t>Sass</a:t>
+            </a:r>
+            <a:r>
+              <a:rPr lang="zh-CN" altLang="en-US" dirty="0" smtClean="0"/>
+              <a:t>自带很多函数</a:t>
+            </a:r>
+            <a:endParaRPr lang="en-US" altLang="zh-CN" dirty="0" smtClean="0"/>
+          </a:p>
+          <a:p>
+            <a:pPr marL="857250" lvl="2" indent="0">
+              <a:buNone/>
+            </a:pPr>
+            <a:r>
+              <a:rPr lang="zh-CN" altLang="en-US" dirty="0" smtClean="0"/>
+              <a:t>函数列表参考 </a:t>
+            </a:r>
+            <a:r>
+              <a:rPr lang="en-US" altLang="zh-CN" dirty="0">
+                <a:hlinkClick r:id="rId2"/>
+              </a:rPr>
+              <a:t>http://</a:t>
+            </a:r>
+            <a:r>
+              <a:rPr lang="en-US" altLang="zh-CN" dirty="0" smtClean="0">
+                <a:hlinkClick r:id="rId2"/>
+              </a:rPr>
+              <a:t>sass-lang.com/documentation/Sass/Script/Functions.html</a:t>
+            </a:r>
+            <a:endParaRPr lang="en-US" altLang="zh-CN" dirty="0" smtClean="0"/>
+          </a:p>
+          <a:p>
+            <a:pPr indent="-285750">
+              <a:buFont typeface="Wingdings" panose="05000000000000000000" pitchFamily="2" charset="2"/>
+              <a:buChar char="Ø"/>
+            </a:pPr>
+            <a:r>
+              <a:rPr lang="zh-CN" altLang="en-US" dirty="0" smtClean="0"/>
+              <a:t>归纳</a:t>
+            </a:r>
+            <a:endParaRPr lang="en-US" altLang="zh-CN" dirty="0" smtClean="0"/>
+          </a:p>
+          <a:p>
+            <a:pPr marL="800100" lvl="1" indent="-342900">
+              <a:buFont typeface="+mj-lt"/>
+              <a:buAutoNum type="alphaLcPeriod"/>
+            </a:pPr>
+            <a:r>
+              <a:rPr lang="zh-CN" altLang="en-US" dirty="0" smtClean="0"/>
+              <a:t>样式</a:t>
+            </a:r>
+            <a:r>
+              <a:rPr lang="zh-CN" altLang="en-US" dirty="0"/>
+              <a:t>可以组合</a:t>
+            </a:r>
+            <a:r>
+              <a:rPr lang="zh-CN" altLang="en-US" dirty="0" smtClean="0"/>
+              <a:t>申明</a:t>
+            </a:r>
+            <a:endParaRPr lang="en-US" altLang="zh-CN" dirty="0" smtClean="0"/>
+          </a:p>
+          <a:p>
+            <a:pPr marL="800100" lvl="1" indent="-342900">
+              <a:buFont typeface="+mj-lt"/>
+              <a:buAutoNum type="alphaLcPeriod"/>
+            </a:pPr>
+            <a:r>
+              <a:rPr lang="zh-CN" altLang="en-US" dirty="0"/>
+              <a:t>浏览器兼容样式</a:t>
+            </a:r>
+            <a:r>
+              <a:rPr lang="zh-CN" altLang="en-US" dirty="0" smtClean="0"/>
+              <a:t>判断</a:t>
+            </a:r>
+            <a:endParaRPr lang="en-US" altLang="zh-CN" dirty="0" smtClean="0"/>
+          </a:p>
+          <a:p>
+            <a:pPr marL="400050">
+              <a:buFont typeface="Wingdings" panose="05000000000000000000" pitchFamily="2" charset="2"/>
+              <a:buChar char="Ø"/>
+            </a:pPr>
+            <a:r>
+              <a:rPr lang="en-US" altLang="zh-CN" dirty="0" smtClean="0"/>
+              <a:t>sassdemo</a:t>
+            </a:r>
+            <a:endParaRPr lang="zh-CN" altLang="en-US" dirty="0"/>
+          </a:p>
+        </p:txBody>
+      </p:sp>
+      <p:sp>
+        <p:nvSpPr>
+          <p:cNvPr id="4" name="文本框 3"/>
+          <p:cNvSpPr txBox="1"/>
+          <p:nvPr/>
+        </p:nvSpPr>
+        <p:spPr>
+          <a:xfrm>
+            <a:off x="2589213" y="1197732"/>
+            <a:ext cx="8915400" cy="400110"/>
+          </a:xfrm>
+          <a:prstGeom prst="rect">
+            <a:avLst/>
+          </a:prstGeom>
+          <a:noFill/>
+          <a:effectLst>
+            <a:reflection blurRad="6350" stA="50000" endA="300" endPos="55000" dir="5400000" sy="-100000" algn="bl" rotWithShape="0"/>
+          </a:effectLst>
+        </p:spPr>
+        <p:txBody>
+          <a:bodyPr wrap="square" rtlCol="0">
+            <a:spAutoFit/>
+          </a:bodyPr>
+          <a:lstStyle/>
+          <a:p>
+            <a:pPr algn="r"/>
+            <a:r>
+              <a:rPr lang="zh-CN" altLang="en-US" sz="2000" dirty="0">
+                <a:solidFill>
+                  <a:srgbClr val="00B050"/>
+                </a:solidFill>
+              </a:rPr>
+              <a:t>长风万里送秋雁，对此可以酣高楼。</a:t>
+            </a:r>
+          </a:p>
+        </p:txBody>
+      </p:sp>
+    </p:spTree>
+    <p:extLst>
+      <p:ext uri="{BB962C8B-B14F-4D97-AF65-F5344CB8AC3E}">
+        <p14:creationId xmlns:p14="http://schemas.microsoft.com/office/powerpoint/2010/main" val="57692048"/>
+      </p:ext>
+    </p:extLst>
+  </p:cSld>
+  <p:clrMapOvr>
+    <a:masterClrMapping/>
+  </p:clrMapOvr>
+  <p:transition spd="slow">
+    <p:randomBar dir="vert"/>
+  </p:transition>
+  <p:timing>
+    <p:tnLst>
+      <p:par>
+        <p:cTn id="1" dur="indefinite" restart="never" nodeType="tmRoot"/>
+      </p:par>
+    </p:tnLst>
+  </p:timing>
+</p:sld>
+</file>
+
+<file path=ppt/slides/slide11.xml><?xml version="1.0" encoding="utf-8"?>
+<p:sld xmlns:a="http://schemas.openxmlformats.org/drawingml/2006/main" xmlns:r="http://schemas.openxmlformats.org/officeDocument/2006/relationships" xmlns:p="http://schemas.openxmlformats.org/presentationml/2006/main">
+  <p:cSld>
+    <p:spTree>
+      <p:nvGrpSpPr>
+        <p:cNvPr id="1" name=""/>
+        <p:cNvGrpSpPr/>
+        <p:nvPr/>
+      </p:nvGrpSpPr>
+      <p:grpSpPr>
+        <a:xfrm>
+          <a:off x="0" y="0"/>
+          <a:ext cx="0" cy="0"/>
+          <a:chOff x="0" y="0"/>
+          <a:chExt cx="0" cy="0"/>
+        </a:xfrm>
+      </p:grpSpPr>
+      <p:sp>
+        <p:nvSpPr>
+          <p:cNvPr id="2" name="标题 1"/>
+          <p:cNvSpPr>
+            <a:spLocks noGrp="1"/>
+          </p:cNvSpPr>
+          <p:nvPr>
+            <p:ph type="title"/>
+          </p:nvPr>
+        </p:nvSpPr>
+        <p:spPr>
+          <a:xfrm>
             <a:off x="2592925" y="624111"/>
             <a:ext cx="8911687" cy="741050"/>
           </a:xfrm>
@@ -9327,7 +9582,7 @@
 </p:sld>
 </file>
 
-<file path=ppt/slides/slide11.xml><?xml version="1.0" encoding="utf-8"?>
+<file path=ppt/slides/slide12.xml><?xml version="1.0" encoding="utf-8"?>
 <p:sld xmlns:a="http://schemas.openxmlformats.org/drawingml/2006/main" xmlns:r="http://schemas.openxmlformats.org/officeDocument/2006/relationships" xmlns:p="http://schemas.openxmlformats.org/presentationml/2006/main">
   <p:cSld>
     <p:spTree>
@@ -9587,14 +9842,10 @@
             </a:r>
             <a:r>
               <a:rPr lang="zh-CN" altLang="en-US" sz="2400" dirty="0" smtClean="0"/>
-              <a:t>入前端，菜鸟一</a:t>
-            </a:r>
-            <a:r>
-              <a:rPr lang="zh-CN" altLang="en-US" sz="2400" smtClean="0"/>
-              <a:t>枚</a:t>
-            </a:r>
-            <a:r>
-              <a:rPr lang="zh-CN" altLang="en-US" sz="2400" smtClean="0"/>
+              <a:t>入前端，菜鸟一枚</a:t>
+            </a:r>
+            <a:r>
+              <a:rPr lang="zh-CN" altLang="en-US" sz="2400" dirty="0" smtClean="0"/>
               <a:t>，抛砖引玉</a:t>
             </a:r>
             <a:r>
@@ -10570,29 +10821,12 @@
             <p:ph type="title"/>
           </p:nvPr>
         </p:nvSpPr>
-        <p:spPr>
-          <a:xfrm>
-            <a:off x="2592925" y="624110"/>
-            <a:ext cx="8911687" cy="650898"/>
-          </a:xfrm>
-        </p:spPr>
+        <p:spPr/>
         <p:txBody>
           <a:bodyPr/>
           <a:lstStyle/>
           <a:p>
-            <a:r>
-              <a:rPr lang="zh-CN" altLang="en-US" dirty="0" smtClean="0"/>
-              <a:t>使用</a:t>
-            </a:r>
-            <a:r>
-              <a:rPr lang="en-US" altLang="zh-CN" dirty="0" smtClean="0"/>
-              <a:t>Sass ——</a:t>
-            </a:r>
-            <a:r>
-              <a:rPr lang="zh-CN" altLang="en-US" dirty="0" smtClean="0"/>
-              <a:t> 环境搭建</a:t>
-            </a:r>
-            <a:endParaRPr lang="zh-CN" altLang="en-US" dirty="0"/>
+            <a:endParaRPr lang="zh-CN" altLang="en-US"/>
           </a:p>
         </p:txBody>
       </p:sp>
@@ -10608,550 +10842,23 @@
         </p:nvSpPr>
         <p:spPr/>
         <p:txBody>
-          <a:bodyPr>
-            <a:normAutofit fontScale="85000" lnSpcReduction="20000"/>
-          </a:bodyPr>
+          <a:bodyPr/>
           <a:lstStyle/>
           <a:p>
-            <a:pPr>
-              <a:buFont typeface="+mj-lt"/>
-              <a:buAutoNum type="arabicPeriod"/>
-            </a:pPr>
-            <a:r>
-              <a:rPr lang="zh-CN" altLang="en-US" sz="1900" dirty="0" smtClean="0"/>
-              <a:t>环境准备</a:t>
-            </a:r>
-            <a:endParaRPr lang="en-US" altLang="zh-CN" sz="1900" dirty="0" smtClean="0"/>
-          </a:p>
-          <a:p>
-            <a:pPr marL="800100" lvl="1" indent="-342900">
-              <a:buFont typeface="+mj-lt"/>
-              <a:buAutoNum type="alphaLcPeriod"/>
-            </a:pPr>
-            <a:r>
-              <a:rPr lang="zh-CN" altLang="en-US" sz="1700" dirty="0" smtClean="0"/>
-              <a:t>安装</a:t>
-            </a:r>
-            <a:r>
-              <a:rPr lang="en-US" altLang="zh-CN" sz="1700" dirty="0" smtClean="0"/>
-              <a:t>ruby </a:t>
-            </a:r>
-            <a:r>
-              <a:rPr lang="zh-CN" altLang="en-US" sz="1700" dirty="0" smtClean="0"/>
-              <a:t>（</a:t>
-            </a:r>
-            <a:r>
-              <a:rPr lang="en-US" altLang="zh-CN" sz="1700" dirty="0" smtClean="0"/>
-              <a:t>appcan IDE</a:t>
-            </a:r>
-            <a:r>
-              <a:rPr lang="zh-CN" altLang="en-US" sz="1700" dirty="0" smtClean="0"/>
-              <a:t>安装时默认安装</a:t>
-            </a:r>
-            <a:r>
-              <a:rPr lang="en-US" altLang="zh-CN" sz="1700" dirty="0" smtClean="0"/>
-              <a:t>ruby</a:t>
-            </a:r>
-            <a:r>
-              <a:rPr lang="zh-CN" altLang="en-US" sz="1700" dirty="0" smtClean="0"/>
-              <a:t>，</a:t>
-            </a:r>
-            <a:r>
-              <a:rPr lang="en-US" altLang="zh-CN" sz="1700" dirty="0"/>
-              <a:t>ruby </a:t>
-            </a:r>
-            <a:r>
-              <a:rPr lang="en-US" altLang="zh-CN" sz="1700" dirty="0" smtClean="0"/>
-              <a:t>–v</a:t>
-            </a:r>
-            <a:r>
-              <a:rPr lang="zh-CN" altLang="en-US" sz="1700" dirty="0" smtClean="0"/>
-              <a:t>查看版本，修改环境变量）</a:t>
-            </a:r>
-            <a:endParaRPr lang="en-US" altLang="zh-CN" sz="1700" dirty="0" smtClean="0"/>
-          </a:p>
-          <a:p>
-            <a:pPr marL="857250" lvl="2" indent="0">
-              <a:buNone/>
-            </a:pPr>
-            <a:r>
-              <a:rPr lang="en-US" altLang="zh-CN" sz="1500" dirty="0">
-                <a:hlinkClick r:id="rId2"/>
-              </a:rPr>
-              <a:t>http://rubyinstaller.org/downloads</a:t>
-            </a:r>
-            <a:endParaRPr lang="en-US" altLang="zh-CN" sz="1500" dirty="0" smtClean="0"/>
-          </a:p>
-          <a:p>
-            <a:pPr marL="800100" lvl="1" indent="-342900">
-              <a:buFont typeface="+mj-lt"/>
-              <a:buAutoNum type="alphaLcPeriod"/>
-            </a:pPr>
-            <a:r>
-              <a:rPr lang="en-US" altLang="zh-CN" sz="1700" dirty="0"/>
-              <a:t>gem install </a:t>
-            </a:r>
-            <a:r>
-              <a:rPr lang="en-US" altLang="zh-CN" sz="1700" dirty="0" smtClean="0"/>
-              <a:t>sass </a:t>
-            </a:r>
-            <a:r>
-              <a:rPr lang="en-US" altLang="zh-CN" sz="1700" dirty="0">
-                <a:solidFill>
-                  <a:srgbClr val="7030A0"/>
-                </a:solidFill>
-              </a:rPr>
-              <a:t>gem install </a:t>
-            </a:r>
-            <a:r>
-              <a:rPr lang="en-US" altLang="zh-CN" sz="1700" dirty="0" smtClean="0">
-                <a:solidFill>
-                  <a:srgbClr val="7030A0"/>
-                </a:solidFill>
-              </a:rPr>
-              <a:t>sass </a:t>
-            </a:r>
-          </a:p>
-          <a:p>
-            <a:pPr marL="800100" lvl="1" indent="-342900">
-              <a:buFont typeface="+mj-lt"/>
-              <a:buAutoNum type="alphaLcPeriod"/>
-            </a:pPr>
-            <a:r>
-              <a:rPr lang="zh-CN" altLang="en-US" sz="1700" dirty="0" smtClean="0"/>
-              <a:t>淘宝</a:t>
-            </a:r>
-            <a:r>
-              <a:rPr lang="en-US" altLang="zh-CN" sz="1700" dirty="0" smtClean="0"/>
-              <a:t>RubyGems</a:t>
-            </a:r>
-            <a:r>
-              <a:rPr lang="zh-CN" altLang="en-US" sz="1700" dirty="0" smtClean="0"/>
-              <a:t>镜像安装</a:t>
-            </a:r>
-            <a:endParaRPr lang="en-US" altLang="zh-CN" sz="1700" dirty="0" smtClean="0"/>
-          </a:p>
-          <a:p>
-            <a:pPr marL="400050">
-              <a:buFont typeface="+mj-lt"/>
-              <a:buAutoNum type="arabicPeriod"/>
-            </a:pPr>
-            <a:r>
-              <a:rPr lang="en-US" altLang="zh-CN" sz="1900" dirty="0" smtClean="0"/>
-              <a:t>SASS</a:t>
-            </a:r>
-            <a:r>
-              <a:rPr lang="zh-CN" altLang="en-US" sz="1900" dirty="0" smtClean="0"/>
-              <a:t>编译</a:t>
-            </a:r>
-            <a:endParaRPr lang="en-US" altLang="zh-CN" sz="1900" dirty="0" smtClean="0"/>
-          </a:p>
-          <a:p>
-            <a:pPr marL="800100" lvl="1">
-              <a:buFont typeface="+mj-lt"/>
-              <a:buAutoNum type="alphaLcPeriod"/>
-            </a:pPr>
-            <a:r>
-              <a:rPr lang="zh-CN" altLang="en-US" sz="1700" dirty="0" smtClean="0"/>
-              <a:t>本地</a:t>
-            </a:r>
-            <a:r>
-              <a:rPr lang="en-US" altLang="zh-CN" sz="1700" dirty="0" smtClean="0"/>
-              <a:t>sass</a:t>
-            </a:r>
-            <a:r>
-              <a:rPr lang="zh-CN" altLang="en-US" sz="1700" dirty="0" smtClean="0"/>
-              <a:t>命令 </a:t>
-            </a:r>
-            <a:r>
-              <a:rPr lang="en-US" altLang="zh-CN" sz="1700" dirty="0"/>
-              <a:t>sass </a:t>
-            </a:r>
-            <a:r>
-              <a:rPr lang="en-US" altLang="zh-CN" sz="1700" dirty="0" err="1"/>
-              <a:t>style.scss</a:t>
-            </a:r>
-            <a:r>
-              <a:rPr lang="en-US" altLang="zh-CN" sz="1700" dirty="0"/>
-              <a:t> </a:t>
-            </a:r>
-            <a:r>
-              <a:rPr lang="en-US" altLang="zh-CN" sz="1700" dirty="0" smtClean="0"/>
-              <a:t>style.css</a:t>
-            </a:r>
-          </a:p>
-          <a:p>
-            <a:pPr marL="800100" lvl="1">
-              <a:buFont typeface="+mj-lt"/>
-              <a:buAutoNum type="alphaLcPeriod"/>
-            </a:pPr>
-            <a:r>
-              <a:rPr lang="en-US" altLang="zh-CN" sz="1700" dirty="0" smtClean="0"/>
-              <a:t>VS</a:t>
-            </a:r>
-            <a:r>
-              <a:rPr lang="zh-CN" altLang="en-US" sz="1700" dirty="0" smtClean="0"/>
-              <a:t>插件</a:t>
-            </a:r>
-            <a:r>
-              <a:rPr lang="en-US" altLang="zh-CN" sz="1700" dirty="0" smtClean="0"/>
-              <a:t>Mindscape Web Workbench</a:t>
-            </a:r>
-          </a:p>
-          <a:p>
-            <a:pPr marL="800100" lvl="1">
-              <a:buFont typeface="+mj-lt"/>
-              <a:buAutoNum type="alphaLcPeriod"/>
-            </a:pPr>
-            <a:r>
-              <a:rPr lang="zh-CN" altLang="en-US" sz="1700" dirty="0" smtClean="0"/>
-              <a:t>免费编译器</a:t>
-            </a:r>
-            <a:r>
-              <a:rPr lang="en-US" altLang="zh-CN" sz="1700" dirty="0" smtClean="0">
-                <a:hlinkClick r:id="rId3"/>
-              </a:rPr>
-              <a:t>koala</a:t>
-            </a:r>
-            <a:endParaRPr lang="en-US" altLang="zh-CN" sz="1700" dirty="0" smtClean="0"/>
-          </a:p>
-          <a:p>
-            <a:pPr marL="800100" lvl="1">
-              <a:buFont typeface="+mj-lt"/>
-              <a:buAutoNum type="alphaLcPeriod"/>
-            </a:pPr>
-            <a:r>
-              <a:rPr lang="zh-CN" altLang="en-US" sz="1700" dirty="0" smtClean="0"/>
-              <a:t>演示使用 </a:t>
-            </a:r>
-            <a:r>
-              <a:rPr lang="en-US" altLang="zh-CN" sz="1700" dirty="0" smtClean="0">
-                <a:hlinkClick r:id="rId4"/>
-              </a:rPr>
-              <a:t>sassmeister</a:t>
-            </a:r>
-            <a:endParaRPr lang="en-US" altLang="zh-CN" sz="1700" dirty="0" smtClean="0"/>
-          </a:p>
-          <a:p>
-            <a:pPr marL="114300" indent="0">
-              <a:buNone/>
-            </a:pPr>
-            <a:endParaRPr lang="en-US" altLang="zh-CN" dirty="0"/>
-          </a:p>
-          <a:p>
-            <a:pPr marL="114300" lvl="1" indent="0">
-              <a:buNone/>
-            </a:pPr>
-            <a:r>
-              <a:rPr lang="zh-CN" altLang="en-US" dirty="0"/>
-              <a:t>具体参考：</a:t>
-            </a:r>
-            <a:r>
-              <a:rPr lang="en-US" altLang="zh-CN" dirty="0">
-                <a:hlinkClick r:id="rId5"/>
-              </a:rPr>
-              <a:t>http://www.w3cplus.com/sassguide/install.html</a:t>
-            </a:r>
-            <a:endParaRPr lang="en-US" altLang="zh-CN" dirty="0"/>
-          </a:p>
-          <a:p>
-            <a:pPr marL="114300" indent="0">
-              <a:buNone/>
-            </a:pPr>
-            <a:endParaRPr lang="zh-CN" altLang="en-US" dirty="0"/>
-          </a:p>
-        </p:txBody>
-      </p:sp>
-      <p:sp>
-        <p:nvSpPr>
-          <p:cNvPr id="4" name="文本框 3"/>
-          <p:cNvSpPr txBox="1"/>
-          <p:nvPr/>
-        </p:nvSpPr>
-        <p:spPr>
-          <a:xfrm>
-            <a:off x="2589212" y="1201268"/>
-            <a:ext cx="8915400" cy="400110"/>
-          </a:xfrm>
-          <a:prstGeom prst="rect">
-            <a:avLst/>
-          </a:prstGeom>
-          <a:noFill/>
-          <a:effectLst>
-            <a:reflection blurRad="6350" stA="50000" endA="300" endPos="55000" dir="5400000" sy="-100000" algn="bl" rotWithShape="0"/>
-          </a:effectLst>
-        </p:spPr>
-        <p:txBody>
-          <a:bodyPr wrap="square" rtlCol="0">
-            <a:spAutoFit/>
-          </a:bodyPr>
-          <a:lstStyle/>
-          <a:p>
-            <a:pPr algn="r"/>
-            <a:r>
-              <a:rPr lang="zh-CN" altLang="en-US" sz="2000" dirty="0">
-                <a:solidFill>
-                  <a:srgbClr val="00B050"/>
-                </a:solidFill>
-              </a:rPr>
-              <a:t>纸上得来终觉浅，绝知此事要</a:t>
-            </a:r>
-            <a:r>
-              <a:rPr lang="zh-CN" altLang="en-US" sz="2000" dirty="0" smtClean="0">
-                <a:solidFill>
-                  <a:srgbClr val="00B050"/>
-                </a:solidFill>
-              </a:rPr>
-              <a:t>躬行。</a:t>
-            </a:r>
-            <a:endParaRPr lang="zh-CN" altLang="en-US" sz="2000" dirty="0">
-              <a:solidFill>
-                <a:srgbClr val="00B050"/>
-              </a:solidFill>
-            </a:endParaRPr>
-          </a:p>
-        </p:txBody>
-      </p:sp>
-      <p:sp>
-        <p:nvSpPr>
-          <p:cNvPr id="6" name="文本框 5"/>
-          <p:cNvSpPr txBox="1"/>
-          <p:nvPr/>
-        </p:nvSpPr>
-        <p:spPr>
-          <a:xfrm>
-            <a:off x="7006106" y="2871988"/>
-            <a:ext cx="4498505" cy="1600438"/>
-          </a:xfrm>
-          <a:prstGeom prst="rect">
-            <a:avLst/>
-          </a:prstGeom>
-          <a:solidFill>
-            <a:schemeClr val="accent3">
-              <a:lumMod val="20000"/>
-              <a:lumOff val="80000"/>
-            </a:schemeClr>
-          </a:solidFill>
-        </p:spPr>
-        <p:txBody>
-          <a:bodyPr wrap="square" rtlCol="0">
-            <a:spAutoFit/>
-          </a:bodyPr>
-          <a:lstStyle/>
-          <a:p>
-            <a:r>
-              <a:rPr lang="en-US" altLang="zh-CN" sz="1400" dirty="0">
-                <a:solidFill>
-                  <a:srgbClr val="7030A0"/>
-                </a:solidFill>
-                <a:latin typeface="Microsoft YaHei UI" panose="020B0503020204020204" pitchFamily="34" charset="-122"/>
-                <a:ea typeface="Microsoft YaHei UI" panose="020B0503020204020204" pitchFamily="34" charset="-122"/>
-              </a:rPr>
-              <a:t>$ gem sources --remove https://rubygems.org/ </a:t>
-            </a:r>
-            <a:endParaRPr lang="en-US" altLang="zh-CN" sz="1400" dirty="0" smtClean="0">
-              <a:solidFill>
-                <a:srgbClr val="7030A0"/>
-              </a:solidFill>
-              <a:latin typeface="Microsoft YaHei UI" panose="020B0503020204020204" pitchFamily="34" charset="-122"/>
-              <a:ea typeface="Microsoft YaHei UI" panose="020B0503020204020204" pitchFamily="34" charset="-122"/>
-            </a:endParaRPr>
-          </a:p>
-          <a:p>
-            <a:r>
-              <a:rPr lang="en-US" altLang="zh-CN" sz="1400" dirty="0" smtClean="0">
-                <a:solidFill>
-                  <a:srgbClr val="7030A0"/>
-                </a:solidFill>
-                <a:latin typeface="Microsoft YaHei UI" panose="020B0503020204020204" pitchFamily="34" charset="-122"/>
-                <a:ea typeface="Microsoft YaHei UI" panose="020B0503020204020204" pitchFamily="34" charset="-122"/>
-              </a:rPr>
-              <a:t>$ </a:t>
-            </a:r>
-            <a:r>
-              <a:rPr lang="en-US" altLang="zh-CN" sz="1400" dirty="0">
-                <a:solidFill>
-                  <a:srgbClr val="7030A0"/>
-                </a:solidFill>
-                <a:latin typeface="Microsoft YaHei UI" panose="020B0503020204020204" pitchFamily="34" charset="-122"/>
-                <a:ea typeface="Microsoft YaHei UI" panose="020B0503020204020204" pitchFamily="34" charset="-122"/>
-              </a:rPr>
-              <a:t>gem sources -a https://ruby.taobao.org/ </a:t>
-            </a:r>
-            <a:endParaRPr lang="en-US" altLang="zh-CN" sz="1400" dirty="0" smtClean="0">
-              <a:solidFill>
-                <a:srgbClr val="7030A0"/>
-              </a:solidFill>
-              <a:latin typeface="Microsoft YaHei UI" panose="020B0503020204020204" pitchFamily="34" charset="-122"/>
-              <a:ea typeface="Microsoft YaHei UI" panose="020B0503020204020204" pitchFamily="34" charset="-122"/>
-            </a:endParaRPr>
-          </a:p>
-          <a:p>
-            <a:r>
-              <a:rPr lang="en-US" altLang="zh-CN" sz="1400" dirty="0" smtClean="0">
-                <a:solidFill>
-                  <a:srgbClr val="7030A0"/>
-                </a:solidFill>
-                <a:latin typeface="Microsoft YaHei UI" panose="020B0503020204020204" pitchFamily="34" charset="-122"/>
-                <a:ea typeface="Microsoft YaHei UI" panose="020B0503020204020204" pitchFamily="34" charset="-122"/>
-              </a:rPr>
-              <a:t>$ </a:t>
-            </a:r>
-            <a:r>
-              <a:rPr lang="en-US" altLang="zh-CN" sz="1400" dirty="0">
-                <a:solidFill>
-                  <a:srgbClr val="7030A0"/>
-                </a:solidFill>
-                <a:latin typeface="Microsoft YaHei UI" panose="020B0503020204020204" pitchFamily="34" charset="-122"/>
-                <a:ea typeface="Microsoft YaHei UI" panose="020B0503020204020204" pitchFamily="34" charset="-122"/>
-              </a:rPr>
-              <a:t>gem sources -l </a:t>
-            </a:r>
-            <a:endParaRPr lang="en-US" altLang="zh-CN" sz="1400" dirty="0" smtClean="0">
-              <a:solidFill>
-                <a:srgbClr val="7030A0"/>
-              </a:solidFill>
-              <a:latin typeface="Microsoft YaHei UI" panose="020B0503020204020204" pitchFamily="34" charset="-122"/>
-              <a:ea typeface="Microsoft YaHei UI" panose="020B0503020204020204" pitchFamily="34" charset="-122"/>
-            </a:endParaRPr>
-          </a:p>
-          <a:p>
-            <a:r>
-              <a:rPr lang="en-US" altLang="zh-CN" sz="1400" dirty="0" smtClean="0">
-                <a:solidFill>
-                  <a:srgbClr val="7030A0"/>
-                </a:solidFill>
-                <a:latin typeface="Microsoft YaHei UI" panose="020B0503020204020204" pitchFamily="34" charset="-122"/>
-                <a:ea typeface="Microsoft YaHei UI" panose="020B0503020204020204" pitchFamily="34" charset="-122"/>
-              </a:rPr>
-              <a:t>*** </a:t>
-            </a:r>
-            <a:r>
-              <a:rPr lang="en-US" altLang="zh-CN" sz="1400" dirty="0">
-                <a:solidFill>
-                  <a:srgbClr val="7030A0"/>
-                </a:solidFill>
-                <a:latin typeface="Microsoft YaHei UI" panose="020B0503020204020204" pitchFamily="34" charset="-122"/>
-                <a:ea typeface="Microsoft YaHei UI" panose="020B0503020204020204" pitchFamily="34" charset="-122"/>
-              </a:rPr>
-              <a:t>CURRENT SOURCES </a:t>
-            </a:r>
-            <a:r>
-              <a:rPr lang="en-US" altLang="zh-CN" sz="1400" dirty="0" smtClean="0">
-                <a:solidFill>
-                  <a:srgbClr val="7030A0"/>
-                </a:solidFill>
-                <a:latin typeface="Microsoft YaHei UI" panose="020B0503020204020204" pitchFamily="34" charset="-122"/>
-                <a:ea typeface="Microsoft YaHei UI" panose="020B0503020204020204" pitchFamily="34" charset="-122"/>
-              </a:rPr>
-              <a:t>***</a:t>
-            </a:r>
-          </a:p>
-          <a:p>
-            <a:r>
-              <a:rPr lang="en-US" altLang="zh-CN" sz="1400" dirty="0" smtClean="0">
-                <a:solidFill>
-                  <a:srgbClr val="7030A0"/>
-                </a:solidFill>
-                <a:latin typeface="Microsoft YaHei UI" panose="020B0503020204020204" pitchFamily="34" charset="-122"/>
-                <a:ea typeface="Microsoft YaHei UI" panose="020B0503020204020204" pitchFamily="34" charset="-122"/>
-              </a:rPr>
-              <a:t> </a:t>
-            </a:r>
-            <a:r>
-              <a:rPr lang="en-US" altLang="zh-CN" sz="1400" dirty="0">
-                <a:solidFill>
-                  <a:srgbClr val="7030A0"/>
-                </a:solidFill>
-                <a:latin typeface="Microsoft YaHei UI" panose="020B0503020204020204" pitchFamily="34" charset="-122"/>
-                <a:ea typeface="Microsoft YaHei UI" panose="020B0503020204020204" pitchFamily="34" charset="-122"/>
-              </a:rPr>
-              <a:t>https://ruby.taobao.org </a:t>
-            </a:r>
-            <a:endParaRPr lang="en-US" altLang="zh-CN" sz="1400" dirty="0" smtClean="0">
-              <a:solidFill>
-                <a:srgbClr val="7030A0"/>
-              </a:solidFill>
-              <a:latin typeface="Microsoft YaHei UI" panose="020B0503020204020204" pitchFamily="34" charset="-122"/>
-              <a:ea typeface="Microsoft YaHei UI" panose="020B0503020204020204" pitchFamily="34" charset="-122"/>
-            </a:endParaRPr>
-          </a:p>
-          <a:p>
-            <a:r>
-              <a:rPr lang="en-US" altLang="zh-CN" sz="1400" dirty="0" smtClean="0">
-                <a:solidFill>
-                  <a:srgbClr val="7030A0"/>
-                </a:solidFill>
-                <a:latin typeface="Microsoft YaHei UI" panose="020B0503020204020204" pitchFamily="34" charset="-122"/>
-                <a:ea typeface="Microsoft YaHei UI" panose="020B0503020204020204" pitchFamily="34" charset="-122"/>
-              </a:rPr>
-              <a:t># </a:t>
-            </a:r>
-            <a:r>
-              <a:rPr lang="zh-CN" altLang="en-US" sz="1400" dirty="0">
-                <a:solidFill>
-                  <a:srgbClr val="7030A0"/>
-                </a:solidFill>
-                <a:latin typeface="Microsoft YaHei UI" panose="020B0503020204020204" pitchFamily="34" charset="-122"/>
-                <a:ea typeface="Microsoft YaHei UI" panose="020B0503020204020204" pitchFamily="34" charset="-122"/>
-              </a:rPr>
-              <a:t>请确保只有 </a:t>
-            </a:r>
-            <a:r>
-              <a:rPr lang="en-US" altLang="zh-CN" sz="1400" dirty="0" smtClean="0">
-                <a:solidFill>
-                  <a:srgbClr val="7030A0"/>
-                </a:solidFill>
-                <a:latin typeface="Microsoft YaHei UI" panose="020B0503020204020204" pitchFamily="34" charset="-122"/>
-                <a:ea typeface="Microsoft YaHei UI" panose="020B0503020204020204" pitchFamily="34" charset="-122"/>
-              </a:rPr>
-              <a:t>ruby.taobao.org </a:t>
-            </a:r>
-          </a:p>
-          <a:p>
-            <a:r>
-              <a:rPr lang="en-US" altLang="zh-CN" sz="1400" dirty="0" smtClean="0">
-                <a:solidFill>
-                  <a:srgbClr val="7030A0"/>
-                </a:solidFill>
-                <a:latin typeface="Microsoft YaHei UI" panose="020B0503020204020204" pitchFamily="34" charset="-122"/>
-                <a:ea typeface="Microsoft YaHei UI" panose="020B0503020204020204" pitchFamily="34" charset="-122"/>
-              </a:rPr>
-              <a:t>$ </a:t>
-            </a:r>
-            <a:r>
-              <a:rPr lang="en-US" altLang="zh-CN" sz="1400" dirty="0">
-                <a:solidFill>
-                  <a:srgbClr val="7030A0"/>
-                </a:solidFill>
-                <a:latin typeface="Microsoft YaHei UI" panose="020B0503020204020204" pitchFamily="34" charset="-122"/>
-                <a:ea typeface="Microsoft YaHei UI" panose="020B0503020204020204" pitchFamily="34" charset="-122"/>
-              </a:rPr>
-              <a:t>gem install sass</a:t>
-            </a:r>
-            <a:endParaRPr lang="zh-CN" altLang="en-US" sz="1400" dirty="0">
-              <a:solidFill>
-                <a:srgbClr val="7030A0"/>
-              </a:solidFill>
-              <a:latin typeface="Microsoft YaHei UI" panose="020B0503020204020204" pitchFamily="34" charset="-122"/>
-              <a:ea typeface="Microsoft YaHei UI" panose="020B0503020204020204" pitchFamily="34" charset="-122"/>
-            </a:endParaRPr>
+            <a:endParaRPr lang="zh-CN" altLang="en-US"/>
           </a:p>
         </p:txBody>
       </p:sp>
     </p:spTree>
     <p:extLst>
       <p:ext uri="{BB962C8B-B14F-4D97-AF65-F5344CB8AC3E}">
-        <p14:creationId xmlns:p14="http://schemas.microsoft.com/office/powerpoint/2010/main" val="1672618936"/>
+        <p14:creationId xmlns:p14="http://schemas.microsoft.com/office/powerpoint/2010/main" val="1840416741"/>
       </p:ext>
     </p:extLst>
   </p:cSld>
   <p:clrMapOvr>
     <a:masterClrMapping/>
   </p:clrMapOvr>
-  <p:transition spd="slow">
-    <p:randomBar dir="vert"/>
-  </p:transition>
   <p:timing>
     <p:tnLst>
       <p:par>
@@ -11192,7 +10899,7 @@
         <p:spPr>
           <a:xfrm>
             <a:off x="2592925" y="624110"/>
-            <a:ext cx="8911687" cy="715293"/>
+            <a:ext cx="8911687" cy="650898"/>
           </a:xfrm>
         </p:spPr>
         <p:txBody>
@@ -11205,19 +10912,11 @@
             </a:r>
             <a:r>
               <a:rPr lang="en-US" altLang="zh-CN" dirty="0" smtClean="0"/>
-              <a:t>Sass </a:t>
-            </a:r>
-            <a:r>
-              <a:rPr lang="en-US" altLang="zh-CN" dirty="0"/>
-              <a:t>——</a:t>
-            </a:r>
-            <a:r>
-              <a:rPr lang="zh-CN" altLang="en-US" dirty="0"/>
-              <a:t> </a:t>
+              <a:t>Sass ——</a:t>
             </a:r>
             <a:r>
               <a:rPr lang="zh-CN" altLang="en-US" dirty="0" smtClean="0"/>
-              <a:t>基本语法</a:t>
+              <a:t> 环境搭建</a:t>
             </a:r>
             <a:endParaRPr lang="zh-CN" altLang="en-US" dirty="0"/>
           </a:p>
@@ -11236,383 +10935,255 @@
         <p:spPr/>
         <p:txBody>
           <a:bodyPr>
-            <a:normAutofit fontScale="92500" lnSpcReduction="20000"/>
+            <a:normAutofit fontScale="85000" lnSpcReduction="20000"/>
           </a:bodyPr>
           <a:lstStyle/>
           <a:p>
-            <a:pPr marL="400050">
-              <a:buFont typeface="Wingdings" panose="05000000000000000000" pitchFamily="2" charset="2"/>
-              <a:buChar char="Ø"/>
+            <a:pPr>
+              <a:buFont typeface="+mj-lt"/>
+              <a:buAutoNum type="arabicPeriod"/>
             </a:pPr>
             <a:r>
               <a:rPr lang="zh-CN" altLang="en-US" sz="1900" dirty="0" smtClean="0"/>
-              <a:t>注释 </a:t>
-            </a:r>
-            <a:r>
-              <a:rPr lang="en-US" altLang="zh-CN" sz="1900" dirty="0" smtClean="0"/>
-              <a:t>//</a:t>
-            </a:r>
-            <a:r>
-              <a:rPr lang="zh-CN" altLang="en-US" sz="1900" dirty="0" smtClean="0"/>
-              <a:t>和</a:t>
-            </a:r>
-            <a:r>
-              <a:rPr lang="en-US" altLang="zh-CN" sz="1900" dirty="0" smtClean="0"/>
-              <a:t> /**/ </a:t>
-            </a:r>
-            <a:r>
-              <a:rPr lang="zh-CN" altLang="en-US" sz="1900" dirty="0" smtClean="0"/>
-              <a:t>，导入</a:t>
-            </a:r>
-            <a:r>
-              <a:rPr lang="en-US" altLang="zh-CN" sz="1900" dirty="0" smtClean="0"/>
-              <a:t>@import</a:t>
-            </a:r>
-            <a:r>
-              <a:rPr lang="zh-CN" altLang="en-US" sz="1900" dirty="0" smtClean="0"/>
-              <a:t>（</a:t>
-            </a:r>
-            <a:r>
-              <a:rPr lang="en-US" altLang="zh-CN" sz="1900" dirty="0" smtClean="0"/>
-              <a:t>@import css</a:t>
-            </a:r>
-            <a:r>
-              <a:rPr lang="zh-CN" altLang="en-US" sz="1900" dirty="0" smtClean="0"/>
-              <a:t>和</a:t>
-            </a:r>
-            <a:r>
-              <a:rPr lang="en-US" altLang="zh-CN" sz="1900" dirty="0" smtClean="0"/>
-              <a:t>scss</a:t>
-            </a:r>
-            <a:r>
-              <a:rPr lang="zh-CN" altLang="en-US" sz="1900" dirty="0" smtClean="0"/>
-              <a:t>的区别）</a:t>
+              <a:t>环境准备</a:t>
             </a:r>
             <a:endParaRPr lang="en-US" altLang="zh-CN" sz="1900" dirty="0" smtClean="0"/>
           </a:p>
           <a:p>
-            <a:pPr marL="400050">
-              <a:buFont typeface="Wingdings" panose="05000000000000000000" pitchFamily="2" charset="2"/>
-              <a:buChar char="Ø"/>
-            </a:pPr>
-            <a:r>
-              <a:rPr lang="zh-CN" altLang="en-US" sz="1900" dirty="0" smtClean="0"/>
-              <a:t>变量 </a:t>
-            </a:r>
-            <a:r>
-              <a:rPr lang="en-US" altLang="zh-CN" sz="1900" dirty="0" smtClean="0"/>
-              <a:t>$</a:t>
-            </a:r>
-            <a:r>
-              <a:rPr lang="zh-CN" altLang="en-US" sz="1900" dirty="0" smtClean="0"/>
-              <a:t>，关键字</a:t>
-            </a:r>
-            <a:r>
-              <a:rPr lang="en-US" altLang="zh-CN" sz="1900" dirty="0"/>
-              <a:t>!</a:t>
-            </a:r>
-            <a:r>
-              <a:rPr lang="en-US" altLang="zh-CN" sz="1900" dirty="0" smtClean="0"/>
-              <a:t>default </a:t>
-            </a:r>
-            <a:r>
-              <a:rPr lang="zh-CN" altLang="en-US" sz="1900" dirty="0" smtClean="0"/>
-              <a:t>和</a:t>
-            </a:r>
-            <a:r>
-              <a:rPr lang="en-US" altLang="zh-CN" sz="1900" dirty="0"/>
-              <a:t>!</a:t>
-            </a:r>
-            <a:r>
-              <a:rPr lang="en-US" altLang="zh-CN" sz="1900" dirty="0" smtClean="0"/>
-              <a:t>global</a:t>
-            </a:r>
-            <a:r>
-              <a:rPr lang="zh-CN" altLang="en-US" sz="1900" dirty="0" smtClean="0"/>
-              <a:t>（未启用）</a:t>
-            </a:r>
-            <a:endParaRPr lang="en-US" altLang="zh-CN" sz="1900" dirty="0" smtClean="0"/>
-          </a:p>
-          <a:p>
-            <a:pPr marL="857250" lvl="1" indent="-400050">
+            <a:pPr marL="800100" lvl="1" indent="-342900">
               <a:buFont typeface="+mj-lt"/>
               <a:buAutoNum type="alphaLcPeriod"/>
             </a:pPr>
             <a:r>
               <a:rPr lang="zh-CN" altLang="en-US" sz="1700" dirty="0" smtClean="0"/>
-              <a:t>基本类型，</a:t>
+              <a:t>安装</a:t>
             </a:r>
             <a:r>
               <a:rPr lang="en-US" altLang="zh-CN" sz="1700" dirty="0" smtClean="0"/>
-              <a:t>string</a:t>
+              <a:t>ruby </a:t>
             </a:r>
             <a:r>
               <a:rPr lang="zh-CN" altLang="en-US" sz="1700" dirty="0" smtClean="0"/>
-              <a:t>（多值一起声明用</a:t>
+              <a:t>（</a:t>
+            </a:r>
+            <a:r>
+              <a:rPr lang="en-US" altLang="zh-CN" sz="1700" dirty="0" smtClean="0"/>
+              <a:t>appcan IDE</a:t>
+            </a:r>
+            <a:r>
+              <a:rPr lang="zh-CN" altLang="en-US" sz="1700" dirty="0" smtClean="0"/>
+              <a:t>安装时默认安装</a:t>
+            </a:r>
+            <a:r>
+              <a:rPr lang="en-US" altLang="zh-CN" sz="1700" dirty="0" smtClean="0"/>
+              <a:t>ruby</a:t>
+            </a:r>
+            <a:r>
+              <a:rPr lang="zh-CN" altLang="en-US" sz="1700" dirty="0" smtClean="0"/>
+              <a:t>，</a:t>
             </a:r>
             <a:r>
               <a:rPr lang="en-US" altLang="zh-CN" sz="1700" dirty="0"/>
-              <a:t>nth($var,index</a:t>
+              <a:t>ruby </a:t>
             </a:r>
             <a:r>
               <a:rPr lang="en-US" altLang="zh-CN" sz="1700" dirty="0" smtClean="0"/>
-              <a:t>)</a:t>
+              <a:t>–v</a:t>
             </a:r>
             <a:r>
               <a:rPr lang="zh-CN" altLang="en-US" sz="1700" dirty="0" smtClean="0"/>
-              <a:t>遍历），</a:t>
-            </a:r>
-            <a:r>
-              <a:rPr lang="en-US" altLang="zh-CN" sz="1700" dirty="0" smtClean="0"/>
-              <a:t>uint</a:t>
-            </a:r>
-            <a:r>
-              <a:rPr lang="zh-CN" altLang="en-US" sz="1700" dirty="0" smtClean="0"/>
-              <a:t>类型等</a:t>
+              <a:t>查看版本，修改环境变量）</a:t>
             </a:r>
             <a:endParaRPr lang="en-US" altLang="zh-CN" sz="1700" dirty="0" smtClean="0"/>
           </a:p>
           <a:p>
-            <a:pPr marL="857250" lvl="1" indent="-400050">
-              <a:lnSpc>
-                <a:spcPct val="140000"/>
-              </a:lnSpc>
+            <a:pPr marL="857250" lvl="2" indent="0">
+              <a:buNone/>
+            </a:pPr>
+            <a:r>
+              <a:rPr lang="en-US" altLang="zh-CN" sz="1500" dirty="0">
+                <a:hlinkClick r:id="rId2"/>
+              </a:rPr>
+              <a:t>http://rubyinstaller.org/downloads</a:t>
+            </a:r>
+            <a:endParaRPr lang="en-US" altLang="zh-CN" sz="1500" dirty="0" smtClean="0"/>
+          </a:p>
+          <a:p>
+            <a:pPr marL="800100" lvl="1" indent="-342900">
               <a:buFont typeface="+mj-lt"/>
               <a:buAutoNum type="alphaLcPeriod"/>
             </a:pPr>
             <a:r>
-              <a:rPr lang="zh-CN" altLang="en-US" sz="1700" dirty="0" smtClean="0"/>
-              <a:t>复合类型，</a:t>
+              <a:rPr lang="en-US" altLang="zh-CN" sz="1700" dirty="0"/>
+              <a:t>gem install </a:t>
             </a:r>
             <a:r>
               <a:rPr lang="en-US" altLang="zh-CN" sz="1700" dirty="0" smtClean="0"/>
-              <a:t>map</a:t>
-            </a:r>
-            <a:r>
-              <a:rPr lang="zh-CN" altLang="en-US" sz="1700" dirty="0" smtClean="0"/>
-              <a:t>，</a:t>
-            </a:r>
-            <a:r>
-              <a:rPr lang="en-US" altLang="zh-CN" sz="1700" dirty="0" smtClean="0"/>
-              <a:t>list</a:t>
-            </a:r>
-            <a:r>
-              <a:rPr lang="zh-CN" altLang="en-US" sz="1700" dirty="0" smtClean="0"/>
-              <a:t>（遍历时候用到</a:t>
-            </a:r>
-            <a:r>
-              <a:rPr lang="en-US" altLang="zh-CN" sz="1700" dirty="0" smtClean="0"/>
-              <a:t>@each</a:t>
-            </a:r>
-            <a:r>
-              <a:rPr lang="zh-CN" altLang="en-US" sz="1700" dirty="0" smtClean="0"/>
-              <a:t>、</a:t>
-            </a:r>
-            <a:r>
-              <a:rPr lang="en-US" altLang="zh-CN" sz="1700" dirty="0" smtClean="0"/>
-              <a:t>@for</a:t>
-            </a:r>
-            <a:r>
-              <a:rPr lang="zh-CN" altLang="en-US" sz="1700" dirty="0" smtClean="0"/>
-              <a:t>、</a:t>
-            </a:r>
-            <a:r>
-              <a:rPr lang="en-US" altLang="zh-CN" sz="1700" dirty="0" smtClean="0"/>
-              <a:t>@if @else</a:t>
-            </a:r>
-            <a:r>
-              <a:rPr lang="zh-CN" altLang="en-US" sz="1700" dirty="0" smtClean="0"/>
-              <a:t>），</a:t>
-            </a:r>
-            <a:r>
-              <a:rPr lang="en-US" altLang="zh-CN" sz="1700" dirty="0" smtClean="0"/>
-              <a:t>list</a:t>
-            </a:r>
-            <a:r>
-              <a:rPr lang="zh-CN" altLang="en-US" sz="1700" dirty="0" smtClean="0"/>
-              <a:t>、</a:t>
-            </a:r>
-            <a:r>
-              <a:rPr lang="en-US" altLang="zh-CN" sz="1700" dirty="0" smtClean="0"/>
-              <a:t>map</a:t>
-            </a:r>
-            <a:r>
-              <a:rPr lang="zh-CN" altLang="en-US" sz="1700" dirty="0" smtClean="0"/>
-              <a:t>自带</a:t>
-            </a:r>
-            <a:r>
-              <a:rPr lang="en-US" altLang="zh-CN" sz="1700" dirty="0" smtClean="0"/>
-              <a:t>function</a:t>
-            </a:r>
-            <a:r>
-              <a:rPr lang="zh-CN" altLang="en-US" sz="1700" dirty="0" smtClean="0"/>
-              <a:t>可用，比如</a:t>
-            </a:r>
-            <a:r>
-              <a:rPr lang="en-US" altLang="zh-CN" sz="1700" dirty="0"/>
-              <a:t>length($list</a:t>
-            </a:r>
-            <a:r>
-              <a:rPr lang="en-US" altLang="zh-CN" sz="1700" dirty="0" smtClean="0"/>
-              <a:t>)</a:t>
-            </a:r>
-            <a:r>
-              <a:rPr lang="zh-CN" altLang="en-US" sz="1700" dirty="0" smtClean="0"/>
-              <a:t>，</a:t>
-            </a:r>
-            <a:r>
-              <a:rPr lang="en-US" altLang="zh-CN" sz="1700" dirty="0"/>
-              <a:t>join($list1,$list2,[$separator</a:t>
-            </a:r>
-            <a:r>
-              <a:rPr lang="en-US" altLang="zh-CN" sz="1700" dirty="0" smtClean="0"/>
-              <a:t>])</a:t>
-            </a:r>
-            <a:r>
-              <a:rPr lang="zh-CN" altLang="en-US" sz="1700" dirty="0" smtClean="0"/>
-              <a:t>等</a:t>
-            </a:r>
-            <a:endParaRPr lang="en-US" altLang="zh-CN" sz="1700" dirty="0" smtClean="0"/>
-          </a:p>
-          <a:p>
-            <a:pPr marL="857250" lvl="1" indent="-400050">
+              <a:t>sass </a:t>
+            </a:r>
+            <a:r>
+              <a:rPr lang="en-US" altLang="zh-CN" sz="1700" dirty="0">
+                <a:solidFill>
+                  <a:srgbClr val="7030A0"/>
+                </a:solidFill>
+              </a:rPr>
+              <a:t>gem install </a:t>
+            </a:r>
+            <a:r>
+              <a:rPr lang="en-US" altLang="zh-CN" sz="1700" dirty="0" smtClean="0">
+                <a:solidFill>
+                  <a:srgbClr val="7030A0"/>
+                </a:solidFill>
+              </a:rPr>
+              <a:t>sass </a:t>
+            </a:r>
+          </a:p>
+          <a:p>
+            <a:pPr marL="800100" lvl="1" indent="-342900">
               <a:buFont typeface="+mj-lt"/>
               <a:buAutoNum type="alphaLcPeriod"/>
             </a:pPr>
             <a:r>
               <a:rPr lang="zh-CN" altLang="en-US" sz="1700" dirty="0" smtClean="0"/>
-              <a:t>变量作为属性使用 </a:t>
-            </a:r>
-            <a:r>
-              <a:rPr lang="en-US" altLang="zh-CN" sz="1700" dirty="0"/>
-              <a:t>#{$variables</a:t>
+              <a:t>淘宝</a:t>
             </a:r>
             <a:r>
               <a:rPr lang="en-US" altLang="zh-CN" sz="1700" dirty="0" smtClean="0"/>
-              <a:t>}</a:t>
-            </a:r>
-          </a:p>
-          <a:p>
-            <a:pPr marL="457200" indent="-400050">
-              <a:buFont typeface="Wingdings" panose="05000000000000000000" pitchFamily="2" charset="2"/>
-              <a:buChar char="Ø"/>
+              <a:t>RubyGems</a:t>
+            </a:r>
+            <a:r>
+              <a:rPr lang="zh-CN" altLang="en-US" sz="1700" dirty="0" smtClean="0"/>
+              <a:t>镜像安装</a:t>
+            </a:r>
+            <a:endParaRPr lang="en-US" altLang="zh-CN" sz="1700" dirty="0" smtClean="0"/>
+          </a:p>
+          <a:p>
+            <a:pPr marL="400050">
+              <a:buFont typeface="+mj-lt"/>
+              <a:buAutoNum type="arabicPeriod"/>
             </a:pPr>
             <a:r>
+              <a:rPr lang="en-US" altLang="zh-CN" sz="1900" dirty="0" smtClean="0"/>
+              <a:t>SASS</a:t>
+            </a:r>
+            <a:r>
               <a:rPr lang="zh-CN" altLang="en-US" sz="1900" dirty="0" smtClean="0"/>
-              <a:t>关键字 </a:t>
+              <a:t>编译</a:t>
             </a:r>
             <a:endParaRPr lang="en-US" altLang="zh-CN" sz="1900" dirty="0" smtClean="0"/>
           </a:p>
           <a:p>
-            <a:pPr marL="857250" lvl="1" indent="-400050">
+            <a:pPr marL="800100" lvl="1">
               <a:buFont typeface="+mj-lt"/>
               <a:buAutoNum type="alphaLcPeriod"/>
             </a:pPr>
             <a:r>
+              <a:rPr lang="zh-CN" altLang="en-US" sz="1700" dirty="0" smtClean="0"/>
+              <a:t>本地</a:t>
+            </a:r>
+            <a:r>
               <a:rPr lang="en-US" altLang="zh-CN" sz="1700" dirty="0" smtClean="0"/>
-              <a:t>&amp;</a:t>
+              <a:t>sass</a:t>
             </a:r>
             <a:r>
               <a:rPr lang="zh-CN" altLang="en-US" sz="1700" dirty="0" smtClean="0"/>
-              <a:t>选择器嵌套时候，表示父元素选择器</a:t>
-            </a:r>
-            <a:endParaRPr lang="en-US" altLang="zh-CN" sz="1700" dirty="0" smtClean="0"/>
-          </a:p>
-          <a:p>
-            <a:pPr marL="857250" lvl="1" indent="-400050">
+              <a:t>命令 </a:t>
+            </a:r>
+            <a:r>
+              <a:rPr lang="en-US" altLang="zh-CN" sz="1700" dirty="0"/>
+              <a:t>sass </a:t>
+            </a:r>
+            <a:r>
+              <a:rPr lang="en-US" altLang="zh-CN" sz="1700" dirty="0" err="1"/>
+              <a:t>style.scss</a:t>
+            </a:r>
+            <a:r>
+              <a:rPr lang="en-US" altLang="zh-CN" sz="1700" dirty="0"/>
+              <a:t> </a:t>
+            </a:r>
+            <a:r>
+              <a:rPr lang="en-US" altLang="zh-CN" sz="1700" dirty="0" smtClean="0"/>
+              <a:t>style.css</a:t>
+            </a:r>
+          </a:p>
+          <a:p>
+            <a:pPr marL="800100" lvl="1">
               <a:buFont typeface="+mj-lt"/>
               <a:buAutoNum type="alphaLcPeriod"/>
             </a:pPr>
             <a:r>
               <a:rPr lang="en-US" altLang="zh-CN" sz="1700" dirty="0" smtClean="0"/>
-              <a:t>@extend</a:t>
+              <a:t>VS</a:t>
             </a:r>
             <a:r>
               <a:rPr lang="zh-CN" altLang="en-US" sz="1700" dirty="0" smtClean="0"/>
-              <a:t>，选择器继承；</a:t>
+              <a:t>插件</a:t>
             </a:r>
             <a:r>
               <a:rPr lang="en-US" altLang="zh-CN" sz="1700" dirty="0" smtClean="0"/>
-              <a:t>%</a:t>
-            </a:r>
-            <a:r>
-              <a:rPr lang="zh-CN" altLang="en-US" sz="1700" dirty="0" smtClean="0"/>
-              <a:t>占位选择符，通过</a:t>
-            </a:r>
-            <a:r>
-              <a:rPr lang="en-US" altLang="zh-CN" sz="1700" dirty="0" smtClean="0"/>
-              <a:t>@extend</a:t>
-            </a:r>
-            <a:r>
-              <a:rPr lang="zh-CN" altLang="en-US" sz="1700" dirty="0" smtClean="0"/>
-              <a:t>调用。</a:t>
-            </a:r>
-            <a:endParaRPr lang="en-US" altLang="zh-CN" sz="1700" dirty="0" smtClean="0"/>
-          </a:p>
-          <a:p>
-            <a:pPr marL="857250" lvl="1" indent="-400050">
+              <a:t>Mindscape Web Workbench</a:t>
+            </a:r>
+          </a:p>
+          <a:p>
+            <a:pPr marL="800100" lvl="1">
               <a:buFont typeface="+mj-lt"/>
               <a:buAutoNum type="alphaLcPeriod"/>
             </a:pPr>
             <a:r>
               <a:rPr lang="zh-CN" altLang="en-US" sz="1700" dirty="0" smtClean="0"/>
-              <a:t> </a:t>
-            </a:r>
-            <a:r>
-              <a:rPr lang="en-US" altLang="zh-CN" sz="1700" dirty="0" smtClean="0"/>
-              <a:t>@at-root(without:…)</a:t>
-            </a:r>
-            <a:r>
-              <a:rPr lang="zh-CN" altLang="en-US" sz="1700" dirty="0" smtClean="0"/>
-              <a:t>，默认跳出选择器嵌套，</a:t>
-            </a:r>
-            <a:r>
-              <a:rPr lang="en-US" altLang="zh-CN" sz="1700" dirty="0" smtClean="0"/>
-              <a:t>without</a:t>
-            </a:r>
-            <a:r>
-              <a:rPr lang="zh-CN" altLang="en-US" sz="1700" dirty="0" smtClean="0"/>
-              <a:t>支持</a:t>
-            </a:r>
-            <a:r>
-              <a:rPr lang="en-US" altLang="zh-CN" sz="1700" dirty="0" smtClean="0"/>
-              <a:t>all</a:t>
-            </a:r>
-            <a:r>
-              <a:rPr lang="zh-CN" altLang="en-US" sz="1700" dirty="0" smtClean="0"/>
-              <a:t>、</a:t>
-            </a:r>
-            <a:r>
-              <a:rPr lang="en-US" altLang="zh-CN" sz="1700" dirty="0" smtClean="0"/>
-              <a:t>rule</a:t>
-            </a:r>
-            <a:r>
-              <a:rPr lang="zh-CN" altLang="en-US" sz="1700" dirty="0" smtClean="0"/>
-              <a:t>、</a:t>
-            </a:r>
-            <a:r>
-              <a:rPr lang="en-US" altLang="zh-CN" sz="1700" dirty="0" smtClean="0"/>
-              <a:t>media</a:t>
-            </a:r>
-            <a:r>
-              <a:rPr lang="zh-CN" altLang="en-US" sz="1700" dirty="0" smtClean="0"/>
-              <a:t>、</a:t>
-            </a:r>
-            <a:r>
-              <a:rPr lang="en-US" altLang="zh-CN" sz="1700" dirty="0" smtClean="0"/>
-              <a:t>support</a:t>
-            </a:r>
-            <a:r>
-              <a:rPr lang="zh-CN" altLang="en-US" sz="1700" dirty="0" smtClean="0"/>
-              <a:t>（未广泛使用）跳出</a:t>
+              <a:t>免费编译器</a:t>
+            </a:r>
+            <a:r>
+              <a:rPr lang="en-US" altLang="zh-CN" sz="1700" dirty="0" smtClean="0">
+                <a:hlinkClick r:id="rId3"/>
+              </a:rPr>
+              <a:t>koala</a:t>
             </a:r>
             <a:endParaRPr lang="en-US" altLang="zh-CN" sz="1700" dirty="0" smtClean="0"/>
           </a:p>
           <a:p>
-            <a:pPr marL="857250" lvl="1" indent="-400050">
+            <a:pPr marL="800100" lvl="1">
               <a:buFont typeface="+mj-lt"/>
               <a:buAutoNum type="alphaLcPeriod"/>
             </a:pPr>
+            <a:r>
+              <a:rPr lang="zh-CN" altLang="en-US" sz="1700" dirty="0" smtClean="0"/>
+              <a:t>演示使用 </a:t>
+            </a:r>
+            <a:r>
+              <a:rPr lang="en-US" altLang="zh-CN" sz="1700" dirty="0" smtClean="0">
+                <a:hlinkClick r:id="rId4"/>
+              </a:rPr>
+              <a:t>sassmeister</a:t>
+            </a:r>
+            <a:endParaRPr lang="en-US" altLang="zh-CN" sz="1700" dirty="0" smtClean="0"/>
+          </a:p>
+          <a:p>
+            <a:pPr marL="114300" indent="0">
+              <a:buNone/>
+            </a:pPr>
+            <a:endParaRPr lang="en-US" altLang="zh-CN" dirty="0"/>
+          </a:p>
+          <a:p>
+            <a:pPr marL="114300" lvl="1" indent="0">
+              <a:buNone/>
+            </a:pPr>
+            <a:r>
+              <a:rPr lang="zh-CN" altLang="en-US" dirty="0"/>
+              <a:t>具体参考：</a:t>
+            </a:r>
+            <a:r>
+              <a:rPr lang="en-US" altLang="zh-CN" dirty="0">
+                <a:hlinkClick r:id="rId5"/>
+              </a:rPr>
+              <a:t>http://www.w3cplus.com/sassguide/install.html</a:t>
+            </a:r>
+            <a:endParaRPr lang="en-US" altLang="zh-CN" dirty="0"/>
+          </a:p>
+          <a:p>
+            <a:pPr marL="114300" indent="0">
+              <a:buNone/>
+            </a:pPr>
             <a:endParaRPr lang="zh-CN" altLang="en-US" dirty="0"/>
           </a:p>
         </p:txBody>
@@ -11625,15 +11196,15 @@
         </p:nvSpPr>
         <p:spPr>
           <a:xfrm>
-            <a:off x="2589213" y="1197731"/>
-            <a:ext cx="8915399" cy="400110"/>
+            <a:off x="2589212" y="1201268"/>
+            <a:ext cx="8915400" cy="400110"/>
           </a:xfrm>
           <a:prstGeom prst="rect">
             <a:avLst/>
           </a:prstGeom>
           <a:noFill/>
           <a:effectLst>
-            <a:reflection blurRad="6350" stA="50000" endA="300" endPos="55500" dist="50800" dir="5400000" sy="-100000" algn="bl" rotWithShape="0"/>
+            <a:reflection blurRad="6350" stA="50000" endA="300" endPos="55000" dir="5400000" sy="-100000" algn="bl" rotWithShape="0"/>
           </a:effectLst>
         </p:spPr>
         <p:txBody>
@@ -11649,7 +11220,7 @@
                   <a:srgbClr val="00B050"/>
                 </a:solidFill>
               </a:rPr>
-              <a:t>与君歌一曲，请君为我侧耳听</a:t>
+              <a:t>纸上得来终觉浅，绝知此事要</a:t>
             </a:r>
             <a:r>
               <a:rPr lang="zh-CN" altLang="en-US" sz="2000" dirty="0" smtClean="0">
@@ -11657,7 +11228,7 @@
                   <a:srgbClr val="00B050"/>
                 </a:solidFill>
               </a:rPr>
-              <a:t>。</a:t>
+              <a:t>躬行。</a:t>
             </a:r>
             <a:endParaRPr lang="zh-CN" altLang="en-US" sz="2000" dirty="0">
               <a:solidFill>
@@ -11667,10 +11238,237 @@
           </a:p>
         </p:txBody>
       </p:sp>
+      <p:sp>
+        <p:nvSpPr>
+          <p:cNvPr id="6" name="文本框 5"/>
+          <p:cNvSpPr txBox="1"/>
+          <p:nvPr/>
+        </p:nvSpPr>
+        <p:spPr>
+          <a:xfrm>
+            <a:off x="7006106" y="2871988"/>
+            <a:ext cx="4498505" cy="1600438"/>
+          </a:xfrm>
+          <a:prstGeom prst="rect">
+            <a:avLst/>
+          </a:prstGeom>
+          <a:solidFill>
+            <a:schemeClr val="accent3">
+              <a:lumMod val="20000"/>
+              <a:lumOff val="80000"/>
+            </a:schemeClr>
+          </a:solidFill>
+        </p:spPr>
+        <p:txBody>
+          <a:bodyPr wrap="square" rtlCol="0">
+            <a:spAutoFit/>
+          </a:bodyPr>
+          <a:lstStyle/>
+          <a:p>
+            <a:r>
+              <a:rPr lang="en-US" altLang="zh-CN" sz="1400" dirty="0">
+                <a:solidFill>
+                  <a:srgbClr val="7030A0"/>
+                </a:solidFill>
+                <a:latin typeface="Microsoft YaHei UI" panose="020B0503020204020204" pitchFamily="34" charset="-122"/>
+                <a:ea typeface="Microsoft YaHei UI" panose="020B0503020204020204" pitchFamily="34" charset="-122"/>
+              </a:rPr>
+              <a:t>$ gem sources --remove https://rubygems.org/ </a:t>
+            </a:r>
+            <a:endParaRPr lang="en-US" altLang="zh-CN" sz="1400" dirty="0" smtClean="0">
+              <a:solidFill>
+                <a:srgbClr val="7030A0"/>
+              </a:solidFill>
+              <a:latin typeface="Microsoft YaHei UI" panose="020B0503020204020204" pitchFamily="34" charset="-122"/>
+              <a:ea typeface="Microsoft YaHei UI" panose="020B0503020204020204" pitchFamily="34" charset="-122"/>
+            </a:endParaRPr>
+          </a:p>
+          <a:p>
+            <a:r>
+              <a:rPr lang="en-US" altLang="zh-CN" sz="1400" dirty="0" smtClean="0">
+                <a:solidFill>
+                  <a:srgbClr val="7030A0"/>
+                </a:solidFill>
+                <a:latin typeface="Microsoft YaHei UI" panose="020B0503020204020204" pitchFamily="34" charset="-122"/>
+                <a:ea typeface="Microsoft YaHei UI" panose="020B0503020204020204" pitchFamily="34" charset="-122"/>
+              </a:rPr>
+              <a:t>$ </a:t>
+            </a:r>
+            <a:r>
+              <a:rPr lang="en-US" altLang="zh-CN" sz="1400" dirty="0">
+                <a:solidFill>
+                  <a:srgbClr val="7030A0"/>
+                </a:solidFill>
+                <a:latin typeface="Microsoft YaHei UI" panose="020B0503020204020204" pitchFamily="34" charset="-122"/>
+                <a:ea typeface="Microsoft YaHei UI" panose="020B0503020204020204" pitchFamily="34" charset="-122"/>
+              </a:rPr>
+              <a:t>gem sources -a https://ruby.taobao.org/ </a:t>
+            </a:r>
+            <a:endParaRPr lang="en-US" altLang="zh-CN" sz="1400" dirty="0" smtClean="0">
+              <a:solidFill>
+                <a:srgbClr val="7030A0"/>
+              </a:solidFill>
+              <a:latin typeface="Microsoft YaHei UI" panose="020B0503020204020204" pitchFamily="34" charset="-122"/>
+              <a:ea typeface="Microsoft YaHei UI" panose="020B0503020204020204" pitchFamily="34" charset="-122"/>
+            </a:endParaRPr>
+          </a:p>
+          <a:p>
+            <a:r>
+              <a:rPr lang="en-US" altLang="zh-CN" sz="1400" dirty="0" smtClean="0">
+                <a:solidFill>
+                  <a:srgbClr val="7030A0"/>
+                </a:solidFill>
+                <a:latin typeface="Microsoft YaHei UI" panose="020B0503020204020204" pitchFamily="34" charset="-122"/>
+                <a:ea typeface="Microsoft YaHei UI" panose="020B0503020204020204" pitchFamily="34" charset="-122"/>
+              </a:rPr>
+              <a:t>$ </a:t>
+            </a:r>
+            <a:r>
+              <a:rPr lang="en-US" altLang="zh-CN" sz="1400" dirty="0">
+                <a:solidFill>
+                  <a:srgbClr val="7030A0"/>
+                </a:solidFill>
+                <a:latin typeface="Microsoft YaHei UI" panose="020B0503020204020204" pitchFamily="34" charset="-122"/>
+                <a:ea typeface="Microsoft YaHei UI" panose="020B0503020204020204" pitchFamily="34" charset="-122"/>
+              </a:rPr>
+              <a:t>gem sources -l </a:t>
+            </a:r>
+            <a:endParaRPr lang="en-US" altLang="zh-CN" sz="1400" dirty="0" smtClean="0">
+              <a:solidFill>
+                <a:srgbClr val="7030A0"/>
+              </a:solidFill>
+              <a:latin typeface="Microsoft YaHei UI" panose="020B0503020204020204" pitchFamily="34" charset="-122"/>
+              <a:ea typeface="Microsoft YaHei UI" panose="020B0503020204020204" pitchFamily="34" charset="-122"/>
+            </a:endParaRPr>
+          </a:p>
+          <a:p>
+            <a:r>
+              <a:rPr lang="en-US" altLang="zh-CN" sz="1400" dirty="0" smtClean="0">
+                <a:solidFill>
+                  <a:srgbClr val="7030A0"/>
+                </a:solidFill>
+                <a:latin typeface="Microsoft YaHei UI" panose="020B0503020204020204" pitchFamily="34" charset="-122"/>
+                <a:ea typeface="Microsoft YaHei UI" panose="020B0503020204020204" pitchFamily="34" charset="-122"/>
+              </a:rPr>
+              <a:t>*** </a:t>
+            </a:r>
+            <a:r>
+              <a:rPr lang="en-US" altLang="zh-CN" sz="1400" dirty="0">
+                <a:solidFill>
+                  <a:srgbClr val="7030A0"/>
+                </a:solidFill>
+                <a:latin typeface="Microsoft YaHei UI" panose="020B0503020204020204" pitchFamily="34" charset="-122"/>
+                <a:ea typeface="Microsoft YaHei UI" panose="020B0503020204020204" pitchFamily="34" charset="-122"/>
+              </a:rPr>
+              <a:t>CURRENT SOURCES </a:t>
+            </a:r>
+            <a:r>
+              <a:rPr lang="en-US" altLang="zh-CN" sz="1400" dirty="0" smtClean="0">
+                <a:solidFill>
+                  <a:srgbClr val="7030A0"/>
+                </a:solidFill>
+                <a:latin typeface="Microsoft YaHei UI" panose="020B0503020204020204" pitchFamily="34" charset="-122"/>
+                <a:ea typeface="Microsoft YaHei UI" panose="020B0503020204020204" pitchFamily="34" charset="-122"/>
+              </a:rPr>
+              <a:t>***</a:t>
+            </a:r>
+          </a:p>
+          <a:p>
+            <a:r>
+              <a:rPr lang="en-US" altLang="zh-CN" sz="1400" dirty="0" smtClean="0">
+                <a:solidFill>
+                  <a:srgbClr val="7030A0"/>
+                </a:solidFill>
+                <a:latin typeface="Microsoft YaHei UI" panose="020B0503020204020204" pitchFamily="34" charset="-122"/>
+                <a:ea typeface="Microsoft YaHei UI" panose="020B0503020204020204" pitchFamily="34" charset="-122"/>
+              </a:rPr>
+              <a:t> </a:t>
+            </a:r>
+            <a:r>
+              <a:rPr lang="en-US" altLang="zh-CN" sz="1400" dirty="0">
+                <a:solidFill>
+                  <a:srgbClr val="7030A0"/>
+                </a:solidFill>
+                <a:latin typeface="Microsoft YaHei UI" panose="020B0503020204020204" pitchFamily="34" charset="-122"/>
+                <a:ea typeface="Microsoft YaHei UI" panose="020B0503020204020204" pitchFamily="34" charset="-122"/>
+              </a:rPr>
+              <a:t>https://ruby.taobao.org </a:t>
+            </a:r>
+            <a:endParaRPr lang="en-US" altLang="zh-CN" sz="1400" dirty="0" smtClean="0">
+              <a:solidFill>
+                <a:srgbClr val="7030A0"/>
+              </a:solidFill>
+              <a:latin typeface="Microsoft YaHei UI" panose="020B0503020204020204" pitchFamily="34" charset="-122"/>
+              <a:ea typeface="Microsoft YaHei UI" panose="020B0503020204020204" pitchFamily="34" charset="-122"/>
+            </a:endParaRPr>
+          </a:p>
+          <a:p>
+            <a:r>
+              <a:rPr lang="en-US" altLang="zh-CN" sz="1400" dirty="0" smtClean="0">
+                <a:solidFill>
+                  <a:srgbClr val="7030A0"/>
+                </a:solidFill>
+                <a:latin typeface="Microsoft YaHei UI" panose="020B0503020204020204" pitchFamily="34" charset="-122"/>
+                <a:ea typeface="Microsoft YaHei UI" panose="020B0503020204020204" pitchFamily="34" charset="-122"/>
+              </a:rPr>
+              <a:t># </a:t>
+            </a:r>
+            <a:r>
+              <a:rPr lang="zh-CN" altLang="en-US" sz="1400" dirty="0">
+                <a:solidFill>
+                  <a:srgbClr val="7030A0"/>
+                </a:solidFill>
+                <a:latin typeface="Microsoft YaHei UI" panose="020B0503020204020204" pitchFamily="34" charset="-122"/>
+                <a:ea typeface="Microsoft YaHei UI" panose="020B0503020204020204" pitchFamily="34" charset="-122"/>
+              </a:rPr>
+              <a:t>请确保只有 </a:t>
+            </a:r>
+            <a:r>
+              <a:rPr lang="en-US" altLang="zh-CN" sz="1400" dirty="0" smtClean="0">
+                <a:solidFill>
+                  <a:srgbClr val="7030A0"/>
+                </a:solidFill>
+                <a:latin typeface="Microsoft YaHei UI" panose="020B0503020204020204" pitchFamily="34" charset="-122"/>
+                <a:ea typeface="Microsoft YaHei UI" panose="020B0503020204020204" pitchFamily="34" charset="-122"/>
+              </a:rPr>
+              <a:t>ruby.taobao.org </a:t>
+            </a:r>
+          </a:p>
+          <a:p>
+            <a:r>
+              <a:rPr lang="en-US" altLang="zh-CN" sz="1400" dirty="0" smtClean="0">
+                <a:solidFill>
+                  <a:srgbClr val="7030A0"/>
+                </a:solidFill>
+                <a:latin typeface="Microsoft YaHei UI" panose="020B0503020204020204" pitchFamily="34" charset="-122"/>
+                <a:ea typeface="Microsoft YaHei UI" panose="020B0503020204020204" pitchFamily="34" charset="-122"/>
+              </a:rPr>
+              <a:t>$ </a:t>
+            </a:r>
+            <a:r>
+              <a:rPr lang="en-US" altLang="zh-CN" sz="1400" dirty="0">
+                <a:solidFill>
+                  <a:srgbClr val="7030A0"/>
+                </a:solidFill>
+                <a:latin typeface="Microsoft YaHei UI" panose="020B0503020204020204" pitchFamily="34" charset="-122"/>
+                <a:ea typeface="Microsoft YaHei UI" panose="020B0503020204020204" pitchFamily="34" charset="-122"/>
+              </a:rPr>
+              <a:t>gem install sass</a:t>
+            </a:r>
+            <a:endParaRPr lang="zh-CN" altLang="en-US" sz="1400" dirty="0">
+              <a:solidFill>
+                <a:srgbClr val="7030A0"/>
+              </a:solidFill>
+              <a:latin typeface="Microsoft YaHei UI" panose="020B0503020204020204" pitchFamily="34" charset="-122"/>
+              <a:ea typeface="Microsoft YaHei UI" panose="020B0503020204020204" pitchFamily="34" charset="-122"/>
+            </a:endParaRPr>
+          </a:p>
+        </p:txBody>
+      </p:sp>
     </p:spTree>
     <p:extLst>
       <p:ext uri="{BB962C8B-B14F-4D97-AF65-F5344CB8AC3E}">
-        <p14:creationId xmlns:p14="http://schemas.microsoft.com/office/powerpoint/2010/main" val="1254571343"/>
+        <p14:creationId xmlns:p14="http://schemas.microsoft.com/office/powerpoint/2010/main" val="1672618936"/>
       </p:ext>
     </p:extLst>
   </p:cSld>
@@ -11720,7 +11518,7 @@
         <p:spPr>
           <a:xfrm>
             <a:off x="2592925" y="624110"/>
-            <a:ext cx="8911687" cy="676656"/>
+            <a:ext cx="8911687" cy="715293"/>
           </a:xfrm>
         </p:spPr>
         <p:txBody>
@@ -11741,8 +11539,13 @@
             </a:r>
             <a:r>
               <a:rPr lang="zh-CN" altLang="en-US" dirty="0"/>
-              <a:t> 基本语法</a:t>
-            </a:r>
+              <a:t> </a:t>
+            </a:r>
+            <a:r>
+              <a:rPr lang="zh-CN" altLang="en-US" dirty="0" smtClean="0"/>
+              <a:t>基本语法</a:t>
+            </a:r>
+            <a:endParaRPr lang="zh-CN" altLang="en-US" dirty="0"/>
           </a:p>
         </p:txBody>
       </p:sp>
@@ -11756,217 +11559,383 @@
             <p:ph idx="1"/>
           </p:nvPr>
         </p:nvSpPr>
-        <p:spPr>
-          <a:xfrm>
-            <a:off x="2589212" y="2133600"/>
-            <a:ext cx="8915400" cy="4267200"/>
-          </a:xfrm>
-        </p:spPr>
+        <p:spPr/>
         <p:txBody>
           <a:bodyPr>
-            <a:normAutofit/>
+            <a:normAutofit fontScale="92500" lnSpcReduction="20000"/>
           </a:bodyPr>
           <a:lstStyle/>
-          <a:p>
-            <a:pPr marL="342900" lvl="1" indent="-342900">
-              <a:buFont typeface="Wingdings" panose="05000000000000000000" pitchFamily="2" charset="2"/>
-              <a:buChar char="Ø"/>
-            </a:pPr>
-            <a:r>
-              <a:rPr lang="en-US" altLang="zh-CN" sz="1800" dirty="0"/>
-              <a:t>@</a:t>
-            </a:r>
-            <a:r>
-              <a:rPr lang="en-US" altLang="zh-CN" sz="1800" dirty="0" smtClean="0"/>
-              <a:t>mixin</a:t>
-            </a:r>
-          </a:p>
-          <a:p>
-            <a:pPr marL="800100" lvl="1" indent="-342900">
-              <a:buFont typeface="+mj-lt"/>
-              <a:buAutoNum type="alphaLcPeriod"/>
-            </a:pPr>
-            <a:r>
-              <a:rPr lang="en-US" altLang="zh-CN" dirty="0" smtClean="0"/>
-              <a:t>@include</a:t>
-            </a:r>
-            <a:r>
-              <a:rPr lang="zh-CN" altLang="en-US" dirty="0" smtClean="0"/>
-              <a:t>调用，最后产生的样式是以复制拷贝的方式存在。</a:t>
-            </a:r>
-            <a:endParaRPr lang="en-US" altLang="zh-CN" dirty="0" smtClean="0"/>
-          </a:p>
-          <a:p>
-            <a:pPr marL="800100" lvl="1" indent="-342900">
-              <a:buFont typeface="+mj-lt"/>
-              <a:buAutoNum type="alphaLcPeriod"/>
-            </a:pPr>
-            <a:r>
-              <a:rPr lang="zh-CN" altLang="en-US" dirty="0" smtClean="0"/>
-              <a:t>可以传参数。不确定或者多值参数用</a:t>
-            </a:r>
-            <a:r>
-              <a:rPr lang="en-US" altLang="zh-CN" dirty="0" smtClean="0"/>
-              <a:t>…</a:t>
-            </a:r>
-            <a:r>
-              <a:rPr lang="zh-CN" altLang="en-US" dirty="0" smtClean="0"/>
-              <a:t>，比如：</a:t>
-            </a:r>
-            <a:endParaRPr lang="en-US" altLang="zh-CN" dirty="0" smtClean="0"/>
-          </a:p>
-          <a:p>
-            <a:pPr marL="800100" lvl="1" indent="-342900">
-              <a:buFont typeface="+mj-lt"/>
-              <a:buAutoNum type="alphaLcPeriod"/>
-            </a:pPr>
-            <a:r>
-              <a:rPr lang="zh-CN" altLang="en-US" dirty="0" smtClean="0"/>
-              <a:t>应用场景</a:t>
-            </a:r>
-            <a:endParaRPr lang="en-US" altLang="zh-CN" dirty="0" smtClean="0"/>
-          </a:p>
-          <a:p>
-            <a:pPr marL="1257300" lvl="2" indent="-400050">
-              <a:buFont typeface="+mj-lt"/>
-              <a:buAutoNum type="romanUcPeriod"/>
-            </a:pPr>
-            <a:r>
-              <a:rPr lang="zh-CN" altLang="en-US" sz="1600" dirty="0" smtClean="0"/>
-              <a:t>设置</a:t>
-            </a:r>
-            <a:r>
-              <a:rPr lang="zh-CN" altLang="en-US" sz="1600" dirty="0"/>
-              <a:t>参数默认</a:t>
-            </a:r>
-            <a:r>
-              <a:rPr lang="zh-CN" altLang="en-US" sz="1600" dirty="0" smtClean="0"/>
-              <a:t>值，否则可用</a:t>
-            </a:r>
-            <a:r>
-              <a:rPr lang="en-US" altLang="zh-CN" sz="1600" dirty="0" smtClean="0"/>
-              <a:t>%</a:t>
-            </a:r>
-            <a:r>
-              <a:rPr lang="zh-CN" altLang="en-US" sz="1600" dirty="0" smtClean="0"/>
-              <a:t>替代。</a:t>
-            </a:r>
-            <a:endParaRPr lang="en-US" altLang="zh-CN" sz="1600" dirty="0" smtClean="0"/>
-          </a:p>
-          <a:p>
-            <a:pPr marL="1257300" lvl="2" indent="-400050">
-              <a:buFont typeface="+mj-lt"/>
-              <a:buAutoNum type="romanUcPeriod"/>
-            </a:pPr>
-            <a:r>
-              <a:rPr lang="zh-CN" altLang="en-US" sz="1600" dirty="0" smtClean="0"/>
-              <a:t>对需要前缀的</a:t>
-            </a:r>
-            <a:r>
-              <a:rPr lang="en-US" altLang="zh-CN" sz="1600" dirty="0" smtClean="0"/>
-              <a:t>CSS</a:t>
-            </a:r>
-            <a:r>
-              <a:rPr lang="zh-CN" altLang="en-US" sz="1600" dirty="0" smtClean="0"/>
-              <a:t>属性。</a:t>
-            </a:r>
-            <a:endParaRPr lang="en-US" altLang="zh-CN" sz="1600" dirty="0" smtClean="0"/>
-          </a:p>
-          <a:p>
-            <a:pPr marL="1257300" lvl="2" indent="-400050">
-              <a:buFont typeface="+mj-lt"/>
-              <a:buAutoNum type="romanUcPeriod"/>
-            </a:pPr>
-            <a:r>
-              <a:rPr lang="en-US" altLang="zh-CN" sz="1600" dirty="0"/>
-              <a:t>@</a:t>
-            </a:r>
-            <a:r>
-              <a:rPr lang="en-US" altLang="zh-CN" sz="1600" dirty="0" smtClean="0"/>
-              <a:t>content</a:t>
-            </a:r>
-            <a:r>
-              <a:rPr lang="zh-CN" altLang="en-US" sz="1600" dirty="0" smtClean="0"/>
-              <a:t>和</a:t>
-            </a:r>
-            <a:r>
-              <a:rPr lang="en-US" altLang="zh-CN" sz="1600" dirty="0" smtClean="0"/>
-              <a:t>@mixin</a:t>
-            </a:r>
-            <a:r>
-              <a:rPr lang="zh-CN" altLang="en-US" sz="1600" dirty="0" smtClean="0"/>
-              <a:t>组合使用于媒体查询。</a:t>
-            </a:r>
-            <a:endParaRPr lang="en-US" altLang="zh-CN" sz="1600" dirty="0" smtClean="0"/>
-          </a:p>
           <a:p>
             <a:pPr marL="400050">
               <a:buFont typeface="Wingdings" panose="05000000000000000000" pitchFamily="2" charset="2"/>
               <a:buChar char="Ø"/>
             </a:pPr>
             <a:r>
-              <a:rPr lang="en-US" altLang="zh-CN" dirty="0" smtClean="0"/>
-              <a:t>%</a:t>
-            </a:r>
-            <a:r>
-              <a:rPr lang="zh-CN" altLang="en-US" dirty="0" smtClean="0"/>
-              <a:t>占位符，组合声明代码块</a:t>
-            </a:r>
-            <a:endParaRPr lang="en-US" altLang="zh-CN" dirty="0" smtClean="0"/>
-          </a:p>
-          <a:p>
-            <a:pPr marL="914400" lvl="1" indent="-400050">
+              <a:rPr lang="zh-CN" altLang="en-US" sz="1900" dirty="0" smtClean="0"/>
+              <a:t>注释 </a:t>
+            </a:r>
+            <a:r>
+              <a:rPr lang="en-US" altLang="zh-CN" sz="1900" dirty="0" smtClean="0"/>
+              <a:t>//</a:t>
+            </a:r>
+            <a:r>
+              <a:rPr lang="zh-CN" altLang="en-US" sz="1900" dirty="0" smtClean="0"/>
+              <a:t>和</a:t>
+            </a:r>
+            <a:r>
+              <a:rPr lang="en-US" altLang="zh-CN" sz="1900" dirty="0" smtClean="0"/>
+              <a:t> /**/ </a:t>
+            </a:r>
+            <a:r>
+              <a:rPr lang="zh-CN" altLang="en-US" sz="1900" dirty="0" smtClean="0"/>
+              <a:t>，导入</a:t>
+            </a:r>
+            <a:r>
+              <a:rPr lang="en-US" altLang="zh-CN" sz="1900" dirty="0" smtClean="0"/>
+              <a:t>@import</a:t>
+            </a:r>
+            <a:r>
+              <a:rPr lang="zh-CN" altLang="en-US" sz="1900" dirty="0" smtClean="0"/>
+              <a:t>（</a:t>
+            </a:r>
+            <a:r>
+              <a:rPr lang="en-US" altLang="zh-CN" sz="1900" dirty="0" smtClean="0"/>
+              <a:t>@import css</a:t>
+            </a:r>
+            <a:r>
+              <a:rPr lang="zh-CN" altLang="en-US" sz="1900" dirty="0" smtClean="0"/>
+              <a:t>和</a:t>
+            </a:r>
+            <a:r>
+              <a:rPr lang="en-US" altLang="zh-CN" sz="1900" dirty="0" smtClean="0"/>
+              <a:t>scss</a:t>
+            </a:r>
+            <a:r>
+              <a:rPr lang="zh-CN" altLang="en-US" sz="1900" dirty="0" smtClean="0"/>
+              <a:t>的区别）</a:t>
+            </a:r>
+            <a:endParaRPr lang="en-US" altLang="zh-CN" sz="1900" dirty="0" smtClean="0"/>
+          </a:p>
+          <a:p>
+            <a:pPr marL="400050">
+              <a:buFont typeface="Wingdings" panose="05000000000000000000" pitchFamily="2" charset="2"/>
+              <a:buChar char="Ø"/>
+            </a:pPr>
+            <a:r>
+              <a:rPr lang="zh-CN" altLang="en-US" sz="1900" dirty="0" smtClean="0"/>
+              <a:t>变量 </a:t>
+            </a:r>
+            <a:r>
+              <a:rPr lang="en-US" altLang="zh-CN" sz="1900" dirty="0" smtClean="0"/>
+              <a:t>$</a:t>
+            </a:r>
+            <a:r>
+              <a:rPr lang="zh-CN" altLang="en-US" sz="1900" dirty="0" smtClean="0"/>
+              <a:t>，关键字</a:t>
+            </a:r>
+            <a:r>
+              <a:rPr lang="en-US" altLang="zh-CN" sz="1900" dirty="0"/>
+              <a:t>!</a:t>
+            </a:r>
+            <a:r>
+              <a:rPr lang="en-US" altLang="zh-CN" sz="1900" dirty="0" smtClean="0"/>
+              <a:t>default </a:t>
+            </a:r>
+            <a:r>
+              <a:rPr lang="zh-CN" altLang="en-US" sz="1900" dirty="0" smtClean="0"/>
+              <a:t>和</a:t>
+            </a:r>
+            <a:r>
+              <a:rPr lang="en-US" altLang="zh-CN" sz="1900" dirty="0"/>
+              <a:t>!</a:t>
+            </a:r>
+            <a:r>
+              <a:rPr lang="en-US" altLang="zh-CN" sz="1900" dirty="0" smtClean="0"/>
+              <a:t>global</a:t>
+            </a:r>
+            <a:r>
+              <a:rPr lang="zh-CN" altLang="en-US" sz="1900" dirty="0" smtClean="0"/>
+              <a:t>（未启用）</a:t>
+            </a:r>
+            <a:endParaRPr lang="en-US" altLang="zh-CN" sz="1900" dirty="0" smtClean="0"/>
+          </a:p>
+          <a:p>
+            <a:pPr marL="857250" lvl="1" indent="-400050">
               <a:buFont typeface="+mj-lt"/>
               <a:buAutoNum type="alphaLcPeriod"/>
             </a:pPr>
             <a:r>
-              <a:rPr lang="zh-CN" altLang="en-US" dirty="0" smtClean="0"/>
-              <a:t>不调用不产生</a:t>
-            </a:r>
-            <a:r>
-              <a:rPr lang="en-US" altLang="zh-CN" dirty="0" smtClean="0"/>
-              <a:t>css</a:t>
-            </a:r>
-          </a:p>
-          <a:p>
-            <a:pPr marL="914400" lvl="1" indent="-400050">
+              <a:rPr lang="zh-CN" altLang="en-US" sz="1700" dirty="0" smtClean="0"/>
+              <a:t>基本类型，</a:t>
+            </a:r>
+            <a:r>
+              <a:rPr lang="en-US" altLang="zh-CN" sz="1700" dirty="0" smtClean="0"/>
+              <a:t>string</a:t>
+            </a:r>
+            <a:r>
+              <a:rPr lang="zh-CN" altLang="en-US" sz="1700" dirty="0" smtClean="0"/>
+              <a:t>（多值一起声明用</a:t>
+            </a:r>
+            <a:r>
+              <a:rPr lang="en-US" altLang="zh-CN" sz="1700" dirty="0"/>
+              <a:t>nth($var,index</a:t>
+            </a:r>
+            <a:r>
+              <a:rPr lang="en-US" altLang="zh-CN" sz="1700" dirty="0" smtClean="0"/>
+              <a:t>)</a:t>
+            </a:r>
+            <a:r>
+              <a:rPr lang="zh-CN" altLang="en-US" sz="1700" dirty="0" smtClean="0"/>
+              <a:t>遍历），</a:t>
+            </a:r>
+            <a:r>
+              <a:rPr lang="en-US" altLang="zh-CN" sz="1700" dirty="0" smtClean="0"/>
+              <a:t>uint</a:t>
+            </a:r>
+            <a:r>
+              <a:rPr lang="zh-CN" altLang="en-US" sz="1700" dirty="0" smtClean="0"/>
+              <a:t>类型等</a:t>
+            </a:r>
+            <a:endParaRPr lang="en-US" altLang="zh-CN" sz="1700" dirty="0" smtClean="0"/>
+          </a:p>
+          <a:p>
+            <a:pPr marL="857250" lvl="1" indent="-400050">
+              <a:lnSpc>
+                <a:spcPct val="140000"/>
+              </a:lnSpc>
               <a:buFont typeface="+mj-lt"/>
               <a:buAutoNum type="alphaLcPeriod"/>
             </a:pPr>
             <a:r>
-              <a:rPr lang="en-US" altLang="zh-CN" dirty="0"/>
-              <a:t>@extend</a:t>
-            </a:r>
-            <a:r>
-              <a:rPr lang="zh-CN" altLang="en-US" dirty="0"/>
-              <a:t>调用</a:t>
-            </a:r>
-            <a:r>
-              <a:rPr lang="en-US" altLang="zh-CN" dirty="0" smtClean="0"/>
-              <a:t>%</a:t>
-            </a:r>
-            <a:r>
-              <a:rPr lang="zh-CN" altLang="en-US" dirty="0" smtClean="0"/>
-              <a:t>是必须带上</a:t>
-            </a:r>
-            <a:r>
-              <a:rPr lang="en-US" altLang="zh-CN" dirty="0" smtClean="0"/>
-              <a:t>%</a:t>
-            </a:r>
-          </a:p>
-          <a:p>
-            <a:pPr marL="914400" lvl="1" indent="-400050">
+              <a:rPr lang="zh-CN" altLang="en-US" sz="1700" dirty="0" smtClean="0"/>
+              <a:t>复合类型，</a:t>
+            </a:r>
+            <a:r>
+              <a:rPr lang="en-US" altLang="zh-CN" sz="1700" dirty="0" smtClean="0"/>
+              <a:t>map</a:t>
+            </a:r>
+            <a:r>
+              <a:rPr lang="zh-CN" altLang="en-US" sz="1700" dirty="0" smtClean="0"/>
+              <a:t>，</a:t>
+            </a:r>
+            <a:r>
+              <a:rPr lang="en-US" altLang="zh-CN" sz="1700" dirty="0" smtClean="0"/>
+              <a:t>list</a:t>
+            </a:r>
+            <a:r>
+              <a:rPr lang="zh-CN" altLang="en-US" sz="1700" dirty="0" smtClean="0"/>
+              <a:t>（遍历时候用到</a:t>
+            </a:r>
+            <a:r>
+              <a:rPr lang="en-US" altLang="zh-CN" sz="1700" dirty="0" smtClean="0"/>
+              <a:t>@each</a:t>
+            </a:r>
+            <a:r>
+              <a:rPr lang="zh-CN" altLang="en-US" sz="1700" dirty="0" smtClean="0"/>
+              <a:t>、</a:t>
+            </a:r>
+            <a:r>
+              <a:rPr lang="en-US" altLang="zh-CN" sz="1700" dirty="0" smtClean="0"/>
+              <a:t>@for</a:t>
+            </a:r>
+            <a:r>
+              <a:rPr lang="zh-CN" altLang="en-US" sz="1700" dirty="0" smtClean="0"/>
+              <a:t>、</a:t>
+            </a:r>
+            <a:r>
+              <a:rPr lang="en-US" altLang="zh-CN" sz="1700" dirty="0" smtClean="0"/>
+              <a:t>@if @else</a:t>
+            </a:r>
+            <a:r>
+              <a:rPr lang="zh-CN" altLang="en-US" sz="1700" dirty="0" smtClean="0"/>
+              <a:t>），</a:t>
+            </a:r>
+            <a:r>
+              <a:rPr lang="en-US" altLang="zh-CN" sz="1700" dirty="0" smtClean="0"/>
+              <a:t>list</a:t>
+            </a:r>
+            <a:r>
+              <a:rPr lang="zh-CN" altLang="en-US" sz="1700" dirty="0" smtClean="0"/>
+              <a:t>、</a:t>
+            </a:r>
+            <a:r>
+              <a:rPr lang="en-US" altLang="zh-CN" sz="1700" dirty="0" smtClean="0"/>
+              <a:t>map</a:t>
+            </a:r>
+            <a:r>
+              <a:rPr lang="zh-CN" altLang="en-US" sz="1700" dirty="0" smtClean="0"/>
+              <a:t>自带</a:t>
+            </a:r>
+            <a:r>
+              <a:rPr lang="en-US" altLang="zh-CN" sz="1700" dirty="0" smtClean="0"/>
+              <a:t>function</a:t>
+            </a:r>
+            <a:r>
+              <a:rPr lang="zh-CN" altLang="en-US" sz="1700" dirty="0" smtClean="0"/>
+              <a:t>可用，比如</a:t>
+            </a:r>
+            <a:r>
+              <a:rPr lang="en-US" altLang="zh-CN" sz="1700" dirty="0"/>
+              <a:t>length($list</a:t>
+            </a:r>
+            <a:r>
+              <a:rPr lang="en-US" altLang="zh-CN" sz="1700" dirty="0" smtClean="0"/>
+              <a:t>)</a:t>
+            </a:r>
+            <a:r>
+              <a:rPr lang="zh-CN" altLang="en-US" sz="1700" dirty="0" smtClean="0"/>
+              <a:t>，</a:t>
+            </a:r>
+            <a:r>
+              <a:rPr lang="en-US" altLang="zh-CN" sz="1700" dirty="0"/>
+              <a:t>join($list1,$list2,[$separator</a:t>
+            </a:r>
+            <a:r>
+              <a:rPr lang="en-US" altLang="zh-CN" sz="1700" dirty="0" smtClean="0"/>
+              <a:t>])</a:t>
+            </a:r>
+            <a:r>
+              <a:rPr lang="zh-CN" altLang="en-US" sz="1700" dirty="0" smtClean="0"/>
+              <a:t>等</a:t>
+            </a:r>
+            <a:endParaRPr lang="en-US" altLang="zh-CN" sz="1700" dirty="0" smtClean="0"/>
+          </a:p>
+          <a:p>
+            <a:pPr marL="857250" lvl="1" indent="-400050">
               <a:buFont typeface="+mj-lt"/>
               <a:buAutoNum type="alphaLcPeriod"/>
             </a:pPr>
             <a:r>
-              <a:rPr lang="zh-CN" altLang="en-US" dirty="0" smtClean="0"/>
-              <a:t>不能传递参数</a:t>
-            </a:r>
-            <a:endParaRPr lang="en-US" altLang="zh-CN" dirty="0" smtClean="0"/>
-          </a:p>
-          <a:p>
-            <a:pPr marL="914400" lvl="1" indent="-400050">
+              <a:rPr lang="zh-CN" altLang="en-US" sz="1700" dirty="0" smtClean="0"/>
+              <a:t>变量作为属性使用 </a:t>
+            </a:r>
+            <a:r>
+              <a:rPr lang="en-US" altLang="zh-CN" sz="1700" dirty="0"/>
+              <a:t>#{$variables</a:t>
+            </a:r>
+            <a:r>
+              <a:rPr lang="en-US" altLang="zh-CN" sz="1700" dirty="0" smtClean="0"/>
+              <a:t>}</a:t>
+            </a:r>
+          </a:p>
+          <a:p>
+            <a:pPr marL="457200" indent="-400050">
+              <a:buFont typeface="Wingdings" panose="05000000000000000000" pitchFamily="2" charset="2"/>
+              <a:buChar char="Ø"/>
+            </a:pPr>
+            <a:r>
+              <a:rPr lang="zh-CN" altLang="en-US" sz="1900" dirty="0" smtClean="0"/>
+              <a:t>关键字 </a:t>
+            </a:r>
+            <a:endParaRPr lang="en-US" altLang="zh-CN" sz="1900" dirty="0" smtClean="0"/>
+          </a:p>
+          <a:p>
+            <a:pPr marL="857250" lvl="1" indent="-400050">
+              <a:buFont typeface="+mj-lt"/>
+              <a:buAutoNum type="alphaLcPeriod"/>
+            </a:pPr>
+            <a:r>
+              <a:rPr lang="en-US" altLang="zh-CN" sz="1700" dirty="0" smtClean="0"/>
+              <a:t>&amp;</a:t>
+            </a:r>
+            <a:r>
+              <a:rPr lang="zh-CN" altLang="en-US" sz="1700" dirty="0" smtClean="0"/>
+              <a:t>选择器嵌套时候，表示父元素选择器</a:t>
+            </a:r>
+            <a:endParaRPr lang="en-US" altLang="zh-CN" sz="1700" dirty="0" smtClean="0"/>
+          </a:p>
+          <a:p>
+            <a:pPr marL="857250" lvl="1" indent="-400050">
+              <a:buFont typeface="+mj-lt"/>
+              <a:buAutoNum type="alphaLcPeriod"/>
+            </a:pPr>
+            <a:r>
+              <a:rPr lang="en-US" altLang="zh-CN" sz="1700" dirty="0" smtClean="0"/>
+              <a:t>@extend</a:t>
+            </a:r>
+            <a:r>
+              <a:rPr lang="zh-CN" altLang="en-US" sz="1700" dirty="0" smtClean="0"/>
+              <a:t>，选择器继承；</a:t>
+            </a:r>
+            <a:r>
+              <a:rPr lang="en-US" altLang="zh-CN" sz="1700" dirty="0" smtClean="0"/>
+              <a:t>%</a:t>
+            </a:r>
+            <a:r>
+              <a:rPr lang="zh-CN" altLang="en-US" sz="1700" dirty="0" smtClean="0"/>
+              <a:t>占位选择符，通过</a:t>
+            </a:r>
+            <a:r>
+              <a:rPr lang="en-US" altLang="zh-CN" sz="1700" dirty="0" smtClean="0"/>
+              <a:t>@extend</a:t>
+            </a:r>
+            <a:r>
+              <a:rPr lang="zh-CN" altLang="en-US" sz="1700" dirty="0" smtClean="0"/>
+              <a:t>调用。</a:t>
+            </a:r>
+            <a:endParaRPr lang="en-US" altLang="zh-CN" sz="1700" dirty="0" smtClean="0"/>
+          </a:p>
+          <a:p>
+            <a:pPr marL="857250" lvl="1" indent="-400050">
+              <a:buFont typeface="+mj-lt"/>
+              <a:buAutoNum type="alphaLcPeriod"/>
+            </a:pPr>
+            <a:r>
+              <a:rPr lang="zh-CN" altLang="en-US" sz="1700" dirty="0" smtClean="0"/>
+              <a:t> </a:t>
+            </a:r>
+            <a:r>
+              <a:rPr lang="en-US" altLang="zh-CN" sz="1700" dirty="0" smtClean="0"/>
+              <a:t>@at-root(without:…)</a:t>
+            </a:r>
+            <a:r>
+              <a:rPr lang="zh-CN" altLang="en-US" sz="1700" dirty="0" smtClean="0"/>
+              <a:t>，默认跳出选择器嵌套，</a:t>
+            </a:r>
+            <a:r>
+              <a:rPr lang="en-US" altLang="zh-CN" sz="1700" dirty="0" smtClean="0"/>
+              <a:t>without</a:t>
+            </a:r>
+            <a:r>
+              <a:rPr lang="zh-CN" altLang="en-US" sz="1700" dirty="0" smtClean="0"/>
+              <a:t>支持</a:t>
+            </a:r>
+            <a:r>
+              <a:rPr lang="en-US" altLang="zh-CN" sz="1700" dirty="0" smtClean="0"/>
+              <a:t>all</a:t>
+            </a:r>
+            <a:r>
+              <a:rPr lang="zh-CN" altLang="en-US" sz="1700" dirty="0" smtClean="0"/>
+              <a:t>、</a:t>
+            </a:r>
+            <a:r>
+              <a:rPr lang="en-US" altLang="zh-CN" sz="1700" dirty="0" smtClean="0"/>
+              <a:t>rule</a:t>
+            </a:r>
+            <a:r>
+              <a:rPr lang="zh-CN" altLang="en-US" sz="1700" dirty="0" smtClean="0"/>
+              <a:t>、</a:t>
+            </a:r>
+            <a:r>
+              <a:rPr lang="en-US" altLang="zh-CN" sz="1700" dirty="0" smtClean="0"/>
+              <a:t>media</a:t>
+            </a:r>
+            <a:r>
+              <a:rPr lang="zh-CN" altLang="en-US" sz="1700" dirty="0" smtClean="0"/>
+              <a:t>、</a:t>
+            </a:r>
+            <a:r>
+              <a:rPr lang="en-US" altLang="zh-CN" sz="1700" dirty="0" smtClean="0"/>
+              <a:t>support</a:t>
+            </a:r>
+            <a:r>
+              <a:rPr lang="zh-CN" altLang="en-US" sz="1700" dirty="0" smtClean="0"/>
+              <a:t>（未广泛使用）跳出</a:t>
+            </a:r>
+            <a:endParaRPr lang="en-US" altLang="zh-CN" sz="1700" dirty="0" smtClean="0"/>
+          </a:p>
+          <a:p>
+            <a:pPr marL="857250" lvl="1" indent="-400050">
               <a:buFont typeface="+mj-lt"/>
               <a:buAutoNum type="alphaLcPeriod"/>
             </a:pPr>
@@ -11982,8 +11951,8 @@
         </p:nvSpPr>
         <p:spPr>
           <a:xfrm>
-            <a:off x="2589212" y="1213711"/>
-            <a:ext cx="8915400" cy="400110"/>
+            <a:off x="2589213" y="1197731"/>
+            <a:ext cx="8915399" cy="400110"/>
           </a:xfrm>
           <a:prstGeom prst="rect">
             <a:avLst/>
@@ -12006,7 +11975,7 @@
                   <a:srgbClr val="00B050"/>
                 </a:solidFill>
               </a:rPr>
-              <a:t>我醉君复乐，陶然共忘机</a:t>
+              <a:t>与君歌一曲，请君为我侧耳听</a:t>
             </a:r>
             <a:r>
               <a:rPr lang="zh-CN" altLang="en-US" sz="2000" dirty="0" smtClean="0">
@@ -12024,108 +11993,10 @@
           </a:p>
         </p:txBody>
       </p:sp>
-      <p:sp>
-        <p:nvSpPr>
-          <p:cNvPr id="5" name="文本框 4"/>
-          <p:cNvSpPr txBox="1"/>
-          <p:nvPr/>
-        </p:nvSpPr>
-        <p:spPr>
-          <a:xfrm>
-            <a:off x="7861300" y="3073400"/>
-            <a:ext cx="3643312" cy="1169551"/>
-          </a:xfrm>
-          <a:prstGeom prst="rect">
-            <a:avLst/>
-          </a:prstGeom>
-          <a:solidFill>
-            <a:schemeClr val="accent3">
-              <a:lumMod val="20000"/>
-              <a:lumOff val="80000"/>
-            </a:schemeClr>
-          </a:solidFill>
-        </p:spPr>
-        <p:txBody>
-          <a:bodyPr wrap="square" rtlCol="0">
-            <a:spAutoFit/>
-          </a:bodyPr>
-          <a:lstStyle/>
-          <a:p>
-            <a:r>
-              <a:rPr lang="en-US" altLang="zh-CN" sz="1400" dirty="0">
-                <a:solidFill>
-                  <a:srgbClr val="7030A0"/>
-                </a:solidFill>
-                <a:latin typeface="Microsoft YaHei UI" panose="020B0503020204020204" pitchFamily="34" charset="-122"/>
-                <a:ea typeface="Microsoft YaHei UI" panose="020B0503020204020204" pitchFamily="34" charset="-122"/>
-              </a:rPr>
-              <a:t>@mixin box-shadow($shadow...){ </a:t>
-            </a:r>
-          </a:p>
-          <a:p>
-            <a:pPr lvl="1"/>
-            <a:r>
-              <a:rPr lang="en-US" altLang="zh-CN" sz="1400" dirty="0">
-                <a:solidFill>
-                  <a:srgbClr val="7030A0"/>
-                </a:solidFill>
-                <a:latin typeface="Microsoft YaHei UI" panose="020B0503020204020204" pitchFamily="34" charset="-122"/>
-                <a:ea typeface="Microsoft YaHei UI" panose="020B0503020204020204" pitchFamily="34" charset="-122"/>
-              </a:rPr>
-              <a:t>-webkit-box-shadow:$shadow;</a:t>
-            </a:r>
-          </a:p>
-          <a:p>
-            <a:pPr lvl="1"/>
-            <a:r>
-              <a:rPr lang="en-US" altLang="zh-CN" sz="1400" dirty="0">
-                <a:solidFill>
-                  <a:srgbClr val="7030A0"/>
-                </a:solidFill>
-                <a:latin typeface="Microsoft YaHei UI" panose="020B0503020204020204" pitchFamily="34" charset="-122"/>
-                <a:ea typeface="Microsoft YaHei UI" panose="020B0503020204020204" pitchFamily="34" charset="-122"/>
-              </a:rPr>
-              <a:t> -moz-box-shadow:$shadow; </a:t>
-            </a:r>
-          </a:p>
-          <a:p>
-            <a:pPr lvl="1"/>
-            <a:r>
-              <a:rPr lang="en-US" altLang="zh-CN" sz="1400" dirty="0">
-                <a:solidFill>
-                  <a:srgbClr val="7030A0"/>
-                </a:solidFill>
-                <a:latin typeface="Microsoft YaHei UI" panose="020B0503020204020204" pitchFamily="34" charset="-122"/>
-                <a:ea typeface="Microsoft YaHei UI" panose="020B0503020204020204" pitchFamily="34" charset="-122"/>
-              </a:rPr>
-              <a:t>box-shadow:$shadow;</a:t>
-            </a:r>
-          </a:p>
-          <a:p>
-            <a:r>
-              <a:rPr lang="en-US" altLang="zh-CN" sz="1400" dirty="0">
-                <a:solidFill>
-                  <a:srgbClr val="7030A0"/>
-                </a:solidFill>
-                <a:latin typeface="Microsoft YaHei UI" panose="020B0503020204020204" pitchFamily="34" charset="-122"/>
-                <a:ea typeface="Microsoft YaHei UI" panose="020B0503020204020204" pitchFamily="34" charset="-122"/>
-              </a:rPr>
-              <a:t> }</a:t>
-            </a:r>
-            <a:endParaRPr lang="zh-CN" altLang="en-US" sz="1400" dirty="0">
-              <a:solidFill>
-                <a:srgbClr val="7030A0"/>
-              </a:solidFill>
-              <a:latin typeface="Microsoft YaHei UI" panose="020B0503020204020204" pitchFamily="34" charset="-122"/>
-              <a:ea typeface="Microsoft YaHei UI" panose="020B0503020204020204" pitchFamily="34" charset="-122"/>
-            </a:endParaRPr>
-          </a:p>
-        </p:txBody>
-      </p:sp>
     </p:spTree>
     <p:extLst>
       <p:ext uri="{BB962C8B-B14F-4D97-AF65-F5344CB8AC3E}">
-        <p14:creationId xmlns:p14="http://schemas.microsoft.com/office/powerpoint/2010/main" val="274558942"/>
+        <p14:creationId xmlns:p14="http://schemas.microsoft.com/office/powerpoint/2010/main" val="1254571343"/>
       </p:ext>
     </p:extLst>
   </p:cSld>
@@ -12175,7 +12046,7 @@
         <p:spPr>
           <a:xfrm>
             <a:off x="2592925" y="624110"/>
-            <a:ext cx="8911687" cy="663777"/>
+            <a:ext cx="8911687" cy="676656"/>
           </a:xfrm>
         </p:spPr>
         <p:txBody>
@@ -12183,12 +12054,16 @@
           <a:lstStyle/>
           <a:p>
             <a:r>
-              <a:rPr lang="zh-CN" altLang="en-US" dirty="0"/>
+              <a:rPr lang="zh-CN" altLang="en-US" dirty="0" smtClean="0"/>
               <a:t>使用</a:t>
             </a:r>
             <a:r>
+              <a:rPr lang="en-US" altLang="zh-CN" dirty="0" smtClean="0"/>
+              <a:t>Sass </a:t>
+            </a:r>
+            <a:r>
               <a:rPr lang="en-US" altLang="zh-CN" dirty="0"/>
-              <a:t>Sass ——</a:t>
+              <a:t>——</a:t>
             </a:r>
             <a:r>
               <a:rPr lang="zh-CN" altLang="en-US" dirty="0"/>
@@ -12207,18 +12082,29 @@
             <p:ph idx="1"/>
           </p:nvPr>
         </p:nvSpPr>
-        <p:spPr/>
-        <p:txBody>
-          <a:bodyPr/>
+        <p:spPr>
+          <a:xfrm>
+            <a:off x="2589212" y="2133600"/>
+            <a:ext cx="8915400" cy="4267200"/>
+          </a:xfrm>
+        </p:spPr>
+        <p:txBody>
+          <a:bodyPr>
+            <a:normAutofit/>
+          </a:bodyPr>
           <a:lstStyle/>
           <a:p>
-            <a:pPr>
+            <a:pPr marL="342900" lvl="1" indent="-342900">
               <a:buFont typeface="Wingdings" panose="05000000000000000000" pitchFamily="2" charset="2"/>
               <a:buChar char="Ø"/>
             </a:pPr>
             <a:r>
-              <a:rPr lang="en-US" altLang="zh-CN" dirty="0" smtClean="0"/>
-              <a:t>@function</a:t>
+              <a:rPr lang="en-US" altLang="zh-CN" sz="1800" dirty="0"/>
+              <a:t>@</a:t>
+            </a:r>
+            <a:r>
+              <a:rPr lang="en-US" altLang="zh-CN" sz="1800" dirty="0" smtClean="0"/>
+              <a:t>mixin</a:t>
             </a:r>
           </a:p>
           <a:p>
@@ -12228,19 +12114,11 @@
             </a:pPr>
             <a:r>
               <a:rPr lang="en-US" altLang="zh-CN" dirty="0" smtClean="0"/>
-              <a:t>@function</a:t>
+              <a:t>@include</a:t>
             </a:r>
             <a:r>
               <a:rPr lang="zh-CN" altLang="en-US" dirty="0" smtClean="0"/>
-              <a:t>声明，</a:t>
-            </a:r>
-            <a:r>
-              <a:rPr lang="en-US" altLang="zh-CN" dirty="0" smtClean="0"/>
-              <a:t>@return</a:t>
-            </a:r>
-            <a:r>
-              <a:rPr lang="zh-CN" altLang="en-US" dirty="0" smtClean="0"/>
-              <a:t>返回值</a:t>
+              <a:t>调用，最后产生的样式是以复制拷贝的方式存在。</a:t>
             </a:r>
             <a:endParaRPr lang="en-US" altLang="zh-CN" dirty="0" smtClean="0"/>
           </a:p>
@@ -12250,45 +12128,16 @@
               <a:buAutoNum type="alphaLcPeriod"/>
             </a:pPr>
             <a:r>
+              <a:rPr lang="zh-CN" altLang="en-US" dirty="0" smtClean="0"/>
+              <a:t>可以传参数。不确定或者多值参数用</a:t>
+            </a:r>
+            <a:r>
               <a:rPr lang="en-US" altLang="zh-CN" dirty="0" smtClean="0"/>
-              <a:t>Sass</a:t>
+              <a:t>…</a:t>
             </a:r>
             <a:r>
               <a:rPr lang="zh-CN" altLang="en-US" dirty="0" smtClean="0"/>
-              <a:t>自带很多函数</a:t>
-            </a:r>
-            <a:endParaRPr lang="en-US" altLang="zh-CN" dirty="0" smtClean="0"/>
-          </a:p>
-          <a:p>
-            <a:pPr marL="857250" lvl="2" indent="0">
-              <a:buNone/>
-            </a:pPr>
-            <a:r>
-              <a:rPr lang="zh-CN" altLang="en-US" dirty="0" smtClean="0"/>
-              <a:t>函数列表参考 </a:t>
-            </a:r>
-            <a:r>
-              <a:rPr lang="en-US" altLang="zh-CN" dirty="0">
-                <a:hlinkClick r:id="rId2"/>
-              </a:rPr>
-              <a:t>http://</a:t>
-            </a:r>
-            <a:r>
-              <a:rPr lang="en-US" altLang="zh-CN" dirty="0" smtClean="0">
-                <a:hlinkClick r:id="rId2"/>
-              </a:rPr>
-              <a:t>sass-lang.com/documentation/Sass/Script/Functions.html</a:t>
-            </a:r>
-            <a:endParaRPr lang="en-US" altLang="zh-CN" dirty="0" smtClean="0"/>
-          </a:p>
-          <a:p>
-            <a:pPr indent="-285750">
-              <a:buFont typeface="Wingdings" panose="05000000000000000000" pitchFamily="2" charset="2"/>
-              <a:buChar char="Ø"/>
-            </a:pPr>
-            <a:r>
-              <a:rPr lang="zh-CN" altLang="en-US" dirty="0" smtClean="0"/>
-              <a:t>归纳</a:t>
+              <a:t>，比如：</a:t>
             </a:r>
             <a:endParaRPr lang="en-US" altLang="zh-CN" dirty="0" smtClean="0"/>
           </a:p>
@@ -12299,32 +12148,82 @@
             </a:pPr>
             <a:r>
               <a:rPr lang="zh-CN" altLang="en-US" dirty="0" smtClean="0"/>
-              <a:t>样式</a:t>
-            </a:r>
-            <a:r>
-              <a:rPr lang="zh-CN" altLang="en-US" dirty="0"/>
-              <a:t>可以组合</a:t>
-            </a:r>
-            <a:r>
-              <a:rPr lang="zh-CN" altLang="en-US" dirty="0" smtClean="0"/>
-              <a:t>申明</a:t>
+              <a:t>应用场景</a:t>
             </a:r>
             <a:endParaRPr lang="en-US" altLang="zh-CN" dirty="0" smtClean="0"/>
           </a:p>
           <a:p>
-            <a:pPr marL="800100" lvl="1" indent="-342900">
+            <a:pPr marL="1257300" lvl="2" indent="-400050">
               <a:buFont typeface="+mj-lt"/>
-              <a:buAutoNum type="alphaLcPeriod"/>
+              <a:buAutoNum type="romanUcPeriod"/>
             </a:pPr>
             <a:r>
-              <a:rPr lang="zh-CN" altLang="en-US" dirty="0"/>
-              <a:t>浏览器兼容样式</a:t>
-            </a:r>
-            <a:r>
-              <a:rPr lang="zh-CN" altLang="en-US" dirty="0" smtClean="0"/>
-              <a:t>判断</a:t>
-            </a:r>
-            <a:endParaRPr lang="en-US" altLang="zh-CN" dirty="0" smtClean="0"/>
+              <a:rPr lang="zh-CN" altLang="en-US" sz="1600" dirty="0" smtClean="0"/>
+              <a:t>设置</a:t>
+            </a:r>
+            <a:r>
+              <a:rPr lang="zh-CN" altLang="en-US" sz="1600" dirty="0"/>
+              <a:t>参数默认</a:t>
+            </a:r>
+            <a:r>
+              <a:rPr lang="zh-CN" altLang="en-US" sz="1600" dirty="0" smtClean="0"/>
+              <a:t>值，否则可用</a:t>
+            </a:r>
+            <a:r>
+              <a:rPr lang="en-US" altLang="zh-CN" sz="1600" dirty="0" smtClean="0"/>
+              <a:t>%</a:t>
+            </a:r>
+            <a:r>
+              <a:rPr lang="zh-CN" altLang="en-US" sz="1600" dirty="0" smtClean="0"/>
+              <a:t>替代。</a:t>
+            </a:r>
+            <a:endParaRPr lang="en-US" altLang="zh-CN" sz="1600" dirty="0" smtClean="0"/>
+          </a:p>
+          <a:p>
+            <a:pPr marL="1257300" lvl="2" indent="-400050">
+              <a:buFont typeface="+mj-lt"/>
+              <a:buAutoNum type="romanUcPeriod"/>
+            </a:pPr>
+            <a:r>
+              <a:rPr lang="zh-CN" altLang="en-US" sz="1600" dirty="0" smtClean="0"/>
+              <a:t>对需要前缀的</a:t>
+            </a:r>
+            <a:r>
+              <a:rPr lang="en-US" altLang="zh-CN" sz="1600" dirty="0" smtClean="0"/>
+              <a:t>CSS</a:t>
+            </a:r>
+            <a:r>
+              <a:rPr lang="zh-CN" altLang="en-US" sz="1600" dirty="0" smtClean="0"/>
+              <a:t>属性。</a:t>
+            </a:r>
+            <a:endParaRPr lang="en-US" altLang="zh-CN" sz="1600" dirty="0" smtClean="0"/>
+          </a:p>
+          <a:p>
+            <a:pPr marL="1257300" lvl="2" indent="-400050">
+              <a:buFont typeface="+mj-lt"/>
+              <a:buAutoNum type="romanUcPeriod"/>
+            </a:pPr>
+            <a:r>
+              <a:rPr lang="en-US" altLang="zh-CN" sz="1600" dirty="0"/>
+              <a:t>@</a:t>
+            </a:r>
+            <a:r>
+              <a:rPr lang="en-US" altLang="zh-CN" sz="1600" dirty="0" smtClean="0"/>
+              <a:t>content</a:t>
+            </a:r>
+            <a:r>
+              <a:rPr lang="zh-CN" altLang="en-US" sz="1600" dirty="0" smtClean="0"/>
+              <a:t>和</a:t>
+            </a:r>
+            <a:r>
+              <a:rPr lang="en-US" altLang="zh-CN" sz="1600" dirty="0" smtClean="0"/>
+              <a:t>@mixin</a:t>
+            </a:r>
+            <a:r>
+              <a:rPr lang="zh-CN" altLang="en-US" sz="1600" dirty="0" smtClean="0"/>
+              <a:t>组合使用于媒体查询。</a:t>
+            </a:r>
+            <a:endParaRPr lang="en-US" altLang="zh-CN" sz="1600" dirty="0" smtClean="0"/>
           </a:p>
           <a:p>
             <a:pPr marL="400050">
@@ -12333,8 +12232,70 @@
             </a:pPr>
             <a:r>
               <a:rPr lang="en-US" altLang="zh-CN" dirty="0" smtClean="0"/>
-              <a:t>sassdemo</a:t>
-            </a:r>
+              <a:t>%</a:t>
+            </a:r>
+            <a:r>
+              <a:rPr lang="zh-CN" altLang="en-US" dirty="0" smtClean="0"/>
+              <a:t>占位符，组合声明代码块</a:t>
+            </a:r>
+            <a:endParaRPr lang="en-US" altLang="zh-CN" dirty="0" smtClean="0"/>
+          </a:p>
+          <a:p>
+            <a:pPr marL="914400" lvl="1" indent="-400050">
+              <a:buFont typeface="+mj-lt"/>
+              <a:buAutoNum type="alphaLcPeriod"/>
+            </a:pPr>
+            <a:r>
+              <a:rPr lang="zh-CN" altLang="en-US" dirty="0" smtClean="0"/>
+              <a:t>不调用不产生</a:t>
+            </a:r>
+            <a:r>
+              <a:rPr lang="en-US" altLang="zh-CN" dirty="0" smtClean="0"/>
+              <a:t>css</a:t>
+            </a:r>
+          </a:p>
+          <a:p>
+            <a:pPr marL="914400" lvl="1" indent="-400050">
+              <a:buFont typeface="+mj-lt"/>
+              <a:buAutoNum type="alphaLcPeriod"/>
+            </a:pPr>
+            <a:r>
+              <a:rPr lang="en-US" altLang="zh-CN" dirty="0"/>
+              <a:t>@extend</a:t>
+            </a:r>
+            <a:r>
+              <a:rPr lang="zh-CN" altLang="en-US" dirty="0"/>
+              <a:t>调用</a:t>
+            </a:r>
+            <a:r>
+              <a:rPr lang="en-US" altLang="zh-CN" dirty="0" smtClean="0"/>
+              <a:t>%</a:t>
+            </a:r>
+            <a:r>
+              <a:rPr lang="zh-CN" altLang="en-US" dirty="0" smtClean="0"/>
+              <a:t>是必须带上</a:t>
+            </a:r>
+            <a:r>
+              <a:rPr lang="en-US" altLang="zh-CN" dirty="0" smtClean="0"/>
+              <a:t>%</a:t>
+            </a:r>
+          </a:p>
+          <a:p>
+            <a:pPr marL="914400" lvl="1" indent="-400050">
+              <a:buFont typeface="+mj-lt"/>
+              <a:buAutoNum type="alphaLcPeriod"/>
+            </a:pPr>
+            <a:r>
+              <a:rPr lang="zh-CN" altLang="en-US" dirty="0" smtClean="0"/>
+              <a:t>不能传递参数</a:t>
+            </a:r>
+            <a:endParaRPr lang="en-US" altLang="zh-CN" dirty="0" smtClean="0"/>
+          </a:p>
+          <a:p>
+            <a:pPr marL="914400" lvl="1" indent="-400050">
+              <a:buFont typeface="+mj-lt"/>
+              <a:buAutoNum type="alphaLcPeriod"/>
+            </a:pPr>
             <a:endParaRPr lang="zh-CN" altLang="en-US" dirty="0"/>
           </a:p>
         </p:txBody>
@@ -12347,7 +12308,7 @@
         </p:nvSpPr>
         <p:spPr>
           <a:xfrm>
-            <a:off x="2589213" y="1197732"/>
+            <a:off x="2589212" y="1213711"/>
             <a:ext cx="8915400" cy="400110"/>
           </a:xfrm>
           <a:prstGeom prst="rect">
@@ -12355,7 +12316,7 @@
           </a:prstGeom>
           <a:noFill/>
           <a:effectLst>
-            <a:reflection blurRad="6350" stA="50000" endA="300" endPos="55000" dir="5400000" sy="-100000" algn="bl" rotWithShape="0"/>
+            <a:reflection blurRad="6350" stA="50000" endA="300" endPos="55500" dist="50800" dir="5400000" sy="-100000" algn="bl" rotWithShape="0"/>
           </a:effectLst>
         </p:spPr>
         <p:txBody>
@@ -12371,15 +12332,126 @@
                   <a:srgbClr val="00B050"/>
                 </a:solidFill>
               </a:rPr>
-              <a:t>长风万里送秋雁，对此可以酣高楼。</a:t>
-            </a:r>
+              <a:t>我醉君复乐，陶然共忘机</a:t>
+            </a:r>
+            <a:r>
+              <a:rPr lang="zh-CN" altLang="en-US" sz="2000" dirty="0" smtClean="0">
+                <a:solidFill>
+                  <a:srgbClr val="00B050"/>
+                </a:solidFill>
+              </a:rPr>
+              <a:t>。</a:t>
+            </a:r>
+            <a:endParaRPr lang="zh-CN" altLang="en-US" sz="2000" dirty="0">
+              <a:solidFill>
+                <a:srgbClr val="00B050"/>
+              </a:solidFill>
+            </a:endParaRPr>
+          </a:p>
+        </p:txBody>
+      </p:sp>
+      <p:sp>
+        <p:nvSpPr>
+          <p:cNvPr id="5" name="文本框 4"/>
+          <p:cNvSpPr txBox="1"/>
+          <p:nvPr/>
+        </p:nvSpPr>
+        <p:spPr>
+          <a:xfrm>
+            <a:off x="7861300" y="3073400"/>
+            <a:ext cx="3643312" cy="1169551"/>
+          </a:xfrm>
+          <a:prstGeom prst="rect">
+            <a:avLst/>
+          </a:prstGeom>
+          <a:solidFill>
+            <a:schemeClr val="accent3">
+              <a:lumMod val="20000"/>
+              <a:lumOff val="80000"/>
+            </a:schemeClr>
+          </a:solidFill>
+        </p:spPr>
+        <p:txBody>
+          <a:bodyPr wrap="square" rtlCol="0">
+            <a:spAutoFit/>
+          </a:bodyPr>
+          <a:lstStyle/>
+          <a:p>
+            <a:r>
+              <a:rPr lang="en-US" altLang="zh-CN" sz="1400" dirty="0">
+                <a:solidFill>
+                  <a:srgbClr val="7030A0"/>
+                </a:solidFill>
+                <a:latin typeface="Microsoft YaHei UI" panose="020B0503020204020204" pitchFamily="34" charset="-122"/>
+                <a:ea typeface="Microsoft YaHei UI" panose="020B0503020204020204" pitchFamily="34" charset="-122"/>
+              </a:rPr>
+              <a:t>@mixin box-shadow($shadow...){ </a:t>
+            </a:r>
+          </a:p>
+          <a:p>
+            <a:pPr lvl="1"/>
+            <a:r>
+              <a:rPr lang="en-US" altLang="zh-CN" sz="1400" dirty="0">
+                <a:solidFill>
+                  <a:srgbClr val="7030A0"/>
+                </a:solidFill>
+                <a:latin typeface="Microsoft YaHei UI" panose="020B0503020204020204" pitchFamily="34" charset="-122"/>
+                <a:ea typeface="Microsoft YaHei UI" panose="020B0503020204020204" pitchFamily="34" charset="-122"/>
+              </a:rPr>
+              <a:t>-webkit-box-shadow:$shadow;</a:t>
+            </a:r>
+          </a:p>
+          <a:p>
+            <a:pPr lvl="1"/>
+            <a:r>
+              <a:rPr lang="en-US" altLang="zh-CN" sz="1400" dirty="0">
+                <a:solidFill>
+                  <a:srgbClr val="7030A0"/>
+                </a:solidFill>
+                <a:latin typeface="Microsoft YaHei UI" panose="020B0503020204020204" pitchFamily="34" charset="-122"/>
+                <a:ea typeface="Microsoft YaHei UI" panose="020B0503020204020204" pitchFamily="34" charset="-122"/>
+              </a:rPr>
+              <a:t> -moz-box-shadow:$shadow; </a:t>
+            </a:r>
+          </a:p>
+          <a:p>
+            <a:pPr lvl="1"/>
+            <a:r>
+              <a:rPr lang="en-US" altLang="zh-CN" sz="1400" dirty="0">
+                <a:solidFill>
+                  <a:srgbClr val="7030A0"/>
+                </a:solidFill>
+                <a:latin typeface="Microsoft YaHei UI" panose="020B0503020204020204" pitchFamily="34" charset="-122"/>
+                <a:ea typeface="Microsoft YaHei UI" panose="020B0503020204020204" pitchFamily="34" charset="-122"/>
+              </a:rPr>
+              <a:t>box-shadow:$shadow;</a:t>
+            </a:r>
+          </a:p>
+          <a:p>
+            <a:r>
+              <a:rPr lang="en-US" altLang="zh-CN" sz="1400" dirty="0">
+                <a:solidFill>
+                  <a:srgbClr val="7030A0"/>
+                </a:solidFill>
+                <a:latin typeface="Microsoft YaHei UI" panose="020B0503020204020204" pitchFamily="34" charset="-122"/>
+                <a:ea typeface="Microsoft YaHei UI" panose="020B0503020204020204" pitchFamily="34" charset="-122"/>
+              </a:rPr>
+              <a:t> }</a:t>
+            </a:r>
+            <a:endParaRPr lang="zh-CN" altLang="en-US" sz="1400" dirty="0">
+              <a:solidFill>
+                <a:srgbClr val="7030A0"/>
+              </a:solidFill>
+              <a:latin typeface="Microsoft YaHei UI" panose="020B0503020204020204" pitchFamily="34" charset="-122"/>
+              <a:ea typeface="Microsoft YaHei UI" panose="020B0503020204020204" pitchFamily="34" charset="-122"/>
+            </a:endParaRPr>
           </a:p>
         </p:txBody>
       </p:sp>
     </p:spTree>
     <p:extLst>
       <p:ext uri="{BB962C8B-B14F-4D97-AF65-F5344CB8AC3E}">
-        <p14:creationId xmlns:p14="http://schemas.microsoft.com/office/powerpoint/2010/main" val="57692048"/>
+        <p14:creationId xmlns:p14="http://schemas.microsoft.com/office/powerpoint/2010/main" val="274558942"/>
       </p:ext>
     </p:extLst>
   </p:cSld>

--- a/SASS愈行愈远.pptx
+++ b/SASS愈行愈远.pptx
@@ -701,6 +701,112 @@
 </file>
 
 <file path=ppt/notesSlides/notesSlide3.xml><?xml version="1.0" encoding="utf-8"?>
+<p:notes xmlns:a="http://schemas.openxmlformats.org/drawingml/2006/main" xmlns:r="http://schemas.openxmlformats.org/officeDocument/2006/relationships" xmlns:p="http://schemas.openxmlformats.org/presentationml/2006/main">
+  <p:cSld>
+    <p:spTree>
+      <p:nvGrpSpPr>
+        <p:cNvPr id="1" name=""/>
+        <p:cNvGrpSpPr/>
+        <p:nvPr/>
+      </p:nvGrpSpPr>
+      <p:grpSpPr>
+        <a:xfrm>
+          <a:off x="0" y="0"/>
+          <a:ext cx="0" cy="0"/>
+          <a:chOff x="0" y="0"/>
+          <a:chExt cx="0" cy="0"/>
+        </a:xfrm>
+      </p:grpSpPr>
+      <p:sp>
+        <p:nvSpPr>
+          <p:cNvPr id="2" name="幻灯片图像占位符 1"/>
+          <p:cNvSpPr>
+            <a:spLocks noGrp="1" noRot="1" noChangeAspect="1"/>
+          </p:cNvSpPr>
+          <p:nvPr>
+            <p:ph type="sldImg"/>
+          </p:nvPr>
+        </p:nvSpPr>
+        <p:spPr/>
+      </p:sp>
+      <p:sp>
+        <p:nvSpPr>
+          <p:cNvPr id="3" name="备注占位符 2"/>
+          <p:cNvSpPr>
+            <a:spLocks noGrp="1"/>
+          </p:cNvSpPr>
+          <p:nvPr>
+            <p:ph type="body" idx="1"/>
+          </p:nvPr>
+        </p:nvSpPr>
+        <p:spPr/>
+        <p:txBody>
+          <a:bodyPr/>
+          <a:lstStyle/>
+          <a:p>
+            <a:r>
+              <a:rPr lang="zh-CN" altLang="en-US" dirty="0" smtClean="0"/>
+              <a:t>应用场景，</a:t>
+            </a:r>
+            <a:r>
+              <a:rPr lang="en-US" altLang="zh-CN" dirty="0" smtClean="0"/>
+              <a:t>1</a:t>
+            </a:r>
+            <a:r>
+              <a:rPr lang="zh-CN" altLang="en-US" dirty="0" smtClean="0"/>
+              <a:t>、多个按钮的前景色、背景色、三个状态色值等的管理，</a:t>
+            </a:r>
+            <a:r>
+              <a:rPr lang="en-US" altLang="zh-CN" dirty="0" smtClean="0"/>
+              <a:t>2</a:t>
+            </a:r>
+            <a:r>
+              <a:rPr lang="zh-CN" altLang="en-US" dirty="0" smtClean="0"/>
+              <a:t>、不同主题，变量不同，逻辑代码相同，这样就可以方便生成不同配色方案或者布局方案</a:t>
+            </a:r>
+          </a:p>
+          <a:p>
+            <a:endParaRPr lang="zh-CN" altLang="en-US" dirty="0"/>
+          </a:p>
+        </p:txBody>
+      </p:sp>
+      <p:sp>
+        <p:nvSpPr>
+          <p:cNvPr id="4" name="灯片编号占位符 3"/>
+          <p:cNvSpPr>
+            <a:spLocks noGrp="1"/>
+          </p:cNvSpPr>
+          <p:nvPr>
+            <p:ph type="sldNum" sz="quarter" idx="10"/>
+          </p:nvPr>
+        </p:nvSpPr>
+        <p:spPr/>
+        <p:txBody>
+          <a:bodyPr/>
+          <a:lstStyle/>
+          <a:p>
+            <a:fld id="{50AB4024-DAA6-4EAE-AEB3-353C1DA2FD5F}" type="slidenum">
+              <a:rPr lang="zh-CN" altLang="en-US" smtClean="0"/>
+              <a:t>6</a:t>
+            </a:fld>
+            <a:endParaRPr lang="zh-CN" altLang="en-US"/>
+          </a:p>
+        </p:txBody>
+      </p:sp>
+    </p:spTree>
+    <p:extLst>
+      <p:ext uri="{BB962C8B-B14F-4D97-AF65-F5344CB8AC3E}">
+        <p14:creationId xmlns:p14="http://schemas.microsoft.com/office/powerpoint/2010/main" val="1001030690"/>
+      </p:ext>
+    </p:extLst>
+  </p:cSld>
+  <p:clrMapOvr>
+    <a:masterClrMapping/>
+  </p:clrMapOvr>
+</p:notes>
+</file>
+
+<file path=ppt/notesSlides/notesSlide4.xml><?xml version="1.0" encoding="utf-8"?>
 <p:notes xmlns:a="http://schemas.openxmlformats.org/drawingml/2006/main" xmlns:r="http://schemas.openxmlformats.org/officeDocument/2006/relationships" xmlns:p="http://schemas.openxmlformats.org/presentationml/2006/main">
   <p:cSld>
     <p:spTree>
@@ -9842,15 +9948,7 @@
             </a:r>
             <a:r>
               <a:rPr lang="zh-CN" altLang="en-US" sz="2400" dirty="0" smtClean="0"/>
-              <a:t>入前端，菜鸟一枚</a:t>
-            </a:r>
-            <a:r>
-              <a:rPr lang="zh-CN" altLang="en-US" sz="2400" dirty="0" smtClean="0"/>
-              <a:t>，抛砖引玉</a:t>
-            </a:r>
-            <a:r>
-              <a:rPr lang="zh-CN" altLang="en-US" sz="2400" dirty="0" smtClean="0"/>
-              <a:t>之举。希望小伙伴们少包容、多批评、多指正。</a:t>
+              <a:t>入前端，菜鸟一枚，抛砖引玉之举。希望小伙伴们少包容、多批评、多指正。</a:t>
             </a:r>
             <a:endParaRPr lang="zh-CN" altLang="en-US" sz="2400" dirty="0"/>
           </a:p>
@@ -10849,6 +10947,33 @@
           </a:p>
         </p:txBody>
       </p:sp>
+      <p:pic>
+        <p:nvPicPr>
+          <p:cNvPr id="4" name="pasted-image.png"/>
+          <p:cNvPicPr/>
+          <p:nvPr/>
+        </p:nvPicPr>
+        <p:blipFill>
+          <a:blip r:embed="rId3">
+            <a:extLst/>
+          </a:blip>
+          <a:stretch>
+            <a:fillRect/>
+          </a:stretch>
+        </p:blipFill>
+        <p:spPr>
+          <a:xfrm>
+            <a:off x="1750663" y="624109"/>
+            <a:ext cx="9415320" cy="4578955"/>
+          </a:xfrm>
+          <a:prstGeom prst="rect">
+            <a:avLst/>
+          </a:prstGeom>
+          <a:ln w="12700">
+            <a:miter lim="400000"/>
+          </a:ln>
+        </p:spPr>
+      </p:pic>
     </p:spTree>
     <p:extLst>
       <p:ext uri="{BB962C8B-B14F-4D97-AF65-F5344CB8AC3E}">
